--- a/Presentacion.pptx
+++ b/Presentacion.pptx
@@ -2,20 +2,20 @@
 <file path=ppt/presentation.xml><?xml version="1.0" encoding="utf-8"?>
 <p:presentation xmlns:a="http://schemas.openxmlformats.org/drawingml/2006/main" xmlns:r="http://schemas.openxmlformats.org/officeDocument/2006/relationships" xmlns:p="http://schemas.openxmlformats.org/presentationml/2006/main" saveSubsetFonts="1">
   <p:sldMasterIdLst>
-    <p:sldMasterId id="2147483648" r:id="rId1"/>
+    <p:sldMasterId id="2147483660" r:id="rId1"/>
   </p:sldMasterIdLst>
   <p:sldIdLst>
     <p:sldId id="256" r:id="rId2"/>
     <p:sldId id="271" r:id="rId3"/>
     <p:sldId id="257" r:id="rId4"/>
-    <p:sldId id="258" r:id="rId5"/>
-    <p:sldId id="259" r:id="rId6"/>
-    <p:sldId id="260" r:id="rId7"/>
-    <p:sldId id="275" r:id="rId8"/>
-    <p:sldId id="261" r:id="rId9"/>
-    <p:sldId id="272" r:id="rId10"/>
-    <p:sldId id="273" r:id="rId11"/>
-    <p:sldId id="274" r:id="rId12"/>
+    <p:sldId id="277" r:id="rId5"/>
+    <p:sldId id="278" r:id="rId6"/>
+    <p:sldId id="279" r:id="rId7"/>
+    <p:sldId id="280" r:id="rId8"/>
+    <p:sldId id="258" r:id="rId9"/>
+    <p:sldId id="259" r:id="rId10"/>
+    <p:sldId id="260" r:id="rId11"/>
+    <p:sldId id="275" r:id="rId12"/>
     <p:sldId id="262" r:id="rId13"/>
     <p:sldId id="263" r:id="rId14"/>
     <p:sldId id="264" r:id="rId15"/>
@@ -132,7 +132,7 @@
 </file>
 
 <file path=ppt/slideLayouts/slideLayout1.xml><?xml version="1.0" encoding="utf-8"?>
-<p:sldLayout xmlns:a="http://schemas.openxmlformats.org/drawingml/2006/main" xmlns:r="http://schemas.openxmlformats.org/officeDocument/2006/relationships" xmlns:p="http://schemas.openxmlformats.org/presentationml/2006/main" type="title" preserve="1">
+<p:sldLayout xmlns:a="http://schemas.openxmlformats.org/drawingml/2006/main" xmlns:r="http://schemas.openxmlformats.org/officeDocument/2006/relationships" xmlns:p="http://schemas.openxmlformats.org/presentationml/2006/main" showMasterSp="0" type="title" preserve="1">
   <p:cSld name="Diapositiva de título">
     <p:spTree>
       <p:nvGrpSpPr>
@@ -148,9 +148,539 @@
           <a:chExt cx="0" cy="0"/>
         </a:xfrm>
       </p:grpSpPr>
-      <p:sp>
-        <p:nvSpPr>
-          <p:cNvPr id="2" name="Título 1"/>
+      <p:grpSp>
+        <p:nvGrpSpPr>
+          <p:cNvPr id="7" name="Group 6"/>
+          <p:cNvGrpSpPr/>
+          <p:nvPr/>
+        </p:nvGrpSpPr>
+        <p:grpSpPr>
+          <a:xfrm>
+            <a:off x="0" y="-8467"/>
+            <a:ext cx="12192000" cy="6866467"/>
+            <a:chOff x="0" y="-8467"/>
+            <a:chExt cx="12192000" cy="6866467"/>
+          </a:xfrm>
+        </p:grpSpPr>
+        <p:cxnSp>
+          <p:nvCxnSpPr>
+            <p:cNvPr id="32" name="Straight Connector 31"/>
+            <p:cNvCxnSpPr/>
+            <p:nvPr/>
+          </p:nvCxnSpPr>
+          <p:spPr>
+            <a:xfrm>
+              <a:off x="9371012" y="0"/>
+              <a:ext cx="1219200" cy="6858000"/>
+            </a:xfrm>
+            <a:prstGeom prst="line">
+              <a:avLst/>
+            </a:prstGeom>
+            <a:ln w="9525">
+              <a:solidFill>
+                <a:schemeClr val="bg1">
+                  <a:lumMod val="75000"/>
+                </a:schemeClr>
+              </a:solidFill>
+            </a:ln>
+          </p:spPr>
+          <p:style>
+            <a:lnRef idx="2">
+              <a:schemeClr val="accent1"/>
+            </a:lnRef>
+            <a:fillRef idx="0">
+              <a:schemeClr val="accent1"/>
+            </a:fillRef>
+            <a:effectRef idx="1">
+              <a:schemeClr val="accent1"/>
+            </a:effectRef>
+            <a:fontRef idx="minor">
+              <a:schemeClr val="tx1"/>
+            </a:fontRef>
+          </p:style>
+        </p:cxnSp>
+        <p:cxnSp>
+          <p:nvCxnSpPr>
+            <p:cNvPr id="21" name="Straight Connector 20"/>
+            <p:cNvCxnSpPr/>
+            <p:nvPr/>
+          </p:nvCxnSpPr>
+          <p:spPr>
+            <a:xfrm flipH="1">
+              <a:off x="7425267" y="3681413"/>
+              <a:ext cx="4763558" cy="3176587"/>
+            </a:xfrm>
+            <a:prstGeom prst="line">
+              <a:avLst/>
+            </a:prstGeom>
+            <a:ln w="9525">
+              <a:solidFill>
+                <a:schemeClr val="bg1">
+                  <a:lumMod val="85000"/>
+                </a:schemeClr>
+              </a:solidFill>
+            </a:ln>
+          </p:spPr>
+          <p:style>
+            <a:lnRef idx="2">
+              <a:schemeClr val="accent1"/>
+            </a:lnRef>
+            <a:fillRef idx="0">
+              <a:schemeClr val="accent1"/>
+            </a:fillRef>
+            <a:effectRef idx="1">
+              <a:schemeClr val="accent1"/>
+            </a:effectRef>
+            <a:fontRef idx="minor">
+              <a:schemeClr val="tx1"/>
+            </a:fontRef>
+          </p:style>
+        </p:cxnSp>
+        <p:sp>
+          <p:nvSpPr>
+            <p:cNvPr id="24" name="Rectangle 23"/>
+            <p:cNvSpPr/>
+            <p:nvPr/>
+          </p:nvSpPr>
+          <p:spPr>
+            <a:xfrm>
+              <a:off x="9181476" y="-8467"/>
+              <a:ext cx="3007349" cy="6866467"/>
+            </a:xfrm>
+            <a:custGeom>
+              <a:avLst/>
+              <a:gdLst/>
+              <a:ahLst/>
+              <a:cxnLst/>
+              <a:rect l="l" t="t" r="r" b="b"/>
+              <a:pathLst>
+                <a:path w="3007349" h="6866467">
+                  <a:moveTo>
+                    <a:pt x="2045532" y="0"/>
+                  </a:moveTo>
+                  <a:lnTo>
+                    <a:pt x="3007349" y="0"/>
+                  </a:lnTo>
+                  <a:lnTo>
+                    <a:pt x="3007349" y="6866467"/>
+                  </a:lnTo>
+                  <a:lnTo>
+                    <a:pt x="0" y="6866467"/>
+                  </a:lnTo>
+                  <a:lnTo>
+                    <a:pt x="2045532" y="0"/>
+                  </a:lnTo>
+                  <a:close/>
+                </a:path>
+              </a:pathLst>
+            </a:custGeom>
+            <a:solidFill>
+              <a:schemeClr val="accent1">
+                <a:alpha val="30000"/>
+              </a:schemeClr>
+            </a:solidFill>
+            <a:ln>
+              <a:noFill/>
+            </a:ln>
+            <a:effectLst/>
+          </p:spPr>
+          <p:style>
+            <a:lnRef idx="1">
+              <a:schemeClr val="accent1"/>
+            </a:lnRef>
+            <a:fillRef idx="3">
+              <a:schemeClr val="accent1"/>
+            </a:fillRef>
+            <a:effectRef idx="2">
+              <a:schemeClr val="accent1"/>
+            </a:effectRef>
+            <a:fontRef idx="minor">
+              <a:schemeClr val="lt1"/>
+            </a:fontRef>
+          </p:style>
+        </p:sp>
+        <p:sp>
+          <p:nvSpPr>
+            <p:cNvPr id="26" name="Rectangle 25"/>
+            <p:cNvSpPr/>
+            <p:nvPr/>
+          </p:nvSpPr>
+          <p:spPr>
+            <a:xfrm>
+              <a:off x="9603442" y="-8467"/>
+              <a:ext cx="2588558" cy="6866467"/>
+            </a:xfrm>
+            <a:custGeom>
+              <a:avLst/>
+              <a:gdLst/>
+              <a:ahLst/>
+              <a:cxnLst/>
+              <a:rect l="l" t="t" r="r" b="b"/>
+              <a:pathLst>
+                <a:path w="2573311" h="6866467">
+                  <a:moveTo>
+                    <a:pt x="0" y="0"/>
+                  </a:moveTo>
+                  <a:lnTo>
+                    <a:pt x="2573311" y="0"/>
+                  </a:lnTo>
+                  <a:lnTo>
+                    <a:pt x="2573311" y="6866467"/>
+                  </a:lnTo>
+                  <a:lnTo>
+                    <a:pt x="1202336" y="6866467"/>
+                  </a:lnTo>
+                  <a:lnTo>
+                    <a:pt x="0" y="0"/>
+                  </a:lnTo>
+                  <a:close/>
+                </a:path>
+              </a:pathLst>
+            </a:custGeom>
+            <a:solidFill>
+              <a:schemeClr val="accent1">
+                <a:alpha val="20000"/>
+              </a:schemeClr>
+            </a:solidFill>
+            <a:ln>
+              <a:noFill/>
+            </a:ln>
+            <a:effectLst/>
+          </p:spPr>
+          <p:style>
+            <a:lnRef idx="1">
+              <a:schemeClr val="accent1"/>
+            </a:lnRef>
+            <a:fillRef idx="3">
+              <a:schemeClr val="accent1"/>
+            </a:fillRef>
+            <a:effectRef idx="2">
+              <a:schemeClr val="accent1"/>
+            </a:effectRef>
+            <a:fontRef idx="minor">
+              <a:schemeClr val="lt1"/>
+            </a:fontRef>
+          </p:style>
+        </p:sp>
+        <p:sp>
+          <p:nvSpPr>
+            <p:cNvPr id="27" name="Isosceles Triangle 26"/>
+            <p:cNvSpPr/>
+            <p:nvPr/>
+          </p:nvSpPr>
+          <p:spPr>
+            <a:xfrm>
+              <a:off x="8932333" y="3048000"/>
+              <a:ext cx="3259667" cy="3810000"/>
+            </a:xfrm>
+            <a:prstGeom prst="triangle">
+              <a:avLst>
+                <a:gd name="adj" fmla="val 100000"/>
+              </a:avLst>
+            </a:prstGeom>
+            <a:solidFill>
+              <a:schemeClr val="accent2">
+                <a:alpha val="72000"/>
+              </a:schemeClr>
+            </a:solidFill>
+            <a:ln>
+              <a:noFill/>
+            </a:ln>
+            <a:effectLst/>
+          </p:spPr>
+          <p:style>
+            <a:lnRef idx="1">
+              <a:schemeClr val="accent1"/>
+            </a:lnRef>
+            <a:fillRef idx="3">
+              <a:schemeClr val="accent1"/>
+            </a:fillRef>
+            <a:effectRef idx="2">
+              <a:schemeClr val="accent1"/>
+            </a:effectRef>
+            <a:fontRef idx="minor">
+              <a:schemeClr val="lt1"/>
+            </a:fontRef>
+          </p:style>
+        </p:sp>
+        <p:sp>
+          <p:nvSpPr>
+            <p:cNvPr id="28" name="Rectangle 27"/>
+            <p:cNvSpPr/>
+            <p:nvPr/>
+          </p:nvSpPr>
+          <p:spPr>
+            <a:xfrm>
+              <a:off x="9334500" y="-8467"/>
+              <a:ext cx="2854326" cy="6866467"/>
+            </a:xfrm>
+            <a:custGeom>
+              <a:avLst/>
+              <a:gdLst/>
+              <a:ahLst/>
+              <a:cxnLst/>
+              <a:rect l="l" t="t" r="r" b="b"/>
+              <a:pathLst>
+                <a:path w="2858013" h="6866467">
+                  <a:moveTo>
+                    <a:pt x="0" y="0"/>
+                  </a:moveTo>
+                  <a:lnTo>
+                    <a:pt x="2858013" y="0"/>
+                  </a:lnTo>
+                  <a:lnTo>
+                    <a:pt x="2858013" y="6866467"/>
+                  </a:lnTo>
+                  <a:lnTo>
+                    <a:pt x="2473942" y="6866467"/>
+                  </a:lnTo>
+                  <a:lnTo>
+                    <a:pt x="0" y="0"/>
+                  </a:lnTo>
+                  <a:close/>
+                </a:path>
+              </a:pathLst>
+            </a:custGeom>
+            <a:solidFill>
+              <a:schemeClr val="accent2">
+                <a:lumMod val="75000"/>
+                <a:alpha val="70000"/>
+              </a:schemeClr>
+            </a:solidFill>
+            <a:ln>
+              <a:noFill/>
+            </a:ln>
+            <a:effectLst/>
+          </p:spPr>
+          <p:style>
+            <a:lnRef idx="1">
+              <a:schemeClr val="accent1"/>
+            </a:lnRef>
+            <a:fillRef idx="3">
+              <a:schemeClr val="accent1"/>
+            </a:fillRef>
+            <a:effectRef idx="2">
+              <a:schemeClr val="accent1"/>
+            </a:effectRef>
+            <a:fontRef idx="minor">
+              <a:schemeClr val="lt1"/>
+            </a:fontRef>
+          </p:style>
+        </p:sp>
+        <p:sp>
+          <p:nvSpPr>
+            <p:cNvPr id="29" name="Rectangle 28"/>
+            <p:cNvSpPr/>
+            <p:nvPr/>
+          </p:nvSpPr>
+          <p:spPr>
+            <a:xfrm>
+              <a:off x="10898730" y="-8467"/>
+              <a:ext cx="1290094" cy="6866467"/>
+            </a:xfrm>
+            <a:custGeom>
+              <a:avLst/>
+              <a:gdLst/>
+              <a:ahLst/>
+              <a:cxnLst/>
+              <a:rect l="l" t="t" r="r" b="b"/>
+              <a:pathLst>
+                <a:path w="1290094" h="6858000">
+                  <a:moveTo>
+                    <a:pt x="1019735" y="0"/>
+                  </a:moveTo>
+                  <a:lnTo>
+                    <a:pt x="1290094" y="0"/>
+                  </a:lnTo>
+                  <a:lnTo>
+                    <a:pt x="1290094" y="6858000"/>
+                  </a:lnTo>
+                  <a:lnTo>
+                    <a:pt x="0" y="6858000"/>
+                  </a:lnTo>
+                  <a:lnTo>
+                    <a:pt x="1019735" y="0"/>
+                  </a:lnTo>
+                  <a:close/>
+                </a:path>
+              </a:pathLst>
+            </a:custGeom>
+            <a:solidFill>
+              <a:schemeClr val="accent1">
+                <a:lumMod val="60000"/>
+                <a:lumOff val="40000"/>
+                <a:alpha val="70000"/>
+              </a:schemeClr>
+            </a:solidFill>
+            <a:ln>
+              <a:noFill/>
+            </a:ln>
+            <a:effectLst/>
+          </p:spPr>
+          <p:style>
+            <a:lnRef idx="1">
+              <a:schemeClr val="accent1"/>
+            </a:lnRef>
+            <a:fillRef idx="3">
+              <a:schemeClr val="accent1"/>
+            </a:fillRef>
+            <a:effectRef idx="2">
+              <a:schemeClr val="accent1"/>
+            </a:effectRef>
+            <a:fontRef idx="minor">
+              <a:schemeClr val="lt1"/>
+            </a:fontRef>
+          </p:style>
+        </p:sp>
+        <p:sp>
+          <p:nvSpPr>
+            <p:cNvPr id="30" name="Rectangle 29"/>
+            <p:cNvSpPr/>
+            <p:nvPr/>
+          </p:nvSpPr>
+          <p:spPr>
+            <a:xfrm>
+              <a:off x="10938999" y="-8467"/>
+              <a:ext cx="1249825" cy="6866467"/>
+            </a:xfrm>
+            <a:custGeom>
+              <a:avLst/>
+              <a:gdLst/>
+              <a:ahLst/>
+              <a:cxnLst/>
+              <a:rect l="l" t="t" r="r" b="b"/>
+              <a:pathLst>
+                <a:path w="1249825" h="6858000">
+                  <a:moveTo>
+                    <a:pt x="0" y="0"/>
+                  </a:moveTo>
+                  <a:lnTo>
+                    <a:pt x="1249825" y="0"/>
+                  </a:lnTo>
+                  <a:lnTo>
+                    <a:pt x="1249825" y="6858000"/>
+                  </a:lnTo>
+                  <a:lnTo>
+                    <a:pt x="1109382" y="6858000"/>
+                  </a:lnTo>
+                  <a:lnTo>
+                    <a:pt x="0" y="0"/>
+                  </a:lnTo>
+                  <a:close/>
+                </a:path>
+              </a:pathLst>
+            </a:custGeom>
+            <a:solidFill>
+              <a:schemeClr val="accent1">
+                <a:alpha val="65000"/>
+              </a:schemeClr>
+            </a:solidFill>
+            <a:ln>
+              <a:noFill/>
+            </a:ln>
+            <a:effectLst/>
+          </p:spPr>
+          <p:style>
+            <a:lnRef idx="1">
+              <a:schemeClr val="accent1"/>
+            </a:lnRef>
+            <a:fillRef idx="3">
+              <a:schemeClr val="accent1"/>
+            </a:fillRef>
+            <a:effectRef idx="2">
+              <a:schemeClr val="accent1"/>
+            </a:effectRef>
+            <a:fontRef idx="minor">
+              <a:schemeClr val="lt1"/>
+            </a:fontRef>
+          </p:style>
+        </p:sp>
+        <p:sp>
+          <p:nvSpPr>
+            <p:cNvPr id="31" name="Isosceles Triangle 30"/>
+            <p:cNvSpPr/>
+            <p:nvPr/>
+          </p:nvSpPr>
+          <p:spPr>
+            <a:xfrm>
+              <a:off x="10371666" y="3589867"/>
+              <a:ext cx="1817159" cy="3268133"/>
+            </a:xfrm>
+            <a:prstGeom prst="triangle">
+              <a:avLst>
+                <a:gd name="adj" fmla="val 100000"/>
+              </a:avLst>
+            </a:prstGeom>
+            <a:solidFill>
+              <a:schemeClr val="accent1">
+                <a:alpha val="80000"/>
+              </a:schemeClr>
+            </a:solidFill>
+            <a:ln>
+              <a:noFill/>
+            </a:ln>
+            <a:effectLst/>
+          </p:spPr>
+          <p:style>
+            <a:lnRef idx="1">
+              <a:schemeClr val="accent1"/>
+            </a:lnRef>
+            <a:fillRef idx="3">
+              <a:schemeClr val="accent1"/>
+            </a:fillRef>
+            <a:effectRef idx="2">
+              <a:schemeClr val="accent1"/>
+            </a:effectRef>
+            <a:fontRef idx="minor">
+              <a:schemeClr val="lt1"/>
+            </a:fontRef>
+          </p:style>
+        </p:sp>
+        <p:sp>
+          <p:nvSpPr>
+            <p:cNvPr id="19" name="Isosceles Triangle 18"/>
+            <p:cNvSpPr/>
+            <p:nvPr/>
+          </p:nvSpPr>
+          <p:spPr>
+            <a:xfrm rot="10800000">
+              <a:off x="0" y="0"/>
+              <a:ext cx="842596" cy="5666154"/>
+            </a:xfrm>
+            <a:prstGeom prst="triangle">
+              <a:avLst>
+                <a:gd name="adj" fmla="val 100000"/>
+              </a:avLst>
+            </a:prstGeom>
+            <a:solidFill>
+              <a:schemeClr val="accent1">
+                <a:alpha val="85000"/>
+              </a:schemeClr>
+            </a:solidFill>
+            <a:ln>
+              <a:noFill/>
+            </a:ln>
+            <a:effectLst/>
+          </p:spPr>
+          <p:style>
+            <a:lnRef idx="1">
+              <a:schemeClr val="accent1"/>
+            </a:lnRef>
+            <a:fillRef idx="3">
+              <a:schemeClr val="accent1"/>
+            </a:fillRef>
+            <a:effectRef idx="2">
+              <a:schemeClr val="accent1"/>
+            </a:effectRef>
+            <a:fontRef idx="minor">
+              <a:schemeClr val="lt1"/>
+            </a:fontRef>
+          </p:style>
+        </p:sp>
+      </p:grpSp>
+      <p:sp>
+        <p:nvSpPr>
+          <p:cNvPr id="2" name="Title 1"/>
           <p:cNvSpPr>
             <a:spLocks noGrp="1"/>
           </p:cNvSpPr>
@@ -160,15 +690,21 @@
         </p:nvSpPr>
         <p:spPr>
           <a:xfrm>
-            <a:off x="1524000" y="1122363"/>
-            <a:ext cx="9144000" cy="2387600"/>
+            <a:off x="1507067" y="2404534"/>
+            <a:ext cx="7766936" cy="1646302"/>
           </a:xfrm>
         </p:spPr>
         <p:txBody>
-          <a:bodyPr anchor="b"/>
+          <a:bodyPr anchor="b">
+            <a:noAutofit/>
+          </a:bodyPr>
           <a:lstStyle>
-            <a:lvl1pPr algn="ctr">
-              <a:defRPr sz="6000"/>
+            <a:lvl1pPr algn="r">
+              <a:defRPr sz="5400">
+                <a:solidFill>
+                  <a:schemeClr val="accent1"/>
+                </a:solidFill>
+              </a:defRPr>
             </a:lvl1pPr>
           </a:lstStyle>
           <a:p>
@@ -176,13 +712,13 @@
               <a:rPr lang="es-ES" smtClean="0"/>
               <a:t>Haga clic para modificar el estilo de título del patrón</a:t>
             </a:r>
-            <a:endParaRPr lang="es-ES"/>
-          </a:p>
-        </p:txBody>
-      </p:sp>
-      <p:sp>
-        <p:nvSpPr>
-          <p:cNvPr id="3" name="Subtítulo 2"/>
+            <a:endParaRPr lang="en-US" dirty="0"/>
+          </a:p>
+        </p:txBody>
+      </p:sp>
+      <p:sp>
+        <p:nvSpPr>
+          <p:cNvPr id="3" name="Subtitle 2"/>
           <p:cNvSpPr>
             <a:spLocks noGrp="1"/>
           </p:cNvSpPr>
@@ -192,48 +728,103 @@
         </p:nvSpPr>
         <p:spPr>
           <a:xfrm>
-            <a:off x="1524000" y="3602038"/>
-            <a:ext cx="9144000" cy="1655762"/>
+            <a:off x="1507067" y="4050833"/>
+            <a:ext cx="7766936" cy="1096899"/>
           </a:xfrm>
         </p:spPr>
         <p:txBody>
-          <a:bodyPr/>
+          <a:bodyPr anchor="t"/>
           <a:lstStyle>
-            <a:lvl1pPr marL="0" indent="0" algn="ctr">
-              <a:buNone/>
-              <a:defRPr sz="2400"/>
+            <a:lvl1pPr marL="0" indent="0" algn="r">
+              <a:buNone/>
+              <a:defRPr>
+                <a:solidFill>
+                  <a:schemeClr val="tx1">
+                    <a:lumMod val="50000"/>
+                    <a:lumOff val="50000"/>
+                  </a:schemeClr>
+                </a:solidFill>
+              </a:defRPr>
             </a:lvl1pPr>
             <a:lvl2pPr marL="457200" indent="0" algn="ctr">
               <a:buNone/>
-              <a:defRPr sz="2000"/>
+              <a:defRPr>
+                <a:solidFill>
+                  <a:schemeClr val="tx1">
+                    <a:tint val="75000"/>
+                  </a:schemeClr>
+                </a:solidFill>
+              </a:defRPr>
             </a:lvl2pPr>
             <a:lvl3pPr marL="914400" indent="0" algn="ctr">
               <a:buNone/>
-              <a:defRPr sz="1800"/>
+              <a:defRPr>
+                <a:solidFill>
+                  <a:schemeClr val="tx1">
+                    <a:tint val="75000"/>
+                  </a:schemeClr>
+                </a:solidFill>
+              </a:defRPr>
             </a:lvl3pPr>
             <a:lvl4pPr marL="1371600" indent="0" algn="ctr">
               <a:buNone/>
-              <a:defRPr sz="1600"/>
+              <a:defRPr>
+                <a:solidFill>
+                  <a:schemeClr val="tx1">
+                    <a:tint val="75000"/>
+                  </a:schemeClr>
+                </a:solidFill>
+              </a:defRPr>
             </a:lvl4pPr>
             <a:lvl5pPr marL="1828800" indent="0" algn="ctr">
               <a:buNone/>
-              <a:defRPr sz="1600"/>
+              <a:defRPr>
+                <a:solidFill>
+                  <a:schemeClr val="tx1">
+                    <a:tint val="75000"/>
+                  </a:schemeClr>
+                </a:solidFill>
+              </a:defRPr>
             </a:lvl5pPr>
             <a:lvl6pPr marL="2286000" indent="0" algn="ctr">
               <a:buNone/>
-              <a:defRPr sz="1600"/>
+              <a:defRPr>
+                <a:solidFill>
+                  <a:schemeClr val="tx1">
+                    <a:tint val="75000"/>
+                  </a:schemeClr>
+                </a:solidFill>
+              </a:defRPr>
             </a:lvl6pPr>
             <a:lvl7pPr marL="2743200" indent="0" algn="ctr">
               <a:buNone/>
-              <a:defRPr sz="1600"/>
+              <a:defRPr>
+                <a:solidFill>
+                  <a:schemeClr val="tx1">
+                    <a:tint val="75000"/>
+                  </a:schemeClr>
+                </a:solidFill>
+              </a:defRPr>
             </a:lvl7pPr>
             <a:lvl8pPr marL="3200400" indent="0" algn="ctr">
               <a:buNone/>
-              <a:defRPr sz="1600"/>
+              <a:defRPr>
+                <a:solidFill>
+                  <a:schemeClr val="tx1">
+                    <a:tint val="75000"/>
+                  </a:schemeClr>
+                </a:solidFill>
+              </a:defRPr>
             </a:lvl8pPr>
             <a:lvl9pPr marL="3657600" indent="0" algn="ctr">
               <a:buNone/>
-              <a:defRPr sz="1600"/>
+              <a:defRPr>
+                <a:solidFill>
+                  <a:schemeClr val="tx1">
+                    <a:tint val="75000"/>
+                  </a:schemeClr>
+                </a:solidFill>
+              </a:defRPr>
             </a:lvl9pPr>
           </a:lstStyle>
           <a:p>
@@ -241,13 +832,13 @@
               <a:rPr lang="es-ES" smtClean="0"/>
               <a:t>Haga clic para modificar el estilo de subtítulo del patrón</a:t>
             </a:r>
-            <a:endParaRPr lang="es-ES"/>
-          </a:p>
-        </p:txBody>
-      </p:sp>
-      <p:sp>
-        <p:nvSpPr>
-          <p:cNvPr id="4" name="Marcador de fecha 3"/>
+            <a:endParaRPr lang="en-US" dirty="0"/>
+          </a:p>
+        </p:txBody>
+      </p:sp>
+      <p:sp>
+        <p:nvSpPr>
+          <p:cNvPr id="4" name="Date Placeholder 3"/>
           <p:cNvSpPr>
             <a:spLocks noGrp="1"/>
           </p:cNvSpPr>
@@ -262,7 +853,7 @@
           <a:p>
             <a:fld id="{CA16BAE6-43A0-4560-9426-D49B28EE3C15}" type="datetimeFigureOut">
               <a:rPr lang="es-ES" smtClean="0"/>
-              <a:t>13/05/2015</a:t>
+              <a:t>14/05/2015</a:t>
             </a:fld>
             <a:endParaRPr lang="es-ES"/>
           </a:p>
@@ -270,7 +861,7 @@
       </p:sp>
       <p:sp>
         <p:nvSpPr>
-          <p:cNvPr id="5" name="Marcador de pie de página 4"/>
+          <p:cNvPr id="5" name="Footer Placeholder 4"/>
           <p:cNvSpPr>
             <a:spLocks noGrp="1"/>
           </p:cNvSpPr>
@@ -289,7 +880,7 @@
       </p:sp>
       <p:sp>
         <p:nvSpPr>
-          <p:cNvPr id="6" name="Marcador de número de diapositiva 5"/>
+          <p:cNvPr id="6" name="Slide Number Placeholder 5"/>
           <p:cNvSpPr>
             <a:spLocks noGrp="1"/>
           </p:cNvSpPr>
@@ -313,7 +904,7 @@
     </p:spTree>
     <p:extLst>
       <p:ext uri="{BB962C8B-B14F-4D97-AF65-F5344CB8AC3E}">
-        <p14:creationId xmlns:p14="http://schemas.microsoft.com/office/powerpoint/2010/main" val="3736991852"/>
+        <p14:creationId xmlns:p14="http://schemas.microsoft.com/office/powerpoint/2010/main" val="32622764"/>
       </p:ext>
     </p:extLst>
   </p:cSld>
@@ -324,6 +915,1619 @@
 </file>
 
 <file path=ppt/slideLayouts/slideLayout10.xml><?xml version="1.0" encoding="utf-8"?>
+<p:sldLayout xmlns:a="http://schemas.openxmlformats.org/drawingml/2006/main" xmlns:r="http://schemas.openxmlformats.org/officeDocument/2006/relationships" xmlns:p="http://schemas.openxmlformats.org/presentationml/2006/main" preserve="1">
+  <p:cSld name="Título y descripción">
+    <p:spTree>
+      <p:nvGrpSpPr>
+        <p:cNvPr id="1" name=""/>
+        <p:cNvGrpSpPr/>
+        <p:nvPr/>
+      </p:nvGrpSpPr>
+      <p:grpSpPr>
+        <a:xfrm>
+          <a:off x="0" y="0"/>
+          <a:ext cx="0" cy="0"/>
+          <a:chOff x="0" y="0"/>
+          <a:chExt cx="0" cy="0"/>
+        </a:xfrm>
+      </p:grpSpPr>
+      <p:sp>
+        <p:nvSpPr>
+          <p:cNvPr id="2" name="Title 1"/>
+          <p:cNvSpPr>
+            <a:spLocks noGrp="1"/>
+          </p:cNvSpPr>
+          <p:nvPr>
+            <p:ph type="title"/>
+          </p:nvPr>
+        </p:nvSpPr>
+        <p:spPr>
+          <a:xfrm>
+            <a:off x="677335" y="609600"/>
+            <a:ext cx="8596668" cy="3403600"/>
+          </a:xfrm>
+        </p:spPr>
+        <p:txBody>
+          <a:bodyPr anchor="ctr">
+            <a:normAutofit/>
+          </a:bodyPr>
+          <a:lstStyle>
+            <a:lvl1pPr algn="l">
+              <a:defRPr sz="4400" b="0" cap="none"/>
+            </a:lvl1pPr>
+          </a:lstStyle>
+          <a:p>
+            <a:r>
+              <a:rPr lang="es-ES" smtClean="0"/>
+              <a:t>Haga clic para modificar el estilo de título del patrón</a:t>
+            </a:r>
+            <a:endParaRPr lang="en-US" dirty="0"/>
+          </a:p>
+        </p:txBody>
+      </p:sp>
+      <p:sp>
+        <p:nvSpPr>
+          <p:cNvPr id="3" name="Text Placeholder 2"/>
+          <p:cNvSpPr>
+            <a:spLocks noGrp="1"/>
+          </p:cNvSpPr>
+          <p:nvPr>
+            <p:ph type="body" idx="1"/>
+          </p:nvPr>
+        </p:nvSpPr>
+        <p:spPr>
+          <a:xfrm>
+            <a:off x="677335" y="4470400"/>
+            <a:ext cx="8596668" cy="1570962"/>
+          </a:xfrm>
+        </p:spPr>
+        <p:txBody>
+          <a:bodyPr anchor="ctr">
+            <a:normAutofit/>
+          </a:bodyPr>
+          <a:lstStyle>
+            <a:lvl1pPr marL="0" indent="0" algn="l">
+              <a:buNone/>
+              <a:defRPr sz="1800">
+                <a:solidFill>
+                  <a:schemeClr val="tx1">
+                    <a:lumMod val="75000"/>
+                    <a:lumOff val="25000"/>
+                  </a:schemeClr>
+                </a:solidFill>
+              </a:defRPr>
+            </a:lvl1pPr>
+            <a:lvl2pPr marL="457200" indent="0">
+              <a:buNone/>
+              <a:defRPr sz="1800">
+                <a:solidFill>
+                  <a:schemeClr val="tx1">
+                    <a:tint val="75000"/>
+                  </a:schemeClr>
+                </a:solidFill>
+              </a:defRPr>
+            </a:lvl2pPr>
+            <a:lvl3pPr marL="914400" indent="0">
+              <a:buNone/>
+              <a:defRPr sz="1600">
+                <a:solidFill>
+                  <a:schemeClr val="tx1">
+                    <a:tint val="75000"/>
+                  </a:schemeClr>
+                </a:solidFill>
+              </a:defRPr>
+            </a:lvl3pPr>
+            <a:lvl4pPr marL="1371600" indent="0">
+              <a:buNone/>
+              <a:defRPr sz="1400">
+                <a:solidFill>
+                  <a:schemeClr val="tx1">
+                    <a:tint val="75000"/>
+                  </a:schemeClr>
+                </a:solidFill>
+              </a:defRPr>
+            </a:lvl4pPr>
+            <a:lvl5pPr marL="1828800" indent="0">
+              <a:buNone/>
+              <a:defRPr sz="1400">
+                <a:solidFill>
+                  <a:schemeClr val="tx1">
+                    <a:tint val="75000"/>
+                  </a:schemeClr>
+                </a:solidFill>
+              </a:defRPr>
+            </a:lvl5pPr>
+            <a:lvl6pPr marL="2286000" indent="0">
+              <a:buNone/>
+              <a:defRPr sz="1400">
+                <a:solidFill>
+                  <a:schemeClr val="tx1">
+                    <a:tint val="75000"/>
+                  </a:schemeClr>
+                </a:solidFill>
+              </a:defRPr>
+            </a:lvl6pPr>
+            <a:lvl7pPr marL="2743200" indent="0">
+              <a:buNone/>
+              <a:defRPr sz="1400">
+                <a:solidFill>
+                  <a:schemeClr val="tx1">
+                    <a:tint val="75000"/>
+                  </a:schemeClr>
+                </a:solidFill>
+              </a:defRPr>
+            </a:lvl7pPr>
+            <a:lvl8pPr marL="3200400" indent="0">
+              <a:buNone/>
+              <a:defRPr sz="1400">
+                <a:solidFill>
+                  <a:schemeClr val="tx1">
+                    <a:tint val="75000"/>
+                  </a:schemeClr>
+                </a:solidFill>
+              </a:defRPr>
+            </a:lvl8pPr>
+            <a:lvl9pPr marL="3657600" indent="0">
+              <a:buNone/>
+              <a:defRPr sz="1400">
+                <a:solidFill>
+                  <a:schemeClr val="tx1">
+                    <a:tint val="75000"/>
+                  </a:schemeClr>
+                </a:solidFill>
+              </a:defRPr>
+            </a:lvl9pPr>
+          </a:lstStyle>
+          <a:p>
+            <a:pPr lvl="0"/>
+            <a:r>
+              <a:rPr lang="es-ES" smtClean="0"/>
+              <a:t>Haga clic para modificar el estilo de texto del patrón</a:t>
+            </a:r>
+          </a:p>
+        </p:txBody>
+      </p:sp>
+      <p:sp>
+        <p:nvSpPr>
+          <p:cNvPr id="4" name="Date Placeholder 3"/>
+          <p:cNvSpPr>
+            <a:spLocks noGrp="1"/>
+          </p:cNvSpPr>
+          <p:nvPr>
+            <p:ph type="dt" sz="half" idx="10"/>
+          </p:nvPr>
+        </p:nvSpPr>
+        <p:spPr/>
+        <p:txBody>
+          <a:bodyPr/>
+          <a:lstStyle/>
+          <a:p>
+            <a:fld id="{CA16BAE6-43A0-4560-9426-D49B28EE3C15}" type="datetimeFigureOut">
+              <a:rPr lang="es-ES" smtClean="0"/>
+              <a:t>14/05/2015</a:t>
+            </a:fld>
+            <a:endParaRPr lang="es-ES"/>
+          </a:p>
+        </p:txBody>
+      </p:sp>
+      <p:sp>
+        <p:nvSpPr>
+          <p:cNvPr id="5" name="Footer Placeholder 4"/>
+          <p:cNvSpPr>
+            <a:spLocks noGrp="1"/>
+          </p:cNvSpPr>
+          <p:nvPr>
+            <p:ph type="ftr" sz="quarter" idx="11"/>
+          </p:nvPr>
+        </p:nvSpPr>
+        <p:spPr/>
+        <p:txBody>
+          <a:bodyPr/>
+          <a:lstStyle/>
+          <a:p>
+            <a:endParaRPr lang="es-ES"/>
+          </a:p>
+        </p:txBody>
+      </p:sp>
+      <p:sp>
+        <p:nvSpPr>
+          <p:cNvPr id="6" name="Slide Number Placeholder 5"/>
+          <p:cNvSpPr>
+            <a:spLocks noGrp="1"/>
+          </p:cNvSpPr>
+          <p:nvPr>
+            <p:ph type="sldNum" sz="quarter" idx="12"/>
+          </p:nvPr>
+        </p:nvSpPr>
+        <p:spPr/>
+        <p:txBody>
+          <a:bodyPr/>
+          <a:lstStyle/>
+          <a:p>
+            <a:fld id="{C086C18C-FA96-472E-9172-230EDE9D9D30}" type="slidenum">
+              <a:rPr lang="es-ES" smtClean="0"/>
+              <a:t>‹Nº›</a:t>
+            </a:fld>
+            <a:endParaRPr lang="es-ES"/>
+          </a:p>
+        </p:txBody>
+      </p:sp>
+    </p:spTree>
+    <p:extLst>
+      <p:ext uri="{BB962C8B-B14F-4D97-AF65-F5344CB8AC3E}">
+        <p14:creationId xmlns:p14="http://schemas.microsoft.com/office/powerpoint/2010/main" val="2195265235"/>
+      </p:ext>
+    </p:extLst>
+  </p:cSld>
+  <p:clrMapOvr>
+    <a:masterClrMapping/>
+  </p:clrMapOvr>
+</p:sldLayout>
+</file>
+
+<file path=ppt/slideLayouts/slideLayout11.xml><?xml version="1.0" encoding="utf-8"?>
+<p:sldLayout xmlns:a="http://schemas.openxmlformats.org/drawingml/2006/main" xmlns:r="http://schemas.openxmlformats.org/officeDocument/2006/relationships" xmlns:p="http://schemas.openxmlformats.org/presentationml/2006/main" preserve="1">
+  <p:cSld name="Cita con descripción">
+    <p:spTree>
+      <p:nvGrpSpPr>
+        <p:cNvPr id="1" name=""/>
+        <p:cNvGrpSpPr/>
+        <p:nvPr/>
+      </p:nvGrpSpPr>
+      <p:grpSpPr>
+        <a:xfrm>
+          <a:off x="0" y="0"/>
+          <a:ext cx="0" cy="0"/>
+          <a:chOff x="0" y="0"/>
+          <a:chExt cx="0" cy="0"/>
+        </a:xfrm>
+      </p:grpSpPr>
+      <p:sp>
+        <p:nvSpPr>
+          <p:cNvPr id="2" name="Title 1"/>
+          <p:cNvSpPr>
+            <a:spLocks noGrp="1"/>
+          </p:cNvSpPr>
+          <p:nvPr>
+            <p:ph type="title"/>
+          </p:nvPr>
+        </p:nvSpPr>
+        <p:spPr>
+          <a:xfrm>
+            <a:off x="931334" y="609600"/>
+            <a:ext cx="8094134" cy="3022600"/>
+          </a:xfrm>
+        </p:spPr>
+        <p:txBody>
+          <a:bodyPr anchor="ctr">
+            <a:normAutofit/>
+          </a:bodyPr>
+          <a:lstStyle>
+            <a:lvl1pPr algn="l">
+              <a:defRPr sz="4400" b="0" cap="none"/>
+            </a:lvl1pPr>
+          </a:lstStyle>
+          <a:p>
+            <a:r>
+              <a:rPr lang="es-ES" smtClean="0"/>
+              <a:t>Haga clic para modificar el estilo de título del patrón</a:t>
+            </a:r>
+            <a:endParaRPr lang="en-US" dirty="0"/>
+          </a:p>
+        </p:txBody>
+      </p:sp>
+      <p:sp>
+        <p:nvSpPr>
+          <p:cNvPr id="23" name="Text Placeholder 9"/>
+          <p:cNvSpPr>
+            <a:spLocks noGrp="1"/>
+          </p:cNvSpPr>
+          <p:nvPr>
+            <p:ph type="body" sz="quarter" idx="13"/>
+          </p:nvPr>
+        </p:nvSpPr>
+        <p:spPr>
+          <a:xfrm>
+            <a:off x="1366139" y="3632200"/>
+            <a:ext cx="7224524" cy="381000"/>
+          </a:xfrm>
+        </p:spPr>
+        <p:txBody>
+          <a:bodyPr anchor="ctr">
+            <a:noAutofit/>
+          </a:bodyPr>
+          <a:lstStyle>
+            <a:lvl1pPr marL="0" indent="0">
+              <a:buFontTx/>
+              <a:buNone/>
+              <a:defRPr sz="1600">
+                <a:solidFill>
+                  <a:schemeClr val="tx1">
+                    <a:lumMod val="50000"/>
+                    <a:lumOff val="50000"/>
+                  </a:schemeClr>
+                </a:solidFill>
+              </a:defRPr>
+            </a:lvl1pPr>
+            <a:lvl2pPr marL="457200" indent="0">
+              <a:buFontTx/>
+              <a:buNone/>
+              <a:defRPr/>
+            </a:lvl2pPr>
+            <a:lvl3pPr marL="914400" indent="0">
+              <a:buFontTx/>
+              <a:buNone/>
+              <a:defRPr/>
+            </a:lvl3pPr>
+            <a:lvl4pPr marL="1371600" indent="0">
+              <a:buFontTx/>
+              <a:buNone/>
+              <a:defRPr/>
+            </a:lvl4pPr>
+            <a:lvl5pPr marL="1828800" indent="0">
+              <a:buFontTx/>
+              <a:buNone/>
+              <a:defRPr/>
+            </a:lvl5pPr>
+          </a:lstStyle>
+          <a:p>
+            <a:pPr lvl="0"/>
+            <a:r>
+              <a:rPr lang="es-ES" smtClean="0"/>
+              <a:t>Haga clic para modificar el estilo de texto del patrón</a:t>
+            </a:r>
+          </a:p>
+        </p:txBody>
+      </p:sp>
+      <p:sp>
+        <p:nvSpPr>
+          <p:cNvPr id="3" name="Text Placeholder 2"/>
+          <p:cNvSpPr>
+            <a:spLocks noGrp="1"/>
+          </p:cNvSpPr>
+          <p:nvPr>
+            <p:ph type="body" idx="1"/>
+          </p:nvPr>
+        </p:nvSpPr>
+        <p:spPr>
+          <a:xfrm>
+            <a:off x="677335" y="4470400"/>
+            <a:ext cx="8596668" cy="1570962"/>
+          </a:xfrm>
+        </p:spPr>
+        <p:txBody>
+          <a:bodyPr anchor="ctr">
+            <a:normAutofit/>
+          </a:bodyPr>
+          <a:lstStyle>
+            <a:lvl1pPr marL="0" indent="0" algn="l">
+              <a:buNone/>
+              <a:defRPr sz="1800">
+                <a:solidFill>
+                  <a:schemeClr val="tx1">
+                    <a:lumMod val="75000"/>
+                    <a:lumOff val="25000"/>
+                  </a:schemeClr>
+                </a:solidFill>
+              </a:defRPr>
+            </a:lvl1pPr>
+            <a:lvl2pPr marL="457200" indent="0">
+              <a:buNone/>
+              <a:defRPr sz="1800">
+                <a:solidFill>
+                  <a:schemeClr val="tx1">
+                    <a:tint val="75000"/>
+                  </a:schemeClr>
+                </a:solidFill>
+              </a:defRPr>
+            </a:lvl2pPr>
+            <a:lvl3pPr marL="914400" indent="0">
+              <a:buNone/>
+              <a:defRPr sz="1600">
+                <a:solidFill>
+                  <a:schemeClr val="tx1">
+                    <a:tint val="75000"/>
+                  </a:schemeClr>
+                </a:solidFill>
+              </a:defRPr>
+            </a:lvl3pPr>
+            <a:lvl4pPr marL="1371600" indent="0">
+              <a:buNone/>
+              <a:defRPr sz="1400">
+                <a:solidFill>
+                  <a:schemeClr val="tx1">
+                    <a:tint val="75000"/>
+                  </a:schemeClr>
+                </a:solidFill>
+              </a:defRPr>
+            </a:lvl4pPr>
+            <a:lvl5pPr marL="1828800" indent="0">
+              <a:buNone/>
+              <a:defRPr sz="1400">
+                <a:solidFill>
+                  <a:schemeClr val="tx1">
+                    <a:tint val="75000"/>
+                  </a:schemeClr>
+                </a:solidFill>
+              </a:defRPr>
+            </a:lvl5pPr>
+            <a:lvl6pPr marL="2286000" indent="0">
+              <a:buNone/>
+              <a:defRPr sz="1400">
+                <a:solidFill>
+                  <a:schemeClr val="tx1">
+                    <a:tint val="75000"/>
+                  </a:schemeClr>
+                </a:solidFill>
+              </a:defRPr>
+            </a:lvl6pPr>
+            <a:lvl7pPr marL="2743200" indent="0">
+              <a:buNone/>
+              <a:defRPr sz="1400">
+                <a:solidFill>
+                  <a:schemeClr val="tx1">
+                    <a:tint val="75000"/>
+                  </a:schemeClr>
+                </a:solidFill>
+              </a:defRPr>
+            </a:lvl7pPr>
+            <a:lvl8pPr marL="3200400" indent="0">
+              <a:buNone/>
+              <a:defRPr sz="1400">
+                <a:solidFill>
+                  <a:schemeClr val="tx1">
+                    <a:tint val="75000"/>
+                  </a:schemeClr>
+                </a:solidFill>
+              </a:defRPr>
+            </a:lvl8pPr>
+            <a:lvl9pPr marL="3657600" indent="0">
+              <a:buNone/>
+              <a:defRPr sz="1400">
+                <a:solidFill>
+                  <a:schemeClr val="tx1">
+                    <a:tint val="75000"/>
+                  </a:schemeClr>
+                </a:solidFill>
+              </a:defRPr>
+            </a:lvl9pPr>
+          </a:lstStyle>
+          <a:p>
+            <a:pPr lvl="0"/>
+            <a:r>
+              <a:rPr lang="es-ES" smtClean="0"/>
+              <a:t>Haga clic para modificar el estilo de texto del patrón</a:t>
+            </a:r>
+          </a:p>
+        </p:txBody>
+      </p:sp>
+      <p:sp>
+        <p:nvSpPr>
+          <p:cNvPr id="4" name="Date Placeholder 3"/>
+          <p:cNvSpPr>
+            <a:spLocks noGrp="1"/>
+          </p:cNvSpPr>
+          <p:nvPr>
+            <p:ph type="dt" sz="half" idx="10"/>
+          </p:nvPr>
+        </p:nvSpPr>
+        <p:spPr/>
+        <p:txBody>
+          <a:bodyPr/>
+          <a:lstStyle/>
+          <a:p>
+            <a:fld id="{CA16BAE6-43A0-4560-9426-D49B28EE3C15}" type="datetimeFigureOut">
+              <a:rPr lang="es-ES" smtClean="0"/>
+              <a:t>14/05/2015</a:t>
+            </a:fld>
+            <a:endParaRPr lang="es-ES"/>
+          </a:p>
+        </p:txBody>
+      </p:sp>
+      <p:sp>
+        <p:nvSpPr>
+          <p:cNvPr id="5" name="Footer Placeholder 4"/>
+          <p:cNvSpPr>
+            <a:spLocks noGrp="1"/>
+          </p:cNvSpPr>
+          <p:nvPr>
+            <p:ph type="ftr" sz="quarter" idx="11"/>
+          </p:nvPr>
+        </p:nvSpPr>
+        <p:spPr/>
+        <p:txBody>
+          <a:bodyPr/>
+          <a:lstStyle/>
+          <a:p>
+            <a:endParaRPr lang="es-ES"/>
+          </a:p>
+        </p:txBody>
+      </p:sp>
+      <p:sp>
+        <p:nvSpPr>
+          <p:cNvPr id="6" name="Slide Number Placeholder 5"/>
+          <p:cNvSpPr>
+            <a:spLocks noGrp="1"/>
+          </p:cNvSpPr>
+          <p:nvPr>
+            <p:ph type="sldNum" sz="quarter" idx="12"/>
+          </p:nvPr>
+        </p:nvSpPr>
+        <p:spPr/>
+        <p:txBody>
+          <a:bodyPr/>
+          <a:lstStyle/>
+          <a:p>
+            <a:fld id="{C086C18C-FA96-472E-9172-230EDE9D9D30}" type="slidenum">
+              <a:rPr lang="es-ES" smtClean="0"/>
+              <a:t>‹Nº›</a:t>
+            </a:fld>
+            <a:endParaRPr lang="es-ES"/>
+          </a:p>
+        </p:txBody>
+      </p:sp>
+      <p:sp>
+        <p:nvSpPr>
+          <p:cNvPr id="20" name="TextBox 19"/>
+          <p:cNvSpPr txBox="1"/>
+          <p:nvPr/>
+        </p:nvSpPr>
+        <p:spPr>
+          <a:xfrm>
+            <a:off x="541870" y="790378"/>
+            <a:ext cx="609600" cy="584776"/>
+          </a:xfrm>
+          <a:prstGeom prst="rect">
+            <a:avLst/>
+          </a:prstGeom>
+        </p:spPr>
+        <p:txBody>
+          <a:bodyPr vert="horz" lIns="91440" tIns="45720" rIns="91440" bIns="45720" rtlCol="0" anchor="ctr">
+            <a:noAutofit/>
+          </a:bodyPr>
+          <a:lstStyle/>
+          <a:p>
+            <a:pPr lvl="0"/>
+            <a:r>
+              <a:rPr lang="en-US" sz="8000" baseline="0" dirty="0">
+                <a:ln w="3175" cmpd="sng">
+                  <a:noFill/>
+                </a:ln>
+                <a:solidFill>
+                  <a:schemeClr val="accent1">
+                    <a:lumMod val="60000"/>
+                    <a:lumOff val="40000"/>
+                  </a:schemeClr>
+                </a:solidFill>
+                <a:effectLst/>
+                <a:latin typeface="Arial"/>
+              </a:rPr>
+              <a:t>“</a:t>
+            </a:r>
+          </a:p>
+        </p:txBody>
+      </p:sp>
+      <p:sp>
+        <p:nvSpPr>
+          <p:cNvPr id="22" name="TextBox 21"/>
+          <p:cNvSpPr txBox="1"/>
+          <p:nvPr/>
+        </p:nvSpPr>
+        <p:spPr>
+          <a:xfrm>
+            <a:off x="8893011" y="2886556"/>
+            <a:ext cx="609600" cy="584776"/>
+          </a:xfrm>
+          <a:prstGeom prst="rect">
+            <a:avLst/>
+          </a:prstGeom>
+        </p:spPr>
+        <p:txBody>
+          <a:bodyPr vert="horz" lIns="91440" tIns="45720" rIns="91440" bIns="45720" rtlCol="0" anchor="ctr">
+            <a:noAutofit/>
+          </a:bodyPr>
+          <a:lstStyle/>
+          <a:p>
+            <a:pPr lvl="0"/>
+            <a:r>
+              <a:rPr lang="en-US" sz="8000" baseline="0" dirty="0">
+                <a:ln w="3175" cmpd="sng">
+                  <a:noFill/>
+                </a:ln>
+                <a:solidFill>
+                  <a:schemeClr val="accent1">
+                    <a:lumMod val="60000"/>
+                    <a:lumOff val="40000"/>
+                  </a:schemeClr>
+                </a:solidFill>
+                <a:latin typeface="Arial"/>
+              </a:rPr>
+              <a:t>”</a:t>
+            </a:r>
+            <a:endParaRPr lang="en-US" dirty="0">
+              <a:solidFill>
+                <a:schemeClr val="accent1">
+                  <a:lumMod val="60000"/>
+                  <a:lumOff val="40000"/>
+                </a:schemeClr>
+              </a:solidFill>
+              <a:latin typeface="Arial"/>
+            </a:endParaRPr>
+          </a:p>
+        </p:txBody>
+      </p:sp>
+    </p:spTree>
+    <p:extLst>
+      <p:ext uri="{BB962C8B-B14F-4D97-AF65-F5344CB8AC3E}">
+        <p14:creationId xmlns:p14="http://schemas.microsoft.com/office/powerpoint/2010/main" val="3843402499"/>
+      </p:ext>
+    </p:extLst>
+  </p:cSld>
+  <p:clrMapOvr>
+    <a:masterClrMapping/>
+  </p:clrMapOvr>
+</p:sldLayout>
+</file>
+
+<file path=ppt/slideLayouts/slideLayout12.xml><?xml version="1.0" encoding="utf-8"?>
+<p:sldLayout xmlns:a="http://schemas.openxmlformats.org/drawingml/2006/main" xmlns:r="http://schemas.openxmlformats.org/officeDocument/2006/relationships" xmlns:p="http://schemas.openxmlformats.org/presentationml/2006/main" preserve="1">
+  <p:cSld name="Tarjeta de nombre">
+    <p:spTree>
+      <p:nvGrpSpPr>
+        <p:cNvPr id="1" name=""/>
+        <p:cNvGrpSpPr/>
+        <p:nvPr/>
+      </p:nvGrpSpPr>
+      <p:grpSpPr>
+        <a:xfrm>
+          <a:off x="0" y="0"/>
+          <a:ext cx="0" cy="0"/>
+          <a:chOff x="0" y="0"/>
+          <a:chExt cx="0" cy="0"/>
+        </a:xfrm>
+      </p:grpSpPr>
+      <p:sp>
+        <p:nvSpPr>
+          <p:cNvPr id="2" name="Title 1"/>
+          <p:cNvSpPr>
+            <a:spLocks noGrp="1"/>
+          </p:cNvSpPr>
+          <p:nvPr>
+            <p:ph type="title"/>
+          </p:nvPr>
+        </p:nvSpPr>
+        <p:spPr>
+          <a:xfrm>
+            <a:off x="677335" y="1931988"/>
+            <a:ext cx="8596668" cy="2595460"/>
+          </a:xfrm>
+        </p:spPr>
+        <p:txBody>
+          <a:bodyPr anchor="b">
+            <a:normAutofit/>
+          </a:bodyPr>
+          <a:lstStyle>
+            <a:lvl1pPr algn="l">
+              <a:defRPr sz="4400" b="0" cap="none"/>
+            </a:lvl1pPr>
+          </a:lstStyle>
+          <a:p>
+            <a:r>
+              <a:rPr lang="es-ES" smtClean="0"/>
+              <a:t>Haga clic para modificar el estilo de título del patrón</a:t>
+            </a:r>
+            <a:endParaRPr lang="en-US" dirty="0"/>
+          </a:p>
+        </p:txBody>
+      </p:sp>
+      <p:sp>
+        <p:nvSpPr>
+          <p:cNvPr id="3" name="Text Placeholder 2"/>
+          <p:cNvSpPr>
+            <a:spLocks noGrp="1"/>
+          </p:cNvSpPr>
+          <p:nvPr>
+            <p:ph type="body" idx="1"/>
+          </p:nvPr>
+        </p:nvSpPr>
+        <p:spPr>
+          <a:xfrm>
+            <a:off x="677335" y="4527448"/>
+            <a:ext cx="8596668" cy="1513914"/>
+          </a:xfrm>
+        </p:spPr>
+        <p:txBody>
+          <a:bodyPr anchor="t">
+            <a:normAutofit/>
+          </a:bodyPr>
+          <a:lstStyle>
+            <a:lvl1pPr marL="0" indent="0" algn="l">
+              <a:buNone/>
+              <a:defRPr sz="1800">
+                <a:solidFill>
+                  <a:schemeClr val="tx1">
+                    <a:lumMod val="75000"/>
+                    <a:lumOff val="25000"/>
+                  </a:schemeClr>
+                </a:solidFill>
+              </a:defRPr>
+            </a:lvl1pPr>
+            <a:lvl2pPr marL="457200" indent="0">
+              <a:buNone/>
+              <a:defRPr sz="1800">
+                <a:solidFill>
+                  <a:schemeClr val="tx1">
+                    <a:tint val="75000"/>
+                  </a:schemeClr>
+                </a:solidFill>
+              </a:defRPr>
+            </a:lvl2pPr>
+            <a:lvl3pPr marL="914400" indent="0">
+              <a:buNone/>
+              <a:defRPr sz="1600">
+                <a:solidFill>
+                  <a:schemeClr val="tx1">
+                    <a:tint val="75000"/>
+                  </a:schemeClr>
+                </a:solidFill>
+              </a:defRPr>
+            </a:lvl3pPr>
+            <a:lvl4pPr marL="1371600" indent="0">
+              <a:buNone/>
+              <a:defRPr sz="1400">
+                <a:solidFill>
+                  <a:schemeClr val="tx1">
+                    <a:tint val="75000"/>
+                  </a:schemeClr>
+                </a:solidFill>
+              </a:defRPr>
+            </a:lvl4pPr>
+            <a:lvl5pPr marL="1828800" indent="0">
+              <a:buNone/>
+              <a:defRPr sz="1400">
+                <a:solidFill>
+                  <a:schemeClr val="tx1">
+                    <a:tint val="75000"/>
+                  </a:schemeClr>
+                </a:solidFill>
+              </a:defRPr>
+            </a:lvl5pPr>
+            <a:lvl6pPr marL="2286000" indent="0">
+              <a:buNone/>
+              <a:defRPr sz="1400">
+                <a:solidFill>
+                  <a:schemeClr val="tx1">
+                    <a:tint val="75000"/>
+                  </a:schemeClr>
+                </a:solidFill>
+              </a:defRPr>
+            </a:lvl6pPr>
+            <a:lvl7pPr marL="2743200" indent="0">
+              <a:buNone/>
+              <a:defRPr sz="1400">
+                <a:solidFill>
+                  <a:schemeClr val="tx1">
+                    <a:tint val="75000"/>
+                  </a:schemeClr>
+                </a:solidFill>
+              </a:defRPr>
+            </a:lvl7pPr>
+            <a:lvl8pPr marL="3200400" indent="0">
+              <a:buNone/>
+              <a:defRPr sz="1400">
+                <a:solidFill>
+                  <a:schemeClr val="tx1">
+                    <a:tint val="75000"/>
+                  </a:schemeClr>
+                </a:solidFill>
+              </a:defRPr>
+            </a:lvl8pPr>
+            <a:lvl9pPr marL="3657600" indent="0">
+              <a:buNone/>
+              <a:defRPr sz="1400">
+                <a:solidFill>
+                  <a:schemeClr val="tx1">
+                    <a:tint val="75000"/>
+                  </a:schemeClr>
+                </a:solidFill>
+              </a:defRPr>
+            </a:lvl9pPr>
+          </a:lstStyle>
+          <a:p>
+            <a:pPr lvl="0"/>
+            <a:r>
+              <a:rPr lang="es-ES" smtClean="0"/>
+              <a:t>Haga clic para modificar el estilo de texto del patrón</a:t>
+            </a:r>
+          </a:p>
+        </p:txBody>
+      </p:sp>
+      <p:sp>
+        <p:nvSpPr>
+          <p:cNvPr id="4" name="Date Placeholder 3"/>
+          <p:cNvSpPr>
+            <a:spLocks noGrp="1"/>
+          </p:cNvSpPr>
+          <p:nvPr>
+            <p:ph type="dt" sz="half" idx="10"/>
+          </p:nvPr>
+        </p:nvSpPr>
+        <p:spPr/>
+        <p:txBody>
+          <a:bodyPr/>
+          <a:lstStyle/>
+          <a:p>
+            <a:fld id="{CA16BAE6-43A0-4560-9426-D49B28EE3C15}" type="datetimeFigureOut">
+              <a:rPr lang="es-ES" smtClean="0"/>
+              <a:t>14/05/2015</a:t>
+            </a:fld>
+            <a:endParaRPr lang="es-ES"/>
+          </a:p>
+        </p:txBody>
+      </p:sp>
+      <p:sp>
+        <p:nvSpPr>
+          <p:cNvPr id="5" name="Footer Placeholder 4"/>
+          <p:cNvSpPr>
+            <a:spLocks noGrp="1"/>
+          </p:cNvSpPr>
+          <p:nvPr>
+            <p:ph type="ftr" sz="quarter" idx="11"/>
+          </p:nvPr>
+        </p:nvSpPr>
+        <p:spPr/>
+        <p:txBody>
+          <a:bodyPr/>
+          <a:lstStyle/>
+          <a:p>
+            <a:endParaRPr lang="es-ES"/>
+          </a:p>
+        </p:txBody>
+      </p:sp>
+      <p:sp>
+        <p:nvSpPr>
+          <p:cNvPr id="6" name="Slide Number Placeholder 5"/>
+          <p:cNvSpPr>
+            <a:spLocks noGrp="1"/>
+          </p:cNvSpPr>
+          <p:nvPr>
+            <p:ph type="sldNum" sz="quarter" idx="12"/>
+          </p:nvPr>
+        </p:nvSpPr>
+        <p:spPr/>
+        <p:txBody>
+          <a:bodyPr/>
+          <a:lstStyle/>
+          <a:p>
+            <a:fld id="{C086C18C-FA96-472E-9172-230EDE9D9D30}" type="slidenum">
+              <a:rPr lang="es-ES" smtClean="0"/>
+              <a:t>‹Nº›</a:t>
+            </a:fld>
+            <a:endParaRPr lang="es-ES"/>
+          </a:p>
+        </p:txBody>
+      </p:sp>
+    </p:spTree>
+    <p:extLst>
+      <p:ext uri="{BB962C8B-B14F-4D97-AF65-F5344CB8AC3E}">
+        <p14:creationId xmlns:p14="http://schemas.microsoft.com/office/powerpoint/2010/main" val="4282829450"/>
+      </p:ext>
+    </p:extLst>
+  </p:cSld>
+  <p:clrMapOvr>
+    <a:masterClrMapping/>
+  </p:clrMapOvr>
+</p:sldLayout>
+</file>
+
+<file path=ppt/slideLayouts/slideLayout13.xml><?xml version="1.0" encoding="utf-8"?>
+<p:sldLayout xmlns:a="http://schemas.openxmlformats.org/drawingml/2006/main" xmlns:r="http://schemas.openxmlformats.org/officeDocument/2006/relationships" xmlns:p="http://schemas.openxmlformats.org/presentationml/2006/main" preserve="1">
+  <p:cSld name="Citar la tarjeta de nombre">
+    <p:spTree>
+      <p:nvGrpSpPr>
+        <p:cNvPr id="1" name=""/>
+        <p:cNvGrpSpPr/>
+        <p:nvPr/>
+      </p:nvGrpSpPr>
+      <p:grpSpPr>
+        <a:xfrm>
+          <a:off x="0" y="0"/>
+          <a:ext cx="0" cy="0"/>
+          <a:chOff x="0" y="0"/>
+          <a:chExt cx="0" cy="0"/>
+        </a:xfrm>
+      </p:grpSpPr>
+      <p:sp>
+        <p:nvSpPr>
+          <p:cNvPr id="2" name="Title 1"/>
+          <p:cNvSpPr>
+            <a:spLocks noGrp="1"/>
+          </p:cNvSpPr>
+          <p:nvPr>
+            <p:ph type="title"/>
+          </p:nvPr>
+        </p:nvSpPr>
+        <p:spPr>
+          <a:xfrm>
+            <a:off x="931334" y="609600"/>
+            <a:ext cx="8094134" cy="3022600"/>
+          </a:xfrm>
+        </p:spPr>
+        <p:txBody>
+          <a:bodyPr anchor="ctr">
+            <a:normAutofit/>
+          </a:bodyPr>
+          <a:lstStyle>
+            <a:lvl1pPr algn="l">
+              <a:defRPr sz="4400" b="0" cap="none"/>
+            </a:lvl1pPr>
+          </a:lstStyle>
+          <a:p>
+            <a:r>
+              <a:rPr lang="es-ES" smtClean="0"/>
+              <a:t>Haga clic para modificar el estilo de título del patrón</a:t>
+            </a:r>
+            <a:endParaRPr lang="en-US" dirty="0"/>
+          </a:p>
+        </p:txBody>
+      </p:sp>
+      <p:sp>
+        <p:nvSpPr>
+          <p:cNvPr id="23" name="Text Placeholder 9"/>
+          <p:cNvSpPr>
+            <a:spLocks noGrp="1"/>
+          </p:cNvSpPr>
+          <p:nvPr>
+            <p:ph type="body" sz="quarter" idx="13"/>
+          </p:nvPr>
+        </p:nvSpPr>
+        <p:spPr>
+          <a:xfrm>
+            <a:off x="677332" y="4013200"/>
+            <a:ext cx="8596669" cy="514248"/>
+          </a:xfrm>
+        </p:spPr>
+        <p:txBody>
+          <a:bodyPr anchor="b">
+            <a:noAutofit/>
+          </a:bodyPr>
+          <a:lstStyle>
+            <a:lvl1pPr marL="0" indent="0">
+              <a:buFontTx/>
+              <a:buNone/>
+              <a:defRPr sz="2400">
+                <a:solidFill>
+                  <a:schemeClr val="tx1">
+                    <a:lumMod val="75000"/>
+                    <a:lumOff val="25000"/>
+                  </a:schemeClr>
+                </a:solidFill>
+              </a:defRPr>
+            </a:lvl1pPr>
+            <a:lvl2pPr marL="457200" indent="0">
+              <a:buFontTx/>
+              <a:buNone/>
+              <a:defRPr/>
+            </a:lvl2pPr>
+            <a:lvl3pPr marL="914400" indent="0">
+              <a:buFontTx/>
+              <a:buNone/>
+              <a:defRPr/>
+            </a:lvl3pPr>
+            <a:lvl4pPr marL="1371600" indent="0">
+              <a:buFontTx/>
+              <a:buNone/>
+              <a:defRPr/>
+            </a:lvl4pPr>
+            <a:lvl5pPr marL="1828800" indent="0">
+              <a:buFontTx/>
+              <a:buNone/>
+              <a:defRPr/>
+            </a:lvl5pPr>
+          </a:lstStyle>
+          <a:p>
+            <a:pPr lvl="0"/>
+            <a:r>
+              <a:rPr lang="es-ES" smtClean="0"/>
+              <a:t>Haga clic para modificar el estilo de texto del patrón</a:t>
+            </a:r>
+          </a:p>
+        </p:txBody>
+      </p:sp>
+      <p:sp>
+        <p:nvSpPr>
+          <p:cNvPr id="3" name="Text Placeholder 2"/>
+          <p:cNvSpPr>
+            <a:spLocks noGrp="1"/>
+          </p:cNvSpPr>
+          <p:nvPr>
+            <p:ph type="body" idx="1"/>
+          </p:nvPr>
+        </p:nvSpPr>
+        <p:spPr>
+          <a:xfrm>
+            <a:off x="677335" y="4527448"/>
+            <a:ext cx="8596668" cy="1513914"/>
+          </a:xfrm>
+        </p:spPr>
+        <p:txBody>
+          <a:bodyPr anchor="t">
+            <a:normAutofit/>
+          </a:bodyPr>
+          <a:lstStyle>
+            <a:lvl1pPr marL="0" indent="0" algn="l">
+              <a:buNone/>
+              <a:defRPr sz="1800">
+                <a:solidFill>
+                  <a:schemeClr val="tx1">
+                    <a:lumMod val="50000"/>
+                    <a:lumOff val="50000"/>
+                  </a:schemeClr>
+                </a:solidFill>
+              </a:defRPr>
+            </a:lvl1pPr>
+            <a:lvl2pPr marL="457200" indent="0">
+              <a:buNone/>
+              <a:defRPr sz="1800">
+                <a:solidFill>
+                  <a:schemeClr val="tx1">
+                    <a:tint val="75000"/>
+                  </a:schemeClr>
+                </a:solidFill>
+              </a:defRPr>
+            </a:lvl2pPr>
+            <a:lvl3pPr marL="914400" indent="0">
+              <a:buNone/>
+              <a:defRPr sz="1600">
+                <a:solidFill>
+                  <a:schemeClr val="tx1">
+                    <a:tint val="75000"/>
+                  </a:schemeClr>
+                </a:solidFill>
+              </a:defRPr>
+            </a:lvl3pPr>
+            <a:lvl4pPr marL="1371600" indent="0">
+              <a:buNone/>
+              <a:defRPr sz="1400">
+                <a:solidFill>
+                  <a:schemeClr val="tx1">
+                    <a:tint val="75000"/>
+                  </a:schemeClr>
+                </a:solidFill>
+              </a:defRPr>
+            </a:lvl4pPr>
+            <a:lvl5pPr marL="1828800" indent="0">
+              <a:buNone/>
+              <a:defRPr sz="1400">
+                <a:solidFill>
+                  <a:schemeClr val="tx1">
+                    <a:tint val="75000"/>
+                  </a:schemeClr>
+                </a:solidFill>
+              </a:defRPr>
+            </a:lvl5pPr>
+            <a:lvl6pPr marL="2286000" indent="0">
+              <a:buNone/>
+              <a:defRPr sz="1400">
+                <a:solidFill>
+                  <a:schemeClr val="tx1">
+                    <a:tint val="75000"/>
+                  </a:schemeClr>
+                </a:solidFill>
+              </a:defRPr>
+            </a:lvl6pPr>
+            <a:lvl7pPr marL="2743200" indent="0">
+              <a:buNone/>
+              <a:defRPr sz="1400">
+                <a:solidFill>
+                  <a:schemeClr val="tx1">
+                    <a:tint val="75000"/>
+                  </a:schemeClr>
+                </a:solidFill>
+              </a:defRPr>
+            </a:lvl7pPr>
+            <a:lvl8pPr marL="3200400" indent="0">
+              <a:buNone/>
+              <a:defRPr sz="1400">
+                <a:solidFill>
+                  <a:schemeClr val="tx1">
+                    <a:tint val="75000"/>
+                  </a:schemeClr>
+                </a:solidFill>
+              </a:defRPr>
+            </a:lvl8pPr>
+            <a:lvl9pPr marL="3657600" indent="0">
+              <a:buNone/>
+              <a:defRPr sz="1400">
+                <a:solidFill>
+                  <a:schemeClr val="tx1">
+                    <a:tint val="75000"/>
+                  </a:schemeClr>
+                </a:solidFill>
+              </a:defRPr>
+            </a:lvl9pPr>
+          </a:lstStyle>
+          <a:p>
+            <a:pPr lvl="0"/>
+            <a:r>
+              <a:rPr lang="es-ES" smtClean="0"/>
+              <a:t>Haga clic para modificar el estilo de texto del patrón</a:t>
+            </a:r>
+          </a:p>
+        </p:txBody>
+      </p:sp>
+      <p:sp>
+        <p:nvSpPr>
+          <p:cNvPr id="4" name="Date Placeholder 3"/>
+          <p:cNvSpPr>
+            <a:spLocks noGrp="1"/>
+          </p:cNvSpPr>
+          <p:nvPr>
+            <p:ph type="dt" sz="half" idx="10"/>
+          </p:nvPr>
+        </p:nvSpPr>
+        <p:spPr/>
+        <p:txBody>
+          <a:bodyPr/>
+          <a:lstStyle/>
+          <a:p>
+            <a:fld id="{CA16BAE6-43A0-4560-9426-D49B28EE3C15}" type="datetimeFigureOut">
+              <a:rPr lang="es-ES" smtClean="0"/>
+              <a:t>14/05/2015</a:t>
+            </a:fld>
+            <a:endParaRPr lang="es-ES"/>
+          </a:p>
+        </p:txBody>
+      </p:sp>
+      <p:sp>
+        <p:nvSpPr>
+          <p:cNvPr id="5" name="Footer Placeholder 4"/>
+          <p:cNvSpPr>
+            <a:spLocks noGrp="1"/>
+          </p:cNvSpPr>
+          <p:nvPr>
+            <p:ph type="ftr" sz="quarter" idx="11"/>
+          </p:nvPr>
+        </p:nvSpPr>
+        <p:spPr/>
+        <p:txBody>
+          <a:bodyPr/>
+          <a:lstStyle/>
+          <a:p>
+            <a:endParaRPr lang="es-ES"/>
+          </a:p>
+        </p:txBody>
+      </p:sp>
+      <p:sp>
+        <p:nvSpPr>
+          <p:cNvPr id="6" name="Slide Number Placeholder 5"/>
+          <p:cNvSpPr>
+            <a:spLocks noGrp="1"/>
+          </p:cNvSpPr>
+          <p:nvPr>
+            <p:ph type="sldNum" sz="quarter" idx="12"/>
+          </p:nvPr>
+        </p:nvSpPr>
+        <p:spPr/>
+        <p:txBody>
+          <a:bodyPr/>
+          <a:lstStyle/>
+          <a:p>
+            <a:fld id="{C086C18C-FA96-472E-9172-230EDE9D9D30}" type="slidenum">
+              <a:rPr lang="es-ES" smtClean="0"/>
+              <a:t>‹Nº›</a:t>
+            </a:fld>
+            <a:endParaRPr lang="es-ES"/>
+          </a:p>
+        </p:txBody>
+      </p:sp>
+      <p:sp>
+        <p:nvSpPr>
+          <p:cNvPr id="24" name="TextBox 23"/>
+          <p:cNvSpPr txBox="1"/>
+          <p:nvPr/>
+        </p:nvSpPr>
+        <p:spPr>
+          <a:xfrm>
+            <a:off x="541870" y="790378"/>
+            <a:ext cx="609600" cy="584776"/>
+          </a:xfrm>
+          <a:prstGeom prst="rect">
+            <a:avLst/>
+          </a:prstGeom>
+        </p:spPr>
+        <p:txBody>
+          <a:bodyPr vert="horz" lIns="91440" tIns="45720" rIns="91440" bIns="45720" rtlCol="0" anchor="ctr">
+            <a:noAutofit/>
+          </a:bodyPr>
+          <a:lstStyle/>
+          <a:p>
+            <a:pPr lvl="0"/>
+            <a:r>
+              <a:rPr lang="en-US" sz="8000" baseline="0" dirty="0">
+                <a:ln w="3175" cmpd="sng">
+                  <a:noFill/>
+                </a:ln>
+                <a:solidFill>
+                  <a:schemeClr val="accent1">
+                    <a:lumMod val="60000"/>
+                    <a:lumOff val="40000"/>
+                  </a:schemeClr>
+                </a:solidFill>
+                <a:effectLst/>
+                <a:latin typeface="Arial"/>
+              </a:rPr>
+              <a:t>“</a:t>
+            </a:r>
+          </a:p>
+        </p:txBody>
+      </p:sp>
+      <p:sp>
+        <p:nvSpPr>
+          <p:cNvPr id="25" name="TextBox 24"/>
+          <p:cNvSpPr txBox="1"/>
+          <p:nvPr/>
+        </p:nvSpPr>
+        <p:spPr>
+          <a:xfrm>
+            <a:off x="8893011" y="2886556"/>
+            <a:ext cx="609600" cy="584776"/>
+          </a:xfrm>
+          <a:prstGeom prst="rect">
+            <a:avLst/>
+          </a:prstGeom>
+        </p:spPr>
+        <p:txBody>
+          <a:bodyPr vert="horz" lIns="91440" tIns="45720" rIns="91440" bIns="45720" rtlCol="0" anchor="ctr">
+            <a:noAutofit/>
+          </a:bodyPr>
+          <a:lstStyle/>
+          <a:p>
+            <a:pPr lvl="0"/>
+            <a:r>
+              <a:rPr lang="en-US" sz="8000" baseline="0" dirty="0">
+                <a:ln w="3175" cmpd="sng">
+                  <a:noFill/>
+                </a:ln>
+                <a:solidFill>
+                  <a:schemeClr val="accent1">
+                    <a:lumMod val="60000"/>
+                    <a:lumOff val="40000"/>
+                  </a:schemeClr>
+                </a:solidFill>
+                <a:effectLst/>
+                <a:latin typeface="Arial"/>
+              </a:rPr>
+              <a:t>”</a:t>
+            </a:r>
+          </a:p>
+        </p:txBody>
+      </p:sp>
+    </p:spTree>
+    <p:extLst>
+      <p:ext uri="{BB962C8B-B14F-4D97-AF65-F5344CB8AC3E}">
+        <p14:creationId xmlns:p14="http://schemas.microsoft.com/office/powerpoint/2010/main" val="2707593236"/>
+      </p:ext>
+    </p:extLst>
+  </p:cSld>
+  <p:clrMapOvr>
+    <a:masterClrMapping/>
+  </p:clrMapOvr>
+</p:sldLayout>
+</file>
+
+<file path=ppt/slideLayouts/slideLayout14.xml><?xml version="1.0" encoding="utf-8"?>
+<p:sldLayout xmlns:a="http://schemas.openxmlformats.org/drawingml/2006/main" xmlns:r="http://schemas.openxmlformats.org/officeDocument/2006/relationships" xmlns:p="http://schemas.openxmlformats.org/presentationml/2006/main" preserve="1">
+  <p:cSld name="Verdadero o falso">
+    <p:spTree>
+      <p:nvGrpSpPr>
+        <p:cNvPr id="1" name=""/>
+        <p:cNvGrpSpPr/>
+        <p:nvPr/>
+      </p:nvGrpSpPr>
+      <p:grpSpPr>
+        <a:xfrm>
+          <a:off x="0" y="0"/>
+          <a:ext cx="0" cy="0"/>
+          <a:chOff x="0" y="0"/>
+          <a:chExt cx="0" cy="0"/>
+        </a:xfrm>
+      </p:grpSpPr>
+      <p:sp>
+        <p:nvSpPr>
+          <p:cNvPr id="2" name="Title 1"/>
+          <p:cNvSpPr>
+            <a:spLocks noGrp="1"/>
+          </p:cNvSpPr>
+          <p:nvPr>
+            <p:ph type="title"/>
+          </p:nvPr>
+        </p:nvSpPr>
+        <p:spPr>
+          <a:xfrm>
+            <a:off x="685799" y="609600"/>
+            <a:ext cx="8588203" cy="3022600"/>
+          </a:xfrm>
+        </p:spPr>
+        <p:txBody>
+          <a:bodyPr anchor="ctr">
+            <a:normAutofit/>
+          </a:bodyPr>
+          <a:lstStyle>
+            <a:lvl1pPr algn="l">
+              <a:defRPr sz="4400" b="0" cap="none"/>
+            </a:lvl1pPr>
+          </a:lstStyle>
+          <a:p>
+            <a:r>
+              <a:rPr lang="es-ES" smtClean="0"/>
+              <a:t>Haga clic para modificar el estilo de título del patrón</a:t>
+            </a:r>
+            <a:endParaRPr lang="en-US" dirty="0"/>
+          </a:p>
+        </p:txBody>
+      </p:sp>
+      <p:sp>
+        <p:nvSpPr>
+          <p:cNvPr id="23" name="Text Placeholder 9"/>
+          <p:cNvSpPr>
+            <a:spLocks noGrp="1"/>
+          </p:cNvSpPr>
+          <p:nvPr>
+            <p:ph type="body" sz="quarter" idx="13"/>
+          </p:nvPr>
+        </p:nvSpPr>
+        <p:spPr>
+          <a:xfrm>
+            <a:off x="677332" y="4013200"/>
+            <a:ext cx="8596669" cy="514248"/>
+          </a:xfrm>
+        </p:spPr>
+        <p:txBody>
+          <a:bodyPr anchor="b">
+            <a:noAutofit/>
+          </a:bodyPr>
+          <a:lstStyle>
+            <a:lvl1pPr marL="0" indent="0">
+              <a:buFontTx/>
+              <a:buNone/>
+              <a:defRPr sz="2400">
+                <a:solidFill>
+                  <a:schemeClr val="accent1"/>
+                </a:solidFill>
+              </a:defRPr>
+            </a:lvl1pPr>
+            <a:lvl2pPr marL="457200" indent="0">
+              <a:buFontTx/>
+              <a:buNone/>
+              <a:defRPr/>
+            </a:lvl2pPr>
+            <a:lvl3pPr marL="914400" indent="0">
+              <a:buFontTx/>
+              <a:buNone/>
+              <a:defRPr/>
+            </a:lvl3pPr>
+            <a:lvl4pPr marL="1371600" indent="0">
+              <a:buFontTx/>
+              <a:buNone/>
+              <a:defRPr/>
+            </a:lvl4pPr>
+            <a:lvl5pPr marL="1828800" indent="0">
+              <a:buFontTx/>
+              <a:buNone/>
+              <a:defRPr/>
+            </a:lvl5pPr>
+          </a:lstStyle>
+          <a:p>
+            <a:pPr lvl="0"/>
+            <a:r>
+              <a:rPr lang="es-ES" smtClean="0"/>
+              <a:t>Haga clic para modificar el estilo de texto del patrón</a:t>
+            </a:r>
+          </a:p>
+        </p:txBody>
+      </p:sp>
+      <p:sp>
+        <p:nvSpPr>
+          <p:cNvPr id="3" name="Text Placeholder 2"/>
+          <p:cNvSpPr>
+            <a:spLocks noGrp="1"/>
+          </p:cNvSpPr>
+          <p:nvPr>
+            <p:ph type="body" idx="1"/>
+          </p:nvPr>
+        </p:nvSpPr>
+        <p:spPr>
+          <a:xfrm>
+            <a:off x="677335" y="4527448"/>
+            <a:ext cx="8596668" cy="1513914"/>
+          </a:xfrm>
+        </p:spPr>
+        <p:txBody>
+          <a:bodyPr anchor="t">
+            <a:normAutofit/>
+          </a:bodyPr>
+          <a:lstStyle>
+            <a:lvl1pPr marL="0" indent="0" algn="l">
+              <a:buNone/>
+              <a:defRPr sz="1800">
+                <a:solidFill>
+                  <a:schemeClr val="tx1">
+                    <a:lumMod val="50000"/>
+                    <a:lumOff val="50000"/>
+                  </a:schemeClr>
+                </a:solidFill>
+              </a:defRPr>
+            </a:lvl1pPr>
+            <a:lvl2pPr marL="457200" indent="0">
+              <a:buNone/>
+              <a:defRPr sz="1800">
+                <a:solidFill>
+                  <a:schemeClr val="tx1">
+                    <a:tint val="75000"/>
+                  </a:schemeClr>
+                </a:solidFill>
+              </a:defRPr>
+            </a:lvl2pPr>
+            <a:lvl3pPr marL="914400" indent="0">
+              <a:buNone/>
+              <a:defRPr sz="1600">
+                <a:solidFill>
+                  <a:schemeClr val="tx1">
+                    <a:tint val="75000"/>
+                  </a:schemeClr>
+                </a:solidFill>
+              </a:defRPr>
+            </a:lvl3pPr>
+            <a:lvl4pPr marL="1371600" indent="0">
+              <a:buNone/>
+              <a:defRPr sz="1400">
+                <a:solidFill>
+                  <a:schemeClr val="tx1">
+                    <a:tint val="75000"/>
+                  </a:schemeClr>
+                </a:solidFill>
+              </a:defRPr>
+            </a:lvl4pPr>
+            <a:lvl5pPr marL="1828800" indent="0">
+              <a:buNone/>
+              <a:defRPr sz="1400">
+                <a:solidFill>
+                  <a:schemeClr val="tx1">
+                    <a:tint val="75000"/>
+                  </a:schemeClr>
+                </a:solidFill>
+              </a:defRPr>
+            </a:lvl5pPr>
+            <a:lvl6pPr marL="2286000" indent="0">
+              <a:buNone/>
+              <a:defRPr sz="1400">
+                <a:solidFill>
+                  <a:schemeClr val="tx1">
+                    <a:tint val="75000"/>
+                  </a:schemeClr>
+                </a:solidFill>
+              </a:defRPr>
+            </a:lvl6pPr>
+            <a:lvl7pPr marL="2743200" indent="0">
+              <a:buNone/>
+              <a:defRPr sz="1400">
+                <a:solidFill>
+                  <a:schemeClr val="tx1">
+                    <a:tint val="75000"/>
+                  </a:schemeClr>
+                </a:solidFill>
+              </a:defRPr>
+            </a:lvl7pPr>
+            <a:lvl8pPr marL="3200400" indent="0">
+              <a:buNone/>
+              <a:defRPr sz="1400">
+                <a:solidFill>
+                  <a:schemeClr val="tx1">
+                    <a:tint val="75000"/>
+                  </a:schemeClr>
+                </a:solidFill>
+              </a:defRPr>
+            </a:lvl8pPr>
+            <a:lvl9pPr marL="3657600" indent="0">
+              <a:buNone/>
+              <a:defRPr sz="1400">
+                <a:solidFill>
+                  <a:schemeClr val="tx1">
+                    <a:tint val="75000"/>
+                  </a:schemeClr>
+                </a:solidFill>
+              </a:defRPr>
+            </a:lvl9pPr>
+          </a:lstStyle>
+          <a:p>
+            <a:pPr lvl="0"/>
+            <a:r>
+              <a:rPr lang="es-ES" smtClean="0"/>
+              <a:t>Haga clic para modificar el estilo de texto del patrón</a:t>
+            </a:r>
+          </a:p>
+        </p:txBody>
+      </p:sp>
+      <p:sp>
+        <p:nvSpPr>
+          <p:cNvPr id="4" name="Date Placeholder 3"/>
+          <p:cNvSpPr>
+            <a:spLocks noGrp="1"/>
+          </p:cNvSpPr>
+          <p:nvPr>
+            <p:ph type="dt" sz="half" idx="10"/>
+          </p:nvPr>
+        </p:nvSpPr>
+        <p:spPr/>
+        <p:txBody>
+          <a:bodyPr/>
+          <a:lstStyle/>
+          <a:p>
+            <a:fld id="{CA16BAE6-43A0-4560-9426-D49B28EE3C15}" type="datetimeFigureOut">
+              <a:rPr lang="es-ES" smtClean="0"/>
+              <a:t>14/05/2015</a:t>
+            </a:fld>
+            <a:endParaRPr lang="es-ES"/>
+          </a:p>
+        </p:txBody>
+      </p:sp>
+      <p:sp>
+        <p:nvSpPr>
+          <p:cNvPr id="5" name="Footer Placeholder 4"/>
+          <p:cNvSpPr>
+            <a:spLocks noGrp="1"/>
+          </p:cNvSpPr>
+          <p:nvPr>
+            <p:ph type="ftr" sz="quarter" idx="11"/>
+          </p:nvPr>
+        </p:nvSpPr>
+        <p:spPr/>
+        <p:txBody>
+          <a:bodyPr/>
+          <a:lstStyle/>
+          <a:p>
+            <a:endParaRPr lang="es-ES"/>
+          </a:p>
+        </p:txBody>
+      </p:sp>
+      <p:sp>
+        <p:nvSpPr>
+          <p:cNvPr id="6" name="Slide Number Placeholder 5"/>
+          <p:cNvSpPr>
+            <a:spLocks noGrp="1"/>
+          </p:cNvSpPr>
+          <p:nvPr>
+            <p:ph type="sldNum" sz="quarter" idx="12"/>
+          </p:nvPr>
+        </p:nvSpPr>
+        <p:spPr/>
+        <p:txBody>
+          <a:bodyPr/>
+          <a:lstStyle/>
+          <a:p>
+            <a:fld id="{C086C18C-FA96-472E-9172-230EDE9D9D30}" type="slidenum">
+              <a:rPr lang="es-ES" smtClean="0"/>
+              <a:t>‹Nº›</a:t>
+            </a:fld>
+            <a:endParaRPr lang="es-ES"/>
+          </a:p>
+        </p:txBody>
+      </p:sp>
+    </p:spTree>
+    <p:extLst>
+      <p:ext uri="{BB962C8B-B14F-4D97-AF65-F5344CB8AC3E}">
+        <p14:creationId xmlns:p14="http://schemas.microsoft.com/office/powerpoint/2010/main" val="3023508363"/>
+      </p:ext>
+    </p:extLst>
+  </p:cSld>
+  <p:clrMapOvr>
+    <a:masterClrMapping/>
+  </p:clrMapOvr>
+</p:sldLayout>
+</file>
+
+<file path=ppt/slideLayouts/slideLayout15.xml><?xml version="1.0" encoding="utf-8"?>
 <p:sldLayout xmlns:a="http://schemas.openxmlformats.org/drawingml/2006/main" xmlns:r="http://schemas.openxmlformats.org/officeDocument/2006/relationships" xmlns:p="http://schemas.openxmlformats.org/presentationml/2006/main" type="vertTx" preserve="1">
   <p:cSld name="Título y texto vertical">
     <p:spTree>
@@ -342,7 +2546,7 @@
       </p:grpSpPr>
       <p:sp>
         <p:nvSpPr>
-          <p:cNvPr id="2" name="Título 1"/>
+          <p:cNvPr id="2" name="Title 1"/>
           <p:cNvSpPr>
             <a:spLocks noGrp="1"/>
           </p:cNvSpPr>
@@ -359,13 +2563,13 @@
               <a:rPr lang="es-ES" smtClean="0"/>
               <a:t>Haga clic para modificar el estilo de título del patrón</a:t>
             </a:r>
-            <a:endParaRPr lang="es-ES"/>
-          </a:p>
-        </p:txBody>
-      </p:sp>
-      <p:sp>
-        <p:nvSpPr>
-          <p:cNvPr id="3" name="Marcador de texto vertical 2"/>
+            <a:endParaRPr lang="en-US" dirty="0"/>
+          </a:p>
+        </p:txBody>
+      </p:sp>
+      <p:sp>
+        <p:nvSpPr>
+          <p:cNvPr id="3" name="Vertical Text Placeholder 2"/>
           <p:cNvSpPr>
             <a:spLocks noGrp="1"/>
           </p:cNvSpPr>
@@ -411,13 +2615,13 @@
               <a:rPr lang="es-ES" smtClean="0"/>
               <a:t>Quinto nivel</a:t>
             </a:r>
-            <a:endParaRPr lang="es-ES"/>
-          </a:p>
-        </p:txBody>
-      </p:sp>
-      <p:sp>
-        <p:nvSpPr>
-          <p:cNvPr id="4" name="Marcador de fecha 3"/>
+            <a:endParaRPr lang="en-US" dirty="0"/>
+          </a:p>
+        </p:txBody>
+      </p:sp>
+      <p:sp>
+        <p:nvSpPr>
+          <p:cNvPr id="4" name="Date Placeholder 3"/>
           <p:cNvSpPr>
             <a:spLocks noGrp="1"/>
           </p:cNvSpPr>
@@ -432,7 +2636,7 @@
           <a:p>
             <a:fld id="{CA16BAE6-43A0-4560-9426-D49B28EE3C15}" type="datetimeFigureOut">
               <a:rPr lang="es-ES" smtClean="0"/>
-              <a:t>13/05/2015</a:t>
+              <a:t>14/05/2015</a:t>
             </a:fld>
             <a:endParaRPr lang="es-ES"/>
           </a:p>
@@ -440,7 +2644,7 @@
       </p:sp>
       <p:sp>
         <p:nvSpPr>
-          <p:cNvPr id="5" name="Marcador de pie de página 4"/>
+          <p:cNvPr id="5" name="Footer Placeholder 4"/>
           <p:cNvSpPr>
             <a:spLocks noGrp="1"/>
           </p:cNvSpPr>
@@ -459,7 +2663,7 @@
       </p:sp>
       <p:sp>
         <p:nvSpPr>
-          <p:cNvPr id="6" name="Marcador de número de diapositiva 5"/>
+          <p:cNvPr id="6" name="Slide Number Placeholder 5"/>
           <p:cNvSpPr>
             <a:spLocks noGrp="1"/>
           </p:cNvSpPr>
@@ -483,7 +2687,7 @@
     </p:spTree>
     <p:extLst>
       <p:ext uri="{BB962C8B-B14F-4D97-AF65-F5344CB8AC3E}">
-        <p14:creationId xmlns:p14="http://schemas.microsoft.com/office/powerpoint/2010/main" val="3715463551"/>
+        <p14:creationId xmlns:p14="http://schemas.microsoft.com/office/powerpoint/2010/main" val="483635032"/>
       </p:ext>
     </p:extLst>
   </p:cSld>
@@ -493,7 +2697,7 @@
 </p:sldLayout>
 </file>
 
-<file path=ppt/slideLayouts/slideLayout11.xml><?xml version="1.0" encoding="utf-8"?>
+<file path=ppt/slideLayouts/slideLayout16.xml><?xml version="1.0" encoding="utf-8"?>
 <p:sldLayout xmlns:a="http://schemas.openxmlformats.org/drawingml/2006/main" xmlns:r="http://schemas.openxmlformats.org/officeDocument/2006/relationships" xmlns:p="http://schemas.openxmlformats.org/presentationml/2006/main" type="vertTitleAndTx" preserve="1">
   <p:cSld name="Título vertical y texto">
     <p:spTree>
@@ -512,7 +2716,7 @@
       </p:grpSpPr>
       <p:sp>
         <p:nvSpPr>
-          <p:cNvPr id="2" name="Título vertical 1"/>
+          <p:cNvPr id="2" name="Vertical Title 1"/>
           <p:cNvSpPr>
             <a:spLocks noGrp="1"/>
           </p:cNvSpPr>
@@ -522,25 +2726,25 @@
         </p:nvSpPr>
         <p:spPr>
           <a:xfrm>
-            <a:off x="8724900" y="365125"/>
-            <a:ext cx="2628900" cy="5811838"/>
+            <a:off x="7967673" y="609599"/>
+            <a:ext cx="1304743" cy="5251451"/>
           </a:xfrm>
         </p:spPr>
         <p:txBody>
-          <a:bodyPr vert="eaVert"/>
+          <a:bodyPr vert="eaVert" anchor="ctr"/>
           <a:lstStyle/>
           <a:p>
             <a:r>
               <a:rPr lang="es-ES" smtClean="0"/>
               <a:t>Haga clic para modificar el estilo de título del patrón</a:t>
             </a:r>
-            <a:endParaRPr lang="es-ES"/>
-          </a:p>
-        </p:txBody>
-      </p:sp>
-      <p:sp>
-        <p:nvSpPr>
-          <p:cNvPr id="3" name="Marcador de texto vertical 2"/>
+            <a:endParaRPr lang="en-US" dirty="0"/>
+          </a:p>
+        </p:txBody>
+      </p:sp>
+      <p:sp>
+        <p:nvSpPr>
+          <p:cNvPr id="3" name="Vertical Text Placeholder 2"/>
           <p:cNvSpPr>
             <a:spLocks noGrp="1"/>
           </p:cNvSpPr>
@@ -550,8 +2754,8 @@
         </p:nvSpPr>
         <p:spPr>
           <a:xfrm>
-            <a:off x="838200" y="365125"/>
-            <a:ext cx="7734300" cy="5811838"/>
+            <a:off x="677335" y="609600"/>
+            <a:ext cx="7060150" cy="5251450"/>
           </a:xfrm>
         </p:spPr>
         <p:txBody>
@@ -591,13 +2795,13 @@
               <a:rPr lang="es-ES" smtClean="0"/>
               <a:t>Quinto nivel</a:t>
             </a:r>
-            <a:endParaRPr lang="es-ES"/>
-          </a:p>
-        </p:txBody>
-      </p:sp>
-      <p:sp>
-        <p:nvSpPr>
-          <p:cNvPr id="4" name="Marcador de fecha 3"/>
+            <a:endParaRPr lang="en-US" dirty="0"/>
+          </a:p>
+        </p:txBody>
+      </p:sp>
+      <p:sp>
+        <p:nvSpPr>
+          <p:cNvPr id="4" name="Date Placeholder 3"/>
           <p:cNvSpPr>
             <a:spLocks noGrp="1"/>
           </p:cNvSpPr>
@@ -612,7 +2816,7 @@
           <a:p>
             <a:fld id="{CA16BAE6-43A0-4560-9426-D49B28EE3C15}" type="datetimeFigureOut">
               <a:rPr lang="es-ES" smtClean="0"/>
-              <a:t>13/05/2015</a:t>
+              <a:t>14/05/2015</a:t>
             </a:fld>
             <a:endParaRPr lang="es-ES"/>
           </a:p>
@@ -620,7 +2824,7 @@
       </p:sp>
       <p:sp>
         <p:nvSpPr>
-          <p:cNvPr id="5" name="Marcador de pie de página 4"/>
+          <p:cNvPr id="5" name="Footer Placeholder 4"/>
           <p:cNvSpPr>
             <a:spLocks noGrp="1"/>
           </p:cNvSpPr>
@@ -639,7 +2843,7 @@
       </p:sp>
       <p:sp>
         <p:nvSpPr>
-          <p:cNvPr id="6" name="Marcador de número de diapositiva 5"/>
+          <p:cNvPr id="6" name="Slide Number Placeholder 5"/>
           <p:cNvSpPr>
             <a:spLocks noGrp="1"/>
           </p:cNvSpPr>
@@ -663,7 +2867,7 @@
     </p:spTree>
     <p:extLst>
       <p:ext uri="{BB962C8B-B14F-4D97-AF65-F5344CB8AC3E}">
-        <p14:creationId xmlns:p14="http://schemas.microsoft.com/office/powerpoint/2010/main" val="2194909198"/>
+        <p14:creationId xmlns:p14="http://schemas.microsoft.com/office/powerpoint/2010/main" val="2570680927"/>
       </p:ext>
     </p:extLst>
   </p:cSld>
@@ -692,7 +2896,7 @@
       </p:grpSpPr>
       <p:sp>
         <p:nvSpPr>
-          <p:cNvPr id="2" name="Título 1"/>
+          <p:cNvPr id="2" name="Title 1"/>
           <p:cNvSpPr>
             <a:spLocks noGrp="1"/>
           </p:cNvSpPr>
@@ -702,20 +2906,26 @@
         </p:nvSpPr>
         <p:spPr/>
         <p:txBody>
-          <a:bodyPr/>
-          <a:lstStyle/>
+          <a:bodyPr>
+            <a:normAutofit/>
+          </a:bodyPr>
+          <a:lstStyle>
+            <a:lvl1pPr>
+              <a:defRPr sz="3600"/>
+            </a:lvl1pPr>
+          </a:lstStyle>
           <a:p>
             <a:r>
               <a:rPr lang="es-ES" smtClean="0"/>
               <a:t>Haga clic para modificar el estilo de título del patrón</a:t>
             </a:r>
-            <a:endParaRPr lang="es-ES"/>
-          </a:p>
-        </p:txBody>
-      </p:sp>
-      <p:sp>
-        <p:nvSpPr>
-          <p:cNvPr id="3" name="Marcador de contenido 2"/>
+            <a:endParaRPr lang="en-US" dirty="0"/>
+          </a:p>
+        </p:txBody>
+      </p:sp>
+      <p:sp>
+        <p:nvSpPr>
+          <p:cNvPr id="3" name="Content Placeholder 2"/>
           <p:cNvSpPr>
             <a:spLocks noGrp="1"/>
           </p:cNvSpPr>
@@ -761,13 +2971,13 @@
               <a:rPr lang="es-ES" smtClean="0"/>
               <a:t>Quinto nivel</a:t>
             </a:r>
-            <a:endParaRPr lang="es-ES"/>
-          </a:p>
-        </p:txBody>
-      </p:sp>
-      <p:sp>
-        <p:nvSpPr>
-          <p:cNvPr id="4" name="Marcador de fecha 3"/>
+            <a:endParaRPr lang="en-US" dirty="0"/>
+          </a:p>
+        </p:txBody>
+      </p:sp>
+      <p:sp>
+        <p:nvSpPr>
+          <p:cNvPr id="4" name="Date Placeholder 3"/>
           <p:cNvSpPr>
             <a:spLocks noGrp="1"/>
           </p:cNvSpPr>
@@ -782,7 +2992,7 @@
           <a:p>
             <a:fld id="{CA16BAE6-43A0-4560-9426-D49B28EE3C15}" type="datetimeFigureOut">
               <a:rPr lang="es-ES" smtClean="0"/>
-              <a:t>13/05/2015</a:t>
+              <a:t>14/05/2015</a:t>
             </a:fld>
             <a:endParaRPr lang="es-ES"/>
           </a:p>
@@ -790,7 +3000,7 @@
       </p:sp>
       <p:sp>
         <p:nvSpPr>
-          <p:cNvPr id="5" name="Marcador de pie de página 4"/>
+          <p:cNvPr id="5" name="Footer Placeholder 4"/>
           <p:cNvSpPr>
             <a:spLocks noGrp="1"/>
           </p:cNvSpPr>
@@ -809,7 +3019,7 @@
       </p:sp>
       <p:sp>
         <p:nvSpPr>
-          <p:cNvPr id="6" name="Marcador de número de diapositiva 5"/>
+          <p:cNvPr id="6" name="Slide Number Placeholder 5"/>
           <p:cNvSpPr>
             <a:spLocks noGrp="1"/>
           </p:cNvSpPr>
@@ -833,7 +3043,7 @@
     </p:spTree>
     <p:extLst>
       <p:ext uri="{BB962C8B-B14F-4D97-AF65-F5344CB8AC3E}">
-        <p14:creationId xmlns:p14="http://schemas.microsoft.com/office/powerpoint/2010/main" val="4122450667"/>
+        <p14:creationId xmlns:p14="http://schemas.microsoft.com/office/powerpoint/2010/main" val="3847711681"/>
       </p:ext>
     </p:extLst>
   </p:cSld>
@@ -862,7 +3072,7 @@
       </p:grpSpPr>
       <p:sp>
         <p:nvSpPr>
-          <p:cNvPr id="2" name="Título 1"/>
+          <p:cNvPr id="2" name="Title 1"/>
           <p:cNvSpPr>
             <a:spLocks noGrp="1"/>
           </p:cNvSpPr>
@@ -872,15 +3082,15 @@
         </p:nvSpPr>
         <p:spPr>
           <a:xfrm>
-            <a:off x="831850" y="1709738"/>
-            <a:ext cx="10515600" cy="2852737"/>
+            <a:off x="677335" y="2700867"/>
+            <a:ext cx="8596668" cy="1826581"/>
           </a:xfrm>
         </p:spPr>
         <p:txBody>
           <a:bodyPr anchor="b"/>
           <a:lstStyle>
-            <a:lvl1pPr>
-              <a:defRPr sz="6000"/>
+            <a:lvl1pPr algn="l">
+              <a:defRPr sz="4000" b="0" cap="none"/>
             </a:lvl1pPr>
           </a:lstStyle>
           <a:p>
@@ -888,13 +3098,13 @@
               <a:rPr lang="es-ES" smtClean="0"/>
               <a:t>Haga clic para modificar el estilo de título del patrón</a:t>
             </a:r>
-            <a:endParaRPr lang="es-ES"/>
-          </a:p>
-        </p:txBody>
-      </p:sp>
-      <p:sp>
-        <p:nvSpPr>
-          <p:cNvPr id="3" name="Marcador de texto 2"/>
+            <a:endParaRPr lang="en-US" dirty="0"/>
+          </a:p>
+        </p:txBody>
+      </p:sp>
+      <p:sp>
+        <p:nvSpPr>
+          <p:cNvPr id="3" name="Text Placeholder 2"/>
           <p:cNvSpPr>
             <a:spLocks noGrp="1"/>
           </p:cNvSpPr>
@@ -904,26 +3114,27 @@
         </p:nvSpPr>
         <p:spPr>
           <a:xfrm>
-            <a:off x="831850" y="4589463"/>
-            <a:ext cx="10515600" cy="1500187"/>
+            <a:off x="677335" y="4527448"/>
+            <a:ext cx="8596668" cy="860400"/>
           </a:xfrm>
         </p:spPr>
         <p:txBody>
-          <a:bodyPr/>
+          <a:bodyPr anchor="t"/>
           <a:lstStyle>
-            <a:lvl1pPr marL="0" indent="0">
-              <a:buNone/>
-              <a:defRPr sz="2400">
+            <a:lvl1pPr marL="0" indent="0" algn="l">
+              <a:buNone/>
+              <a:defRPr sz="2000">
                 <a:solidFill>
                   <a:schemeClr val="tx1">
-                    <a:tint val="75000"/>
+                    <a:lumMod val="50000"/>
+                    <a:lumOff val="50000"/>
                   </a:schemeClr>
                 </a:solidFill>
               </a:defRPr>
             </a:lvl1pPr>
             <a:lvl2pPr marL="457200" indent="0">
               <a:buNone/>
-              <a:defRPr sz="2000">
+              <a:defRPr sz="1800">
                 <a:solidFill>
                   <a:schemeClr val="tx1">
                     <a:tint val="75000"/>
@@ -933,7 +3144,7 @@
             </a:lvl2pPr>
             <a:lvl3pPr marL="914400" indent="0">
               <a:buNone/>
-              <a:defRPr sz="1800">
+              <a:defRPr sz="1600">
                 <a:solidFill>
                   <a:schemeClr val="tx1">
                     <a:tint val="75000"/>
@@ -943,7 +3154,7 @@
             </a:lvl3pPr>
             <a:lvl4pPr marL="1371600" indent="0">
               <a:buNone/>
-              <a:defRPr sz="1600">
+              <a:defRPr sz="1400">
                 <a:solidFill>
                   <a:schemeClr val="tx1">
                     <a:tint val="75000"/>
@@ -953,7 +3164,7 @@
             </a:lvl4pPr>
             <a:lvl5pPr marL="1828800" indent="0">
               <a:buNone/>
-              <a:defRPr sz="1600">
+              <a:defRPr sz="1400">
                 <a:solidFill>
                   <a:schemeClr val="tx1">
                     <a:tint val="75000"/>
@@ -963,7 +3174,7 @@
             </a:lvl5pPr>
             <a:lvl6pPr marL="2286000" indent="0">
               <a:buNone/>
-              <a:defRPr sz="1600">
+              <a:defRPr sz="1400">
                 <a:solidFill>
                   <a:schemeClr val="tx1">
                     <a:tint val="75000"/>
@@ -973,7 +3184,7 @@
             </a:lvl6pPr>
             <a:lvl7pPr marL="2743200" indent="0">
               <a:buNone/>
-              <a:defRPr sz="1600">
+              <a:defRPr sz="1400">
                 <a:solidFill>
                   <a:schemeClr val="tx1">
                     <a:tint val="75000"/>
@@ -983,7 +3194,7 @@
             </a:lvl7pPr>
             <a:lvl8pPr marL="3200400" indent="0">
               <a:buNone/>
-              <a:defRPr sz="1600">
+              <a:defRPr sz="1400">
                 <a:solidFill>
                   <a:schemeClr val="tx1">
                     <a:tint val="75000"/>
@@ -993,7 +3204,7 @@
             </a:lvl8pPr>
             <a:lvl9pPr marL="3657600" indent="0">
               <a:buNone/>
-              <a:defRPr sz="1600">
+              <a:defRPr sz="1400">
                 <a:solidFill>
                   <a:schemeClr val="tx1">
                     <a:tint val="75000"/>
@@ -1013,7 +3224,7 @@
       </p:sp>
       <p:sp>
         <p:nvSpPr>
-          <p:cNvPr id="4" name="Marcador de fecha 3"/>
+          <p:cNvPr id="4" name="Date Placeholder 3"/>
           <p:cNvSpPr>
             <a:spLocks noGrp="1"/>
           </p:cNvSpPr>
@@ -1028,7 +3239,7 @@
           <a:p>
             <a:fld id="{CA16BAE6-43A0-4560-9426-D49B28EE3C15}" type="datetimeFigureOut">
               <a:rPr lang="es-ES" smtClean="0"/>
-              <a:t>13/05/2015</a:t>
+              <a:t>14/05/2015</a:t>
             </a:fld>
             <a:endParaRPr lang="es-ES"/>
           </a:p>
@@ -1036,7 +3247,7 @@
       </p:sp>
       <p:sp>
         <p:nvSpPr>
-          <p:cNvPr id="5" name="Marcador de pie de página 4"/>
+          <p:cNvPr id="5" name="Footer Placeholder 4"/>
           <p:cNvSpPr>
             <a:spLocks noGrp="1"/>
           </p:cNvSpPr>
@@ -1055,7 +3266,7 @@
       </p:sp>
       <p:sp>
         <p:nvSpPr>
-          <p:cNvPr id="6" name="Marcador de número de diapositiva 5"/>
+          <p:cNvPr id="6" name="Slide Number Placeholder 5"/>
           <p:cNvSpPr>
             <a:spLocks noGrp="1"/>
           </p:cNvSpPr>
@@ -1079,7 +3290,7 @@
     </p:spTree>
     <p:extLst>
       <p:ext uri="{BB962C8B-B14F-4D97-AF65-F5344CB8AC3E}">
-        <p14:creationId xmlns:p14="http://schemas.microsoft.com/office/powerpoint/2010/main" val="169385683"/>
+        <p14:creationId xmlns:p14="http://schemas.microsoft.com/office/powerpoint/2010/main" val="3433594162"/>
       </p:ext>
     </p:extLst>
   </p:cSld>
@@ -1108,7 +3319,7 @@
       </p:grpSpPr>
       <p:sp>
         <p:nvSpPr>
-          <p:cNvPr id="2" name="Título 1"/>
+          <p:cNvPr id="2" name="Title 1"/>
           <p:cNvSpPr>
             <a:spLocks noGrp="1"/>
           </p:cNvSpPr>
@@ -1125,13 +3336,13 @@
               <a:rPr lang="es-ES" smtClean="0"/>
               <a:t>Haga clic para modificar el estilo de título del patrón</a:t>
             </a:r>
-            <a:endParaRPr lang="es-ES"/>
-          </a:p>
-        </p:txBody>
-      </p:sp>
-      <p:sp>
-        <p:nvSpPr>
-          <p:cNvPr id="3" name="Marcador de contenido 2"/>
+            <a:endParaRPr lang="en-US" dirty="0"/>
+          </a:p>
+        </p:txBody>
+      </p:sp>
+      <p:sp>
+        <p:nvSpPr>
+          <p:cNvPr id="3" name="Content Placeholder 2"/>
           <p:cNvSpPr>
             <a:spLocks noGrp="1"/>
           </p:cNvSpPr>
@@ -1141,8 +3352,8 @@
         </p:nvSpPr>
         <p:spPr>
           <a:xfrm>
-            <a:off x="838200" y="1825625"/>
-            <a:ext cx="5181600" cy="4351338"/>
+            <a:off x="677334" y="2160589"/>
+            <a:ext cx="4184035" cy="3880772"/>
           </a:xfrm>
         </p:spPr>
         <p:txBody>
@@ -1182,13 +3393,13 @@
               <a:rPr lang="es-ES" smtClean="0"/>
               <a:t>Quinto nivel</a:t>
             </a:r>
-            <a:endParaRPr lang="es-ES"/>
-          </a:p>
-        </p:txBody>
-      </p:sp>
-      <p:sp>
-        <p:nvSpPr>
-          <p:cNvPr id="4" name="Marcador de contenido 3"/>
+            <a:endParaRPr lang="en-US" dirty="0"/>
+          </a:p>
+        </p:txBody>
+      </p:sp>
+      <p:sp>
+        <p:nvSpPr>
+          <p:cNvPr id="4" name="Content Placeholder 3"/>
           <p:cNvSpPr>
             <a:spLocks noGrp="1"/>
           </p:cNvSpPr>
@@ -1198,8 +3409,8 @@
         </p:nvSpPr>
         <p:spPr>
           <a:xfrm>
-            <a:off x="6172200" y="1825625"/>
-            <a:ext cx="5181600" cy="4351338"/>
+            <a:off x="5089970" y="2160589"/>
+            <a:ext cx="4184034" cy="3880773"/>
           </a:xfrm>
         </p:spPr>
         <p:txBody>
@@ -1239,13 +3450,13 @@
               <a:rPr lang="es-ES" smtClean="0"/>
               <a:t>Quinto nivel</a:t>
             </a:r>
-            <a:endParaRPr lang="es-ES"/>
-          </a:p>
-        </p:txBody>
-      </p:sp>
-      <p:sp>
-        <p:nvSpPr>
-          <p:cNvPr id="5" name="Marcador de fecha 4"/>
+            <a:endParaRPr lang="en-US" dirty="0"/>
+          </a:p>
+        </p:txBody>
+      </p:sp>
+      <p:sp>
+        <p:nvSpPr>
+          <p:cNvPr id="5" name="Date Placeholder 4"/>
           <p:cNvSpPr>
             <a:spLocks noGrp="1"/>
           </p:cNvSpPr>
@@ -1260,7 +3471,7 @@
           <a:p>
             <a:fld id="{CA16BAE6-43A0-4560-9426-D49B28EE3C15}" type="datetimeFigureOut">
               <a:rPr lang="es-ES" smtClean="0"/>
-              <a:t>13/05/2015</a:t>
+              <a:t>14/05/2015</a:t>
             </a:fld>
             <a:endParaRPr lang="es-ES"/>
           </a:p>
@@ -1268,7 +3479,7 @@
       </p:sp>
       <p:sp>
         <p:nvSpPr>
-          <p:cNvPr id="6" name="Marcador de pie de página 5"/>
+          <p:cNvPr id="6" name="Footer Placeholder 5"/>
           <p:cNvSpPr>
             <a:spLocks noGrp="1"/>
           </p:cNvSpPr>
@@ -1287,7 +3498,7 @@
       </p:sp>
       <p:sp>
         <p:nvSpPr>
-          <p:cNvPr id="7" name="Marcador de número de diapositiva 6"/>
+          <p:cNvPr id="7" name="Slide Number Placeholder 6"/>
           <p:cNvSpPr>
             <a:spLocks noGrp="1"/>
           </p:cNvSpPr>
@@ -1311,7 +3522,7 @@
     </p:spTree>
     <p:extLst>
       <p:ext uri="{BB962C8B-B14F-4D97-AF65-F5344CB8AC3E}">
-        <p14:creationId xmlns:p14="http://schemas.microsoft.com/office/powerpoint/2010/main" val="2054569125"/>
+        <p14:creationId xmlns:p14="http://schemas.microsoft.com/office/powerpoint/2010/main" val="867091984"/>
       </p:ext>
     </p:extLst>
   </p:cSld>
@@ -1340,54 +3551,55 @@
       </p:grpSpPr>
       <p:sp>
         <p:nvSpPr>
-          <p:cNvPr id="2" name="Título 1"/>
+          <p:cNvPr id="2" name="Title 1"/>
           <p:cNvSpPr>
             <a:spLocks noGrp="1"/>
           </p:cNvSpPr>
           <p:nvPr>
             <p:ph type="title"/>
+          </p:nvPr>
+        </p:nvSpPr>
+        <p:spPr/>
+        <p:txBody>
+          <a:bodyPr/>
+          <a:lstStyle>
+            <a:lvl1pPr>
+              <a:defRPr/>
+            </a:lvl1pPr>
+          </a:lstStyle>
+          <a:p>
+            <a:r>
+              <a:rPr lang="es-ES" smtClean="0"/>
+              <a:t>Haga clic para modificar el estilo de título del patrón</a:t>
+            </a:r>
+            <a:endParaRPr lang="en-US" dirty="0"/>
+          </a:p>
+        </p:txBody>
+      </p:sp>
+      <p:sp>
+        <p:nvSpPr>
+          <p:cNvPr id="3" name="Text Placeholder 2"/>
+          <p:cNvSpPr>
+            <a:spLocks noGrp="1"/>
+          </p:cNvSpPr>
+          <p:nvPr>
+            <p:ph type="body" idx="1"/>
           </p:nvPr>
         </p:nvSpPr>
         <p:spPr>
           <a:xfrm>
-            <a:off x="839788" y="365125"/>
-            <a:ext cx="10515600" cy="1325563"/>
+            <a:off x="675745" y="2160983"/>
+            <a:ext cx="4185623" cy="576262"/>
           </a:xfrm>
         </p:spPr>
         <p:txBody>
-          <a:bodyPr/>
-          <a:lstStyle/>
-          <a:p>
-            <a:r>
-              <a:rPr lang="es-ES" smtClean="0"/>
-              <a:t>Haga clic para modificar el estilo de título del patrón</a:t>
-            </a:r>
-            <a:endParaRPr lang="es-ES"/>
-          </a:p>
-        </p:txBody>
-      </p:sp>
-      <p:sp>
-        <p:nvSpPr>
-          <p:cNvPr id="3" name="Marcador de texto 2"/>
-          <p:cNvSpPr>
-            <a:spLocks noGrp="1"/>
-          </p:cNvSpPr>
-          <p:nvPr>
-            <p:ph type="body" idx="1"/>
-          </p:nvPr>
-        </p:nvSpPr>
-        <p:spPr>
-          <a:xfrm>
-            <a:off x="839788" y="1681163"/>
-            <a:ext cx="5157787" cy="823912"/>
-          </a:xfrm>
-        </p:spPr>
-        <p:txBody>
-          <a:bodyPr anchor="b"/>
+          <a:bodyPr anchor="b">
+            <a:noAutofit/>
+          </a:bodyPr>
           <a:lstStyle>
             <a:lvl1pPr marL="0" indent="0">
               <a:buNone/>
-              <a:defRPr sz="2400" b="1"/>
+              <a:defRPr sz="2400" b="0"/>
             </a:lvl1pPr>
             <a:lvl2pPr marL="457200" indent="0">
               <a:buNone/>
@@ -1433,7 +3645,7 @@
       </p:sp>
       <p:sp>
         <p:nvSpPr>
-          <p:cNvPr id="4" name="Marcador de contenido 3"/>
+          <p:cNvPr id="4" name="Content Placeholder 3"/>
           <p:cNvSpPr>
             <a:spLocks noGrp="1"/>
           </p:cNvSpPr>
@@ -1443,12 +3655,14 @@
         </p:nvSpPr>
         <p:spPr>
           <a:xfrm>
-            <a:off x="839788" y="2505075"/>
-            <a:ext cx="5157787" cy="3684588"/>
+            <a:off x="675745" y="2737245"/>
+            <a:ext cx="4185623" cy="3304117"/>
           </a:xfrm>
         </p:spPr>
         <p:txBody>
-          <a:bodyPr/>
+          <a:bodyPr>
+            <a:normAutofit/>
+          </a:bodyPr>
           <a:lstStyle/>
           <a:p>
             <a:pPr lvl="0"/>
@@ -1484,13 +3698,13 @@
               <a:rPr lang="es-ES" smtClean="0"/>
               <a:t>Quinto nivel</a:t>
             </a:r>
-            <a:endParaRPr lang="es-ES"/>
-          </a:p>
-        </p:txBody>
-      </p:sp>
-      <p:sp>
-        <p:nvSpPr>
-          <p:cNvPr id="5" name="Marcador de texto 4"/>
+            <a:endParaRPr lang="en-US" dirty="0"/>
+          </a:p>
+        </p:txBody>
+      </p:sp>
+      <p:sp>
+        <p:nvSpPr>
+          <p:cNvPr id="5" name="Text Placeholder 4"/>
           <p:cNvSpPr>
             <a:spLocks noGrp="1"/>
           </p:cNvSpPr>
@@ -1500,16 +3714,18 @@
         </p:nvSpPr>
         <p:spPr>
           <a:xfrm>
-            <a:off x="6172200" y="1681163"/>
-            <a:ext cx="5183188" cy="823912"/>
+            <a:off x="5088383" y="2160983"/>
+            <a:ext cx="4185618" cy="576262"/>
           </a:xfrm>
         </p:spPr>
         <p:txBody>
-          <a:bodyPr anchor="b"/>
+          <a:bodyPr anchor="b">
+            <a:noAutofit/>
+          </a:bodyPr>
           <a:lstStyle>
             <a:lvl1pPr marL="0" indent="0">
               <a:buNone/>
-              <a:defRPr sz="2400" b="1"/>
+              <a:defRPr sz="2400" b="0"/>
             </a:lvl1pPr>
             <a:lvl2pPr marL="457200" indent="0">
               <a:buNone/>
@@ -1555,7 +3771,7 @@
       </p:sp>
       <p:sp>
         <p:nvSpPr>
-          <p:cNvPr id="6" name="Marcador de contenido 5"/>
+          <p:cNvPr id="6" name="Content Placeholder 5"/>
           <p:cNvSpPr>
             <a:spLocks noGrp="1"/>
           </p:cNvSpPr>
@@ -1565,12 +3781,14 @@
         </p:nvSpPr>
         <p:spPr>
           <a:xfrm>
-            <a:off x="6172200" y="2505075"/>
-            <a:ext cx="5183188" cy="3684588"/>
+            <a:off x="5088384" y="2737245"/>
+            <a:ext cx="4185617" cy="3304117"/>
           </a:xfrm>
         </p:spPr>
         <p:txBody>
-          <a:bodyPr/>
+          <a:bodyPr>
+            <a:normAutofit/>
+          </a:bodyPr>
           <a:lstStyle/>
           <a:p>
             <a:pPr lvl="0"/>
@@ -1606,13 +3824,13 @@
               <a:rPr lang="es-ES" smtClean="0"/>
               <a:t>Quinto nivel</a:t>
             </a:r>
-            <a:endParaRPr lang="es-ES"/>
-          </a:p>
-        </p:txBody>
-      </p:sp>
-      <p:sp>
-        <p:nvSpPr>
-          <p:cNvPr id="7" name="Marcador de fecha 6"/>
+            <a:endParaRPr lang="en-US" dirty="0"/>
+          </a:p>
+        </p:txBody>
+      </p:sp>
+      <p:sp>
+        <p:nvSpPr>
+          <p:cNvPr id="7" name="Date Placeholder 6"/>
           <p:cNvSpPr>
             <a:spLocks noGrp="1"/>
           </p:cNvSpPr>
@@ -1627,7 +3845,7 @@
           <a:p>
             <a:fld id="{CA16BAE6-43A0-4560-9426-D49B28EE3C15}" type="datetimeFigureOut">
               <a:rPr lang="es-ES" smtClean="0"/>
-              <a:t>13/05/2015</a:t>
+              <a:t>14/05/2015</a:t>
             </a:fld>
             <a:endParaRPr lang="es-ES"/>
           </a:p>
@@ -1635,7 +3853,7 @@
       </p:sp>
       <p:sp>
         <p:nvSpPr>
-          <p:cNvPr id="8" name="Marcador de pie de página 7"/>
+          <p:cNvPr id="8" name="Footer Placeholder 7"/>
           <p:cNvSpPr>
             <a:spLocks noGrp="1"/>
           </p:cNvSpPr>
@@ -1654,7 +3872,7 @@
       </p:sp>
       <p:sp>
         <p:nvSpPr>
-          <p:cNvPr id="9" name="Marcador de número de diapositiva 8"/>
+          <p:cNvPr id="9" name="Slide Number Placeholder 8"/>
           <p:cNvSpPr>
             <a:spLocks noGrp="1"/>
           </p:cNvSpPr>
@@ -1678,7 +3896,7 @@
     </p:spTree>
     <p:extLst>
       <p:ext uri="{BB962C8B-B14F-4D97-AF65-F5344CB8AC3E}">
-        <p14:creationId xmlns:p14="http://schemas.microsoft.com/office/powerpoint/2010/main" val="1275864918"/>
+        <p14:creationId xmlns:p14="http://schemas.microsoft.com/office/powerpoint/2010/main" val="1272289558"/>
       </p:ext>
     </p:extLst>
   </p:cSld>
@@ -1707,7 +3925,7 @@
       </p:grpSpPr>
       <p:sp>
         <p:nvSpPr>
-          <p:cNvPr id="2" name="Título 1"/>
+          <p:cNvPr id="2" name="Title 1"/>
           <p:cNvSpPr>
             <a:spLocks noGrp="1"/>
           </p:cNvSpPr>
@@ -1715,37 +3933,42 @@
             <p:ph type="title"/>
           </p:nvPr>
         </p:nvSpPr>
+        <p:spPr>
+          <a:xfrm>
+            <a:off x="677334" y="609600"/>
+            <a:ext cx="8596668" cy="1320800"/>
+          </a:xfrm>
+        </p:spPr>
+        <p:txBody>
+          <a:bodyPr/>
+          <a:lstStyle/>
+          <a:p>
+            <a:r>
+              <a:rPr lang="es-ES" smtClean="0"/>
+              <a:t>Haga clic para modificar el estilo de título del patrón</a:t>
+            </a:r>
+            <a:endParaRPr lang="en-US" dirty="0"/>
+          </a:p>
+        </p:txBody>
+      </p:sp>
+      <p:sp>
+        <p:nvSpPr>
+          <p:cNvPr id="3" name="Date Placeholder 2"/>
+          <p:cNvSpPr>
+            <a:spLocks noGrp="1"/>
+          </p:cNvSpPr>
+          <p:nvPr>
+            <p:ph type="dt" sz="half" idx="10"/>
+          </p:nvPr>
+        </p:nvSpPr>
         <p:spPr/>
         <p:txBody>
           <a:bodyPr/>
           <a:lstStyle/>
           <a:p>
-            <a:r>
-              <a:rPr lang="es-ES" smtClean="0"/>
-              <a:t>Haga clic para modificar el estilo de título del patrón</a:t>
-            </a:r>
-            <a:endParaRPr lang="es-ES"/>
-          </a:p>
-        </p:txBody>
-      </p:sp>
-      <p:sp>
-        <p:nvSpPr>
-          <p:cNvPr id="3" name="Marcador de fecha 2"/>
-          <p:cNvSpPr>
-            <a:spLocks noGrp="1"/>
-          </p:cNvSpPr>
-          <p:nvPr>
-            <p:ph type="dt" sz="half" idx="10"/>
-          </p:nvPr>
-        </p:nvSpPr>
-        <p:spPr/>
-        <p:txBody>
-          <a:bodyPr/>
-          <a:lstStyle/>
-          <a:p>
             <a:fld id="{CA16BAE6-43A0-4560-9426-D49B28EE3C15}" type="datetimeFigureOut">
               <a:rPr lang="es-ES" smtClean="0"/>
-              <a:t>13/05/2015</a:t>
+              <a:t>14/05/2015</a:t>
             </a:fld>
             <a:endParaRPr lang="es-ES"/>
           </a:p>
@@ -1753,7 +3976,7 @@
       </p:sp>
       <p:sp>
         <p:nvSpPr>
-          <p:cNvPr id="4" name="Marcador de pie de página 3"/>
+          <p:cNvPr id="4" name="Footer Placeholder 3"/>
           <p:cNvSpPr>
             <a:spLocks noGrp="1"/>
           </p:cNvSpPr>
@@ -1772,7 +3995,7 @@
       </p:sp>
       <p:sp>
         <p:nvSpPr>
-          <p:cNvPr id="5" name="Marcador de número de diapositiva 4"/>
+          <p:cNvPr id="5" name="Slide Number Placeholder 4"/>
           <p:cNvSpPr>
             <a:spLocks noGrp="1"/>
           </p:cNvSpPr>
@@ -1796,7 +4019,7 @@
     </p:spTree>
     <p:extLst>
       <p:ext uri="{BB962C8B-B14F-4D97-AF65-F5344CB8AC3E}">
-        <p14:creationId xmlns:p14="http://schemas.microsoft.com/office/powerpoint/2010/main" val="1142490078"/>
+        <p14:creationId xmlns:p14="http://schemas.microsoft.com/office/powerpoint/2010/main" val="3581683956"/>
       </p:ext>
     </p:extLst>
   </p:cSld>
@@ -1825,7 +4048,7 @@
       </p:grpSpPr>
       <p:sp>
         <p:nvSpPr>
-          <p:cNvPr id="2" name="Marcador de fecha 1"/>
+          <p:cNvPr id="2" name="Date Placeholder 1"/>
           <p:cNvSpPr>
             <a:spLocks noGrp="1"/>
           </p:cNvSpPr>
@@ -1840,7 +4063,7 @@
           <a:p>
             <a:fld id="{CA16BAE6-43A0-4560-9426-D49B28EE3C15}" type="datetimeFigureOut">
               <a:rPr lang="es-ES" smtClean="0"/>
-              <a:t>13/05/2015</a:t>
+              <a:t>14/05/2015</a:t>
             </a:fld>
             <a:endParaRPr lang="es-ES"/>
           </a:p>
@@ -1848,7 +4071,7 @@
       </p:sp>
       <p:sp>
         <p:nvSpPr>
-          <p:cNvPr id="3" name="Marcador de pie de página 2"/>
+          <p:cNvPr id="3" name="Footer Placeholder 2"/>
           <p:cNvSpPr>
             <a:spLocks noGrp="1"/>
           </p:cNvSpPr>
@@ -1867,7 +4090,7 @@
       </p:sp>
       <p:sp>
         <p:nvSpPr>
-          <p:cNvPr id="4" name="Marcador de número de diapositiva 3"/>
+          <p:cNvPr id="4" name="Slide Number Placeholder 3"/>
           <p:cNvSpPr>
             <a:spLocks noGrp="1"/>
           </p:cNvSpPr>
@@ -1891,7 +4114,7 @@
     </p:spTree>
     <p:extLst>
       <p:ext uri="{BB962C8B-B14F-4D97-AF65-F5344CB8AC3E}">
-        <p14:creationId xmlns:p14="http://schemas.microsoft.com/office/powerpoint/2010/main" val="3443564096"/>
+        <p14:creationId xmlns:p14="http://schemas.microsoft.com/office/powerpoint/2010/main" val="434946603"/>
       </p:ext>
     </p:extLst>
   </p:cSld>
@@ -1920,7 +4143,7 @@
       </p:grpSpPr>
       <p:sp>
         <p:nvSpPr>
-          <p:cNvPr id="2" name="Título 1"/>
+          <p:cNvPr id="2" name="Title 1"/>
           <p:cNvSpPr>
             <a:spLocks noGrp="1"/>
           </p:cNvSpPr>
@@ -1930,15 +4153,17 @@
         </p:nvSpPr>
         <p:spPr>
           <a:xfrm>
-            <a:off x="839788" y="457200"/>
-            <a:ext cx="3932237" cy="1600200"/>
+            <a:off x="677334" y="1498604"/>
+            <a:ext cx="3854528" cy="1278466"/>
           </a:xfrm>
         </p:spPr>
         <p:txBody>
-          <a:bodyPr anchor="b"/>
+          <a:bodyPr anchor="b">
+            <a:normAutofit/>
+          </a:bodyPr>
           <a:lstStyle>
             <a:lvl1pPr>
-              <a:defRPr sz="3200"/>
+              <a:defRPr sz="2000"/>
             </a:lvl1pPr>
           </a:lstStyle>
           <a:p>
@@ -1946,13 +4171,13 @@
               <a:rPr lang="es-ES" smtClean="0"/>
               <a:t>Haga clic para modificar el estilo de título del patrón</a:t>
             </a:r>
-            <a:endParaRPr lang="es-ES"/>
-          </a:p>
-        </p:txBody>
-      </p:sp>
-      <p:sp>
-        <p:nvSpPr>
-          <p:cNvPr id="3" name="Marcador de contenido 2"/>
+            <a:endParaRPr lang="en-US" dirty="0"/>
+          </a:p>
+        </p:txBody>
+      </p:sp>
+      <p:sp>
+        <p:nvSpPr>
+          <p:cNvPr id="3" name="Content Placeholder 2"/>
           <p:cNvSpPr>
             <a:spLocks noGrp="1"/>
           </p:cNvSpPr>
@@ -1962,41 +4187,15 @@
         </p:nvSpPr>
         <p:spPr>
           <a:xfrm>
-            <a:off x="5183188" y="987425"/>
-            <a:ext cx="6172200" cy="4873625"/>
+            <a:off x="4760461" y="514924"/>
+            <a:ext cx="4513541" cy="5526437"/>
           </a:xfrm>
         </p:spPr>
         <p:txBody>
-          <a:bodyPr/>
-          <a:lstStyle>
-            <a:lvl1pPr>
-              <a:defRPr sz="3200"/>
-            </a:lvl1pPr>
-            <a:lvl2pPr>
-              <a:defRPr sz="2800"/>
-            </a:lvl2pPr>
-            <a:lvl3pPr>
-              <a:defRPr sz="2400"/>
-            </a:lvl3pPr>
-            <a:lvl4pPr>
-              <a:defRPr sz="2000"/>
-            </a:lvl4pPr>
-            <a:lvl5pPr>
-              <a:defRPr sz="2000"/>
-            </a:lvl5pPr>
-            <a:lvl6pPr>
-              <a:defRPr sz="2000"/>
-            </a:lvl6pPr>
-            <a:lvl7pPr>
-              <a:defRPr sz="2000"/>
-            </a:lvl7pPr>
-            <a:lvl8pPr>
-              <a:defRPr sz="2000"/>
-            </a:lvl8pPr>
-            <a:lvl9pPr>
-              <a:defRPr sz="2000"/>
-            </a:lvl9pPr>
-          </a:lstStyle>
+          <a:bodyPr>
+            <a:normAutofit/>
+          </a:bodyPr>
+          <a:lstStyle/>
           <a:p>
             <a:pPr lvl="0"/>
             <a:r>
@@ -2031,13 +4230,13 @@
               <a:rPr lang="es-ES" smtClean="0"/>
               <a:t>Quinto nivel</a:t>
             </a:r>
-            <a:endParaRPr lang="es-ES"/>
-          </a:p>
-        </p:txBody>
-      </p:sp>
-      <p:sp>
-        <p:nvSpPr>
-          <p:cNvPr id="4" name="Marcador de texto 3"/>
+            <a:endParaRPr lang="en-US" dirty="0"/>
+          </a:p>
+        </p:txBody>
+      </p:sp>
+      <p:sp>
+        <p:nvSpPr>
+          <p:cNvPr id="4" name="Text Placeholder 3"/>
           <p:cNvSpPr>
             <a:spLocks noGrp="1"/>
           </p:cNvSpPr>
@@ -2047,46 +4246,48 @@
         </p:nvSpPr>
         <p:spPr>
           <a:xfrm>
-            <a:off x="839788" y="2057400"/>
-            <a:ext cx="3932237" cy="3811588"/>
+            <a:off x="677334" y="2777069"/>
+            <a:ext cx="3854528" cy="2584449"/>
           </a:xfrm>
         </p:spPr>
         <p:txBody>
-          <a:bodyPr/>
+          <a:bodyPr>
+            <a:normAutofit/>
+          </a:bodyPr>
           <a:lstStyle>
             <a:lvl1pPr marL="0" indent="0">
               <a:buNone/>
-              <a:defRPr sz="1600"/>
+              <a:defRPr sz="1400"/>
             </a:lvl1pPr>
-            <a:lvl2pPr marL="457200" indent="0">
+            <a:lvl2pPr marL="457063" indent="0">
               <a:buNone/>
               <a:defRPr sz="1400"/>
             </a:lvl2pPr>
-            <a:lvl3pPr marL="914400" indent="0">
+            <a:lvl3pPr marL="914126" indent="0">
               <a:buNone/>
               <a:defRPr sz="1200"/>
             </a:lvl3pPr>
-            <a:lvl4pPr marL="1371600" indent="0">
+            <a:lvl4pPr marL="1371189" indent="0">
               <a:buNone/>
               <a:defRPr sz="1000"/>
             </a:lvl4pPr>
-            <a:lvl5pPr marL="1828800" indent="0">
+            <a:lvl5pPr marL="1828251" indent="0">
               <a:buNone/>
               <a:defRPr sz="1000"/>
             </a:lvl5pPr>
-            <a:lvl6pPr marL="2286000" indent="0">
+            <a:lvl6pPr marL="2285314" indent="0">
               <a:buNone/>
               <a:defRPr sz="1000"/>
             </a:lvl6pPr>
-            <a:lvl7pPr marL="2743200" indent="0">
+            <a:lvl7pPr marL="2742377" indent="0">
               <a:buNone/>
               <a:defRPr sz="1000"/>
             </a:lvl7pPr>
-            <a:lvl8pPr marL="3200400" indent="0">
+            <a:lvl8pPr marL="3199440" indent="0">
               <a:buNone/>
               <a:defRPr sz="1000"/>
             </a:lvl8pPr>
-            <a:lvl9pPr marL="3657600" indent="0">
+            <a:lvl9pPr marL="3656503" indent="0">
               <a:buNone/>
               <a:defRPr sz="1000"/>
             </a:lvl9pPr>
@@ -2102,7 +4303,7 @@
       </p:sp>
       <p:sp>
         <p:nvSpPr>
-          <p:cNvPr id="5" name="Marcador de fecha 4"/>
+          <p:cNvPr id="5" name="Date Placeholder 4"/>
           <p:cNvSpPr>
             <a:spLocks noGrp="1"/>
           </p:cNvSpPr>
@@ -2117,7 +4318,7 @@
           <a:p>
             <a:fld id="{CA16BAE6-43A0-4560-9426-D49B28EE3C15}" type="datetimeFigureOut">
               <a:rPr lang="es-ES" smtClean="0"/>
-              <a:t>13/05/2015</a:t>
+              <a:t>14/05/2015</a:t>
             </a:fld>
             <a:endParaRPr lang="es-ES"/>
           </a:p>
@@ -2125,7 +4326,7 @@
       </p:sp>
       <p:sp>
         <p:nvSpPr>
-          <p:cNvPr id="6" name="Marcador de pie de página 5"/>
+          <p:cNvPr id="6" name="Footer Placeholder 5"/>
           <p:cNvSpPr>
             <a:spLocks noGrp="1"/>
           </p:cNvSpPr>
@@ -2144,7 +4345,7 @@
       </p:sp>
       <p:sp>
         <p:nvSpPr>
-          <p:cNvPr id="7" name="Marcador de número de diapositiva 6"/>
+          <p:cNvPr id="7" name="Slide Number Placeholder 6"/>
           <p:cNvSpPr>
             <a:spLocks noGrp="1"/>
           </p:cNvSpPr>
@@ -2168,7 +4369,7 @@
     </p:spTree>
     <p:extLst>
       <p:ext uri="{BB962C8B-B14F-4D97-AF65-F5344CB8AC3E}">
-        <p14:creationId xmlns:p14="http://schemas.microsoft.com/office/powerpoint/2010/main" val="1410818849"/>
+        <p14:creationId xmlns:p14="http://schemas.microsoft.com/office/powerpoint/2010/main" val="1128444737"/>
       </p:ext>
     </p:extLst>
   </p:cSld>
@@ -2197,7 +4398,7 @@
       </p:grpSpPr>
       <p:sp>
         <p:nvSpPr>
-          <p:cNvPr id="2" name="Título 1"/>
+          <p:cNvPr id="2" name="Title 1"/>
           <p:cNvSpPr>
             <a:spLocks noGrp="1"/>
           </p:cNvSpPr>
@@ -2207,15 +4408,17 @@
         </p:nvSpPr>
         <p:spPr>
           <a:xfrm>
-            <a:off x="839788" y="457200"/>
-            <a:ext cx="3932237" cy="1600200"/>
+            <a:off x="677334" y="4800600"/>
+            <a:ext cx="8596667" cy="566738"/>
           </a:xfrm>
         </p:spPr>
         <p:txBody>
-          <a:bodyPr anchor="b"/>
+          <a:bodyPr anchor="b">
+            <a:normAutofit/>
+          </a:bodyPr>
           <a:lstStyle>
-            <a:lvl1pPr>
-              <a:defRPr sz="3200"/>
+            <a:lvl1pPr algn="l">
+              <a:defRPr sz="2400" b="0"/>
             </a:lvl1pPr>
           </a:lstStyle>
           <a:p>
@@ -2223,15 +4426,15 @@
               <a:rPr lang="es-ES" smtClean="0"/>
               <a:t>Haga clic para modificar el estilo de título del patrón</a:t>
             </a:r>
-            <a:endParaRPr lang="es-ES"/>
-          </a:p>
-        </p:txBody>
-      </p:sp>
-      <p:sp>
-        <p:nvSpPr>
-          <p:cNvPr id="3" name="Marcador de posición de imagen 2"/>
-          <p:cNvSpPr>
-            <a:spLocks noGrp="1"/>
+            <a:endParaRPr lang="en-US" dirty="0"/>
+          </a:p>
+        </p:txBody>
+      </p:sp>
+      <p:sp>
+        <p:nvSpPr>
+          <p:cNvPr id="3" name="Picture Placeholder 2"/>
+          <p:cNvSpPr>
+            <a:spLocks noGrp="1" noChangeAspect="1"/>
           </p:cNvSpPr>
           <p:nvPr>
             <p:ph type="pic" idx="1"/>
@@ -2239,112 +4442,120 @@
         </p:nvSpPr>
         <p:spPr>
           <a:xfrm>
-            <a:off x="5183188" y="987425"/>
-            <a:ext cx="6172200" cy="4873625"/>
+            <a:off x="677334" y="609600"/>
+            <a:ext cx="8596668" cy="3845718"/>
           </a:xfrm>
         </p:spPr>
         <p:txBody>
-          <a:bodyPr/>
+          <a:bodyPr anchor="t">
+            <a:normAutofit/>
+          </a:bodyPr>
           <a:lstStyle>
-            <a:lvl1pPr marL="0" indent="0">
-              <a:buNone/>
-              <a:defRPr sz="3200"/>
-            </a:lvl1pPr>
-            <a:lvl2pPr marL="457200" indent="0">
-              <a:buNone/>
-              <a:defRPr sz="2800"/>
-            </a:lvl2pPr>
-            <a:lvl3pPr marL="914400" indent="0">
-              <a:buNone/>
-              <a:defRPr sz="2400"/>
-            </a:lvl3pPr>
-            <a:lvl4pPr marL="1371600" indent="0">
-              <a:buNone/>
-              <a:defRPr sz="2000"/>
-            </a:lvl4pPr>
-            <a:lvl5pPr marL="1828800" indent="0">
-              <a:buNone/>
-              <a:defRPr sz="2000"/>
-            </a:lvl5pPr>
-            <a:lvl6pPr marL="2286000" indent="0">
-              <a:buNone/>
-              <a:defRPr sz="2000"/>
-            </a:lvl6pPr>
-            <a:lvl7pPr marL="2743200" indent="0">
-              <a:buNone/>
-              <a:defRPr sz="2000"/>
-            </a:lvl7pPr>
-            <a:lvl8pPr marL="3200400" indent="0">
-              <a:buNone/>
-              <a:defRPr sz="2000"/>
-            </a:lvl8pPr>
-            <a:lvl9pPr marL="3657600" indent="0">
-              <a:buNone/>
-              <a:defRPr sz="2000"/>
-            </a:lvl9pPr>
-          </a:lstStyle>
-          <a:p>
-            <a:endParaRPr lang="es-ES"/>
-          </a:p>
-        </p:txBody>
-      </p:sp>
-      <p:sp>
-        <p:nvSpPr>
-          <p:cNvPr id="4" name="Marcador de texto 3"/>
-          <p:cNvSpPr>
-            <a:spLocks noGrp="1"/>
-          </p:cNvSpPr>
-          <p:nvPr>
-            <p:ph type="body" sz="half" idx="2"/>
-          </p:nvPr>
-        </p:nvSpPr>
-        <p:spPr>
-          <a:xfrm>
-            <a:off x="839788" y="2057400"/>
-            <a:ext cx="3932237" cy="3811588"/>
-          </a:xfrm>
-        </p:spPr>
-        <p:txBody>
-          <a:bodyPr/>
-          <a:lstStyle>
-            <a:lvl1pPr marL="0" indent="0">
+            <a:lvl1pPr marL="0" indent="0" algn="ctr">
               <a:buNone/>
               <a:defRPr sz="1600"/>
             </a:lvl1pPr>
             <a:lvl2pPr marL="457200" indent="0">
               <a:buNone/>
-              <a:defRPr sz="1400"/>
+              <a:defRPr sz="1600"/>
             </a:lvl2pPr>
             <a:lvl3pPr marL="914400" indent="0">
               <a:buNone/>
-              <a:defRPr sz="1200"/>
+              <a:defRPr sz="1600"/>
             </a:lvl3pPr>
             <a:lvl4pPr marL="1371600" indent="0">
               <a:buNone/>
-              <a:defRPr sz="1000"/>
+              <a:defRPr sz="1600"/>
             </a:lvl4pPr>
             <a:lvl5pPr marL="1828800" indent="0">
               <a:buNone/>
-              <a:defRPr sz="1000"/>
+              <a:defRPr sz="1600"/>
             </a:lvl5pPr>
             <a:lvl6pPr marL="2286000" indent="0">
               <a:buNone/>
-              <a:defRPr sz="1000"/>
+              <a:defRPr sz="1600"/>
             </a:lvl6pPr>
             <a:lvl7pPr marL="2743200" indent="0">
               <a:buNone/>
-              <a:defRPr sz="1000"/>
+              <a:defRPr sz="1600"/>
             </a:lvl7pPr>
             <a:lvl8pPr marL="3200400" indent="0">
               <a:buNone/>
-              <a:defRPr sz="1000"/>
+              <a:defRPr sz="1600"/>
             </a:lvl8pPr>
             <a:lvl9pPr marL="3657600" indent="0">
               <a:buNone/>
-              <a:defRPr sz="1000"/>
+              <a:defRPr sz="1600"/>
             </a:lvl9pPr>
           </a:lstStyle>
           <a:p>
+            <a:r>
+              <a:rPr lang="es-ES" smtClean="0"/>
+              <a:t>Haga clic en el icono para agregar una imagen</a:t>
+            </a:r>
+            <a:endParaRPr lang="en-US" dirty="0"/>
+          </a:p>
+        </p:txBody>
+      </p:sp>
+      <p:sp>
+        <p:nvSpPr>
+          <p:cNvPr id="4" name="Text Placeholder 3"/>
+          <p:cNvSpPr>
+            <a:spLocks noGrp="1"/>
+          </p:cNvSpPr>
+          <p:nvPr>
+            <p:ph type="body" sz="half" idx="2"/>
+          </p:nvPr>
+        </p:nvSpPr>
+        <p:spPr>
+          <a:xfrm>
+            <a:off x="677334" y="5367338"/>
+            <a:ext cx="8596667" cy="674024"/>
+          </a:xfrm>
+        </p:spPr>
+        <p:txBody>
+          <a:bodyPr>
+            <a:normAutofit/>
+          </a:bodyPr>
+          <a:lstStyle>
+            <a:lvl1pPr marL="0" indent="0">
+              <a:buNone/>
+              <a:defRPr sz="1200"/>
+            </a:lvl1pPr>
+            <a:lvl2pPr marL="457200" indent="0">
+              <a:buNone/>
+              <a:defRPr sz="1200"/>
+            </a:lvl2pPr>
+            <a:lvl3pPr marL="914400" indent="0">
+              <a:buNone/>
+              <a:defRPr sz="1000"/>
+            </a:lvl3pPr>
+            <a:lvl4pPr marL="1371600" indent="0">
+              <a:buNone/>
+              <a:defRPr sz="900"/>
+            </a:lvl4pPr>
+            <a:lvl5pPr marL="1828800" indent="0">
+              <a:buNone/>
+              <a:defRPr sz="900"/>
+            </a:lvl5pPr>
+            <a:lvl6pPr marL="2286000" indent="0">
+              <a:buNone/>
+              <a:defRPr sz="900"/>
+            </a:lvl6pPr>
+            <a:lvl7pPr marL="2743200" indent="0">
+              <a:buNone/>
+              <a:defRPr sz="900"/>
+            </a:lvl7pPr>
+            <a:lvl8pPr marL="3200400" indent="0">
+              <a:buNone/>
+              <a:defRPr sz="900"/>
+            </a:lvl8pPr>
+            <a:lvl9pPr marL="3657600" indent="0">
+              <a:buNone/>
+              <a:defRPr sz="900"/>
+            </a:lvl9pPr>
+          </a:lstStyle>
+          <a:p>
             <a:pPr lvl="0"/>
             <a:r>
               <a:rPr lang="es-ES" smtClean="0"/>
@@ -2355,7 +4566,7 @@
       </p:sp>
       <p:sp>
         <p:nvSpPr>
-          <p:cNvPr id="5" name="Marcador de fecha 4"/>
+          <p:cNvPr id="5" name="Date Placeholder 4"/>
           <p:cNvSpPr>
             <a:spLocks noGrp="1"/>
           </p:cNvSpPr>
@@ -2370,7 +4581,7 @@
           <a:p>
             <a:fld id="{CA16BAE6-43A0-4560-9426-D49B28EE3C15}" type="datetimeFigureOut">
               <a:rPr lang="es-ES" smtClean="0"/>
-              <a:t>13/05/2015</a:t>
+              <a:t>14/05/2015</a:t>
             </a:fld>
             <a:endParaRPr lang="es-ES"/>
           </a:p>
@@ -2378,7 +4589,7 @@
       </p:sp>
       <p:sp>
         <p:nvSpPr>
-          <p:cNvPr id="6" name="Marcador de pie de página 5"/>
+          <p:cNvPr id="6" name="Footer Placeholder 5"/>
           <p:cNvSpPr>
             <a:spLocks noGrp="1"/>
           </p:cNvSpPr>
@@ -2397,7 +4608,7 @@
       </p:sp>
       <p:sp>
         <p:nvSpPr>
-          <p:cNvPr id="7" name="Marcador de número de diapositiva 6"/>
+          <p:cNvPr id="7" name="Slide Number Placeholder 6"/>
           <p:cNvSpPr>
             <a:spLocks noGrp="1"/>
           </p:cNvSpPr>
@@ -2421,7 +4632,7 @@
     </p:spTree>
     <p:extLst>
       <p:ext uri="{BB962C8B-B14F-4D97-AF65-F5344CB8AC3E}">
-        <p14:creationId xmlns:p14="http://schemas.microsoft.com/office/powerpoint/2010/main" val="3121251514"/>
+        <p14:creationId xmlns:p14="http://schemas.microsoft.com/office/powerpoint/2010/main" val="27626379"/>
       </p:ext>
     </p:extLst>
   </p:cSld>
@@ -2453,9 +4664,539 @@
           <a:chExt cx="0" cy="0"/>
         </a:xfrm>
       </p:grpSpPr>
-      <p:sp>
-        <p:nvSpPr>
-          <p:cNvPr id="2" name="Marcador de título 1"/>
+      <p:grpSp>
+        <p:nvGrpSpPr>
+          <p:cNvPr id="7" name="Group 6"/>
+          <p:cNvGrpSpPr/>
+          <p:nvPr/>
+        </p:nvGrpSpPr>
+        <p:grpSpPr>
+          <a:xfrm>
+            <a:off x="0" y="-8467"/>
+            <a:ext cx="12192000" cy="6866467"/>
+            <a:chOff x="0" y="-8467"/>
+            <a:chExt cx="12192000" cy="6866467"/>
+          </a:xfrm>
+        </p:grpSpPr>
+        <p:cxnSp>
+          <p:nvCxnSpPr>
+            <p:cNvPr id="20" name="Straight Connector 19"/>
+            <p:cNvCxnSpPr/>
+            <p:nvPr/>
+          </p:nvCxnSpPr>
+          <p:spPr>
+            <a:xfrm>
+              <a:off x="9371012" y="0"/>
+              <a:ext cx="1219200" cy="6858000"/>
+            </a:xfrm>
+            <a:prstGeom prst="line">
+              <a:avLst/>
+            </a:prstGeom>
+            <a:ln w="9525">
+              <a:solidFill>
+                <a:schemeClr val="bg1">
+                  <a:lumMod val="75000"/>
+                </a:schemeClr>
+              </a:solidFill>
+            </a:ln>
+          </p:spPr>
+          <p:style>
+            <a:lnRef idx="2">
+              <a:schemeClr val="accent1"/>
+            </a:lnRef>
+            <a:fillRef idx="0">
+              <a:schemeClr val="accent1"/>
+            </a:fillRef>
+            <a:effectRef idx="1">
+              <a:schemeClr val="accent1"/>
+            </a:effectRef>
+            <a:fontRef idx="minor">
+              <a:schemeClr val="tx1"/>
+            </a:fontRef>
+          </p:style>
+        </p:cxnSp>
+        <p:cxnSp>
+          <p:nvCxnSpPr>
+            <p:cNvPr id="21" name="Straight Connector 20"/>
+            <p:cNvCxnSpPr/>
+            <p:nvPr/>
+          </p:nvCxnSpPr>
+          <p:spPr>
+            <a:xfrm flipH="1">
+              <a:off x="7425267" y="3681413"/>
+              <a:ext cx="4763558" cy="3176587"/>
+            </a:xfrm>
+            <a:prstGeom prst="line">
+              <a:avLst/>
+            </a:prstGeom>
+            <a:ln w="9525">
+              <a:solidFill>
+                <a:schemeClr val="bg1">
+                  <a:lumMod val="85000"/>
+                </a:schemeClr>
+              </a:solidFill>
+            </a:ln>
+          </p:spPr>
+          <p:style>
+            <a:lnRef idx="2">
+              <a:schemeClr val="accent1"/>
+            </a:lnRef>
+            <a:fillRef idx="0">
+              <a:schemeClr val="accent1"/>
+            </a:fillRef>
+            <a:effectRef idx="1">
+              <a:schemeClr val="accent1"/>
+            </a:effectRef>
+            <a:fontRef idx="minor">
+              <a:schemeClr val="tx1"/>
+            </a:fontRef>
+          </p:style>
+        </p:cxnSp>
+        <p:sp>
+          <p:nvSpPr>
+            <p:cNvPr id="22" name="Rectangle 23"/>
+            <p:cNvSpPr/>
+            <p:nvPr/>
+          </p:nvSpPr>
+          <p:spPr>
+            <a:xfrm>
+              <a:off x="9181476" y="-8467"/>
+              <a:ext cx="3007349" cy="6866467"/>
+            </a:xfrm>
+            <a:custGeom>
+              <a:avLst/>
+              <a:gdLst/>
+              <a:ahLst/>
+              <a:cxnLst/>
+              <a:rect l="l" t="t" r="r" b="b"/>
+              <a:pathLst>
+                <a:path w="3007349" h="6866467">
+                  <a:moveTo>
+                    <a:pt x="2045532" y="0"/>
+                  </a:moveTo>
+                  <a:lnTo>
+                    <a:pt x="3007349" y="0"/>
+                  </a:lnTo>
+                  <a:lnTo>
+                    <a:pt x="3007349" y="6866467"/>
+                  </a:lnTo>
+                  <a:lnTo>
+                    <a:pt x="0" y="6866467"/>
+                  </a:lnTo>
+                  <a:lnTo>
+                    <a:pt x="2045532" y="0"/>
+                  </a:lnTo>
+                  <a:close/>
+                </a:path>
+              </a:pathLst>
+            </a:custGeom>
+            <a:solidFill>
+              <a:schemeClr val="accent1">
+                <a:alpha val="30000"/>
+              </a:schemeClr>
+            </a:solidFill>
+            <a:ln>
+              <a:noFill/>
+            </a:ln>
+            <a:effectLst/>
+          </p:spPr>
+          <p:style>
+            <a:lnRef idx="1">
+              <a:schemeClr val="accent1"/>
+            </a:lnRef>
+            <a:fillRef idx="3">
+              <a:schemeClr val="accent1"/>
+            </a:fillRef>
+            <a:effectRef idx="2">
+              <a:schemeClr val="accent1"/>
+            </a:effectRef>
+            <a:fontRef idx="minor">
+              <a:schemeClr val="lt1"/>
+            </a:fontRef>
+          </p:style>
+        </p:sp>
+        <p:sp>
+          <p:nvSpPr>
+            <p:cNvPr id="23" name="Rectangle 25"/>
+            <p:cNvSpPr/>
+            <p:nvPr/>
+          </p:nvSpPr>
+          <p:spPr>
+            <a:xfrm>
+              <a:off x="9603442" y="-8467"/>
+              <a:ext cx="2588558" cy="6866467"/>
+            </a:xfrm>
+            <a:custGeom>
+              <a:avLst/>
+              <a:gdLst/>
+              <a:ahLst/>
+              <a:cxnLst/>
+              <a:rect l="l" t="t" r="r" b="b"/>
+              <a:pathLst>
+                <a:path w="2573311" h="6866467">
+                  <a:moveTo>
+                    <a:pt x="0" y="0"/>
+                  </a:moveTo>
+                  <a:lnTo>
+                    <a:pt x="2573311" y="0"/>
+                  </a:lnTo>
+                  <a:lnTo>
+                    <a:pt x="2573311" y="6866467"/>
+                  </a:lnTo>
+                  <a:lnTo>
+                    <a:pt x="1202336" y="6866467"/>
+                  </a:lnTo>
+                  <a:lnTo>
+                    <a:pt x="0" y="0"/>
+                  </a:lnTo>
+                  <a:close/>
+                </a:path>
+              </a:pathLst>
+            </a:custGeom>
+            <a:solidFill>
+              <a:schemeClr val="accent1">
+                <a:alpha val="20000"/>
+              </a:schemeClr>
+            </a:solidFill>
+            <a:ln>
+              <a:noFill/>
+            </a:ln>
+            <a:effectLst/>
+          </p:spPr>
+          <p:style>
+            <a:lnRef idx="1">
+              <a:schemeClr val="accent1"/>
+            </a:lnRef>
+            <a:fillRef idx="3">
+              <a:schemeClr val="accent1"/>
+            </a:fillRef>
+            <a:effectRef idx="2">
+              <a:schemeClr val="accent1"/>
+            </a:effectRef>
+            <a:fontRef idx="minor">
+              <a:schemeClr val="lt1"/>
+            </a:fontRef>
+          </p:style>
+        </p:sp>
+        <p:sp>
+          <p:nvSpPr>
+            <p:cNvPr id="24" name="Isosceles Triangle 23"/>
+            <p:cNvSpPr/>
+            <p:nvPr/>
+          </p:nvSpPr>
+          <p:spPr>
+            <a:xfrm>
+              <a:off x="8932333" y="3048000"/>
+              <a:ext cx="3259667" cy="3810000"/>
+            </a:xfrm>
+            <a:prstGeom prst="triangle">
+              <a:avLst>
+                <a:gd name="adj" fmla="val 100000"/>
+              </a:avLst>
+            </a:prstGeom>
+            <a:solidFill>
+              <a:schemeClr val="accent2">
+                <a:alpha val="72000"/>
+              </a:schemeClr>
+            </a:solidFill>
+            <a:ln>
+              <a:noFill/>
+            </a:ln>
+            <a:effectLst/>
+          </p:spPr>
+          <p:style>
+            <a:lnRef idx="1">
+              <a:schemeClr val="accent1"/>
+            </a:lnRef>
+            <a:fillRef idx="3">
+              <a:schemeClr val="accent1"/>
+            </a:fillRef>
+            <a:effectRef idx="2">
+              <a:schemeClr val="accent1"/>
+            </a:effectRef>
+            <a:fontRef idx="minor">
+              <a:schemeClr val="lt1"/>
+            </a:fontRef>
+          </p:style>
+        </p:sp>
+        <p:sp>
+          <p:nvSpPr>
+            <p:cNvPr id="25" name="Rectangle 27"/>
+            <p:cNvSpPr/>
+            <p:nvPr/>
+          </p:nvSpPr>
+          <p:spPr>
+            <a:xfrm>
+              <a:off x="9334500" y="-8467"/>
+              <a:ext cx="2854326" cy="6866467"/>
+            </a:xfrm>
+            <a:custGeom>
+              <a:avLst/>
+              <a:gdLst/>
+              <a:ahLst/>
+              <a:cxnLst/>
+              <a:rect l="l" t="t" r="r" b="b"/>
+              <a:pathLst>
+                <a:path w="2858013" h="6866467">
+                  <a:moveTo>
+                    <a:pt x="0" y="0"/>
+                  </a:moveTo>
+                  <a:lnTo>
+                    <a:pt x="2858013" y="0"/>
+                  </a:lnTo>
+                  <a:lnTo>
+                    <a:pt x="2858013" y="6866467"/>
+                  </a:lnTo>
+                  <a:lnTo>
+                    <a:pt x="2473942" y="6866467"/>
+                  </a:lnTo>
+                  <a:lnTo>
+                    <a:pt x="0" y="0"/>
+                  </a:lnTo>
+                  <a:close/>
+                </a:path>
+              </a:pathLst>
+            </a:custGeom>
+            <a:solidFill>
+              <a:schemeClr val="accent2">
+                <a:lumMod val="75000"/>
+                <a:alpha val="70000"/>
+              </a:schemeClr>
+            </a:solidFill>
+            <a:ln>
+              <a:noFill/>
+            </a:ln>
+            <a:effectLst/>
+          </p:spPr>
+          <p:style>
+            <a:lnRef idx="1">
+              <a:schemeClr val="accent1"/>
+            </a:lnRef>
+            <a:fillRef idx="3">
+              <a:schemeClr val="accent1"/>
+            </a:fillRef>
+            <a:effectRef idx="2">
+              <a:schemeClr val="accent1"/>
+            </a:effectRef>
+            <a:fontRef idx="minor">
+              <a:schemeClr val="lt1"/>
+            </a:fontRef>
+          </p:style>
+        </p:sp>
+        <p:sp>
+          <p:nvSpPr>
+            <p:cNvPr id="26" name="Rectangle 28"/>
+            <p:cNvSpPr/>
+            <p:nvPr/>
+          </p:nvSpPr>
+          <p:spPr>
+            <a:xfrm>
+              <a:off x="10898730" y="-8467"/>
+              <a:ext cx="1290094" cy="6866467"/>
+            </a:xfrm>
+            <a:custGeom>
+              <a:avLst/>
+              <a:gdLst/>
+              <a:ahLst/>
+              <a:cxnLst/>
+              <a:rect l="l" t="t" r="r" b="b"/>
+              <a:pathLst>
+                <a:path w="1290094" h="6858000">
+                  <a:moveTo>
+                    <a:pt x="1019735" y="0"/>
+                  </a:moveTo>
+                  <a:lnTo>
+                    <a:pt x="1290094" y="0"/>
+                  </a:lnTo>
+                  <a:lnTo>
+                    <a:pt x="1290094" y="6858000"/>
+                  </a:lnTo>
+                  <a:lnTo>
+                    <a:pt x="0" y="6858000"/>
+                  </a:lnTo>
+                  <a:lnTo>
+                    <a:pt x="1019735" y="0"/>
+                  </a:lnTo>
+                  <a:close/>
+                </a:path>
+              </a:pathLst>
+            </a:custGeom>
+            <a:solidFill>
+              <a:schemeClr val="accent1">
+                <a:lumMod val="60000"/>
+                <a:lumOff val="40000"/>
+                <a:alpha val="70000"/>
+              </a:schemeClr>
+            </a:solidFill>
+            <a:ln>
+              <a:noFill/>
+            </a:ln>
+            <a:effectLst/>
+          </p:spPr>
+          <p:style>
+            <a:lnRef idx="1">
+              <a:schemeClr val="accent1"/>
+            </a:lnRef>
+            <a:fillRef idx="3">
+              <a:schemeClr val="accent1"/>
+            </a:fillRef>
+            <a:effectRef idx="2">
+              <a:schemeClr val="accent1"/>
+            </a:effectRef>
+            <a:fontRef idx="minor">
+              <a:schemeClr val="lt1"/>
+            </a:fontRef>
+          </p:style>
+        </p:sp>
+        <p:sp>
+          <p:nvSpPr>
+            <p:cNvPr id="27" name="Rectangle 29"/>
+            <p:cNvSpPr/>
+            <p:nvPr/>
+          </p:nvSpPr>
+          <p:spPr>
+            <a:xfrm>
+              <a:off x="10938999" y="-8467"/>
+              <a:ext cx="1249825" cy="6866467"/>
+            </a:xfrm>
+            <a:custGeom>
+              <a:avLst/>
+              <a:gdLst/>
+              <a:ahLst/>
+              <a:cxnLst/>
+              <a:rect l="l" t="t" r="r" b="b"/>
+              <a:pathLst>
+                <a:path w="1249825" h="6858000">
+                  <a:moveTo>
+                    <a:pt x="0" y="0"/>
+                  </a:moveTo>
+                  <a:lnTo>
+                    <a:pt x="1249825" y="0"/>
+                  </a:lnTo>
+                  <a:lnTo>
+                    <a:pt x="1249825" y="6858000"/>
+                  </a:lnTo>
+                  <a:lnTo>
+                    <a:pt x="1109382" y="6858000"/>
+                  </a:lnTo>
+                  <a:lnTo>
+                    <a:pt x="0" y="0"/>
+                  </a:lnTo>
+                  <a:close/>
+                </a:path>
+              </a:pathLst>
+            </a:custGeom>
+            <a:solidFill>
+              <a:schemeClr val="accent1">
+                <a:alpha val="65000"/>
+              </a:schemeClr>
+            </a:solidFill>
+            <a:ln>
+              <a:noFill/>
+            </a:ln>
+            <a:effectLst/>
+          </p:spPr>
+          <p:style>
+            <a:lnRef idx="1">
+              <a:schemeClr val="accent1"/>
+            </a:lnRef>
+            <a:fillRef idx="3">
+              <a:schemeClr val="accent1"/>
+            </a:fillRef>
+            <a:effectRef idx="2">
+              <a:schemeClr val="accent1"/>
+            </a:effectRef>
+            <a:fontRef idx="minor">
+              <a:schemeClr val="lt1"/>
+            </a:fontRef>
+          </p:style>
+        </p:sp>
+        <p:sp>
+          <p:nvSpPr>
+            <p:cNvPr id="28" name="Isosceles Triangle 27"/>
+            <p:cNvSpPr/>
+            <p:nvPr/>
+          </p:nvSpPr>
+          <p:spPr>
+            <a:xfrm>
+              <a:off x="10371666" y="3589867"/>
+              <a:ext cx="1817159" cy="3268133"/>
+            </a:xfrm>
+            <a:prstGeom prst="triangle">
+              <a:avLst>
+                <a:gd name="adj" fmla="val 100000"/>
+              </a:avLst>
+            </a:prstGeom>
+            <a:solidFill>
+              <a:schemeClr val="accent1">
+                <a:alpha val="80000"/>
+              </a:schemeClr>
+            </a:solidFill>
+            <a:ln>
+              <a:noFill/>
+            </a:ln>
+            <a:effectLst/>
+          </p:spPr>
+          <p:style>
+            <a:lnRef idx="1">
+              <a:schemeClr val="accent1"/>
+            </a:lnRef>
+            <a:fillRef idx="3">
+              <a:schemeClr val="accent1"/>
+            </a:fillRef>
+            <a:effectRef idx="2">
+              <a:schemeClr val="accent1"/>
+            </a:effectRef>
+            <a:fontRef idx="minor">
+              <a:schemeClr val="lt1"/>
+            </a:fontRef>
+          </p:style>
+        </p:sp>
+        <p:sp>
+          <p:nvSpPr>
+            <p:cNvPr id="29" name="Isosceles Triangle 28"/>
+            <p:cNvSpPr/>
+            <p:nvPr/>
+          </p:nvSpPr>
+          <p:spPr>
+            <a:xfrm>
+              <a:off x="0" y="4013200"/>
+              <a:ext cx="448733" cy="2844800"/>
+            </a:xfrm>
+            <a:prstGeom prst="triangle">
+              <a:avLst>
+                <a:gd name="adj" fmla="val 0"/>
+              </a:avLst>
+            </a:prstGeom>
+            <a:solidFill>
+              <a:schemeClr val="accent1">
+                <a:alpha val="85000"/>
+              </a:schemeClr>
+            </a:solidFill>
+            <a:ln>
+              <a:noFill/>
+            </a:ln>
+            <a:effectLst/>
+          </p:spPr>
+          <p:style>
+            <a:lnRef idx="1">
+              <a:schemeClr val="accent1"/>
+            </a:lnRef>
+            <a:fillRef idx="3">
+              <a:schemeClr val="accent1"/>
+            </a:fillRef>
+            <a:effectRef idx="2">
+              <a:schemeClr val="accent1"/>
+            </a:effectRef>
+            <a:fontRef idx="minor">
+              <a:schemeClr val="lt1"/>
+            </a:fontRef>
+          </p:style>
+        </p:sp>
+      </p:grpSp>
+      <p:sp>
+        <p:nvSpPr>
+          <p:cNvPr id="2" name="Title Placeholder 1"/>
           <p:cNvSpPr>
             <a:spLocks noGrp="1"/>
           </p:cNvSpPr>
@@ -2465,15 +5206,15 @@
         </p:nvSpPr>
         <p:spPr>
           <a:xfrm>
-            <a:off x="838200" y="365125"/>
-            <a:ext cx="10515600" cy="1325563"/>
+            <a:off x="677334" y="609600"/>
+            <a:ext cx="8596668" cy="1320800"/>
           </a:xfrm>
           <a:prstGeom prst="rect">
             <a:avLst/>
           </a:prstGeom>
         </p:spPr>
         <p:txBody>
-          <a:bodyPr vert="horz" lIns="91440" tIns="45720" rIns="91440" bIns="45720" rtlCol="0" anchor="ctr">
+          <a:bodyPr vert="horz" lIns="91440" tIns="45720" rIns="91440" bIns="45720" rtlCol="0" anchor="t">
             <a:normAutofit/>
           </a:bodyPr>
           <a:lstStyle/>
@@ -2482,13 +5223,13 @@
               <a:rPr lang="es-ES" smtClean="0"/>
               <a:t>Haga clic para modificar el estilo de título del patrón</a:t>
             </a:r>
-            <a:endParaRPr lang="es-ES"/>
-          </a:p>
-        </p:txBody>
-      </p:sp>
-      <p:sp>
-        <p:nvSpPr>
-          <p:cNvPr id="3" name="Marcador de texto 2"/>
+            <a:endParaRPr lang="en-US" dirty="0"/>
+          </a:p>
+        </p:txBody>
+      </p:sp>
+      <p:sp>
+        <p:nvSpPr>
+          <p:cNvPr id="3" name="Text Placeholder 2"/>
           <p:cNvSpPr>
             <a:spLocks noGrp="1"/>
           </p:cNvSpPr>
@@ -2498,8 +5239,8 @@
         </p:nvSpPr>
         <p:spPr>
           <a:xfrm>
-            <a:off x="838200" y="1825625"/>
-            <a:ext cx="10515600" cy="4351338"/>
+            <a:off x="677334" y="2160589"/>
+            <a:ext cx="8596668" cy="3880773"/>
           </a:xfrm>
           <a:prstGeom prst="rect">
             <a:avLst/>
@@ -2544,13 +5285,13 @@
               <a:rPr lang="es-ES" smtClean="0"/>
               <a:t>Quinto nivel</a:t>
             </a:r>
-            <a:endParaRPr lang="es-ES"/>
-          </a:p>
-        </p:txBody>
-      </p:sp>
-      <p:sp>
-        <p:nvSpPr>
-          <p:cNvPr id="4" name="Marcador de fecha 3"/>
+            <a:endParaRPr lang="en-US" dirty="0"/>
+          </a:p>
+        </p:txBody>
+      </p:sp>
+      <p:sp>
+        <p:nvSpPr>
+          <p:cNvPr id="4" name="Date Placeholder 3"/>
           <p:cNvSpPr>
             <a:spLocks noGrp="1"/>
           </p:cNvSpPr>
@@ -2560,8 +5301,8 @@
         </p:nvSpPr>
         <p:spPr>
           <a:xfrm>
-            <a:off x="838200" y="6356350"/>
-            <a:ext cx="2743200" cy="365125"/>
+            <a:off x="7205133" y="6041362"/>
+            <a:ext cx="911939" cy="365125"/>
           </a:xfrm>
           <a:prstGeom prst="rect">
             <a:avLst/>
@@ -2570,8 +5311,8 @@
         <p:txBody>
           <a:bodyPr vert="horz" lIns="91440" tIns="45720" rIns="91440" bIns="45720" rtlCol="0" anchor="ctr"/>
           <a:lstStyle>
-            <a:lvl1pPr algn="l">
-              <a:defRPr sz="1200">
+            <a:lvl1pPr algn="r">
+              <a:defRPr sz="900">
                 <a:solidFill>
                   <a:schemeClr val="tx1">
                     <a:tint val="75000"/>
@@ -2583,7 +5324,7 @@
           <a:p>
             <a:fld id="{CA16BAE6-43A0-4560-9426-D49B28EE3C15}" type="datetimeFigureOut">
               <a:rPr lang="es-ES" smtClean="0"/>
-              <a:t>13/05/2015</a:t>
+              <a:t>14/05/2015</a:t>
             </a:fld>
             <a:endParaRPr lang="es-ES"/>
           </a:p>
@@ -2591,7 +5332,7 @@
       </p:sp>
       <p:sp>
         <p:nvSpPr>
-          <p:cNvPr id="5" name="Marcador de pie de página 4"/>
+          <p:cNvPr id="5" name="Footer Placeholder 4"/>
           <p:cNvSpPr>
             <a:spLocks noGrp="1"/>
           </p:cNvSpPr>
@@ -2601,8 +5342,8 @@
         </p:nvSpPr>
         <p:spPr>
           <a:xfrm>
-            <a:off x="4038600" y="6356350"/>
-            <a:ext cx="4114800" cy="365125"/>
+            <a:off x="677334" y="6041362"/>
+            <a:ext cx="6297612" cy="365125"/>
           </a:xfrm>
           <a:prstGeom prst="rect">
             <a:avLst/>
@@ -2611,8 +5352,8 @@
         <p:txBody>
           <a:bodyPr vert="horz" lIns="91440" tIns="45720" rIns="91440" bIns="45720" rtlCol="0" anchor="ctr"/>
           <a:lstStyle>
-            <a:lvl1pPr algn="ctr">
-              <a:defRPr sz="1200">
+            <a:lvl1pPr algn="l">
+              <a:defRPr sz="900">
                 <a:solidFill>
                   <a:schemeClr val="tx1">
                     <a:tint val="75000"/>
@@ -2628,7 +5369,7 @@
       </p:sp>
       <p:sp>
         <p:nvSpPr>
-          <p:cNvPr id="6" name="Marcador de número de diapositiva 5"/>
+          <p:cNvPr id="6" name="Slide Number Placeholder 5"/>
           <p:cNvSpPr>
             <a:spLocks noGrp="1"/>
           </p:cNvSpPr>
@@ -2638,8 +5379,8 @@
         </p:nvSpPr>
         <p:spPr>
           <a:xfrm>
-            <a:off x="8610600" y="6356350"/>
-            <a:ext cx="2743200" cy="365125"/>
+            <a:off x="8590663" y="6041362"/>
+            <a:ext cx="683339" cy="365125"/>
           </a:xfrm>
           <a:prstGeom prst="rect">
             <a:avLst/>
@@ -2649,11 +5390,9 @@
           <a:bodyPr vert="horz" lIns="91440" tIns="45720" rIns="91440" bIns="45720" rtlCol="0" anchor="ctr"/>
           <a:lstStyle>
             <a:lvl1pPr algn="r">
-              <a:defRPr sz="1200">
+              <a:defRPr sz="900">
                 <a:solidFill>
-                  <a:schemeClr val="tx1">
-                    <a:tint val="75000"/>
-                  </a:schemeClr>
+                  <a:schemeClr val="accent1"/>
                 </a:solidFill>
               </a:defRPr>
             </a:lvl1pPr>
@@ -2670,55 +5409,335 @@
     </p:spTree>
     <p:extLst>
       <p:ext uri="{BB962C8B-B14F-4D97-AF65-F5344CB8AC3E}">
-        <p14:creationId xmlns:p14="http://schemas.microsoft.com/office/powerpoint/2010/main" val="3642518196"/>
+        <p14:creationId xmlns:p14="http://schemas.microsoft.com/office/powerpoint/2010/main" val="2455788737"/>
       </p:ext>
     </p:extLst>
   </p:cSld>
   <p:clrMap bg1="lt1" tx1="dk1" bg2="lt2" tx2="dk2" accent1="accent1" accent2="accent2" accent3="accent3" accent4="accent4" accent5="accent5" accent6="accent6" hlink="hlink" folHlink="folHlink"/>
   <p:sldLayoutIdLst>
-    <p:sldLayoutId id="2147483649" r:id="rId1"/>
-    <p:sldLayoutId id="2147483650" r:id="rId2"/>
-    <p:sldLayoutId id="2147483651" r:id="rId3"/>
-    <p:sldLayoutId id="2147483652" r:id="rId4"/>
-    <p:sldLayoutId id="2147483653" r:id="rId5"/>
-    <p:sldLayoutId id="2147483654" r:id="rId6"/>
-    <p:sldLayoutId id="2147483655" r:id="rId7"/>
-    <p:sldLayoutId id="2147483656" r:id="rId8"/>
-    <p:sldLayoutId id="2147483657" r:id="rId9"/>
-    <p:sldLayoutId id="2147483658" r:id="rId10"/>
-    <p:sldLayoutId id="2147483659" r:id="rId11"/>
+    <p:sldLayoutId id="2147483661" r:id="rId1"/>
+    <p:sldLayoutId id="2147483662" r:id="rId2"/>
+    <p:sldLayoutId id="2147483663" r:id="rId3"/>
+    <p:sldLayoutId id="2147483664" r:id="rId4"/>
+    <p:sldLayoutId id="2147483665" r:id="rId5"/>
+    <p:sldLayoutId id="2147483666" r:id="rId6"/>
+    <p:sldLayoutId id="2147483667" r:id="rId7"/>
+    <p:sldLayoutId id="2147483668" r:id="rId8"/>
+    <p:sldLayoutId id="2147483669" r:id="rId9"/>
+    <p:sldLayoutId id="2147483670" r:id="rId10"/>
+    <p:sldLayoutId id="2147483671" r:id="rId11"/>
+    <p:sldLayoutId id="2147483672" r:id="rId12"/>
+    <p:sldLayoutId id="2147483673" r:id="rId13"/>
+    <p:sldLayoutId id="2147483674" r:id="rId14"/>
+    <p:sldLayoutId id="2147483675" r:id="rId15"/>
+    <p:sldLayoutId id="2147483676" r:id="rId16"/>
   </p:sldLayoutIdLst>
   <p:txStyles>
     <p:titleStyle>
-      <a:lvl1pPr algn="l" defTabSz="914400" rtl="0" eaLnBrk="1" latinLnBrk="0" hangingPunct="1">
-        <a:lnSpc>
-          <a:spcPct val="90000"/>
-        </a:lnSpc>
+      <a:lvl1pPr algn="l" defTabSz="457200" rtl="0" eaLnBrk="1" latinLnBrk="0" hangingPunct="1">
         <a:spcBef>
           <a:spcPct val="0"/>
         </a:spcBef>
         <a:buNone/>
-        <a:defRPr sz="4400" kern="1200">
+        <a:defRPr sz="3600" kern="1200">
           <a:solidFill>
-            <a:schemeClr val="tx1"/>
+            <a:schemeClr val="accent1"/>
           </a:solidFill>
           <a:latin typeface="+mj-lt"/>
           <a:ea typeface="+mj-ea"/>
           <a:cs typeface="+mj-cs"/>
         </a:defRPr>
       </a:lvl1pPr>
+      <a:lvl2pPr eaLnBrk="1" hangingPunct="1">
+        <a:defRPr>
+          <a:solidFill>
+            <a:schemeClr val="tx2"/>
+          </a:solidFill>
+        </a:defRPr>
+      </a:lvl2pPr>
+      <a:lvl3pPr eaLnBrk="1" hangingPunct="1">
+        <a:defRPr>
+          <a:solidFill>
+            <a:schemeClr val="tx2"/>
+          </a:solidFill>
+        </a:defRPr>
+      </a:lvl3pPr>
+      <a:lvl4pPr eaLnBrk="1" hangingPunct="1">
+        <a:defRPr>
+          <a:solidFill>
+            <a:schemeClr val="tx2"/>
+          </a:solidFill>
+        </a:defRPr>
+      </a:lvl4pPr>
+      <a:lvl5pPr eaLnBrk="1" hangingPunct="1">
+        <a:defRPr>
+          <a:solidFill>
+            <a:schemeClr val="tx2"/>
+          </a:solidFill>
+        </a:defRPr>
+      </a:lvl5pPr>
+      <a:lvl6pPr eaLnBrk="1" hangingPunct="1">
+        <a:defRPr>
+          <a:solidFill>
+            <a:schemeClr val="tx2"/>
+          </a:solidFill>
+        </a:defRPr>
+      </a:lvl6pPr>
+      <a:lvl7pPr eaLnBrk="1" hangingPunct="1">
+        <a:defRPr>
+          <a:solidFill>
+            <a:schemeClr val="tx2"/>
+          </a:solidFill>
+        </a:defRPr>
+      </a:lvl7pPr>
+      <a:lvl8pPr eaLnBrk="1" hangingPunct="1">
+        <a:defRPr>
+          <a:solidFill>
+            <a:schemeClr val="tx2"/>
+          </a:solidFill>
+        </a:defRPr>
+      </a:lvl8pPr>
+      <a:lvl9pPr eaLnBrk="1" hangingPunct="1">
+        <a:defRPr>
+          <a:solidFill>
+            <a:schemeClr val="tx2"/>
+          </a:solidFill>
+        </a:defRPr>
+      </a:lvl9pPr>
     </p:titleStyle>
     <p:bodyStyle>
-      <a:lvl1pPr marL="228600" indent="-228600" algn="l" defTabSz="914400" rtl="0" eaLnBrk="1" latinLnBrk="0" hangingPunct="1">
-        <a:lnSpc>
-          <a:spcPct val="90000"/>
-        </a:lnSpc>
+      <a:lvl1pPr marL="342900" indent="-342900" algn="l" defTabSz="457200" rtl="0" eaLnBrk="1" latinLnBrk="0" hangingPunct="1">
         <a:spcBef>
           <a:spcPts val="1000"/>
         </a:spcBef>
-        <a:buFont typeface="Arial" panose="020B0604020202020204" pitchFamily="34" charset="0"/>
-        <a:buChar char="•"/>
-        <a:defRPr sz="2800" kern="1200">
+        <a:spcAft>
+          <a:spcPts val="0"/>
+        </a:spcAft>
+        <a:buClr>
+          <a:schemeClr val="accent1"/>
+        </a:buClr>
+        <a:buSzPct val="80000"/>
+        <a:buFont typeface="Wingdings 3" charset="2"/>
+        <a:buChar char=""/>
+        <a:defRPr sz="1800" kern="1200">
+          <a:solidFill>
+            <a:schemeClr val="tx1">
+              <a:lumMod val="75000"/>
+              <a:lumOff val="25000"/>
+            </a:schemeClr>
+          </a:solidFill>
+          <a:latin typeface="+mn-lt"/>
+          <a:ea typeface="+mn-ea"/>
+          <a:cs typeface="+mn-cs"/>
+        </a:defRPr>
+      </a:lvl1pPr>
+      <a:lvl2pPr marL="742950" indent="-285750" algn="l" defTabSz="457200" rtl="0" eaLnBrk="1" latinLnBrk="0" hangingPunct="1">
+        <a:spcBef>
+          <a:spcPts val="1000"/>
+        </a:spcBef>
+        <a:spcAft>
+          <a:spcPts val="0"/>
+        </a:spcAft>
+        <a:buClr>
+          <a:schemeClr val="accent1"/>
+        </a:buClr>
+        <a:buSzPct val="80000"/>
+        <a:buFont typeface="Wingdings 3" charset="2"/>
+        <a:buChar char=""/>
+        <a:defRPr sz="1600" kern="1200">
+          <a:solidFill>
+            <a:schemeClr val="tx1">
+              <a:lumMod val="75000"/>
+              <a:lumOff val="25000"/>
+            </a:schemeClr>
+          </a:solidFill>
+          <a:latin typeface="+mn-lt"/>
+          <a:ea typeface="+mn-ea"/>
+          <a:cs typeface="+mn-cs"/>
+        </a:defRPr>
+      </a:lvl2pPr>
+      <a:lvl3pPr marL="1143000" indent="-228600" algn="l" defTabSz="457200" rtl="0" eaLnBrk="1" latinLnBrk="0" hangingPunct="1">
+        <a:spcBef>
+          <a:spcPts val="1000"/>
+        </a:spcBef>
+        <a:spcAft>
+          <a:spcPts val="0"/>
+        </a:spcAft>
+        <a:buClr>
+          <a:schemeClr val="accent1"/>
+        </a:buClr>
+        <a:buSzPct val="80000"/>
+        <a:buFont typeface="Wingdings 3" charset="2"/>
+        <a:buChar char=""/>
+        <a:defRPr sz="1400" kern="1200">
+          <a:solidFill>
+            <a:schemeClr val="tx1">
+              <a:lumMod val="75000"/>
+              <a:lumOff val="25000"/>
+            </a:schemeClr>
+          </a:solidFill>
+          <a:latin typeface="+mn-lt"/>
+          <a:ea typeface="+mn-ea"/>
+          <a:cs typeface="+mn-cs"/>
+        </a:defRPr>
+      </a:lvl3pPr>
+      <a:lvl4pPr marL="1600200" indent="-228600" algn="l" defTabSz="457200" rtl="0" eaLnBrk="1" latinLnBrk="0" hangingPunct="1">
+        <a:spcBef>
+          <a:spcPts val="1000"/>
+        </a:spcBef>
+        <a:spcAft>
+          <a:spcPts val="0"/>
+        </a:spcAft>
+        <a:buClr>
+          <a:schemeClr val="accent1"/>
+        </a:buClr>
+        <a:buSzPct val="80000"/>
+        <a:buFont typeface="Wingdings 3" charset="2"/>
+        <a:buChar char=""/>
+        <a:defRPr sz="1200" kern="1200">
+          <a:solidFill>
+            <a:schemeClr val="tx1">
+              <a:lumMod val="75000"/>
+              <a:lumOff val="25000"/>
+            </a:schemeClr>
+          </a:solidFill>
+          <a:latin typeface="+mn-lt"/>
+          <a:ea typeface="+mn-ea"/>
+          <a:cs typeface="+mn-cs"/>
+        </a:defRPr>
+      </a:lvl4pPr>
+      <a:lvl5pPr marL="2057400" indent="-228600" algn="l" defTabSz="457200" rtl="0" eaLnBrk="1" latinLnBrk="0" hangingPunct="1">
+        <a:spcBef>
+          <a:spcPts val="1000"/>
+        </a:spcBef>
+        <a:spcAft>
+          <a:spcPts val="0"/>
+        </a:spcAft>
+        <a:buClr>
+          <a:schemeClr val="accent1"/>
+        </a:buClr>
+        <a:buSzPct val="80000"/>
+        <a:buFont typeface="Wingdings 3" charset="2"/>
+        <a:buChar char=""/>
+        <a:defRPr sz="1200" kern="1200">
+          <a:solidFill>
+            <a:schemeClr val="tx1">
+              <a:lumMod val="75000"/>
+              <a:lumOff val="25000"/>
+            </a:schemeClr>
+          </a:solidFill>
+          <a:latin typeface="+mn-lt"/>
+          <a:ea typeface="+mn-ea"/>
+          <a:cs typeface="+mn-cs"/>
+        </a:defRPr>
+      </a:lvl5pPr>
+      <a:lvl6pPr marL="2514600" indent="-228600" algn="l" defTabSz="457200" rtl="0" eaLnBrk="1" latinLnBrk="0" hangingPunct="1">
+        <a:spcBef>
+          <a:spcPts val="1000"/>
+        </a:spcBef>
+        <a:spcAft>
+          <a:spcPts val="0"/>
+        </a:spcAft>
+        <a:buClr>
+          <a:schemeClr val="accent1"/>
+        </a:buClr>
+        <a:buSzPct val="80000"/>
+        <a:buFont typeface="Wingdings 3" charset="2"/>
+        <a:buChar char=""/>
+        <a:defRPr sz="1200" kern="1200">
+          <a:solidFill>
+            <a:schemeClr val="tx1">
+              <a:lumMod val="75000"/>
+              <a:lumOff val="25000"/>
+            </a:schemeClr>
+          </a:solidFill>
+          <a:latin typeface="+mn-lt"/>
+          <a:ea typeface="+mn-ea"/>
+          <a:cs typeface="+mn-cs"/>
+        </a:defRPr>
+      </a:lvl6pPr>
+      <a:lvl7pPr marL="2971800" indent="-228600" algn="l" defTabSz="457200" rtl="0" eaLnBrk="1" latinLnBrk="0" hangingPunct="1">
+        <a:spcBef>
+          <a:spcPts val="1000"/>
+        </a:spcBef>
+        <a:spcAft>
+          <a:spcPts val="0"/>
+        </a:spcAft>
+        <a:buClr>
+          <a:schemeClr val="accent1"/>
+        </a:buClr>
+        <a:buSzPct val="80000"/>
+        <a:buFont typeface="Wingdings 3" charset="2"/>
+        <a:buChar char=""/>
+        <a:defRPr sz="1200" kern="1200">
+          <a:solidFill>
+            <a:schemeClr val="tx1">
+              <a:lumMod val="75000"/>
+              <a:lumOff val="25000"/>
+            </a:schemeClr>
+          </a:solidFill>
+          <a:latin typeface="+mn-lt"/>
+          <a:ea typeface="+mn-ea"/>
+          <a:cs typeface="+mn-cs"/>
+        </a:defRPr>
+      </a:lvl7pPr>
+      <a:lvl8pPr marL="3429000" indent="-228600" algn="l" defTabSz="457200" rtl="0" eaLnBrk="1" latinLnBrk="0" hangingPunct="1">
+        <a:spcBef>
+          <a:spcPts val="1000"/>
+        </a:spcBef>
+        <a:spcAft>
+          <a:spcPts val="0"/>
+        </a:spcAft>
+        <a:buClr>
+          <a:schemeClr val="accent1"/>
+        </a:buClr>
+        <a:buSzPct val="80000"/>
+        <a:buFont typeface="Wingdings 3" charset="2"/>
+        <a:buChar char=""/>
+        <a:defRPr sz="1200" kern="1200">
+          <a:solidFill>
+            <a:schemeClr val="tx1">
+              <a:lumMod val="75000"/>
+              <a:lumOff val="25000"/>
+            </a:schemeClr>
+          </a:solidFill>
+          <a:latin typeface="+mn-lt"/>
+          <a:ea typeface="+mn-ea"/>
+          <a:cs typeface="+mn-cs"/>
+        </a:defRPr>
+      </a:lvl8pPr>
+      <a:lvl9pPr marL="3886200" indent="-228600" algn="l" defTabSz="457200" rtl="0" eaLnBrk="1" latinLnBrk="0" hangingPunct="1">
+        <a:spcBef>
+          <a:spcPts val="1000"/>
+        </a:spcBef>
+        <a:spcAft>
+          <a:spcPts val="0"/>
+        </a:spcAft>
+        <a:buClr>
+          <a:schemeClr val="accent1"/>
+        </a:buClr>
+        <a:buSzPct val="80000"/>
+        <a:buFont typeface="Wingdings 3" charset="2"/>
+        <a:buChar char=""/>
+        <a:defRPr sz="1200" kern="1200">
+          <a:solidFill>
+            <a:schemeClr val="tx1">
+              <a:lumMod val="75000"/>
+              <a:lumOff val="25000"/>
+            </a:schemeClr>
+          </a:solidFill>
+          <a:latin typeface="+mn-lt"/>
+          <a:ea typeface="+mn-ea"/>
+          <a:cs typeface="+mn-cs"/>
+        </a:defRPr>
+      </a:lvl9pPr>
+    </p:bodyStyle>
+    <p:otherStyle>
+      <a:defPPr>
+        <a:defRPr lang="en-US"/>
+      </a:defPPr>
+      <a:lvl1pPr marL="0" algn="l" defTabSz="457200" rtl="0" eaLnBrk="1" latinLnBrk="0" hangingPunct="1">
+        <a:defRPr sz="1800" kern="1200">
           <a:solidFill>
             <a:schemeClr val="tx1"/>
           </a:solidFill>
@@ -2727,16 +5746,8 @@
           <a:cs typeface="+mn-cs"/>
         </a:defRPr>
       </a:lvl1pPr>
-      <a:lvl2pPr marL="685800" indent="-228600" algn="l" defTabSz="914400" rtl="0" eaLnBrk="1" latinLnBrk="0" hangingPunct="1">
-        <a:lnSpc>
-          <a:spcPct val="90000"/>
-        </a:lnSpc>
-        <a:spcBef>
-          <a:spcPts val="500"/>
-        </a:spcBef>
-        <a:buFont typeface="Arial" panose="020B0604020202020204" pitchFamily="34" charset="0"/>
-        <a:buChar char="•"/>
-        <a:defRPr sz="2400" kern="1200">
+      <a:lvl2pPr marL="457200" algn="l" defTabSz="457200" rtl="0" eaLnBrk="1" latinLnBrk="0" hangingPunct="1">
+        <a:defRPr sz="1800" kern="1200">
           <a:solidFill>
             <a:schemeClr val="tx1"/>
           </a:solidFill>
@@ -2745,16 +5756,8 @@
           <a:cs typeface="+mn-cs"/>
         </a:defRPr>
       </a:lvl2pPr>
-      <a:lvl3pPr marL="1143000" indent="-228600" algn="l" defTabSz="914400" rtl="0" eaLnBrk="1" latinLnBrk="0" hangingPunct="1">
-        <a:lnSpc>
-          <a:spcPct val="90000"/>
-        </a:lnSpc>
-        <a:spcBef>
-          <a:spcPts val="500"/>
-        </a:spcBef>
-        <a:buFont typeface="Arial" panose="020B0604020202020204" pitchFamily="34" charset="0"/>
-        <a:buChar char="•"/>
-        <a:defRPr sz="2000" kern="1200">
+      <a:lvl3pPr marL="914400" algn="l" defTabSz="457200" rtl="0" eaLnBrk="1" latinLnBrk="0" hangingPunct="1">
+        <a:defRPr sz="1800" kern="1200">
           <a:solidFill>
             <a:schemeClr val="tx1"/>
           </a:solidFill>
@@ -2763,15 +5766,7 @@
           <a:cs typeface="+mn-cs"/>
         </a:defRPr>
       </a:lvl3pPr>
-      <a:lvl4pPr marL="1600200" indent="-228600" algn="l" defTabSz="914400" rtl="0" eaLnBrk="1" latinLnBrk="0" hangingPunct="1">
-        <a:lnSpc>
-          <a:spcPct val="90000"/>
-        </a:lnSpc>
-        <a:spcBef>
-          <a:spcPts val="500"/>
-        </a:spcBef>
-        <a:buFont typeface="Arial" panose="020B0604020202020204" pitchFamily="34" charset="0"/>
-        <a:buChar char="•"/>
+      <a:lvl4pPr marL="1371600" algn="l" defTabSz="457200" rtl="0" eaLnBrk="1" latinLnBrk="0" hangingPunct="1">
         <a:defRPr sz="1800" kern="1200">
           <a:solidFill>
             <a:schemeClr val="tx1"/>
@@ -2781,15 +5776,7 @@
           <a:cs typeface="+mn-cs"/>
         </a:defRPr>
       </a:lvl4pPr>
-      <a:lvl5pPr marL="2057400" indent="-228600" algn="l" defTabSz="914400" rtl="0" eaLnBrk="1" latinLnBrk="0" hangingPunct="1">
-        <a:lnSpc>
-          <a:spcPct val="90000"/>
-        </a:lnSpc>
-        <a:spcBef>
-          <a:spcPts val="500"/>
-        </a:spcBef>
-        <a:buFont typeface="Arial" panose="020B0604020202020204" pitchFamily="34" charset="0"/>
-        <a:buChar char="•"/>
+      <a:lvl5pPr marL="1828800" algn="l" defTabSz="457200" rtl="0" eaLnBrk="1" latinLnBrk="0" hangingPunct="1">
         <a:defRPr sz="1800" kern="1200">
           <a:solidFill>
             <a:schemeClr val="tx1"/>
@@ -2799,15 +5786,7 @@
           <a:cs typeface="+mn-cs"/>
         </a:defRPr>
       </a:lvl5pPr>
-      <a:lvl6pPr marL="2514600" indent="-228600" algn="l" defTabSz="914400" rtl="0" eaLnBrk="1" latinLnBrk="0" hangingPunct="1">
-        <a:lnSpc>
-          <a:spcPct val="90000"/>
-        </a:lnSpc>
-        <a:spcBef>
-          <a:spcPts val="500"/>
-        </a:spcBef>
-        <a:buFont typeface="Arial" panose="020B0604020202020204" pitchFamily="34" charset="0"/>
-        <a:buChar char="•"/>
+      <a:lvl6pPr marL="2286000" algn="l" defTabSz="457200" rtl="0" eaLnBrk="1" latinLnBrk="0" hangingPunct="1">
         <a:defRPr sz="1800" kern="1200">
           <a:solidFill>
             <a:schemeClr val="tx1"/>
@@ -2817,15 +5796,7 @@
           <a:cs typeface="+mn-cs"/>
         </a:defRPr>
       </a:lvl6pPr>
-      <a:lvl7pPr marL="2971800" indent="-228600" algn="l" defTabSz="914400" rtl="0" eaLnBrk="1" latinLnBrk="0" hangingPunct="1">
-        <a:lnSpc>
-          <a:spcPct val="90000"/>
-        </a:lnSpc>
-        <a:spcBef>
-          <a:spcPts val="500"/>
-        </a:spcBef>
-        <a:buFont typeface="Arial" panose="020B0604020202020204" pitchFamily="34" charset="0"/>
-        <a:buChar char="•"/>
+      <a:lvl7pPr marL="2743200" algn="l" defTabSz="457200" rtl="0" eaLnBrk="1" latinLnBrk="0" hangingPunct="1">
         <a:defRPr sz="1800" kern="1200">
           <a:solidFill>
             <a:schemeClr val="tx1"/>
@@ -2835,15 +5806,7 @@
           <a:cs typeface="+mn-cs"/>
         </a:defRPr>
       </a:lvl7pPr>
-      <a:lvl8pPr marL="3429000" indent="-228600" algn="l" defTabSz="914400" rtl="0" eaLnBrk="1" latinLnBrk="0" hangingPunct="1">
-        <a:lnSpc>
-          <a:spcPct val="90000"/>
-        </a:lnSpc>
-        <a:spcBef>
-          <a:spcPts val="500"/>
-        </a:spcBef>
-        <a:buFont typeface="Arial" panose="020B0604020202020204" pitchFamily="34" charset="0"/>
-        <a:buChar char="•"/>
+      <a:lvl8pPr marL="3200400" algn="l" defTabSz="457200" rtl="0" eaLnBrk="1" latinLnBrk="0" hangingPunct="1">
         <a:defRPr sz="1800" kern="1200">
           <a:solidFill>
             <a:schemeClr val="tx1"/>
@@ -2853,110 +5816,7 @@
           <a:cs typeface="+mn-cs"/>
         </a:defRPr>
       </a:lvl8pPr>
-      <a:lvl9pPr marL="3886200" indent="-228600" algn="l" defTabSz="914400" rtl="0" eaLnBrk="1" latinLnBrk="0" hangingPunct="1">
-        <a:lnSpc>
-          <a:spcPct val="90000"/>
-        </a:lnSpc>
-        <a:spcBef>
-          <a:spcPts val="500"/>
-        </a:spcBef>
-        <a:buFont typeface="Arial" panose="020B0604020202020204" pitchFamily="34" charset="0"/>
-        <a:buChar char="•"/>
-        <a:defRPr sz="1800" kern="1200">
-          <a:solidFill>
-            <a:schemeClr val="tx1"/>
-          </a:solidFill>
-          <a:latin typeface="+mn-lt"/>
-          <a:ea typeface="+mn-ea"/>
-          <a:cs typeface="+mn-cs"/>
-        </a:defRPr>
-      </a:lvl9pPr>
-    </p:bodyStyle>
-    <p:otherStyle>
-      <a:defPPr>
-        <a:defRPr lang="es-ES"/>
-      </a:defPPr>
-      <a:lvl1pPr marL="0" algn="l" defTabSz="914400" rtl="0" eaLnBrk="1" latinLnBrk="0" hangingPunct="1">
-        <a:defRPr sz="1800" kern="1200">
-          <a:solidFill>
-            <a:schemeClr val="tx1"/>
-          </a:solidFill>
-          <a:latin typeface="+mn-lt"/>
-          <a:ea typeface="+mn-ea"/>
-          <a:cs typeface="+mn-cs"/>
-        </a:defRPr>
-      </a:lvl1pPr>
-      <a:lvl2pPr marL="457200" algn="l" defTabSz="914400" rtl="0" eaLnBrk="1" latinLnBrk="0" hangingPunct="1">
-        <a:defRPr sz="1800" kern="1200">
-          <a:solidFill>
-            <a:schemeClr val="tx1"/>
-          </a:solidFill>
-          <a:latin typeface="+mn-lt"/>
-          <a:ea typeface="+mn-ea"/>
-          <a:cs typeface="+mn-cs"/>
-        </a:defRPr>
-      </a:lvl2pPr>
-      <a:lvl3pPr marL="914400" algn="l" defTabSz="914400" rtl="0" eaLnBrk="1" latinLnBrk="0" hangingPunct="1">
-        <a:defRPr sz="1800" kern="1200">
-          <a:solidFill>
-            <a:schemeClr val="tx1"/>
-          </a:solidFill>
-          <a:latin typeface="+mn-lt"/>
-          <a:ea typeface="+mn-ea"/>
-          <a:cs typeface="+mn-cs"/>
-        </a:defRPr>
-      </a:lvl3pPr>
-      <a:lvl4pPr marL="1371600" algn="l" defTabSz="914400" rtl="0" eaLnBrk="1" latinLnBrk="0" hangingPunct="1">
-        <a:defRPr sz="1800" kern="1200">
-          <a:solidFill>
-            <a:schemeClr val="tx1"/>
-          </a:solidFill>
-          <a:latin typeface="+mn-lt"/>
-          <a:ea typeface="+mn-ea"/>
-          <a:cs typeface="+mn-cs"/>
-        </a:defRPr>
-      </a:lvl4pPr>
-      <a:lvl5pPr marL="1828800" algn="l" defTabSz="914400" rtl="0" eaLnBrk="1" latinLnBrk="0" hangingPunct="1">
-        <a:defRPr sz="1800" kern="1200">
-          <a:solidFill>
-            <a:schemeClr val="tx1"/>
-          </a:solidFill>
-          <a:latin typeface="+mn-lt"/>
-          <a:ea typeface="+mn-ea"/>
-          <a:cs typeface="+mn-cs"/>
-        </a:defRPr>
-      </a:lvl5pPr>
-      <a:lvl6pPr marL="2286000" algn="l" defTabSz="914400" rtl="0" eaLnBrk="1" latinLnBrk="0" hangingPunct="1">
-        <a:defRPr sz="1800" kern="1200">
-          <a:solidFill>
-            <a:schemeClr val="tx1"/>
-          </a:solidFill>
-          <a:latin typeface="+mn-lt"/>
-          <a:ea typeface="+mn-ea"/>
-          <a:cs typeface="+mn-cs"/>
-        </a:defRPr>
-      </a:lvl6pPr>
-      <a:lvl7pPr marL="2743200" algn="l" defTabSz="914400" rtl="0" eaLnBrk="1" latinLnBrk="0" hangingPunct="1">
-        <a:defRPr sz="1800" kern="1200">
-          <a:solidFill>
-            <a:schemeClr val="tx1"/>
-          </a:solidFill>
-          <a:latin typeface="+mn-lt"/>
-          <a:ea typeface="+mn-ea"/>
-          <a:cs typeface="+mn-cs"/>
-        </a:defRPr>
-      </a:lvl7pPr>
-      <a:lvl8pPr marL="3200400" algn="l" defTabSz="914400" rtl="0" eaLnBrk="1" latinLnBrk="0" hangingPunct="1">
-        <a:defRPr sz="1800" kern="1200">
-          <a:solidFill>
-            <a:schemeClr val="tx1"/>
-          </a:solidFill>
-          <a:latin typeface="+mn-lt"/>
-          <a:ea typeface="+mn-ea"/>
-          <a:cs typeface="+mn-cs"/>
-        </a:defRPr>
-      </a:lvl8pPr>
-      <a:lvl9pPr marL="3657600" algn="l" defTabSz="914400" rtl="0" eaLnBrk="1" latinLnBrk="0" hangingPunct="1">
+      <a:lvl9pPr marL="3657600" algn="l" defTabSz="457200" rtl="0" eaLnBrk="1" latinLnBrk="0" hangingPunct="1">
         <a:defRPr sz="1800" kern="1200">
           <a:solidFill>
             <a:schemeClr val="tx1"/>
@@ -3026,6 +5886,10 @@
           <a:bodyPr/>
           <a:lstStyle/>
           <a:p>
+            <a:r>
+              <a:rPr lang="es-ES" dirty="0" smtClean="0"/>
+              <a:t>Proyecto final HADA 14/15</a:t>
+            </a:r>
             <a:endParaRPr lang="es-ES" dirty="0"/>
           </a:p>
         </p:txBody>
@@ -3051,1467 +5915,6 @@
 </file>
 
 <file path=ppt/slides/slide10.xml><?xml version="1.0" encoding="utf-8"?>
-<p:sld xmlns:a="http://schemas.openxmlformats.org/drawingml/2006/main" xmlns:r="http://schemas.openxmlformats.org/officeDocument/2006/relationships" xmlns:p="http://schemas.openxmlformats.org/presentationml/2006/main">
-  <p:cSld>
-    <p:spTree>
-      <p:nvGrpSpPr>
-        <p:cNvPr id="1" name=""/>
-        <p:cNvGrpSpPr/>
-        <p:nvPr/>
-      </p:nvGrpSpPr>
-      <p:grpSpPr>
-        <a:xfrm>
-          <a:off x="0" y="0"/>
-          <a:ext cx="0" cy="0"/>
-          <a:chOff x="0" y="0"/>
-          <a:chExt cx="0" cy="0"/>
-        </a:xfrm>
-      </p:grpSpPr>
-      <p:sp>
-        <p:nvSpPr>
-          <p:cNvPr id="2" name="Título 1"/>
-          <p:cNvSpPr>
-            <a:spLocks noGrp="1"/>
-          </p:cNvSpPr>
-          <p:nvPr>
-            <p:ph type="title"/>
-          </p:nvPr>
-        </p:nvSpPr>
-        <p:spPr/>
-        <p:txBody>
-          <a:bodyPr/>
-          <a:lstStyle/>
-          <a:p>
-            <a:r>
-              <a:rPr lang="es-ES" dirty="0" smtClean="0"/>
-              <a:t>Registro</a:t>
-            </a:r>
-            <a:endParaRPr lang="es-ES" dirty="0"/>
-          </a:p>
-        </p:txBody>
-      </p:sp>
-      <p:pic>
-        <p:nvPicPr>
-          <p:cNvPr id="5" name="Imagen 4"/>
-          <p:cNvPicPr>
-            <a:picLocks noChangeAspect="1"/>
-          </p:cNvPicPr>
-          <p:nvPr/>
-        </p:nvPicPr>
-        <p:blipFill>
-          <a:blip r:embed="rId2">
-            <a:extLst>
-              <a:ext uri="{28A0092B-C50C-407E-A947-70E740481C1C}">
-                <a14:useLocalDpi xmlns:a14="http://schemas.microsoft.com/office/drawing/2010/main" val="0"/>
-              </a:ext>
-            </a:extLst>
-          </a:blip>
-          <a:stretch>
-            <a:fillRect/>
-          </a:stretch>
-        </p:blipFill>
-        <p:spPr>
-          <a:xfrm>
-            <a:off x="2837660" y="0"/>
-            <a:ext cx="9354340" cy="6858000"/>
-          </a:xfrm>
-          <a:prstGeom prst="rect">
-            <a:avLst/>
-          </a:prstGeom>
-        </p:spPr>
-      </p:pic>
-    </p:spTree>
-    <p:extLst>
-      <p:ext uri="{BB962C8B-B14F-4D97-AF65-F5344CB8AC3E}">
-        <p14:creationId xmlns:p14="http://schemas.microsoft.com/office/powerpoint/2010/main" val="2243407794"/>
-      </p:ext>
-    </p:extLst>
-  </p:cSld>
-  <p:clrMapOvr>
-    <a:masterClrMapping/>
-  </p:clrMapOvr>
-</p:sld>
-</file>
-
-<file path=ppt/slides/slide11.xml><?xml version="1.0" encoding="utf-8"?>
-<p:sld xmlns:a="http://schemas.openxmlformats.org/drawingml/2006/main" xmlns:r="http://schemas.openxmlformats.org/officeDocument/2006/relationships" xmlns:p="http://schemas.openxmlformats.org/presentationml/2006/main">
-  <p:cSld>
-    <p:spTree>
-      <p:nvGrpSpPr>
-        <p:cNvPr id="1" name=""/>
-        <p:cNvGrpSpPr/>
-        <p:nvPr/>
-      </p:nvGrpSpPr>
-      <p:grpSpPr>
-        <a:xfrm>
-          <a:off x="0" y="0"/>
-          <a:ext cx="0" cy="0"/>
-          <a:chOff x="0" y="0"/>
-          <a:chExt cx="0" cy="0"/>
-        </a:xfrm>
-      </p:grpSpPr>
-      <p:sp>
-        <p:nvSpPr>
-          <p:cNvPr id="2" name="Título 1"/>
-          <p:cNvSpPr>
-            <a:spLocks noGrp="1"/>
-          </p:cNvSpPr>
-          <p:nvPr>
-            <p:ph type="title"/>
-          </p:nvPr>
-        </p:nvSpPr>
-        <p:spPr>
-          <a:xfrm>
-            <a:off x="0" y="0"/>
-            <a:ext cx="10515600" cy="1325563"/>
-          </a:xfrm>
-        </p:spPr>
-        <p:txBody>
-          <a:bodyPr/>
-          <a:lstStyle/>
-          <a:p>
-            <a:r>
-              <a:rPr lang="es-ES" dirty="0" smtClean="0"/>
-              <a:t>Producto en Detalle</a:t>
-            </a:r>
-            <a:endParaRPr lang="es-ES" dirty="0"/>
-          </a:p>
-        </p:txBody>
-      </p:sp>
-      <p:pic>
-        <p:nvPicPr>
-          <p:cNvPr id="4" name="Marcador de contenido 3"/>
-          <p:cNvPicPr>
-            <a:picLocks noGrp="1" noChangeAspect="1"/>
-          </p:cNvPicPr>
-          <p:nvPr>
-            <p:ph idx="1"/>
-          </p:nvPr>
-        </p:nvPicPr>
-        <p:blipFill rotWithShape="1">
-          <a:blip r:embed="rId2" cstate="print">
-            <a:extLst>
-              <a:ext uri="{28A0092B-C50C-407E-A947-70E740481C1C}">
-                <a14:useLocalDpi xmlns:a14="http://schemas.microsoft.com/office/drawing/2010/main" val="0"/>
-              </a:ext>
-            </a:extLst>
-          </a:blip>
-          <a:srcRect l="8724" t="29479" r="6938" b="14577"/>
-          <a:stretch/>
-        </p:blipFill>
-        <p:spPr>
-          <a:xfrm>
-            <a:off x="1455312" y="922617"/>
-            <a:ext cx="9234153" cy="5612240"/>
-          </a:xfrm>
-        </p:spPr>
-      </p:pic>
-    </p:spTree>
-    <p:extLst>
-      <p:ext uri="{BB962C8B-B14F-4D97-AF65-F5344CB8AC3E}">
-        <p14:creationId xmlns:p14="http://schemas.microsoft.com/office/powerpoint/2010/main" val="2151129895"/>
-      </p:ext>
-    </p:extLst>
-  </p:cSld>
-  <p:clrMapOvr>
-    <a:masterClrMapping/>
-  </p:clrMapOvr>
-</p:sld>
-</file>
-
-<file path=ppt/slides/slide12.xml><?xml version="1.0" encoding="utf-8"?>
-<p:sld xmlns:a="http://schemas.openxmlformats.org/drawingml/2006/main" xmlns:r="http://schemas.openxmlformats.org/officeDocument/2006/relationships" xmlns:p="http://schemas.openxmlformats.org/presentationml/2006/main">
-  <p:cSld>
-    <p:spTree>
-      <p:nvGrpSpPr>
-        <p:cNvPr id="1" name=""/>
-        <p:cNvGrpSpPr/>
-        <p:nvPr/>
-      </p:nvGrpSpPr>
-      <p:grpSpPr>
-        <a:xfrm>
-          <a:off x="0" y="0"/>
-          <a:ext cx="0" cy="0"/>
-          <a:chOff x="0" y="0"/>
-          <a:chExt cx="0" cy="0"/>
-        </a:xfrm>
-      </p:grpSpPr>
-      <p:sp>
-        <p:nvSpPr>
-          <p:cNvPr id="2" name="Título 1"/>
-          <p:cNvSpPr>
-            <a:spLocks noGrp="1"/>
-          </p:cNvSpPr>
-          <p:nvPr>
-            <p:ph type="title"/>
-          </p:nvPr>
-        </p:nvSpPr>
-        <p:spPr/>
-        <p:txBody>
-          <a:bodyPr/>
-          <a:lstStyle/>
-          <a:p>
-            <a:r>
-              <a:rPr lang="es-ES" dirty="0" err="1" smtClean="0"/>
-              <a:t>Cokies</a:t>
-            </a:r>
-            <a:r>
-              <a:rPr lang="es-ES" dirty="0" smtClean="0"/>
-              <a:t> usuarios ficheros y email</a:t>
-            </a:r>
-            <a:endParaRPr lang="es-ES" dirty="0"/>
-          </a:p>
-        </p:txBody>
-      </p:sp>
-      <p:sp>
-        <p:nvSpPr>
-          <p:cNvPr id="3" name="Marcador de contenido 2"/>
-          <p:cNvSpPr>
-            <a:spLocks noGrp="1"/>
-          </p:cNvSpPr>
-          <p:nvPr>
-            <p:ph idx="1"/>
-          </p:nvPr>
-        </p:nvSpPr>
-        <p:spPr/>
-        <p:txBody>
-          <a:bodyPr/>
-          <a:lstStyle/>
-          <a:p>
-            <a:endParaRPr lang="es-ES"/>
-          </a:p>
-        </p:txBody>
-      </p:sp>
-    </p:spTree>
-    <p:extLst>
-      <p:ext uri="{BB962C8B-B14F-4D97-AF65-F5344CB8AC3E}">
-        <p14:creationId xmlns:p14="http://schemas.microsoft.com/office/powerpoint/2010/main" val="2859217396"/>
-      </p:ext>
-    </p:extLst>
-  </p:cSld>
-  <p:clrMapOvr>
-    <a:masterClrMapping/>
-  </p:clrMapOvr>
-  <p:timing>
-    <p:tnLst>
-      <p:par>
-        <p:cTn id="1" dur="indefinite" restart="never" nodeType="tmRoot"/>
-      </p:par>
-    </p:tnLst>
-  </p:timing>
-</p:sld>
-</file>
-
-<file path=ppt/slides/slide13.xml><?xml version="1.0" encoding="utf-8"?>
-<p:sld xmlns:a="http://schemas.openxmlformats.org/drawingml/2006/main" xmlns:r="http://schemas.openxmlformats.org/officeDocument/2006/relationships" xmlns:p="http://schemas.openxmlformats.org/presentationml/2006/main">
-  <p:cSld>
-    <p:spTree>
-      <p:nvGrpSpPr>
-        <p:cNvPr id="1" name=""/>
-        <p:cNvGrpSpPr/>
-        <p:nvPr/>
-      </p:nvGrpSpPr>
-      <p:grpSpPr>
-        <a:xfrm>
-          <a:off x="0" y="0"/>
-          <a:ext cx="0" cy="0"/>
-          <a:chOff x="0" y="0"/>
-          <a:chExt cx="0" cy="0"/>
-        </a:xfrm>
-      </p:grpSpPr>
-      <p:sp>
-        <p:nvSpPr>
-          <p:cNvPr id="2" name="Título 1"/>
-          <p:cNvSpPr>
-            <a:spLocks noGrp="1"/>
-          </p:cNvSpPr>
-          <p:nvPr>
-            <p:ph type="title"/>
-          </p:nvPr>
-        </p:nvSpPr>
-        <p:spPr/>
-        <p:txBody>
-          <a:bodyPr/>
-          <a:lstStyle/>
-          <a:p>
-            <a:r>
-              <a:rPr lang="es-ES" dirty="0" smtClean="0"/>
-              <a:t>Modelo conectado vs desconectado</a:t>
-            </a:r>
-            <a:endParaRPr lang="es-ES" dirty="0"/>
-          </a:p>
-        </p:txBody>
-      </p:sp>
-      <p:sp>
-        <p:nvSpPr>
-          <p:cNvPr id="3" name="Marcador de contenido 2"/>
-          <p:cNvSpPr>
-            <a:spLocks noGrp="1"/>
-          </p:cNvSpPr>
-          <p:nvPr>
-            <p:ph idx="1"/>
-          </p:nvPr>
-        </p:nvSpPr>
-        <p:spPr/>
-        <p:txBody>
-          <a:bodyPr/>
-          <a:lstStyle/>
-          <a:p>
-            <a:endParaRPr lang="es-ES" dirty="0"/>
-          </a:p>
-        </p:txBody>
-      </p:sp>
-    </p:spTree>
-    <p:extLst>
-      <p:ext uri="{BB962C8B-B14F-4D97-AF65-F5344CB8AC3E}">
-        <p14:creationId xmlns:p14="http://schemas.microsoft.com/office/powerpoint/2010/main" val="3620501654"/>
-      </p:ext>
-    </p:extLst>
-  </p:cSld>
-  <p:clrMapOvr>
-    <a:masterClrMapping/>
-  </p:clrMapOvr>
-  <p:timing>
-    <p:tnLst>
-      <p:par>
-        <p:cTn id="1" dur="indefinite" restart="never" nodeType="tmRoot"/>
-      </p:par>
-    </p:tnLst>
-  </p:timing>
-</p:sld>
-</file>
-
-<file path=ppt/slides/slide14.xml><?xml version="1.0" encoding="utf-8"?>
-<p:sld xmlns:a="http://schemas.openxmlformats.org/drawingml/2006/main" xmlns:r="http://schemas.openxmlformats.org/officeDocument/2006/relationships" xmlns:p="http://schemas.openxmlformats.org/presentationml/2006/main">
-  <p:cSld>
-    <p:spTree>
-      <p:nvGrpSpPr>
-        <p:cNvPr id="1" name=""/>
-        <p:cNvGrpSpPr/>
-        <p:nvPr/>
-      </p:nvGrpSpPr>
-      <p:grpSpPr>
-        <a:xfrm>
-          <a:off x="0" y="0"/>
-          <a:ext cx="0" cy="0"/>
-          <a:chOff x="0" y="0"/>
-          <a:chExt cx="0" cy="0"/>
-        </a:xfrm>
-      </p:grpSpPr>
-      <p:sp>
-        <p:nvSpPr>
-          <p:cNvPr id="2" name="Título 1"/>
-          <p:cNvSpPr>
-            <a:spLocks noGrp="1"/>
-          </p:cNvSpPr>
-          <p:nvPr>
-            <p:ph type="title"/>
-          </p:nvPr>
-        </p:nvSpPr>
-        <p:spPr/>
-        <p:txBody>
-          <a:bodyPr/>
-          <a:lstStyle/>
-          <a:p>
-            <a:r>
-              <a:rPr lang="es-ES" dirty="0" smtClean="0"/>
-              <a:t>BD utilizada y gestión</a:t>
-            </a:r>
-            <a:endParaRPr lang="es-ES" dirty="0"/>
-          </a:p>
-        </p:txBody>
-      </p:sp>
-      <p:sp>
-        <p:nvSpPr>
-          <p:cNvPr id="3" name="Marcador de contenido 2"/>
-          <p:cNvSpPr>
-            <a:spLocks noGrp="1"/>
-          </p:cNvSpPr>
-          <p:nvPr>
-            <p:ph idx="1"/>
-          </p:nvPr>
-        </p:nvSpPr>
-        <p:spPr/>
-        <p:txBody>
-          <a:bodyPr/>
-          <a:lstStyle/>
-          <a:p>
-            <a:endParaRPr lang="es-ES"/>
-          </a:p>
-        </p:txBody>
-      </p:sp>
-    </p:spTree>
-    <p:extLst>
-      <p:ext uri="{BB962C8B-B14F-4D97-AF65-F5344CB8AC3E}">
-        <p14:creationId xmlns:p14="http://schemas.microsoft.com/office/powerpoint/2010/main" val="687670337"/>
-      </p:ext>
-    </p:extLst>
-  </p:cSld>
-  <p:clrMapOvr>
-    <a:masterClrMapping/>
-  </p:clrMapOvr>
-  <p:timing>
-    <p:tnLst>
-      <p:par>
-        <p:cTn id="1" dur="indefinite" restart="never" nodeType="tmRoot"/>
-      </p:par>
-    </p:tnLst>
-  </p:timing>
-</p:sld>
-</file>
-
-<file path=ppt/slides/slide15.xml><?xml version="1.0" encoding="utf-8"?>
-<p:sld xmlns:a="http://schemas.openxmlformats.org/drawingml/2006/main" xmlns:r="http://schemas.openxmlformats.org/officeDocument/2006/relationships" xmlns:p="http://schemas.openxmlformats.org/presentationml/2006/main">
-  <p:cSld>
-    <p:spTree>
-      <p:nvGrpSpPr>
-        <p:cNvPr id="1" name=""/>
-        <p:cNvGrpSpPr/>
-        <p:nvPr/>
-      </p:nvGrpSpPr>
-      <p:grpSpPr>
-        <a:xfrm>
-          <a:off x="0" y="0"/>
-          <a:ext cx="0" cy="0"/>
-          <a:chOff x="0" y="0"/>
-          <a:chExt cx="0" cy="0"/>
-        </a:xfrm>
-      </p:grpSpPr>
-      <p:sp>
-        <p:nvSpPr>
-          <p:cNvPr id="2" name="Título 1"/>
-          <p:cNvSpPr>
-            <a:spLocks noGrp="1"/>
-          </p:cNvSpPr>
-          <p:nvPr>
-            <p:ph type="title"/>
-          </p:nvPr>
-        </p:nvSpPr>
-        <p:spPr/>
-        <p:txBody>
-          <a:bodyPr/>
-          <a:lstStyle/>
-          <a:p>
-            <a:r>
-              <a:rPr lang="es-ES" dirty="0" smtClean="0"/>
-              <a:t>Problemas durante el desarrollo</a:t>
-            </a:r>
-            <a:endParaRPr lang="es-ES" dirty="0"/>
-          </a:p>
-        </p:txBody>
-      </p:sp>
-      <p:sp>
-        <p:nvSpPr>
-          <p:cNvPr id="3" name="Marcador de contenido 2"/>
-          <p:cNvSpPr>
-            <a:spLocks noGrp="1"/>
-          </p:cNvSpPr>
-          <p:nvPr>
-            <p:ph idx="1"/>
-          </p:nvPr>
-        </p:nvSpPr>
-        <p:spPr>
-          <a:xfrm>
-            <a:off x="838200" y="1580927"/>
-            <a:ext cx="10515600" cy="4351338"/>
-          </a:xfrm>
-        </p:spPr>
-        <p:txBody>
-          <a:bodyPr/>
-          <a:lstStyle/>
-          <a:p>
-            <a:pPr marL="0" indent="0">
-              <a:buNone/>
-            </a:pPr>
-            <a:r>
-              <a:rPr lang="es-ES" dirty="0" smtClean="0"/>
-              <a:t>Tecnologías aprendidas y problemas</a:t>
-            </a:r>
-          </a:p>
-          <a:p>
-            <a:pPr marL="0" indent="0">
-              <a:buNone/>
-            </a:pPr>
-            <a:endParaRPr lang="es-ES" dirty="0"/>
-          </a:p>
-        </p:txBody>
-      </p:sp>
-    </p:spTree>
-    <p:extLst>
-      <p:ext uri="{BB962C8B-B14F-4D97-AF65-F5344CB8AC3E}">
-        <p14:creationId xmlns:p14="http://schemas.microsoft.com/office/powerpoint/2010/main" val="3128840857"/>
-      </p:ext>
-    </p:extLst>
-  </p:cSld>
-  <p:clrMapOvr>
-    <a:masterClrMapping/>
-  </p:clrMapOvr>
-  <p:timing>
-    <p:tnLst>
-      <p:par>
-        <p:cTn id="1" dur="indefinite" restart="never" nodeType="tmRoot"/>
-      </p:par>
-    </p:tnLst>
-  </p:timing>
-</p:sld>
-</file>
-
-<file path=ppt/slides/slide16.xml><?xml version="1.0" encoding="utf-8"?>
-<p:sld xmlns:a="http://schemas.openxmlformats.org/drawingml/2006/main" xmlns:r="http://schemas.openxmlformats.org/officeDocument/2006/relationships" xmlns:p="http://schemas.openxmlformats.org/presentationml/2006/main">
-  <p:cSld>
-    <p:spTree>
-      <p:nvGrpSpPr>
-        <p:cNvPr id="1" name=""/>
-        <p:cNvGrpSpPr/>
-        <p:nvPr/>
-      </p:nvGrpSpPr>
-      <p:grpSpPr>
-        <a:xfrm>
-          <a:off x="0" y="0"/>
-          <a:ext cx="0" cy="0"/>
-          <a:chOff x="0" y="0"/>
-          <a:chExt cx="0" cy="0"/>
-        </a:xfrm>
-      </p:grpSpPr>
-      <p:sp>
-        <p:nvSpPr>
-          <p:cNvPr id="2" name="Título 1"/>
-          <p:cNvSpPr>
-            <a:spLocks noGrp="1"/>
-          </p:cNvSpPr>
-          <p:nvPr>
-            <p:ph type="title"/>
-          </p:nvPr>
-        </p:nvSpPr>
-        <p:spPr>
-          <a:xfrm>
-            <a:off x="0" y="0"/>
-            <a:ext cx="10515600" cy="1325563"/>
-          </a:xfrm>
-        </p:spPr>
-        <p:txBody>
-          <a:bodyPr/>
-          <a:lstStyle/>
-          <a:p>
-            <a:r>
-              <a:rPr lang="es-ES" dirty="0" smtClean="0"/>
-              <a:t>Control de versiones	</a:t>
-            </a:r>
-            <a:endParaRPr lang="es-ES" dirty="0"/>
-          </a:p>
-        </p:txBody>
-      </p:sp>
-      <p:pic>
-        <p:nvPicPr>
-          <p:cNvPr id="4" name="Marcador de contenido 3"/>
-          <p:cNvPicPr>
-            <a:picLocks noGrp="1" noChangeAspect="1"/>
-          </p:cNvPicPr>
-          <p:nvPr>
-            <p:ph idx="1"/>
-          </p:nvPr>
-        </p:nvPicPr>
-        <p:blipFill>
-          <a:blip r:embed="rId2"/>
-          <a:stretch>
-            <a:fillRect/>
-          </a:stretch>
-        </p:blipFill>
-        <p:spPr>
-          <a:xfrm>
-            <a:off x="1314718" y="1006011"/>
-            <a:ext cx="9200881" cy="5665006"/>
-          </a:xfrm>
-          <a:prstGeom prst="rect">
-            <a:avLst/>
-          </a:prstGeom>
-        </p:spPr>
-      </p:pic>
-    </p:spTree>
-    <p:extLst>
-      <p:ext uri="{BB962C8B-B14F-4D97-AF65-F5344CB8AC3E}">
-        <p14:creationId xmlns:p14="http://schemas.microsoft.com/office/powerpoint/2010/main" val="1766195255"/>
-      </p:ext>
-    </p:extLst>
-  </p:cSld>
-  <p:clrMapOvr>
-    <a:masterClrMapping/>
-  </p:clrMapOvr>
-  <p:timing>
-    <p:tnLst>
-      <p:par>
-        <p:cTn id="1" dur="indefinite" restart="never" nodeType="tmRoot"/>
-      </p:par>
-    </p:tnLst>
-  </p:timing>
-</p:sld>
-</file>
-
-<file path=ppt/slides/slide17.xml><?xml version="1.0" encoding="utf-8"?>
-<p:sld xmlns:a="http://schemas.openxmlformats.org/drawingml/2006/main" xmlns:r="http://schemas.openxmlformats.org/officeDocument/2006/relationships" xmlns:p="http://schemas.openxmlformats.org/presentationml/2006/main">
-  <p:cSld>
-    <p:spTree>
-      <p:nvGrpSpPr>
-        <p:cNvPr id="1" name=""/>
-        <p:cNvGrpSpPr/>
-        <p:nvPr/>
-      </p:nvGrpSpPr>
-      <p:grpSpPr>
-        <a:xfrm>
-          <a:off x="0" y="0"/>
-          <a:ext cx="0" cy="0"/>
-          <a:chOff x="0" y="0"/>
-          <a:chExt cx="0" cy="0"/>
-        </a:xfrm>
-      </p:grpSpPr>
-      <p:sp>
-        <p:nvSpPr>
-          <p:cNvPr id="2" name="Título 1"/>
-          <p:cNvSpPr>
-            <a:spLocks noGrp="1"/>
-          </p:cNvSpPr>
-          <p:nvPr>
-            <p:ph type="title"/>
-          </p:nvPr>
-        </p:nvSpPr>
-        <p:spPr/>
-        <p:txBody>
-          <a:bodyPr/>
-          <a:lstStyle/>
-          <a:p>
-            <a:r>
-              <a:rPr lang="es-ES" dirty="0" smtClean="0"/>
-              <a:t>Organización</a:t>
-            </a:r>
-            <a:endParaRPr lang="es-ES" dirty="0"/>
-          </a:p>
-        </p:txBody>
-      </p:sp>
-      <p:sp>
-        <p:nvSpPr>
-          <p:cNvPr id="3" name="Marcador de contenido 2"/>
-          <p:cNvSpPr>
-            <a:spLocks noGrp="1"/>
-          </p:cNvSpPr>
-          <p:nvPr>
-            <p:ph idx="1"/>
-          </p:nvPr>
-        </p:nvSpPr>
-        <p:spPr/>
-        <p:txBody>
-          <a:bodyPr/>
-          <a:lstStyle/>
-          <a:p>
-            <a:endParaRPr lang="es-ES"/>
-          </a:p>
-        </p:txBody>
-      </p:sp>
-    </p:spTree>
-    <p:extLst>
-      <p:ext uri="{BB962C8B-B14F-4D97-AF65-F5344CB8AC3E}">
-        <p14:creationId xmlns:p14="http://schemas.microsoft.com/office/powerpoint/2010/main" val="3271391345"/>
-      </p:ext>
-    </p:extLst>
-  </p:cSld>
-  <p:clrMapOvr>
-    <a:masterClrMapping/>
-  </p:clrMapOvr>
-  <p:timing>
-    <p:tnLst>
-      <p:par>
-        <p:cTn id="1" dur="indefinite" restart="never" nodeType="tmRoot"/>
-      </p:par>
-    </p:tnLst>
-  </p:timing>
-</p:sld>
-</file>
-
-<file path=ppt/slides/slide18.xml><?xml version="1.0" encoding="utf-8"?>
-<p:sld xmlns:a="http://schemas.openxmlformats.org/drawingml/2006/main" xmlns:r="http://schemas.openxmlformats.org/officeDocument/2006/relationships" xmlns:p="http://schemas.openxmlformats.org/presentationml/2006/main">
-  <p:cSld>
-    <p:spTree>
-      <p:nvGrpSpPr>
-        <p:cNvPr id="1" name=""/>
-        <p:cNvGrpSpPr/>
-        <p:nvPr/>
-      </p:nvGrpSpPr>
-      <p:grpSpPr>
-        <a:xfrm>
-          <a:off x="0" y="0"/>
-          <a:ext cx="0" cy="0"/>
-          <a:chOff x="0" y="0"/>
-          <a:chExt cx="0" cy="0"/>
-        </a:xfrm>
-      </p:grpSpPr>
-      <p:sp>
-        <p:nvSpPr>
-          <p:cNvPr id="2" name="Título 1"/>
-          <p:cNvSpPr>
-            <a:spLocks noGrp="1"/>
-          </p:cNvSpPr>
-          <p:nvPr>
-            <p:ph type="title"/>
-          </p:nvPr>
-        </p:nvSpPr>
-        <p:spPr/>
-        <p:txBody>
-          <a:bodyPr/>
-          <a:lstStyle/>
-          <a:p>
-            <a:r>
-              <a:rPr lang="es-ES" dirty="0" smtClean="0"/>
-              <a:t>EN </a:t>
-            </a:r>
-            <a:endParaRPr lang="es-ES" dirty="0"/>
-          </a:p>
-        </p:txBody>
-      </p:sp>
-      <p:sp>
-        <p:nvSpPr>
-          <p:cNvPr id="3" name="Marcador de contenido 2"/>
-          <p:cNvSpPr>
-            <a:spLocks noGrp="1"/>
-          </p:cNvSpPr>
-          <p:nvPr>
-            <p:ph idx="1"/>
-          </p:nvPr>
-        </p:nvSpPr>
-        <p:spPr/>
-        <p:txBody>
-          <a:bodyPr/>
-          <a:lstStyle/>
-          <a:p>
-            <a:endParaRPr lang="es-ES"/>
-          </a:p>
-        </p:txBody>
-      </p:sp>
-    </p:spTree>
-    <p:extLst>
-      <p:ext uri="{BB962C8B-B14F-4D97-AF65-F5344CB8AC3E}">
-        <p14:creationId xmlns:p14="http://schemas.microsoft.com/office/powerpoint/2010/main" val="1498136117"/>
-      </p:ext>
-    </p:extLst>
-  </p:cSld>
-  <p:clrMapOvr>
-    <a:masterClrMapping/>
-  </p:clrMapOvr>
-  <p:timing>
-    <p:tnLst>
-      <p:par>
-        <p:cTn id="1" dur="indefinite" restart="never" nodeType="tmRoot"/>
-      </p:par>
-    </p:tnLst>
-  </p:timing>
-</p:sld>
-</file>
-
-<file path=ppt/slides/slide19.xml><?xml version="1.0" encoding="utf-8"?>
-<p:sld xmlns:a="http://schemas.openxmlformats.org/drawingml/2006/main" xmlns:r="http://schemas.openxmlformats.org/officeDocument/2006/relationships" xmlns:p="http://schemas.openxmlformats.org/presentationml/2006/main">
-  <p:cSld>
-    <p:spTree>
-      <p:nvGrpSpPr>
-        <p:cNvPr id="1" name=""/>
-        <p:cNvGrpSpPr/>
-        <p:nvPr/>
-      </p:nvGrpSpPr>
-      <p:grpSpPr>
-        <a:xfrm>
-          <a:off x="0" y="0"/>
-          <a:ext cx="0" cy="0"/>
-          <a:chOff x="0" y="0"/>
-          <a:chExt cx="0" cy="0"/>
-        </a:xfrm>
-      </p:grpSpPr>
-      <p:sp>
-        <p:nvSpPr>
-          <p:cNvPr id="2" name="Título 1"/>
-          <p:cNvSpPr>
-            <a:spLocks noGrp="1"/>
-          </p:cNvSpPr>
-          <p:nvPr>
-            <p:ph type="title"/>
-          </p:nvPr>
-        </p:nvSpPr>
-        <p:spPr/>
-        <p:txBody>
-          <a:bodyPr/>
-          <a:lstStyle/>
-          <a:p>
-            <a:r>
-              <a:rPr lang="es-ES" dirty="0" smtClean="0"/>
-              <a:t>CAD</a:t>
-            </a:r>
-            <a:endParaRPr lang="es-ES" dirty="0"/>
-          </a:p>
-        </p:txBody>
-      </p:sp>
-      <p:sp>
-        <p:nvSpPr>
-          <p:cNvPr id="3" name="Marcador de contenido 2"/>
-          <p:cNvSpPr>
-            <a:spLocks noGrp="1"/>
-          </p:cNvSpPr>
-          <p:nvPr>
-            <p:ph idx="1"/>
-          </p:nvPr>
-        </p:nvSpPr>
-        <p:spPr/>
-        <p:txBody>
-          <a:bodyPr/>
-          <a:lstStyle/>
-          <a:p>
-            <a:endParaRPr lang="es-ES"/>
-          </a:p>
-        </p:txBody>
-      </p:sp>
-    </p:spTree>
-    <p:extLst>
-      <p:ext uri="{BB962C8B-B14F-4D97-AF65-F5344CB8AC3E}">
-        <p14:creationId xmlns:p14="http://schemas.microsoft.com/office/powerpoint/2010/main" val="3767493603"/>
-      </p:ext>
-    </p:extLst>
-  </p:cSld>
-  <p:clrMapOvr>
-    <a:masterClrMapping/>
-  </p:clrMapOvr>
-  <p:timing>
-    <p:tnLst>
-      <p:par>
-        <p:cTn id="1" dur="indefinite" restart="never" nodeType="tmRoot"/>
-      </p:par>
-    </p:tnLst>
-  </p:timing>
-</p:sld>
-</file>
-
-<file path=ppt/slides/slide2.xml><?xml version="1.0" encoding="utf-8"?>
-<p:sld xmlns:a="http://schemas.openxmlformats.org/drawingml/2006/main" xmlns:r="http://schemas.openxmlformats.org/officeDocument/2006/relationships" xmlns:p="http://schemas.openxmlformats.org/presentationml/2006/main">
-  <p:cSld>
-    <p:spTree>
-      <p:nvGrpSpPr>
-        <p:cNvPr id="1" name=""/>
-        <p:cNvGrpSpPr/>
-        <p:nvPr/>
-      </p:nvGrpSpPr>
-      <p:grpSpPr>
-        <a:xfrm>
-          <a:off x="0" y="0"/>
-          <a:ext cx="0" cy="0"/>
-          <a:chOff x="0" y="0"/>
-          <a:chExt cx="0" cy="0"/>
-        </a:xfrm>
-      </p:grpSpPr>
-      <p:sp>
-        <p:nvSpPr>
-          <p:cNvPr id="2" name="Título 1"/>
-          <p:cNvSpPr>
-            <a:spLocks noGrp="1"/>
-          </p:cNvSpPr>
-          <p:nvPr>
-            <p:ph type="title"/>
-          </p:nvPr>
-        </p:nvSpPr>
-        <p:spPr/>
-        <p:txBody>
-          <a:bodyPr/>
-          <a:lstStyle/>
-          <a:p>
-            <a:r>
-              <a:rPr lang="es-ES" dirty="0" smtClean="0"/>
-              <a:t>Presentación y equipo</a:t>
-            </a:r>
-            <a:endParaRPr lang="es-ES" dirty="0"/>
-          </a:p>
-        </p:txBody>
-      </p:sp>
-      <p:sp>
-        <p:nvSpPr>
-          <p:cNvPr id="3" name="Marcador de contenido 2"/>
-          <p:cNvSpPr>
-            <a:spLocks noGrp="1"/>
-          </p:cNvSpPr>
-          <p:nvPr>
-            <p:ph idx="1"/>
-          </p:nvPr>
-        </p:nvSpPr>
-        <p:spPr/>
-        <p:txBody>
-          <a:bodyPr/>
-          <a:lstStyle/>
-          <a:p>
-            <a:pPr marL="0" indent="0">
-              <a:buNone/>
-            </a:pPr>
-            <a:r>
-              <a:rPr lang="es-ES" dirty="0" smtClean="0"/>
-              <a:t>Integrantes:</a:t>
-            </a:r>
-          </a:p>
-          <a:p>
-            <a:pPr marL="0" indent="0">
-              <a:buNone/>
-            </a:pPr>
-            <a:r>
-              <a:rPr lang="es-ES" dirty="0"/>
-              <a:t>	</a:t>
-            </a:r>
-            <a:r>
-              <a:rPr lang="es-ES" dirty="0" smtClean="0"/>
-              <a:t>Jorge Espinosa </a:t>
-            </a:r>
-            <a:r>
-              <a:rPr lang="es-ES" dirty="0" err="1" smtClean="0"/>
-              <a:t>Campello</a:t>
-            </a:r>
-            <a:endParaRPr lang="es-ES" dirty="0"/>
-          </a:p>
-          <a:p>
-            <a:pPr marL="0" indent="0">
-              <a:buNone/>
-            </a:pPr>
-            <a:r>
-              <a:rPr lang="es-ES" dirty="0" smtClean="0"/>
-              <a:t>	</a:t>
-            </a:r>
-            <a:r>
-              <a:rPr lang="es-ES" dirty="0" err="1" smtClean="0"/>
-              <a:t>Cristobal</a:t>
-            </a:r>
-            <a:r>
-              <a:rPr lang="es-ES" dirty="0" smtClean="0"/>
-              <a:t> Jesús </a:t>
-            </a:r>
-            <a:r>
-              <a:rPr lang="es-ES" dirty="0" err="1" smtClean="0"/>
-              <a:t>Ganzalez</a:t>
-            </a:r>
-            <a:endParaRPr lang="es-ES" dirty="0" smtClean="0"/>
-          </a:p>
-          <a:p>
-            <a:pPr marL="0" indent="0">
-              <a:buNone/>
-            </a:pPr>
-            <a:r>
-              <a:rPr lang="es-ES" dirty="0" smtClean="0"/>
-              <a:t>	Jorge Segovia Tormo	</a:t>
-            </a:r>
-            <a:r>
-              <a:rPr lang="es-ES" dirty="0"/>
-              <a:t>	</a:t>
-            </a:r>
-            <a:endParaRPr lang="es-ES" dirty="0" smtClean="0"/>
-          </a:p>
-          <a:p>
-            <a:pPr marL="0" indent="0">
-              <a:buNone/>
-            </a:pPr>
-            <a:r>
-              <a:rPr lang="es-ES" dirty="0"/>
-              <a:t>	</a:t>
-            </a:r>
-            <a:r>
-              <a:rPr lang="es-ES" dirty="0" smtClean="0"/>
-              <a:t>Javier </a:t>
-            </a:r>
-            <a:r>
-              <a:rPr lang="es-ES" dirty="0" err="1" smtClean="0"/>
-              <a:t>Molpeceres</a:t>
-            </a:r>
-            <a:r>
-              <a:rPr lang="es-ES" dirty="0" smtClean="0"/>
-              <a:t> Gómez</a:t>
-            </a:r>
-          </a:p>
-          <a:p>
-            <a:pPr marL="0" indent="0">
-              <a:buNone/>
-            </a:pPr>
-            <a:r>
-              <a:rPr lang="es-ES" dirty="0"/>
-              <a:t>	</a:t>
-            </a:r>
-            <a:r>
-              <a:rPr lang="es-ES" dirty="0" err="1" smtClean="0"/>
-              <a:t>Jose</a:t>
-            </a:r>
-            <a:r>
-              <a:rPr lang="es-ES" dirty="0" smtClean="0"/>
-              <a:t> Carlos </a:t>
-            </a:r>
-            <a:r>
-              <a:rPr lang="es-ES" dirty="0" err="1" smtClean="0"/>
-              <a:t>Rabasco</a:t>
-            </a:r>
-            <a:endParaRPr lang="es-ES" dirty="0" smtClean="0"/>
-          </a:p>
-          <a:p>
-            <a:pPr marL="0" indent="0">
-              <a:buNone/>
-            </a:pPr>
-            <a:r>
-              <a:rPr lang="es-ES" dirty="0"/>
-              <a:t>	</a:t>
-            </a:r>
-            <a:r>
-              <a:rPr lang="es-ES" dirty="0" err="1" smtClean="0"/>
-              <a:t>Nèstor</a:t>
-            </a:r>
-            <a:endParaRPr lang="es-ES" dirty="0"/>
-          </a:p>
-        </p:txBody>
-      </p:sp>
-      <p:sp>
-        <p:nvSpPr>
-          <p:cNvPr id="4" name="CuadroTexto 3"/>
-          <p:cNvSpPr txBox="1"/>
-          <p:nvPr/>
-        </p:nvSpPr>
-        <p:spPr>
-          <a:xfrm>
-            <a:off x="6412606" y="1707122"/>
-            <a:ext cx="4941194" cy="369332"/>
-          </a:xfrm>
-          <a:prstGeom prst="rect">
-            <a:avLst/>
-          </a:prstGeom>
-          <a:noFill/>
-        </p:spPr>
-        <p:txBody>
-          <a:bodyPr wrap="square" rtlCol="0">
-            <a:spAutoFit/>
-          </a:bodyPr>
-          <a:lstStyle/>
-          <a:p>
-            <a:r>
-              <a:rPr lang="es-ES" dirty="0" err="1" smtClean="0"/>
-              <a:t>Carmander</a:t>
-            </a:r>
-            <a:r>
-              <a:rPr lang="es-ES" dirty="0" smtClean="0"/>
-              <a:t>, </a:t>
-            </a:r>
-            <a:r>
-              <a:rPr lang="es-ES" dirty="0" err="1" smtClean="0"/>
-              <a:t>Aplicacón</a:t>
-            </a:r>
-            <a:r>
-              <a:rPr lang="es-ES" dirty="0" smtClean="0"/>
-              <a:t> web para comprar vehículos</a:t>
-            </a:r>
-            <a:endParaRPr lang="es-ES" dirty="0"/>
-          </a:p>
-        </p:txBody>
-      </p:sp>
-    </p:spTree>
-    <p:extLst>
-      <p:ext uri="{BB962C8B-B14F-4D97-AF65-F5344CB8AC3E}">
-        <p14:creationId xmlns:p14="http://schemas.microsoft.com/office/powerpoint/2010/main" val="3186988672"/>
-      </p:ext>
-    </p:extLst>
-  </p:cSld>
-  <p:clrMapOvr>
-    <a:masterClrMapping/>
-  </p:clrMapOvr>
-</p:sld>
-</file>
-
-<file path=ppt/slides/slide20.xml><?xml version="1.0" encoding="utf-8"?>
-<p:sld xmlns:a="http://schemas.openxmlformats.org/drawingml/2006/main" xmlns:r="http://schemas.openxmlformats.org/officeDocument/2006/relationships" xmlns:p="http://schemas.openxmlformats.org/presentationml/2006/main">
-  <p:cSld>
-    <p:spTree>
-      <p:nvGrpSpPr>
-        <p:cNvPr id="1" name=""/>
-        <p:cNvGrpSpPr/>
-        <p:nvPr/>
-      </p:nvGrpSpPr>
-      <p:grpSpPr>
-        <a:xfrm>
-          <a:off x="0" y="0"/>
-          <a:ext cx="0" cy="0"/>
-          <a:chOff x="0" y="0"/>
-          <a:chExt cx="0" cy="0"/>
-        </a:xfrm>
-      </p:grpSpPr>
-      <p:sp>
-        <p:nvSpPr>
-          <p:cNvPr id="2" name="Título 1"/>
-          <p:cNvSpPr>
-            <a:spLocks noGrp="1"/>
-          </p:cNvSpPr>
-          <p:nvPr>
-            <p:ph type="title"/>
-          </p:nvPr>
-        </p:nvSpPr>
-        <p:spPr>
-          <a:xfrm>
-            <a:off x="838200" y="235375"/>
-            <a:ext cx="10515600" cy="1325563"/>
-          </a:xfrm>
-        </p:spPr>
-        <p:txBody>
-          <a:bodyPr/>
-          <a:lstStyle/>
-          <a:p>
-            <a:endParaRPr lang="es-ES" dirty="0"/>
-          </a:p>
-        </p:txBody>
-      </p:sp>
-      <p:sp>
-        <p:nvSpPr>
-          <p:cNvPr id="3" name="Marcador de contenido 2"/>
-          <p:cNvSpPr>
-            <a:spLocks noGrp="1"/>
-          </p:cNvSpPr>
-          <p:nvPr>
-            <p:ph idx="1"/>
-          </p:nvPr>
-        </p:nvSpPr>
-        <p:spPr/>
-        <p:txBody>
-          <a:bodyPr/>
-          <a:lstStyle/>
-          <a:p>
-            <a:endParaRPr lang="es-ES"/>
-          </a:p>
-        </p:txBody>
-      </p:sp>
-    </p:spTree>
-    <p:extLst>
-      <p:ext uri="{BB962C8B-B14F-4D97-AF65-F5344CB8AC3E}">
-        <p14:creationId xmlns:p14="http://schemas.microsoft.com/office/powerpoint/2010/main" val="3739853431"/>
-      </p:ext>
-    </p:extLst>
-  </p:cSld>
-  <p:clrMapOvr>
-    <a:masterClrMapping/>
-  </p:clrMapOvr>
-  <p:timing>
-    <p:tnLst>
-      <p:par>
-        <p:cTn id="1" dur="indefinite" restart="never" nodeType="tmRoot"/>
-      </p:par>
-    </p:tnLst>
-  </p:timing>
-</p:sld>
-</file>
-
-<file path=ppt/slides/slide3.xml><?xml version="1.0" encoding="utf-8"?>
-<p:sld xmlns:a="http://schemas.openxmlformats.org/drawingml/2006/main" xmlns:r="http://schemas.openxmlformats.org/officeDocument/2006/relationships" xmlns:p="http://schemas.openxmlformats.org/presentationml/2006/main">
-  <p:cSld>
-    <p:spTree>
-      <p:nvGrpSpPr>
-        <p:cNvPr id="1" name=""/>
-        <p:cNvGrpSpPr/>
-        <p:nvPr/>
-      </p:nvGrpSpPr>
-      <p:grpSpPr>
-        <a:xfrm>
-          <a:off x="0" y="0"/>
-          <a:ext cx="0" cy="0"/>
-          <a:chOff x="0" y="0"/>
-          <a:chExt cx="0" cy="0"/>
-        </a:xfrm>
-      </p:grpSpPr>
-      <p:sp>
-        <p:nvSpPr>
-          <p:cNvPr id="2" name="Título 1"/>
-          <p:cNvSpPr>
-            <a:spLocks noGrp="1"/>
-          </p:cNvSpPr>
-          <p:nvPr>
-            <p:ph type="title"/>
-          </p:nvPr>
-        </p:nvSpPr>
-        <p:spPr/>
-        <p:txBody>
-          <a:bodyPr/>
-          <a:lstStyle/>
-          <a:p>
-            <a:r>
-              <a:rPr lang="es-ES" dirty="0" smtClean="0"/>
-              <a:t>Introducción</a:t>
-            </a:r>
-            <a:endParaRPr lang="es-ES" dirty="0"/>
-          </a:p>
-        </p:txBody>
-      </p:sp>
-      <p:sp>
-        <p:nvSpPr>
-          <p:cNvPr id="3" name="Marcador de contenido 2"/>
-          <p:cNvSpPr>
-            <a:spLocks noGrp="1"/>
-          </p:cNvSpPr>
-          <p:nvPr>
-            <p:ph idx="1"/>
-          </p:nvPr>
-        </p:nvSpPr>
-        <p:spPr/>
-        <p:txBody>
-          <a:bodyPr/>
-          <a:lstStyle/>
-          <a:p>
-            <a:pPr marL="0" indent="0">
-              <a:buNone/>
-            </a:pPr>
-            <a:r>
-              <a:rPr lang="es-ES" dirty="0" smtClean="0"/>
-              <a:t>Aplicación web de venta de coches</a:t>
-            </a:r>
-            <a:endParaRPr lang="es-ES" dirty="0"/>
-          </a:p>
-        </p:txBody>
-      </p:sp>
-    </p:spTree>
-    <p:extLst>
-      <p:ext uri="{BB962C8B-B14F-4D97-AF65-F5344CB8AC3E}">
-        <p14:creationId xmlns:p14="http://schemas.microsoft.com/office/powerpoint/2010/main" val="3473832777"/>
-      </p:ext>
-    </p:extLst>
-  </p:cSld>
-  <p:clrMapOvr>
-    <a:masterClrMapping/>
-  </p:clrMapOvr>
-  <p:timing>
-    <p:tnLst>
-      <p:par>
-        <p:cTn id="1" dur="indefinite" restart="never" nodeType="tmRoot"/>
-      </p:par>
-    </p:tnLst>
-  </p:timing>
-</p:sld>
-</file>
-
-<file path=ppt/slides/slide4.xml><?xml version="1.0" encoding="utf-8"?>
-<p:sld xmlns:a="http://schemas.openxmlformats.org/drawingml/2006/main" xmlns:r="http://schemas.openxmlformats.org/officeDocument/2006/relationships" xmlns:p="http://schemas.openxmlformats.org/presentationml/2006/main">
-  <p:cSld>
-    <p:spTree>
-      <p:nvGrpSpPr>
-        <p:cNvPr id="1" name=""/>
-        <p:cNvGrpSpPr/>
-        <p:nvPr/>
-      </p:nvGrpSpPr>
-      <p:grpSpPr>
-        <a:xfrm>
-          <a:off x="0" y="0"/>
-          <a:ext cx="0" cy="0"/>
-          <a:chOff x="0" y="0"/>
-          <a:chExt cx="0" cy="0"/>
-        </a:xfrm>
-      </p:grpSpPr>
-      <p:sp>
-        <p:nvSpPr>
-          <p:cNvPr id="2" name="Título 1"/>
-          <p:cNvSpPr>
-            <a:spLocks noGrp="1"/>
-          </p:cNvSpPr>
-          <p:nvPr>
-            <p:ph type="title"/>
-          </p:nvPr>
-        </p:nvSpPr>
-        <p:spPr>
-          <a:xfrm>
-            <a:off x="838200" y="268332"/>
-            <a:ext cx="10515600" cy="1325563"/>
-          </a:xfrm>
-        </p:spPr>
-        <p:txBody>
-          <a:bodyPr/>
-          <a:lstStyle/>
-          <a:p>
-            <a:r>
-              <a:rPr lang="es-ES" dirty="0" smtClean="0"/>
-              <a:t>Herramientas y lenguajes</a:t>
-            </a:r>
-            <a:endParaRPr lang="es-ES" dirty="0"/>
-          </a:p>
-        </p:txBody>
-      </p:sp>
-      <p:sp>
-        <p:nvSpPr>
-          <p:cNvPr id="3" name="Marcador de contenido 2"/>
-          <p:cNvSpPr>
-            <a:spLocks noGrp="1"/>
-          </p:cNvSpPr>
-          <p:nvPr>
-            <p:ph idx="1"/>
-          </p:nvPr>
-        </p:nvSpPr>
-        <p:spPr>
-          <a:xfrm>
-            <a:off x="838200" y="1593896"/>
-            <a:ext cx="4841383" cy="1097790"/>
-          </a:xfrm>
-        </p:spPr>
-        <p:txBody>
-          <a:bodyPr/>
-          <a:lstStyle/>
-          <a:p>
-            <a:pPr marL="0" indent="0">
-              <a:buNone/>
-            </a:pPr>
-            <a:r>
-              <a:rPr lang="es-ES" dirty="0" smtClean="0"/>
-              <a:t>Visual Studio 2012 </a:t>
-            </a:r>
-          </a:p>
-          <a:p>
-            <a:pPr marL="0" indent="0">
-              <a:buNone/>
-            </a:pPr>
-            <a:r>
-              <a:rPr lang="es-ES" dirty="0" smtClean="0"/>
-              <a:t>Framework </a:t>
-            </a:r>
-            <a:r>
-              <a:rPr lang="es-ES" dirty="0" err="1" smtClean="0"/>
-              <a:t>.Net</a:t>
-            </a:r>
-            <a:r>
-              <a:rPr lang="es-ES" dirty="0" smtClean="0"/>
-              <a:t>  C# </a:t>
-            </a:r>
-            <a:r>
-              <a:rPr lang="es-ES" dirty="0" err="1" smtClean="0"/>
-              <a:t>ASP.Net</a:t>
-            </a:r>
-            <a:endParaRPr lang="es-ES" dirty="0" smtClean="0"/>
-          </a:p>
-          <a:p>
-            <a:pPr marL="0" indent="0">
-              <a:buNone/>
-            </a:pPr>
-            <a:endParaRPr lang="es-ES" dirty="0"/>
-          </a:p>
-        </p:txBody>
-      </p:sp>
-      <p:pic>
-        <p:nvPicPr>
-          <p:cNvPr id="4" name="Imagen 3"/>
-          <p:cNvPicPr>
-            <a:picLocks noChangeAspect="1"/>
-          </p:cNvPicPr>
-          <p:nvPr/>
-        </p:nvPicPr>
-        <p:blipFill rotWithShape="1">
-          <a:blip r:embed="rId2"/>
-          <a:srcRect l="33338" t="11223" r="33305" b="11489"/>
-          <a:stretch/>
-        </p:blipFill>
-        <p:spPr>
-          <a:xfrm>
-            <a:off x="7490138" y="532550"/>
-            <a:ext cx="4340181" cy="5653826"/>
-          </a:xfrm>
-          <a:prstGeom prst="rect">
-            <a:avLst/>
-          </a:prstGeom>
-        </p:spPr>
-      </p:pic>
-    </p:spTree>
-    <p:extLst>
-      <p:ext uri="{BB962C8B-B14F-4D97-AF65-F5344CB8AC3E}">
-        <p14:creationId xmlns:p14="http://schemas.microsoft.com/office/powerpoint/2010/main" val="4228148034"/>
-      </p:ext>
-    </p:extLst>
-  </p:cSld>
-  <p:clrMapOvr>
-    <a:masterClrMapping/>
-  </p:clrMapOvr>
-  <p:timing>
-    <p:tnLst>
-      <p:par>
-        <p:cTn id="1" dur="indefinite" restart="never" nodeType="tmRoot"/>
-      </p:par>
-    </p:tnLst>
-  </p:timing>
-</p:sld>
-</file>
-
-<file path=ppt/slides/slide5.xml><?xml version="1.0" encoding="utf-8"?>
-<p:sld xmlns:a="http://schemas.openxmlformats.org/drawingml/2006/main" xmlns:r="http://schemas.openxmlformats.org/officeDocument/2006/relationships" xmlns:p="http://schemas.openxmlformats.org/presentationml/2006/main">
-  <p:cSld>
-    <p:spTree>
-      <p:nvGrpSpPr>
-        <p:cNvPr id="1" name=""/>
-        <p:cNvGrpSpPr/>
-        <p:nvPr/>
-      </p:nvGrpSpPr>
-      <p:grpSpPr>
-        <a:xfrm>
-          <a:off x="0" y="0"/>
-          <a:ext cx="0" cy="0"/>
-          <a:chOff x="0" y="0"/>
-          <a:chExt cx="0" cy="0"/>
-        </a:xfrm>
-      </p:grpSpPr>
-      <p:sp>
-        <p:nvSpPr>
-          <p:cNvPr id="2" name="Título 1"/>
-          <p:cNvSpPr>
-            <a:spLocks noGrp="1"/>
-          </p:cNvSpPr>
-          <p:nvPr>
-            <p:ph type="title"/>
-          </p:nvPr>
-        </p:nvSpPr>
-        <p:spPr/>
-        <p:txBody>
-          <a:bodyPr/>
-          <a:lstStyle/>
-          <a:p>
-            <a:r>
-              <a:rPr lang="es-ES" dirty="0" smtClean="0"/>
-              <a:t>Modelo de capas	</a:t>
-            </a:r>
-            <a:endParaRPr lang="es-ES" dirty="0"/>
-          </a:p>
-        </p:txBody>
-      </p:sp>
-      <p:pic>
-        <p:nvPicPr>
-          <p:cNvPr id="5" name="Imagen 4"/>
-          <p:cNvPicPr>
-            <a:picLocks noChangeAspect="1"/>
-          </p:cNvPicPr>
-          <p:nvPr/>
-        </p:nvPicPr>
-        <p:blipFill>
-          <a:blip r:embed="rId2"/>
-          <a:stretch>
-            <a:fillRect/>
-          </a:stretch>
-        </p:blipFill>
-        <p:spPr>
-          <a:xfrm>
-            <a:off x="3103809" y="712745"/>
-            <a:ext cx="6722628" cy="5870391"/>
-          </a:xfrm>
-          <a:prstGeom prst="rect">
-            <a:avLst/>
-          </a:prstGeom>
-        </p:spPr>
-      </p:pic>
-    </p:spTree>
-    <p:extLst>
-      <p:ext uri="{BB962C8B-B14F-4D97-AF65-F5344CB8AC3E}">
-        <p14:creationId xmlns:p14="http://schemas.microsoft.com/office/powerpoint/2010/main" val="750256573"/>
-      </p:ext>
-    </p:extLst>
-  </p:cSld>
-  <p:clrMapOvr>
-    <a:masterClrMapping/>
-  </p:clrMapOvr>
-  <p:timing>
-    <p:tnLst>
-      <p:par>
-        <p:cTn id="1" dur="indefinite" restart="never" nodeType="tmRoot"/>
-      </p:par>
-    </p:tnLst>
-  </p:timing>
-</p:sld>
-</file>
-
-<file path=ppt/slides/slide6.xml><?xml version="1.0" encoding="utf-8"?>
 <p:sld xmlns:a="http://schemas.openxmlformats.org/drawingml/2006/main" xmlns:r="http://schemas.openxmlformats.org/officeDocument/2006/relationships" xmlns:p="http://schemas.openxmlformats.org/presentationml/2006/main">
   <p:cSld>
     <p:spTree>
@@ -4643,7 +6046,7 @@
 </p:sld>
 </file>
 
-<file path=ppt/slides/slide7.xml><?xml version="1.0" encoding="utf-8"?>
+<file path=ppt/slides/slide11.xml><?xml version="1.0" encoding="utf-8"?>
 <p:sld xmlns:a="http://schemas.openxmlformats.org/drawingml/2006/main" xmlns:r="http://schemas.openxmlformats.org/officeDocument/2006/relationships" xmlns:p="http://schemas.openxmlformats.org/presentationml/2006/main">
   <p:cSld>
     <p:spTree>
@@ -4693,7 +6096,12 @@
             <p:ph idx="1"/>
           </p:nvPr>
         </p:nvSpPr>
-        <p:spPr/>
+        <p:spPr>
+          <a:xfrm>
+            <a:off x="767486" y="1684071"/>
+            <a:ext cx="8596668" cy="3880773"/>
+          </a:xfrm>
+        </p:spPr>
         <p:txBody>
           <a:bodyPr/>
           <a:lstStyle/>
@@ -4739,7 +6147,23 @@
             </a:r>
             <a:r>
               <a:rPr lang="es-ES" dirty="0" smtClean="0"/>
-              <a:t>ARRIBA	IGUAL, pequeñas variaciones conectado o no.</a:t>
+              <a:t>ARRIBA	</a:t>
+            </a:r>
+            <a:r>
+              <a:rPr lang="es-ES" dirty="0" smtClean="0"/>
+              <a:t>IGUAL </a:t>
+            </a:r>
+            <a:r>
+              <a:rPr lang="es-ES" dirty="0" smtClean="0"/>
+              <a:t>pequeñas variaciones </a:t>
+            </a:r>
+            <a:r>
+              <a:rPr lang="es-ES" dirty="0" smtClean="0"/>
+              <a:t>conectado a usuario </a:t>
+            </a:r>
+            <a:r>
+              <a:rPr lang="es-ES" dirty="0" smtClean="0"/>
+              <a:t>o no.</a:t>
             </a:r>
           </a:p>
           <a:p>
@@ -4772,8 +6196,163 @@
             </a:pPr>
             <a:r>
               <a:rPr lang="es-ES" dirty="0" smtClean="0"/>
-              <a:t>	BAJO		IGUAL</a:t>
-            </a:r>
+              <a:t>	BAJO		</a:t>
+            </a:r>
+            <a:r>
+              <a:rPr lang="es-ES" dirty="0" smtClean="0"/>
+              <a:t>IGUAL en toda la web</a:t>
+            </a:r>
+            <a:endParaRPr lang="es-ES" dirty="0" smtClean="0"/>
+          </a:p>
+        </p:txBody>
+      </p:sp>
+      <p:pic>
+        <p:nvPicPr>
+          <p:cNvPr id="4" name="Imagen 3"/>
+          <p:cNvPicPr>
+            <a:picLocks noChangeAspect="1"/>
+          </p:cNvPicPr>
+          <p:nvPr/>
+        </p:nvPicPr>
+        <p:blipFill>
+          <a:blip r:embed="rId2" cstate="print">
+            <a:extLst>
+              <a:ext uri="{28A0092B-C50C-407E-A947-70E740481C1C}">
+                <a14:useLocalDpi xmlns:a14="http://schemas.microsoft.com/office/drawing/2010/main" val="0"/>
+              </a:ext>
+            </a:extLst>
+          </a:blip>
+          <a:stretch>
+            <a:fillRect/>
+          </a:stretch>
+        </p:blipFill>
+        <p:spPr>
+          <a:xfrm>
+            <a:off x="8905520" y="-17887"/>
+            <a:ext cx="3286480" cy="6858000"/>
+          </a:xfrm>
+          <a:prstGeom prst="rect">
+            <a:avLst/>
+          </a:prstGeom>
+        </p:spPr>
+      </p:pic>
+      <p:sp>
+        <p:nvSpPr>
+          <p:cNvPr id="5" name="Flecha arriba y abajo 4"/>
+          <p:cNvSpPr/>
+          <p:nvPr/>
+        </p:nvSpPr>
+        <p:spPr>
+          <a:xfrm>
+            <a:off x="8731876" y="0"/>
+            <a:ext cx="309093" cy="772732"/>
+          </a:xfrm>
+          <a:prstGeom prst="upDownArrow">
+            <a:avLst/>
+          </a:prstGeom>
+        </p:spPr>
+        <p:style>
+          <a:lnRef idx="2">
+            <a:schemeClr val="accent1">
+              <a:shade val="50000"/>
+            </a:schemeClr>
+          </a:lnRef>
+          <a:fillRef idx="1">
+            <a:schemeClr val="accent1"/>
+          </a:fillRef>
+          <a:effectRef idx="0">
+            <a:schemeClr val="accent1"/>
+          </a:effectRef>
+          <a:fontRef idx="minor">
+            <a:schemeClr val="lt1"/>
+          </a:fontRef>
+        </p:style>
+        <p:txBody>
+          <a:bodyPr rtlCol="0" anchor="ctr"/>
+          <a:lstStyle/>
+          <a:p>
+            <a:pPr algn="ctr"/>
+            <a:endParaRPr lang="es-ES"/>
+          </a:p>
+        </p:txBody>
+      </p:sp>
+      <p:sp>
+        <p:nvSpPr>
+          <p:cNvPr id="6" name="Flecha arriba y abajo 5"/>
+          <p:cNvSpPr/>
+          <p:nvPr/>
+        </p:nvSpPr>
+        <p:spPr>
+          <a:xfrm>
+            <a:off x="8731875" y="790619"/>
+            <a:ext cx="309093" cy="5409126"/>
+          </a:xfrm>
+          <a:prstGeom prst="upDownArrow">
+            <a:avLst/>
+          </a:prstGeom>
+        </p:spPr>
+        <p:style>
+          <a:lnRef idx="2">
+            <a:schemeClr val="accent1">
+              <a:shade val="50000"/>
+            </a:schemeClr>
+          </a:lnRef>
+          <a:fillRef idx="1">
+            <a:schemeClr val="accent1"/>
+          </a:fillRef>
+          <a:effectRef idx="0">
+            <a:schemeClr val="accent1"/>
+          </a:effectRef>
+          <a:fontRef idx="minor">
+            <a:schemeClr val="lt1"/>
+          </a:fontRef>
+        </p:style>
+        <p:txBody>
+          <a:bodyPr rtlCol="0" anchor="ctr"/>
+          <a:lstStyle/>
+          <a:p>
+            <a:pPr algn="ctr"/>
+            <a:endParaRPr lang="es-ES"/>
+          </a:p>
+        </p:txBody>
+      </p:sp>
+      <p:sp>
+        <p:nvSpPr>
+          <p:cNvPr id="7" name="Flecha arriba y abajo 6"/>
+          <p:cNvSpPr/>
+          <p:nvPr/>
+        </p:nvSpPr>
+        <p:spPr>
+          <a:xfrm>
+            <a:off x="8731875" y="6252949"/>
+            <a:ext cx="309092" cy="605051"/>
+          </a:xfrm>
+          <a:prstGeom prst="upDownArrow">
+            <a:avLst/>
+          </a:prstGeom>
+        </p:spPr>
+        <p:style>
+          <a:lnRef idx="2">
+            <a:schemeClr val="accent1">
+              <a:shade val="50000"/>
+            </a:schemeClr>
+          </a:lnRef>
+          <a:fillRef idx="1">
+            <a:schemeClr val="accent1"/>
+          </a:fillRef>
+          <a:effectRef idx="0">
+            <a:schemeClr val="accent1"/>
+          </a:effectRef>
+          <a:fontRef idx="minor">
+            <a:schemeClr val="lt1"/>
+          </a:fontRef>
+        </p:style>
+        <p:txBody>
+          <a:bodyPr rtlCol="0" anchor="ctr"/>
+          <a:lstStyle/>
+          <a:p>
+            <a:pPr algn="ctr"/>
+            <a:endParaRPr lang="es-ES"/>
           </a:p>
         </p:txBody>
       </p:sp>
@@ -4790,7 +6369,1090 @@
 </p:sld>
 </file>
 
-<file path=ppt/slides/slide8.xml><?xml version="1.0" encoding="utf-8"?>
+<file path=ppt/slides/slide12.xml><?xml version="1.0" encoding="utf-8"?>
+<p:sld xmlns:a="http://schemas.openxmlformats.org/drawingml/2006/main" xmlns:r="http://schemas.openxmlformats.org/officeDocument/2006/relationships" xmlns:p="http://schemas.openxmlformats.org/presentationml/2006/main">
+  <p:cSld>
+    <p:spTree>
+      <p:nvGrpSpPr>
+        <p:cNvPr id="1" name=""/>
+        <p:cNvGrpSpPr/>
+        <p:nvPr/>
+      </p:nvGrpSpPr>
+      <p:grpSpPr>
+        <a:xfrm>
+          <a:off x="0" y="0"/>
+          <a:ext cx="0" cy="0"/>
+          <a:chOff x="0" y="0"/>
+          <a:chExt cx="0" cy="0"/>
+        </a:xfrm>
+      </p:grpSpPr>
+      <p:sp>
+        <p:nvSpPr>
+          <p:cNvPr id="2" name="Título 1"/>
+          <p:cNvSpPr>
+            <a:spLocks noGrp="1"/>
+          </p:cNvSpPr>
+          <p:nvPr>
+            <p:ph type="title"/>
+          </p:nvPr>
+        </p:nvSpPr>
+        <p:spPr/>
+        <p:txBody>
+          <a:bodyPr/>
+          <a:lstStyle/>
+          <a:p>
+            <a:r>
+              <a:rPr lang="es-ES" dirty="0" err="1" smtClean="0"/>
+              <a:t>Cokies</a:t>
+            </a:r>
+            <a:r>
+              <a:rPr lang="es-ES" dirty="0" smtClean="0"/>
+              <a:t> usuarios ficheros y email</a:t>
+            </a:r>
+            <a:endParaRPr lang="es-ES" dirty="0"/>
+          </a:p>
+        </p:txBody>
+      </p:sp>
+      <p:sp>
+        <p:nvSpPr>
+          <p:cNvPr id="3" name="Marcador de contenido 2"/>
+          <p:cNvSpPr>
+            <a:spLocks noGrp="1"/>
+          </p:cNvSpPr>
+          <p:nvPr>
+            <p:ph idx="1"/>
+          </p:nvPr>
+        </p:nvSpPr>
+        <p:spPr/>
+        <p:txBody>
+          <a:bodyPr/>
+          <a:lstStyle/>
+          <a:p>
+            <a:endParaRPr lang="es-ES"/>
+          </a:p>
+        </p:txBody>
+      </p:sp>
+    </p:spTree>
+    <p:extLst>
+      <p:ext uri="{BB962C8B-B14F-4D97-AF65-F5344CB8AC3E}">
+        <p14:creationId xmlns:p14="http://schemas.microsoft.com/office/powerpoint/2010/main" val="2859217396"/>
+      </p:ext>
+    </p:extLst>
+  </p:cSld>
+  <p:clrMapOvr>
+    <a:masterClrMapping/>
+  </p:clrMapOvr>
+  <p:timing>
+    <p:tnLst>
+      <p:par>
+        <p:cTn id="1" dur="indefinite" restart="never" nodeType="tmRoot"/>
+      </p:par>
+    </p:tnLst>
+  </p:timing>
+</p:sld>
+</file>
+
+<file path=ppt/slides/slide13.xml><?xml version="1.0" encoding="utf-8"?>
+<p:sld xmlns:a="http://schemas.openxmlformats.org/drawingml/2006/main" xmlns:r="http://schemas.openxmlformats.org/officeDocument/2006/relationships" xmlns:p="http://schemas.openxmlformats.org/presentationml/2006/main">
+  <p:cSld>
+    <p:spTree>
+      <p:nvGrpSpPr>
+        <p:cNvPr id="1" name=""/>
+        <p:cNvGrpSpPr/>
+        <p:nvPr/>
+      </p:nvGrpSpPr>
+      <p:grpSpPr>
+        <a:xfrm>
+          <a:off x="0" y="0"/>
+          <a:ext cx="0" cy="0"/>
+          <a:chOff x="0" y="0"/>
+          <a:chExt cx="0" cy="0"/>
+        </a:xfrm>
+      </p:grpSpPr>
+      <p:sp>
+        <p:nvSpPr>
+          <p:cNvPr id="2" name="Título 1"/>
+          <p:cNvSpPr>
+            <a:spLocks noGrp="1"/>
+          </p:cNvSpPr>
+          <p:nvPr>
+            <p:ph type="title"/>
+          </p:nvPr>
+        </p:nvSpPr>
+        <p:spPr/>
+        <p:txBody>
+          <a:bodyPr/>
+          <a:lstStyle/>
+          <a:p>
+            <a:r>
+              <a:rPr lang="es-ES" dirty="0" smtClean="0"/>
+              <a:t>Modelo conectado vs desconectado</a:t>
+            </a:r>
+            <a:endParaRPr lang="es-ES" dirty="0"/>
+          </a:p>
+        </p:txBody>
+      </p:sp>
+      <p:sp>
+        <p:nvSpPr>
+          <p:cNvPr id="3" name="Marcador de contenido 2"/>
+          <p:cNvSpPr>
+            <a:spLocks noGrp="1"/>
+          </p:cNvSpPr>
+          <p:nvPr>
+            <p:ph idx="1"/>
+          </p:nvPr>
+        </p:nvSpPr>
+        <p:spPr/>
+        <p:txBody>
+          <a:bodyPr/>
+          <a:lstStyle/>
+          <a:p>
+            <a:endParaRPr lang="es-ES" dirty="0"/>
+          </a:p>
+        </p:txBody>
+      </p:sp>
+    </p:spTree>
+    <p:extLst>
+      <p:ext uri="{BB962C8B-B14F-4D97-AF65-F5344CB8AC3E}">
+        <p14:creationId xmlns:p14="http://schemas.microsoft.com/office/powerpoint/2010/main" val="3620501654"/>
+      </p:ext>
+    </p:extLst>
+  </p:cSld>
+  <p:clrMapOvr>
+    <a:masterClrMapping/>
+  </p:clrMapOvr>
+  <p:timing>
+    <p:tnLst>
+      <p:par>
+        <p:cTn id="1" dur="indefinite" restart="never" nodeType="tmRoot"/>
+      </p:par>
+    </p:tnLst>
+  </p:timing>
+</p:sld>
+</file>
+
+<file path=ppt/slides/slide14.xml><?xml version="1.0" encoding="utf-8"?>
+<p:sld xmlns:a="http://schemas.openxmlformats.org/drawingml/2006/main" xmlns:r="http://schemas.openxmlformats.org/officeDocument/2006/relationships" xmlns:p="http://schemas.openxmlformats.org/presentationml/2006/main">
+  <p:cSld>
+    <p:spTree>
+      <p:nvGrpSpPr>
+        <p:cNvPr id="1" name=""/>
+        <p:cNvGrpSpPr/>
+        <p:nvPr/>
+      </p:nvGrpSpPr>
+      <p:grpSpPr>
+        <a:xfrm>
+          <a:off x="0" y="0"/>
+          <a:ext cx="0" cy="0"/>
+          <a:chOff x="0" y="0"/>
+          <a:chExt cx="0" cy="0"/>
+        </a:xfrm>
+      </p:grpSpPr>
+      <p:sp>
+        <p:nvSpPr>
+          <p:cNvPr id="2" name="Título 1"/>
+          <p:cNvSpPr>
+            <a:spLocks noGrp="1"/>
+          </p:cNvSpPr>
+          <p:nvPr>
+            <p:ph type="title"/>
+          </p:nvPr>
+        </p:nvSpPr>
+        <p:spPr/>
+        <p:txBody>
+          <a:bodyPr/>
+          <a:lstStyle/>
+          <a:p>
+            <a:r>
+              <a:rPr lang="es-ES" dirty="0" smtClean="0"/>
+              <a:t>BD utilizada y gestión</a:t>
+            </a:r>
+            <a:endParaRPr lang="es-ES" dirty="0"/>
+          </a:p>
+        </p:txBody>
+      </p:sp>
+      <p:sp>
+        <p:nvSpPr>
+          <p:cNvPr id="3" name="Marcador de contenido 2"/>
+          <p:cNvSpPr>
+            <a:spLocks noGrp="1"/>
+          </p:cNvSpPr>
+          <p:nvPr>
+            <p:ph idx="1"/>
+          </p:nvPr>
+        </p:nvSpPr>
+        <p:spPr/>
+        <p:txBody>
+          <a:bodyPr/>
+          <a:lstStyle/>
+          <a:p>
+            <a:endParaRPr lang="es-ES"/>
+          </a:p>
+        </p:txBody>
+      </p:sp>
+    </p:spTree>
+    <p:extLst>
+      <p:ext uri="{BB962C8B-B14F-4D97-AF65-F5344CB8AC3E}">
+        <p14:creationId xmlns:p14="http://schemas.microsoft.com/office/powerpoint/2010/main" val="687670337"/>
+      </p:ext>
+    </p:extLst>
+  </p:cSld>
+  <p:clrMapOvr>
+    <a:masterClrMapping/>
+  </p:clrMapOvr>
+  <p:timing>
+    <p:tnLst>
+      <p:par>
+        <p:cTn id="1" dur="indefinite" restart="never" nodeType="tmRoot"/>
+      </p:par>
+    </p:tnLst>
+  </p:timing>
+</p:sld>
+</file>
+
+<file path=ppt/slides/slide15.xml><?xml version="1.0" encoding="utf-8"?>
+<p:sld xmlns:a="http://schemas.openxmlformats.org/drawingml/2006/main" xmlns:r="http://schemas.openxmlformats.org/officeDocument/2006/relationships" xmlns:p="http://schemas.openxmlformats.org/presentationml/2006/main">
+  <p:cSld>
+    <p:spTree>
+      <p:nvGrpSpPr>
+        <p:cNvPr id="1" name=""/>
+        <p:cNvGrpSpPr/>
+        <p:nvPr/>
+      </p:nvGrpSpPr>
+      <p:grpSpPr>
+        <a:xfrm>
+          <a:off x="0" y="0"/>
+          <a:ext cx="0" cy="0"/>
+          <a:chOff x="0" y="0"/>
+          <a:chExt cx="0" cy="0"/>
+        </a:xfrm>
+      </p:grpSpPr>
+      <p:sp>
+        <p:nvSpPr>
+          <p:cNvPr id="2" name="Título 1"/>
+          <p:cNvSpPr>
+            <a:spLocks noGrp="1"/>
+          </p:cNvSpPr>
+          <p:nvPr>
+            <p:ph type="title"/>
+          </p:nvPr>
+        </p:nvSpPr>
+        <p:spPr/>
+        <p:txBody>
+          <a:bodyPr/>
+          <a:lstStyle/>
+          <a:p>
+            <a:r>
+              <a:rPr lang="es-ES" dirty="0" smtClean="0"/>
+              <a:t>Problemas durante el desarrollo</a:t>
+            </a:r>
+            <a:endParaRPr lang="es-ES" dirty="0"/>
+          </a:p>
+        </p:txBody>
+      </p:sp>
+      <p:sp>
+        <p:nvSpPr>
+          <p:cNvPr id="3" name="Marcador de contenido 2"/>
+          <p:cNvSpPr>
+            <a:spLocks noGrp="1"/>
+          </p:cNvSpPr>
+          <p:nvPr>
+            <p:ph idx="1"/>
+          </p:nvPr>
+        </p:nvSpPr>
+        <p:spPr>
+          <a:xfrm>
+            <a:off x="838200" y="1580927"/>
+            <a:ext cx="10515600" cy="4351338"/>
+          </a:xfrm>
+        </p:spPr>
+        <p:txBody>
+          <a:bodyPr/>
+          <a:lstStyle/>
+          <a:p>
+            <a:pPr marL="0" indent="0">
+              <a:buNone/>
+            </a:pPr>
+            <a:r>
+              <a:rPr lang="es-ES" dirty="0" smtClean="0"/>
+              <a:t>Tecnologías aprendidas y problemas</a:t>
+            </a:r>
+          </a:p>
+          <a:p>
+            <a:pPr marL="0" indent="0">
+              <a:buNone/>
+            </a:pPr>
+            <a:endParaRPr lang="es-ES" dirty="0"/>
+          </a:p>
+        </p:txBody>
+      </p:sp>
+    </p:spTree>
+    <p:extLst>
+      <p:ext uri="{BB962C8B-B14F-4D97-AF65-F5344CB8AC3E}">
+        <p14:creationId xmlns:p14="http://schemas.microsoft.com/office/powerpoint/2010/main" val="3128840857"/>
+      </p:ext>
+    </p:extLst>
+  </p:cSld>
+  <p:clrMapOvr>
+    <a:masterClrMapping/>
+  </p:clrMapOvr>
+  <p:timing>
+    <p:tnLst>
+      <p:par>
+        <p:cTn id="1" dur="indefinite" restart="never" nodeType="tmRoot"/>
+      </p:par>
+    </p:tnLst>
+  </p:timing>
+</p:sld>
+</file>
+
+<file path=ppt/slides/slide16.xml><?xml version="1.0" encoding="utf-8"?>
+<p:sld xmlns:a="http://schemas.openxmlformats.org/drawingml/2006/main" xmlns:r="http://schemas.openxmlformats.org/officeDocument/2006/relationships" xmlns:p="http://schemas.openxmlformats.org/presentationml/2006/main">
+  <p:cSld>
+    <p:spTree>
+      <p:nvGrpSpPr>
+        <p:cNvPr id="1" name=""/>
+        <p:cNvGrpSpPr/>
+        <p:nvPr/>
+      </p:nvGrpSpPr>
+      <p:grpSpPr>
+        <a:xfrm>
+          <a:off x="0" y="0"/>
+          <a:ext cx="0" cy="0"/>
+          <a:chOff x="0" y="0"/>
+          <a:chExt cx="0" cy="0"/>
+        </a:xfrm>
+      </p:grpSpPr>
+      <p:sp>
+        <p:nvSpPr>
+          <p:cNvPr id="2" name="Título 1"/>
+          <p:cNvSpPr>
+            <a:spLocks noGrp="1"/>
+          </p:cNvSpPr>
+          <p:nvPr>
+            <p:ph type="title"/>
+          </p:nvPr>
+        </p:nvSpPr>
+        <p:spPr>
+          <a:xfrm>
+            <a:off x="0" y="0"/>
+            <a:ext cx="10515600" cy="1325563"/>
+          </a:xfrm>
+        </p:spPr>
+        <p:txBody>
+          <a:bodyPr/>
+          <a:lstStyle/>
+          <a:p>
+            <a:r>
+              <a:rPr lang="es-ES" dirty="0" smtClean="0"/>
+              <a:t>Control de versiones	</a:t>
+            </a:r>
+            <a:endParaRPr lang="es-ES" dirty="0"/>
+          </a:p>
+        </p:txBody>
+      </p:sp>
+      <p:pic>
+        <p:nvPicPr>
+          <p:cNvPr id="4" name="Marcador de contenido 3"/>
+          <p:cNvPicPr>
+            <a:picLocks noGrp="1" noChangeAspect="1"/>
+          </p:cNvPicPr>
+          <p:nvPr>
+            <p:ph idx="1"/>
+          </p:nvPr>
+        </p:nvPicPr>
+        <p:blipFill>
+          <a:blip r:embed="rId2"/>
+          <a:stretch>
+            <a:fillRect/>
+          </a:stretch>
+        </p:blipFill>
+        <p:spPr>
+          <a:xfrm>
+            <a:off x="1314718" y="1006011"/>
+            <a:ext cx="9200881" cy="5665006"/>
+          </a:xfrm>
+          <a:prstGeom prst="rect">
+            <a:avLst/>
+          </a:prstGeom>
+        </p:spPr>
+      </p:pic>
+    </p:spTree>
+    <p:extLst>
+      <p:ext uri="{BB962C8B-B14F-4D97-AF65-F5344CB8AC3E}">
+        <p14:creationId xmlns:p14="http://schemas.microsoft.com/office/powerpoint/2010/main" val="1766195255"/>
+      </p:ext>
+    </p:extLst>
+  </p:cSld>
+  <p:clrMapOvr>
+    <a:masterClrMapping/>
+  </p:clrMapOvr>
+  <p:timing>
+    <p:tnLst>
+      <p:par>
+        <p:cTn id="1" dur="indefinite" restart="never" nodeType="tmRoot"/>
+      </p:par>
+    </p:tnLst>
+  </p:timing>
+</p:sld>
+</file>
+
+<file path=ppt/slides/slide17.xml><?xml version="1.0" encoding="utf-8"?>
+<p:sld xmlns:a="http://schemas.openxmlformats.org/drawingml/2006/main" xmlns:r="http://schemas.openxmlformats.org/officeDocument/2006/relationships" xmlns:p="http://schemas.openxmlformats.org/presentationml/2006/main">
+  <p:cSld>
+    <p:spTree>
+      <p:nvGrpSpPr>
+        <p:cNvPr id="1" name=""/>
+        <p:cNvGrpSpPr/>
+        <p:nvPr/>
+      </p:nvGrpSpPr>
+      <p:grpSpPr>
+        <a:xfrm>
+          <a:off x="0" y="0"/>
+          <a:ext cx="0" cy="0"/>
+          <a:chOff x="0" y="0"/>
+          <a:chExt cx="0" cy="0"/>
+        </a:xfrm>
+      </p:grpSpPr>
+      <p:sp>
+        <p:nvSpPr>
+          <p:cNvPr id="2" name="Título 1"/>
+          <p:cNvSpPr>
+            <a:spLocks noGrp="1"/>
+          </p:cNvSpPr>
+          <p:nvPr>
+            <p:ph type="title"/>
+          </p:nvPr>
+        </p:nvSpPr>
+        <p:spPr/>
+        <p:txBody>
+          <a:bodyPr/>
+          <a:lstStyle/>
+          <a:p>
+            <a:r>
+              <a:rPr lang="es-ES" dirty="0" smtClean="0"/>
+              <a:t>Organización</a:t>
+            </a:r>
+            <a:endParaRPr lang="es-ES" dirty="0"/>
+          </a:p>
+        </p:txBody>
+      </p:sp>
+      <p:sp>
+        <p:nvSpPr>
+          <p:cNvPr id="3" name="Marcador de contenido 2"/>
+          <p:cNvSpPr>
+            <a:spLocks noGrp="1"/>
+          </p:cNvSpPr>
+          <p:nvPr>
+            <p:ph idx="1"/>
+          </p:nvPr>
+        </p:nvSpPr>
+        <p:spPr/>
+        <p:txBody>
+          <a:bodyPr/>
+          <a:lstStyle/>
+          <a:p>
+            <a:endParaRPr lang="es-ES"/>
+          </a:p>
+        </p:txBody>
+      </p:sp>
+    </p:spTree>
+    <p:extLst>
+      <p:ext uri="{BB962C8B-B14F-4D97-AF65-F5344CB8AC3E}">
+        <p14:creationId xmlns:p14="http://schemas.microsoft.com/office/powerpoint/2010/main" val="3271391345"/>
+      </p:ext>
+    </p:extLst>
+  </p:cSld>
+  <p:clrMapOvr>
+    <a:masterClrMapping/>
+  </p:clrMapOvr>
+  <p:timing>
+    <p:tnLst>
+      <p:par>
+        <p:cTn id="1" dur="indefinite" restart="never" nodeType="tmRoot"/>
+      </p:par>
+    </p:tnLst>
+  </p:timing>
+</p:sld>
+</file>
+
+<file path=ppt/slides/slide18.xml><?xml version="1.0" encoding="utf-8"?>
+<p:sld xmlns:a="http://schemas.openxmlformats.org/drawingml/2006/main" xmlns:r="http://schemas.openxmlformats.org/officeDocument/2006/relationships" xmlns:p="http://schemas.openxmlformats.org/presentationml/2006/main">
+  <p:cSld>
+    <p:spTree>
+      <p:nvGrpSpPr>
+        <p:cNvPr id="1" name=""/>
+        <p:cNvGrpSpPr/>
+        <p:nvPr/>
+      </p:nvGrpSpPr>
+      <p:grpSpPr>
+        <a:xfrm>
+          <a:off x="0" y="0"/>
+          <a:ext cx="0" cy="0"/>
+          <a:chOff x="0" y="0"/>
+          <a:chExt cx="0" cy="0"/>
+        </a:xfrm>
+      </p:grpSpPr>
+      <p:sp>
+        <p:nvSpPr>
+          <p:cNvPr id="2" name="Título 1"/>
+          <p:cNvSpPr>
+            <a:spLocks noGrp="1"/>
+          </p:cNvSpPr>
+          <p:nvPr>
+            <p:ph type="title"/>
+          </p:nvPr>
+        </p:nvSpPr>
+        <p:spPr/>
+        <p:txBody>
+          <a:bodyPr/>
+          <a:lstStyle/>
+          <a:p>
+            <a:r>
+              <a:rPr lang="es-ES" dirty="0" smtClean="0"/>
+              <a:t>EN </a:t>
+            </a:r>
+            <a:endParaRPr lang="es-ES" dirty="0"/>
+          </a:p>
+        </p:txBody>
+      </p:sp>
+      <p:sp>
+        <p:nvSpPr>
+          <p:cNvPr id="3" name="Marcador de contenido 2"/>
+          <p:cNvSpPr>
+            <a:spLocks noGrp="1"/>
+          </p:cNvSpPr>
+          <p:nvPr>
+            <p:ph idx="1"/>
+          </p:nvPr>
+        </p:nvSpPr>
+        <p:spPr/>
+        <p:txBody>
+          <a:bodyPr/>
+          <a:lstStyle/>
+          <a:p>
+            <a:endParaRPr lang="es-ES"/>
+          </a:p>
+        </p:txBody>
+      </p:sp>
+    </p:spTree>
+    <p:extLst>
+      <p:ext uri="{BB962C8B-B14F-4D97-AF65-F5344CB8AC3E}">
+        <p14:creationId xmlns:p14="http://schemas.microsoft.com/office/powerpoint/2010/main" val="1498136117"/>
+      </p:ext>
+    </p:extLst>
+  </p:cSld>
+  <p:clrMapOvr>
+    <a:masterClrMapping/>
+  </p:clrMapOvr>
+  <p:timing>
+    <p:tnLst>
+      <p:par>
+        <p:cTn id="1" dur="indefinite" restart="never" nodeType="tmRoot"/>
+      </p:par>
+    </p:tnLst>
+  </p:timing>
+</p:sld>
+</file>
+
+<file path=ppt/slides/slide19.xml><?xml version="1.0" encoding="utf-8"?>
+<p:sld xmlns:a="http://schemas.openxmlformats.org/drawingml/2006/main" xmlns:r="http://schemas.openxmlformats.org/officeDocument/2006/relationships" xmlns:p="http://schemas.openxmlformats.org/presentationml/2006/main">
+  <p:cSld>
+    <p:spTree>
+      <p:nvGrpSpPr>
+        <p:cNvPr id="1" name=""/>
+        <p:cNvGrpSpPr/>
+        <p:nvPr/>
+      </p:nvGrpSpPr>
+      <p:grpSpPr>
+        <a:xfrm>
+          <a:off x="0" y="0"/>
+          <a:ext cx="0" cy="0"/>
+          <a:chOff x="0" y="0"/>
+          <a:chExt cx="0" cy="0"/>
+        </a:xfrm>
+      </p:grpSpPr>
+      <p:sp>
+        <p:nvSpPr>
+          <p:cNvPr id="2" name="Título 1"/>
+          <p:cNvSpPr>
+            <a:spLocks noGrp="1"/>
+          </p:cNvSpPr>
+          <p:nvPr>
+            <p:ph type="title"/>
+          </p:nvPr>
+        </p:nvSpPr>
+        <p:spPr/>
+        <p:txBody>
+          <a:bodyPr/>
+          <a:lstStyle/>
+          <a:p>
+            <a:r>
+              <a:rPr lang="es-ES" dirty="0" smtClean="0"/>
+              <a:t>CAD</a:t>
+            </a:r>
+            <a:endParaRPr lang="es-ES" dirty="0"/>
+          </a:p>
+        </p:txBody>
+      </p:sp>
+      <p:sp>
+        <p:nvSpPr>
+          <p:cNvPr id="3" name="Marcador de contenido 2"/>
+          <p:cNvSpPr>
+            <a:spLocks noGrp="1"/>
+          </p:cNvSpPr>
+          <p:nvPr>
+            <p:ph idx="1"/>
+          </p:nvPr>
+        </p:nvSpPr>
+        <p:spPr/>
+        <p:txBody>
+          <a:bodyPr/>
+          <a:lstStyle/>
+          <a:p>
+            <a:endParaRPr lang="es-ES"/>
+          </a:p>
+        </p:txBody>
+      </p:sp>
+    </p:spTree>
+    <p:extLst>
+      <p:ext uri="{BB962C8B-B14F-4D97-AF65-F5344CB8AC3E}">
+        <p14:creationId xmlns:p14="http://schemas.microsoft.com/office/powerpoint/2010/main" val="3767493603"/>
+      </p:ext>
+    </p:extLst>
+  </p:cSld>
+  <p:clrMapOvr>
+    <a:masterClrMapping/>
+  </p:clrMapOvr>
+  <p:timing>
+    <p:tnLst>
+      <p:par>
+        <p:cTn id="1" dur="indefinite" restart="never" nodeType="tmRoot"/>
+      </p:par>
+    </p:tnLst>
+  </p:timing>
+</p:sld>
+</file>
+
+<file path=ppt/slides/slide2.xml><?xml version="1.0" encoding="utf-8"?>
+<p:sld xmlns:a="http://schemas.openxmlformats.org/drawingml/2006/main" xmlns:r="http://schemas.openxmlformats.org/officeDocument/2006/relationships" xmlns:p="http://schemas.openxmlformats.org/presentationml/2006/main">
+  <p:cSld>
+    <p:spTree>
+      <p:nvGrpSpPr>
+        <p:cNvPr id="1" name=""/>
+        <p:cNvGrpSpPr/>
+        <p:nvPr/>
+      </p:nvGrpSpPr>
+      <p:grpSpPr>
+        <a:xfrm>
+          <a:off x="0" y="0"/>
+          <a:ext cx="0" cy="0"/>
+          <a:chOff x="0" y="0"/>
+          <a:chExt cx="0" cy="0"/>
+        </a:xfrm>
+      </p:grpSpPr>
+      <p:sp>
+        <p:nvSpPr>
+          <p:cNvPr id="2" name="Título 1"/>
+          <p:cNvSpPr>
+            <a:spLocks noGrp="1"/>
+          </p:cNvSpPr>
+          <p:nvPr>
+            <p:ph type="title"/>
+          </p:nvPr>
+        </p:nvSpPr>
+        <p:spPr/>
+        <p:txBody>
+          <a:bodyPr/>
+          <a:lstStyle/>
+          <a:p>
+            <a:r>
+              <a:rPr lang="es-ES" dirty="0" smtClean="0"/>
+              <a:t>Presentación y equipo</a:t>
+            </a:r>
+            <a:endParaRPr lang="es-ES" dirty="0"/>
+          </a:p>
+        </p:txBody>
+      </p:sp>
+      <p:sp>
+        <p:nvSpPr>
+          <p:cNvPr id="3" name="Marcador de contenido 2"/>
+          <p:cNvSpPr>
+            <a:spLocks noGrp="1"/>
+          </p:cNvSpPr>
+          <p:nvPr>
+            <p:ph idx="1"/>
+          </p:nvPr>
+        </p:nvSpPr>
+        <p:spPr/>
+        <p:txBody>
+          <a:bodyPr/>
+          <a:lstStyle/>
+          <a:p>
+            <a:pPr marL="0" indent="0">
+              <a:buNone/>
+            </a:pPr>
+            <a:r>
+              <a:rPr lang="es-ES" dirty="0" smtClean="0"/>
+              <a:t>Integrantes:</a:t>
+            </a:r>
+          </a:p>
+          <a:p>
+            <a:pPr marL="0" indent="0">
+              <a:buNone/>
+            </a:pPr>
+            <a:r>
+              <a:rPr lang="es-ES" dirty="0"/>
+              <a:t>	</a:t>
+            </a:r>
+            <a:r>
+              <a:rPr lang="es-ES" dirty="0" smtClean="0"/>
+              <a:t>Jorge Espinosa </a:t>
+            </a:r>
+            <a:r>
+              <a:rPr lang="es-ES" dirty="0" err="1" smtClean="0"/>
+              <a:t>Campello</a:t>
+            </a:r>
+            <a:endParaRPr lang="es-ES" dirty="0"/>
+          </a:p>
+          <a:p>
+            <a:pPr marL="0" indent="0">
+              <a:buNone/>
+            </a:pPr>
+            <a:r>
+              <a:rPr lang="es-ES" dirty="0" smtClean="0"/>
+              <a:t>	</a:t>
+            </a:r>
+            <a:r>
+              <a:rPr lang="es-ES" dirty="0" err="1" smtClean="0"/>
+              <a:t>Cristobal</a:t>
+            </a:r>
+            <a:r>
+              <a:rPr lang="es-ES" dirty="0" smtClean="0"/>
+              <a:t> Jesús </a:t>
+            </a:r>
+            <a:r>
+              <a:rPr lang="es-ES" dirty="0" err="1" smtClean="0"/>
+              <a:t>Ganzalez</a:t>
+            </a:r>
+            <a:endParaRPr lang="es-ES" dirty="0" smtClean="0"/>
+          </a:p>
+          <a:p>
+            <a:pPr marL="0" indent="0">
+              <a:buNone/>
+            </a:pPr>
+            <a:r>
+              <a:rPr lang="es-ES" dirty="0" smtClean="0"/>
+              <a:t>	Jorge Segovia Tormo	</a:t>
+            </a:r>
+            <a:r>
+              <a:rPr lang="es-ES" dirty="0"/>
+              <a:t>	</a:t>
+            </a:r>
+            <a:endParaRPr lang="es-ES" dirty="0" smtClean="0"/>
+          </a:p>
+          <a:p>
+            <a:pPr marL="0" indent="0">
+              <a:buNone/>
+            </a:pPr>
+            <a:r>
+              <a:rPr lang="es-ES" dirty="0"/>
+              <a:t>	</a:t>
+            </a:r>
+            <a:r>
+              <a:rPr lang="es-ES" dirty="0" smtClean="0"/>
+              <a:t>Javier </a:t>
+            </a:r>
+            <a:r>
+              <a:rPr lang="es-ES" dirty="0" err="1" smtClean="0"/>
+              <a:t>Molpeceres</a:t>
+            </a:r>
+            <a:r>
+              <a:rPr lang="es-ES" dirty="0" smtClean="0"/>
+              <a:t> Gómez</a:t>
+            </a:r>
+          </a:p>
+          <a:p>
+            <a:pPr marL="0" indent="0">
+              <a:buNone/>
+            </a:pPr>
+            <a:r>
+              <a:rPr lang="es-ES" dirty="0"/>
+              <a:t>	</a:t>
+            </a:r>
+            <a:r>
+              <a:rPr lang="es-ES" dirty="0" err="1" smtClean="0"/>
+              <a:t>Jose</a:t>
+            </a:r>
+            <a:r>
+              <a:rPr lang="es-ES" dirty="0" smtClean="0"/>
+              <a:t> Carlos </a:t>
+            </a:r>
+            <a:r>
+              <a:rPr lang="es-ES" dirty="0" err="1" smtClean="0"/>
+              <a:t>Rabasco</a:t>
+            </a:r>
+            <a:endParaRPr lang="es-ES" dirty="0" smtClean="0"/>
+          </a:p>
+          <a:p>
+            <a:pPr marL="0" indent="0">
+              <a:buNone/>
+            </a:pPr>
+            <a:r>
+              <a:rPr lang="es-ES" dirty="0"/>
+              <a:t>	</a:t>
+            </a:r>
+            <a:r>
+              <a:rPr lang="es-ES" dirty="0" err="1" smtClean="0"/>
+              <a:t>Nèstor</a:t>
+            </a:r>
+            <a:endParaRPr lang="es-ES" dirty="0"/>
+          </a:p>
+        </p:txBody>
+      </p:sp>
+    </p:spTree>
+    <p:extLst>
+      <p:ext uri="{BB962C8B-B14F-4D97-AF65-F5344CB8AC3E}">
+        <p14:creationId xmlns:p14="http://schemas.microsoft.com/office/powerpoint/2010/main" val="3186988672"/>
+      </p:ext>
+    </p:extLst>
+  </p:cSld>
+  <p:clrMapOvr>
+    <a:masterClrMapping/>
+  </p:clrMapOvr>
+  <p:timing>
+    <p:tnLst>
+      <p:par>
+        <p:cTn id="1" dur="indefinite" restart="never" nodeType="tmRoot"/>
+      </p:par>
+    </p:tnLst>
+  </p:timing>
+</p:sld>
+</file>
+
+<file path=ppt/slides/slide20.xml><?xml version="1.0" encoding="utf-8"?>
+<p:sld xmlns:a="http://schemas.openxmlformats.org/drawingml/2006/main" xmlns:r="http://schemas.openxmlformats.org/officeDocument/2006/relationships" xmlns:p="http://schemas.openxmlformats.org/presentationml/2006/main">
+  <p:cSld>
+    <p:spTree>
+      <p:nvGrpSpPr>
+        <p:cNvPr id="1" name=""/>
+        <p:cNvGrpSpPr/>
+        <p:nvPr/>
+      </p:nvGrpSpPr>
+      <p:grpSpPr>
+        <a:xfrm>
+          <a:off x="0" y="0"/>
+          <a:ext cx="0" cy="0"/>
+          <a:chOff x="0" y="0"/>
+          <a:chExt cx="0" cy="0"/>
+        </a:xfrm>
+      </p:grpSpPr>
+      <p:sp>
+        <p:nvSpPr>
+          <p:cNvPr id="2" name="Título 1"/>
+          <p:cNvSpPr>
+            <a:spLocks noGrp="1"/>
+          </p:cNvSpPr>
+          <p:nvPr>
+            <p:ph type="title"/>
+          </p:nvPr>
+        </p:nvSpPr>
+        <p:spPr>
+          <a:xfrm>
+            <a:off x="838200" y="235375"/>
+            <a:ext cx="10515600" cy="1325563"/>
+          </a:xfrm>
+        </p:spPr>
+        <p:txBody>
+          <a:bodyPr/>
+          <a:lstStyle/>
+          <a:p>
+            <a:endParaRPr lang="es-ES" dirty="0"/>
+          </a:p>
+        </p:txBody>
+      </p:sp>
+      <p:sp>
+        <p:nvSpPr>
+          <p:cNvPr id="3" name="Marcador de contenido 2"/>
+          <p:cNvSpPr>
+            <a:spLocks noGrp="1"/>
+          </p:cNvSpPr>
+          <p:nvPr>
+            <p:ph idx="1"/>
+          </p:nvPr>
+        </p:nvSpPr>
+        <p:spPr/>
+        <p:txBody>
+          <a:bodyPr/>
+          <a:lstStyle/>
+          <a:p>
+            <a:endParaRPr lang="es-ES"/>
+          </a:p>
+        </p:txBody>
+      </p:sp>
+    </p:spTree>
+    <p:extLst>
+      <p:ext uri="{BB962C8B-B14F-4D97-AF65-F5344CB8AC3E}">
+        <p14:creationId xmlns:p14="http://schemas.microsoft.com/office/powerpoint/2010/main" val="3739853431"/>
+      </p:ext>
+    </p:extLst>
+  </p:cSld>
+  <p:clrMapOvr>
+    <a:masterClrMapping/>
+  </p:clrMapOvr>
+  <p:timing>
+    <p:tnLst>
+      <p:par>
+        <p:cTn id="1" dur="indefinite" restart="never" nodeType="tmRoot"/>
+      </p:par>
+    </p:tnLst>
+  </p:timing>
+</p:sld>
+</file>
+
+<file path=ppt/slides/slide3.xml><?xml version="1.0" encoding="utf-8"?>
+<p:sld xmlns:a="http://schemas.openxmlformats.org/drawingml/2006/main" xmlns:r="http://schemas.openxmlformats.org/officeDocument/2006/relationships" xmlns:p="http://schemas.openxmlformats.org/presentationml/2006/main">
+  <p:cSld>
+    <p:spTree>
+      <p:nvGrpSpPr>
+        <p:cNvPr id="1" name=""/>
+        <p:cNvGrpSpPr/>
+        <p:nvPr/>
+      </p:nvGrpSpPr>
+      <p:grpSpPr>
+        <a:xfrm>
+          <a:off x="0" y="0"/>
+          <a:ext cx="0" cy="0"/>
+          <a:chOff x="0" y="0"/>
+          <a:chExt cx="0" cy="0"/>
+        </a:xfrm>
+      </p:grpSpPr>
+      <p:sp>
+        <p:nvSpPr>
+          <p:cNvPr id="2" name="Título 1"/>
+          <p:cNvSpPr>
+            <a:spLocks noGrp="1"/>
+          </p:cNvSpPr>
+          <p:nvPr>
+            <p:ph type="title"/>
+          </p:nvPr>
+        </p:nvSpPr>
+        <p:spPr/>
+        <p:txBody>
+          <a:bodyPr/>
+          <a:lstStyle/>
+          <a:p>
+            <a:r>
+              <a:rPr lang="es-ES" dirty="0" smtClean="0"/>
+              <a:t>Introducción</a:t>
+            </a:r>
+            <a:endParaRPr lang="es-ES" dirty="0"/>
+          </a:p>
+        </p:txBody>
+      </p:sp>
+      <p:sp>
+        <p:nvSpPr>
+          <p:cNvPr id="3" name="Marcador de contenido 2"/>
+          <p:cNvSpPr>
+            <a:spLocks noGrp="1"/>
+          </p:cNvSpPr>
+          <p:nvPr>
+            <p:ph idx="1"/>
+          </p:nvPr>
+        </p:nvSpPr>
+        <p:spPr>
+          <a:xfrm>
+            <a:off x="677334" y="1930400"/>
+            <a:ext cx="8596668" cy="3880773"/>
+          </a:xfrm>
+        </p:spPr>
+        <p:txBody>
+          <a:bodyPr/>
+          <a:lstStyle/>
+          <a:p>
+            <a:pPr marL="0" indent="0">
+              <a:buNone/>
+            </a:pPr>
+            <a:r>
+              <a:rPr lang="es-ES" sz="2400" dirty="0" smtClean="0"/>
+              <a:t>Aplicación web de venta de </a:t>
+            </a:r>
+            <a:r>
+              <a:rPr lang="es-ES" sz="2400" dirty="0" smtClean="0"/>
+              <a:t>vehículos. Clasificándolos según su categoría o características.</a:t>
+            </a:r>
+          </a:p>
+          <a:p>
+            <a:pPr marL="0" indent="0">
+              <a:buNone/>
+            </a:pPr>
+            <a:endParaRPr lang="es-ES" sz="2400" dirty="0" smtClean="0"/>
+          </a:p>
+          <a:p>
+            <a:pPr marL="0" indent="0">
+              <a:buNone/>
+            </a:pPr>
+            <a:endParaRPr lang="es-ES" sz="2400" dirty="0"/>
+          </a:p>
+          <a:p>
+            <a:pPr marL="0" indent="0">
+              <a:buNone/>
+            </a:pPr>
+            <a:r>
+              <a:rPr lang="es-ES" sz="2400" dirty="0" smtClean="0"/>
+              <a:t>Interfaz amigable y sencilla.</a:t>
+            </a:r>
+          </a:p>
+          <a:p>
+            <a:pPr marL="0" indent="0">
+              <a:buNone/>
+            </a:pPr>
+            <a:endParaRPr lang="es-ES" sz="2400" dirty="0" smtClean="0"/>
+          </a:p>
+          <a:p>
+            <a:pPr marL="0" indent="0">
+              <a:buNone/>
+            </a:pPr>
+            <a:endParaRPr lang="es-ES" sz="2400" dirty="0"/>
+          </a:p>
+          <a:p>
+            <a:pPr marL="0" indent="0">
+              <a:buNone/>
+            </a:pPr>
+            <a:r>
+              <a:rPr lang="es-ES" sz="2400" dirty="0" smtClean="0"/>
+              <a:t>Adaptable a distintos tamaños de pantalla(CSS %)</a:t>
+            </a:r>
+          </a:p>
+          <a:p>
+            <a:pPr marL="0" indent="0">
+              <a:buNone/>
+            </a:pPr>
+            <a:endParaRPr lang="es-ES" dirty="0"/>
+          </a:p>
+        </p:txBody>
+      </p:sp>
+    </p:spTree>
+    <p:extLst>
+      <p:ext uri="{BB962C8B-B14F-4D97-AF65-F5344CB8AC3E}">
+        <p14:creationId xmlns:p14="http://schemas.microsoft.com/office/powerpoint/2010/main" val="3473832777"/>
+      </p:ext>
+    </p:extLst>
+  </p:cSld>
+  <p:clrMapOvr>
+    <a:masterClrMapping/>
+  </p:clrMapOvr>
+  <p:timing>
+    <p:tnLst>
+      <p:par>
+        <p:cTn id="1" dur="indefinite" restart="never" nodeType="tmRoot"/>
+      </p:par>
+    </p:tnLst>
+  </p:timing>
+</p:sld>
+</file>
+
+<file path=ppt/slides/slide4.xml><?xml version="1.0" encoding="utf-8"?>
 <p:sld xmlns:a="http://schemas.openxmlformats.org/drawingml/2006/main" xmlns:r="http://schemas.openxmlformats.org/officeDocument/2006/relationships" xmlns:p="http://schemas.openxmlformats.org/presentationml/2006/main">
   <p:cSld>
     <p:spTree>
@@ -4907,7 +7569,569 @@
     </p:spTree>
     <p:extLst>
       <p:ext uri="{BB962C8B-B14F-4D97-AF65-F5344CB8AC3E}">
-        <p14:creationId xmlns:p14="http://schemas.microsoft.com/office/powerpoint/2010/main" val="2945249058"/>
+        <p14:creationId xmlns:p14="http://schemas.microsoft.com/office/powerpoint/2010/main" val="4029587184"/>
+      </p:ext>
+    </p:extLst>
+  </p:cSld>
+  <p:clrMapOvr>
+    <a:masterClrMapping/>
+  </p:clrMapOvr>
+  <p:timing>
+    <p:tnLst>
+      <p:par>
+        <p:cTn id="1" dur="indefinite" restart="never" nodeType="tmRoot"/>
+      </p:par>
+    </p:tnLst>
+  </p:timing>
+</p:sld>
+</file>
+
+<file path=ppt/slides/slide5.xml><?xml version="1.0" encoding="utf-8"?>
+<p:sld xmlns:a="http://schemas.openxmlformats.org/drawingml/2006/main" xmlns:r="http://schemas.openxmlformats.org/officeDocument/2006/relationships" xmlns:p="http://schemas.openxmlformats.org/presentationml/2006/main">
+  <p:cSld>
+    <p:spTree>
+      <p:nvGrpSpPr>
+        <p:cNvPr id="1" name=""/>
+        <p:cNvGrpSpPr/>
+        <p:nvPr/>
+      </p:nvGrpSpPr>
+      <p:grpSpPr>
+        <a:xfrm>
+          <a:off x="0" y="0"/>
+          <a:ext cx="0" cy="0"/>
+          <a:chOff x="0" y="0"/>
+          <a:chExt cx="0" cy="0"/>
+        </a:xfrm>
+      </p:grpSpPr>
+      <p:sp>
+        <p:nvSpPr>
+          <p:cNvPr id="2" name="Título 1"/>
+          <p:cNvSpPr>
+            <a:spLocks noGrp="1"/>
+          </p:cNvSpPr>
+          <p:nvPr>
+            <p:ph type="title"/>
+          </p:nvPr>
+        </p:nvSpPr>
+        <p:spPr>
+          <a:xfrm>
+            <a:off x="168498" y="133305"/>
+            <a:ext cx="10515600" cy="1325563"/>
+          </a:xfrm>
+        </p:spPr>
+        <p:txBody>
+          <a:bodyPr/>
+          <a:lstStyle/>
+          <a:p>
+            <a:r>
+              <a:rPr lang="es-ES" dirty="0" smtClean="0"/>
+              <a:t>LOGIN</a:t>
+            </a:r>
+            <a:endParaRPr lang="es-ES" dirty="0"/>
+          </a:p>
+        </p:txBody>
+      </p:sp>
+      <p:pic>
+        <p:nvPicPr>
+          <p:cNvPr id="4" name="Marcador de contenido 3"/>
+          <p:cNvPicPr>
+            <a:picLocks noGrp="1" noChangeAspect="1"/>
+          </p:cNvPicPr>
+          <p:nvPr>
+            <p:ph idx="1"/>
+          </p:nvPr>
+        </p:nvPicPr>
+        <p:blipFill rotWithShape="1">
+          <a:blip r:embed="rId2">
+            <a:extLst>
+              <a:ext uri="{28A0092B-C50C-407E-A947-70E740481C1C}">
+                <a14:useLocalDpi xmlns:a14="http://schemas.microsoft.com/office/drawing/2010/main" val="0"/>
+              </a:ext>
+            </a:extLst>
+          </a:blip>
+          <a:srcRect l="8311" r="10058"/>
+          <a:stretch/>
+        </p:blipFill>
+        <p:spPr>
+          <a:xfrm>
+            <a:off x="2588654" y="927279"/>
+            <a:ext cx="8165205" cy="5249684"/>
+          </a:xfrm>
+        </p:spPr>
+      </p:pic>
+      <p:sp>
+        <p:nvSpPr>
+          <p:cNvPr id="5" name="Abrir llave 4"/>
+          <p:cNvSpPr/>
+          <p:nvPr/>
+        </p:nvSpPr>
+        <p:spPr>
+          <a:xfrm>
+            <a:off x="1948511" y="1309586"/>
+            <a:ext cx="468000" cy="2063795"/>
+          </a:xfrm>
+          <a:prstGeom prst="leftBrace">
+            <a:avLst/>
+          </a:prstGeom>
+        </p:spPr>
+        <p:style>
+          <a:lnRef idx="3">
+            <a:schemeClr val="dk1"/>
+          </a:lnRef>
+          <a:fillRef idx="0">
+            <a:schemeClr val="dk1"/>
+          </a:fillRef>
+          <a:effectRef idx="2">
+            <a:schemeClr val="dk1"/>
+          </a:effectRef>
+          <a:fontRef idx="minor">
+            <a:schemeClr val="tx1"/>
+          </a:fontRef>
+        </p:style>
+        <p:txBody>
+          <a:bodyPr rtlCol="0" anchor="ctr"/>
+          <a:lstStyle/>
+          <a:p>
+            <a:pPr algn="ctr"/>
+            <a:endParaRPr lang="es-ES" sz="4000" dirty="0">
+              <a:ln w="0"/>
+              <a:effectLst>
+                <a:outerShdw blurRad="38100" dist="19050" dir="2700000" algn="tl" rotWithShape="0">
+                  <a:schemeClr val="dk1">
+                    <a:alpha val="40000"/>
+                  </a:schemeClr>
+                </a:outerShdw>
+              </a:effectLst>
+            </a:endParaRPr>
+          </a:p>
+        </p:txBody>
+      </p:sp>
+      <p:sp>
+        <p:nvSpPr>
+          <p:cNvPr id="6" name="Abrir llave 5"/>
+          <p:cNvSpPr/>
+          <p:nvPr/>
+        </p:nvSpPr>
+        <p:spPr>
+          <a:xfrm>
+            <a:off x="2146054" y="4792350"/>
+            <a:ext cx="468000" cy="1384613"/>
+          </a:xfrm>
+          <a:prstGeom prst="leftBrace">
+            <a:avLst/>
+          </a:prstGeom>
+        </p:spPr>
+        <p:style>
+          <a:lnRef idx="3">
+            <a:schemeClr val="dk1"/>
+          </a:lnRef>
+          <a:fillRef idx="0">
+            <a:schemeClr val="dk1"/>
+          </a:fillRef>
+          <a:effectRef idx="2">
+            <a:schemeClr val="dk1"/>
+          </a:effectRef>
+          <a:fontRef idx="minor">
+            <a:schemeClr val="tx1"/>
+          </a:fontRef>
+        </p:style>
+        <p:txBody>
+          <a:bodyPr rtlCol="0" anchor="ctr"/>
+          <a:lstStyle/>
+          <a:p>
+            <a:pPr algn="ctr"/>
+            <a:endParaRPr lang="es-ES" sz="4000" dirty="0">
+              <a:ln w="0"/>
+              <a:effectLst>
+                <a:outerShdw blurRad="38100" dist="19050" dir="2700000" algn="tl" rotWithShape="0">
+                  <a:schemeClr val="dk1">
+                    <a:alpha val="40000"/>
+                  </a:schemeClr>
+                </a:outerShdw>
+              </a:effectLst>
+            </a:endParaRPr>
+          </a:p>
+        </p:txBody>
+      </p:sp>
+      <p:sp>
+        <p:nvSpPr>
+          <p:cNvPr id="7" name="CuadroTexto 6"/>
+          <p:cNvSpPr txBox="1"/>
+          <p:nvPr/>
+        </p:nvSpPr>
+        <p:spPr>
+          <a:xfrm rot="16200000">
+            <a:off x="-285295" y="3799992"/>
+            <a:ext cx="3286349" cy="369332"/>
+          </a:xfrm>
+          <a:prstGeom prst="rect">
+            <a:avLst/>
+          </a:prstGeom>
+          <a:noFill/>
+        </p:spPr>
+        <p:txBody>
+          <a:bodyPr wrap="none" rtlCol="0">
+            <a:spAutoFit/>
+          </a:bodyPr>
+          <a:lstStyle/>
+          <a:p>
+            <a:r>
+              <a:rPr lang="es-ES" dirty="0" smtClean="0"/>
+              <a:t>PARTE COMUN DE DEFAULT.ASPX</a:t>
+            </a:r>
+            <a:endParaRPr lang="es-ES" dirty="0"/>
+          </a:p>
+        </p:txBody>
+      </p:sp>
+    </p:spTree>
+    <p:extLst>
+      <p:ext uri="{BB962C8B-B14F-4D97-AF65-F5344CB8AC3E}">
+        <p14:creationId xmlns:p14="http://schemas.microsoft.com/office/powerpoint/2010/main" val="2855162375"/>
+      </p:ext>
+    </p:extLst>
+  </p:cSld>
+  <p:clrMapOvr>
+    <a:masterClrMapping/>
+  </p:clrMapOvr>
+</p:sld>
+</file>
+
+<file path=ppt/slides/slide6.xml><?xml version="1.0" encoding="utf-8"?>
+<p:sld xmlns:a="http://schemas.openxmlformats.org/drawingml/2006/main" xmlns:r="http://schemas.openxmlformats.org/officeDocument/2006/relationships" xmlns:p="http://schemas.openxmlformats.org/presentationml/2006/main">
+  <p:cSld>
+    <p:spTree>
+      <p:nvGrpSpPr>
+        <p:cNvPr id="1" name=""/>
+        <p:cNvGrpSpPr/>
+        <p:nvPr/>
+      </p:nvGrpSpPr>
+      <p:grpSpPr>
+        <a:xfrm>
+          <a:off x="0" y="0"/>
+          <a:ext cx="0" cy="0"/>
+          <a:chOff x="0" y="0"/>
+          <a:chExt cx="0" cy="0"/>
+        </a:xfrm>
+      </p:grpSpPr>
+      <p:sp>
+        <p:nvSpPr>
+          <p:cNvPr id="2" name="Título 1"/>
+          <p:cNvSpPr>
+            <a:spLocks noGrp="1"/>
+          </p:cNvSpPr>
+          <p:nvPr>
+            <p:ph type="title"/>
+          </p:nvPr>
+        </p:nvSpPr>
+        <p:spPr/>
+        <p:txBody>
+          <a:bodyPr/>
+          <a:lstStyle/>
+          <a:p>
+            <a:r>
+              <a:rPr lang="es-ES" dirty="0" smtClean="0"/>
+              <a:t>Registro</a:t>
+            </a:r>
+            <a:endParaRPr lang="es-ES" dirty="0"/>
+          </a:p>
+        </p:txBody>
+      </p:sp>
+      <p:pic>
+        <p:nvPicPr>
+          <p:cNvPr id="5" name="Imagen 4"/>
+          <p:cNvPicPr>
+            <a:picLocks noChangeAspect="1"/>
+          </p:cNvPicPr>
+          <p:nvPr/>
+        </p:nvPicPr>
+        <p:blipFill>
+          <a:blip r:embed="rId2">
+            <a:extLst>
+              <a:ext uri="{28A0092B-C50C-407E-A947-70E740481C1C}">
+                <a14:useLocalDpi xmlns:a14="http://schemas.microsoft.com/office/drawing/2010/main" val="0"/>
+              </a:ext>
+            </a:extLst>
+          </a:blip>
+          <a:stretch>
+            <a:fillRect/>
+          </a:stretch>
+        </p:blipFill>
+        <p:spPr>
+          <a:xfrm>
+            <a:off x="2837660" y="0"/>
+            <a:ext cx="9354340" cy="6858000"/>
+          </a:xfrm>
+          <a:prstGeom prst="rect">
+            <a:avLst/>
+          </a:prstGeom>
+        </p:spPr>
+      </p:pic>
+    </p:spTree>
+    <p:extLst>
+      <p:ext uri="{BB962C8B-B14F-4D97-AF65-F5344CB8AC3E}">
+        <p14:creationId xmlns:p14="http://schemas.microsoft.com/office/powerpoint/2010/main" val="1492954543"/>
+      </p:ext>
+    </p:extLst>
+  </p:cSld>
+  <p:clrMapOvr>
+    <a:masterClrMapping/>
+  </p:clrMapOvr>
+</p:sld>
+</file>
+
+<file path=ppt/slides/slide7.xml><?xml version="1.0" encoding="utf-8"?>
+<p:sld xmlns:a="http://schemas.openxmlformats.org/drawingml/2006/main" xmlns:r="http://schemas.openxmlformats.org/officeDocument/2006/relationships" xmlns:p="http://schemas.openxmlformats.org/presentationml/2006/main">
+  <p:cSld>
+    <p:spTree>
+      <p:nvGrpSpPr>
+        <p:cNvPr id="1" name=""/>
+        <p:cNvGrpSpPr/>
+        <p:nvPr/>
+      </p:nvGrpSpPr>
+      <p:grpSpPr>
+        <a:xfrm>
+          <a:off x="0" y="0"/>
+          <a:ext cx="0" cy="0"/>
+          <a:chOff x="0" y="0"/>
+          <a:chExt cx="0" cy="0"/>
+        </a:xfrm>
+      </p:grpSpPr>
+      <p:sp>
+        <p:nvSpPr>
+          <p:cNvPr id="2" name="Título 1"/>
+          <p:cNvSpPr>
+            <a:spLocks noGrp="1"/>
+          </p:cNvSpPr>
+          <p:nvPr>
+            <p:ph type="title"/>
+          </p:nvPr>
+        </p:nvSpPr>
+        <p:spPr>
+          <a:xfrm>
+            <a:off x="0" y="0"/>
+            <a:ext cx="10515600" cy="1325563"/>
+          </a:xfrm>
+        </p:spPr>
+        <p:txBody>
+          <a:bodyPr/>
+          <a:lstStyle/>
+          <a:p>
+            <a:r>
+              <a:rPr lang="es-ES" dirty="0" smtClean="0"/>
+              <a:t>Producto en Detalle</a:t>
+            </a:r>
+            <a:endParaRPr lang="es-ES" dirty="0"/>
+          </a:p>
+        </p:txBody>
+      </p:sp>
+      <p:pic>
+        <p:nvPicPr>
+          <p:cNvPr id="4" name="Marcador de contenido 3"/>
+          <p:cNvPicPr>
+            <a:picLocks noGrp="1" noChangeAspect="1"/>
+          </p:cNvPicPr>
+          <p:nvPr>
+            <p:ph idx="1"/>
+          </p:nvPr>
+        </p:nvPicPr>
+        <p:blipFill rotWithShape="1">
+          <a:blip r:embed="rId2" cstate="print">
+            <a:extLst>
+              <a:ext uri="{28A0092B-C50C-407E-A947-70E740481C1C}">
+                <a14:useLocalDpi xmlns:a14="http://schemas.microsoft.com/office/drawing/2010/main" val="0"/>
+              </a:ext>
+            </a:extLst>
+          </a:blip>
+          <a:srcRect l="8724" t="29479" r="6938" b="14577"/>
+          <a:stretch/>
+        </p:blipFill>
+        <p:spPr>
+          <a:xfrm>
+            <a:off x="-180306" y="1325563"/>
+            <a:ext cx="9234153" cy="5612240"/>
+          </a:xfrm>
+        </p:spPr>
+      </p:pic>
+    </p:spTree>
+    <p:extLst>
+      <p:ext uri="{BB962C8B-B14F-4D97-AF65-F5344CB8AC3E}">
+        <p14:creationId xmlns:p14="http://schemas.microsoft.com/office/powerpoint/2010/main" val="2385054245"/>
+      </p:ext>
+    </p:extLst>
+  </p:cSld>
+  <p:clrMapOvr>
+    <a:masterClrMapping/>
+  </p:clrMapOvr>
+</p:sld>
+</file>
+
+<file path=ppt/slides/slide8.xml><?xml version="1.0" encoding="utf-8"?>
+<p:sld xmlns:a="http://schemas.openxmlformats.org/drawingml/2006/main" xmlns:r="http://schemas.openxmlformats.org/officeDocument/2006/relationships" xmlns:p="http://schemas.openxmlformats.org/presentationml/2006/main">
+  <p:cSld>
+    <p:spTree>
+      <p:nvGrpSpPr>
+        <p:cNvPr id="1" name=""/>
+        <p:cNvGrpSpPr/>
+        <p:nvPr/>
+      </p:nvGrpSpPr>
+      <p:grpSpPr>
+        <a:xfrm>
+          <a:off x="0" y="0"/>
+          <a:ext cx="0" cy="0"/>
+          <a:chOff x="0" y="0"/>
+          <a:chExt cx="0" cy="0"/>
+        </a:xfrm>
+      </p:grpSpPr>
+      <p:sp>
+        <p:nvSpPr>
+          <p:cNvPr id="2" name="Título 1"/>
+          <p:cNvSpPr>
+            <a:spLocks noGrp="1"/>
+          </p:cNvSpPr>
+          <p:nvPr>
+            <p:ph type="title"/>
+          </p:nvPr>
+        </p:nvSpPr>
+        <p:spPr>
+          <a:xfrm>
+            <a:off x="838200" y="268332"/>
+            <a:ext cx="10515600" cy="1325563"/>
+          </a:xfrm>
+        </p:spPr>
+        <p:txBody>
+          <a:bodyPr/>
+          <a:lstStyle/>
+          <a:p>
+            <a:r>
+              <a:rPr lang="es-ES" dirty="0" smtClean="0"/>
+              <a:t>Herramientas y lenguajes</a:t>
+            </a:r>
+            <a:endParaRPr lang="es-ES" dirty="0"/>
+          </a:p>
+        </p:txBody>
+      </p:sp>
+      <p:sp>
+        <p:nvSpPr>
+          <p:cNvPr id="3" name="Marcador de contenido 2"/>
+          <p:cNvSpPr>
+            <a:spLocks noGrp="1"/>
+          </p:cNvSpPr>
+          <p:nvPr>
+            <p:ph idx="1"/>
+          </p:nvPr>
+        </p:nvSpPr>
+        <p:spPr>
+          <a:xfrm>
+            <a:off x="838200" y="2096171"/>
+            <a:ext cx="4841383" cy="3905383"/>
+          </a:xfrm>
+        </p:spPr>
+        <p:txBody>
+          <a:bodyPr>
+            <a:normAutofit/>
+          </a:bodyPr>
+          <a:lstStyle/>
+          <a:p>
+            <a:pPr marL="0" indent="0">
+              <a:buNone/>
+            </a:pPr>
+            <a:r>
+              <a:rPr lang="es-ES" dirty="0" smtClean="0"/>
+              <a:t>Visual Studio 2012 </a:t>
+            </a:r>
+            <a:endParaRPr lang="es-ES" dirty="0" smtClean="0"/>
+          </a:p>
+          <a:p>
+            <a:pPr marL="0" indent="0">
+              <a:buNone/>
+            </a:pPr>
+            <a:endParaRPr lang="es-ES" dirty="0" smtClean="0"/>
+          </a:p>
+          <a:p>
+            <a:pPr marL="0" indent="0">
+              <a:buNone/>
+            </a:pPr>
+            <a:endParaRPr lang="es-ES" dirty="0" smtClean="0"/>
+          </a:p>
+          <a:p>
+            <a:pPr marL="0" indent="0">
+              <a:buNone/>
+            </a:pPr>
+            <a:r>
+              <a:rPr lang="es-ES" dirty="0" smtClean="0"/>
+              <a:t>Framework </a:t>
+            </a:r>
+            <a:r>
+              <a:rPr lang="es-ES" dirty="0" err="1" smtClean="0"/>
+              <a:t>.Net</a:t>
+            </a:r>
+            <a:r>
+              <a:rPr lang="es-ES" dirty="0" smtClean="0"/>
+              <a:t>  C# </a:t>
+            </a:r>
+            <a:r>
+              <a:rPr lang="es-ES" dirty="0" err="1" smtClean="0"/>
+              <a:t>ASP.Net</a:t>
+            </a:r>
+            <a:endParaRPr lang="es-ES" dirty="0" smtClean="0"/>
+          </a:p>
+          <a:p>
+            <a:pPr marL="0" indent="0">
+              <a:buNone/>
+            </a:pPr>
+            <a:endParaRPr lang="es-ES" dirty="0"/>
+          </a:p>
+          <a:p>
+            <a:pPr marL="0" indent="0">
+              <a:buNone/>
+            </a:pPr>
+            <a:endParaRPr lang="es-ES" dirty="0" smtClean="0"/>
+          </a:p>
+          <a:p>
+            <a:pPr marL="0" indent="0">
+              <a:buNone/>
+            </a:pPr>
+            <a:r>
+              <a:rPr lang="es-ES" dirty="0" smtClean="0"/>
+              <a:t>SQL Server 2012</a:t>
+            </a:r>
+            <a:endParaRPr lang="es-ES" dirty="0" smtClean="0"/>
+          </a:p>
+          <a:p>
+            <a:pPr marL="0" indent="0">
+              <a:buNone/>
+            </a:pPr>
+            <a:endParaRPr lang="es-ES" dirty="0"/>
+          </a:p>
+        </p:txBody>
+      </p:sp>
+      <p:pic>
+        <p:nvPicPr>
+          <p:cNvPr id="4" name="Imagen 3"/>
+          <p:cNvPicPr>
+            <a:picLocks noChangeAspect="1"/>
+          </p:cNvPicPr>
+          <p:nvPr/>
+        </p:nvPicPr>
+        <p:blipFill rotWithShape="1">
+          <a:blip r:embed="rId2"/>
+          <a:srcRect l="33338" t="11223" r="33305" b="11489"/>
+          <a:stretch/>
+        </p:blipFill>
+        <p:spPr>
+          <a:xfrm>
+            <a:off x="7490138" y="532550"/>
+            <a:ext cx="4340181" cy="5653826"/>
+          </a:xfrm>
+          <a:prstGeom prst="rect">
+            <a:avLst/>
+          </a:prstGeom>
+        </p:spPr>
+      </p:pic>
+    </p:spTree>
+    <p:extLst>
+      <p:ext uri="{BB962C8B-B14F-4D97-AF65-F5344CB8AC3E}">
+        <p14:creationId xmlns:p14="http://schemas.microsoft.com/office/powerpoint/2010/main" val="4228148034"/>
       </p:ext>
     </p:extLst>
   </p:cSld>
@@ -4951,19 +8175,14 @@
             <p:ph type="title"/>
           </p:nvPr>
         </p:nvSpPr>
-        <p:spPr>
-          <a:xfrm>
-            <a:off x="168498" y="133305"/>
-            <a:ext cx="10515600" cy="1325563"/>
-          </a:xfrm>
-        </p:spPr>
+        <p:spPr/>
         <p:txBody>
           <a:bodyPr/>
           <a:lstStyle/>
           <a:p>
             <a:r>
               <a:rPr lang="es-ES" dirty="0" smtClean="0"/>
-              <a:t>LOGIN</a:t>
+              <a:t>Modelo de capas	</a:t>
             </a:r>
             <a:endParaRPr lang="es-ES" dirty="0"/>
           </a:p>
@@ -4971,173 +8190,52 @@
       </p:sp>
       <p:pic>
         <p:nvPicPr>
-          <p:cNvPr id="4" name="Marcador de contenido 3"/>
+          <p:cNvPr id="5" name="Imagen 4"/>
           <p:cNvPicPr>
-            <a:picLocks noGrp="1" noChangeAspect="1"/>
+            <a:picLocks noChangeAspect="1"/>
           </p:cNvPicPr>
-          <p:nvPr>
-            <p:ph idx="1"/>
-          </p:nvPr>
+          <p:nvPr/>
         </p:nvPicPr>
-        <p:blipFill rotWithShape="1">
-          <a:blip r:embed="rId2">
-            <a:extLst>
-              <a:ext uri="{28A0092B-C50C-407E-A947-70E740481C1C}">
-                <a14:useLocalDpi xmlns:a14="http://schemas.microsoft.com/office/drawing/2010/main" val="0"/>
-              </a:ext>
-            </a:extLst>
-          </a:blip>
-          <a:srcRect l="8311"/>
-          <a:stretch/>
+        <p:blipFill>
+          <a:blip r:embed="rId2"/>
+          <a:stretch>
+            <a:fillRect/>
+          </a:stretch>
         </p:blipFill>
         <p:spPr>
           <a:xfrm>
-            <a:off x="2588654" y="927279"/>
-            <a:ext cx="9171289" cy="5249684"/>
-          </a:xfrm>
-        </p:spPr>
-      </p:pic>
-      <p:sp>
-        <p:nvSpPr>
-          <p:cNvPr id="5" name="Abrir llave 4"/>
-          <p:cNvSpPr/>
-          <p:nvPr/>
-        </p:nvSpPr>
-        <p:spPr>
-          <a:xfrm>
-            <a:off x="1948511" y="1309586"/>
-            <a:ext cx="468000" cy="2063795"/>
-          </a:xfrm>
-          <a:prstGeom prst="leftBrace">
-            <a:avLst/>
-          </a:prstGeom>
-        </p:spPr>
-        <p:style>
-          <a:lnRef idx="3">
-            <a:schemeClr val="dk1"/>
-          </a:lnRef>
-          <a:fillRef idx="0">
-            <a:schemeClr val="dk1"/>
-          </a:fillRef>
-          <a:effectRef idx="2">
-            <a:schemeClr val="dk1"/>
-          </a:effectRef>
-          <a:fontRef idx="minor">
-            <a:schemeClr val="tx1"/>
-          </a:fontRef>
-        </p:style>
-        <p:txBody>
-          <a:bodyPr rtlCol="0" anchor="ctr"/>
-          <a:lstStyle/>
-          <a:p>
-            <a:pPr algn="ctr"/>
-            <a:endParaRPr lang="es-ES" sz="4000" dirty="0">
-              <a:ln w="0"/>
-              <a:effectLst>
-                <a:outerShdw blurRad="38100" dist="19050" dir="2700000" algn="tl" rotWithShape="0">
-                  <a:schemeClr val="dk1">
-                    <a:alpha val="40000"/>
-                  </a:schemeClr>
-                </a:outerShdw>
-              </a:effectLst>
-            </a:endParaRPr>
-          </a:p>
-        </p:txBody>
-      </p:sp>
-      <p:sp>
-        <p:nvSpPr>
-          <p:cNvPr id="6" name="Abrir llave 5"/>
-          <p:cNvSpPr/>
-          <p:nvPr/>
-        </p:nvSpPr>
-        <p:spPr>
-          <a:xfrm>
-            <a:off x="2146054" y="4792350"/>
-            <a:ext cx="468000" cy="1384613"/>
-          </a:xfrm>
-          <a:prstGeom prst="leftBrace">
-            <a:avLst/>
-          </a:prstGeom>
-        </p:spPr>
-        <p:style>
-          <a:lnRef idx="3">
-            <a:schemeClr val="dk1"/>
-          </a:lnRef>
-          <a:fillRef idx="0">
-            <a:schemeClr val="dk1"/>
-          </a:fillRef>
-          <a:effectRef idx="2">
-            <a:schemeClr val="dk1"/>
-          </a:effectRef>
-          <a:fontRef idx="minor">
-            <a:schemeClr val="tx1"/>
-          </a:fontRef>
-        </p:style>
-        <p:txBody>
-          <a:bodyPr rtlCol="0" anchor="ctr"/>
-          <a:lstStyle/>
-          <a:p>
-            <a:pPr algn="ctr"/>
-            <a:endParaRPr lang="es-ES" sz="4000" dirty="0">
-              <a:ln w="0"/>
-              <a:effectLst>
-                <a:outerShdw blurRad="38100" dist="19050" dir="2700000" algn="tl" rotWithShape="0">
-                  <a:schemeClr val="dk1">
-                    <a:alpha val="40000"/>
-                  </a:schemeClr>
-                </a:outerShdw>
-              </a:effectLst>
-            </a:endParaRPr>
-          </a:p>
-        </p:txBody>
-      </p:sp>
-      <p:sp>
-        <p:nvSpPr>
-          <p:cNvPr id="7" name="CuadroTexto 6"/>
-          <p:cNvSpPr txBox="1"/>
-          <p:nvPr/>
-        </p:nvSpPr>
-        <p:spPr>
-          <a:xfrm rot="16200000">
-            <a:off x="-285295" y="3799992"/>
-            <a:ext cx="3286349" cy="369332"/>
+            <a:off x="3253132" y="159063"/>
+            <a:ext cx="8100668" cy="6218011"/>
           </a:xfrm>
           <a:prstGeom prst="rect">
             <a:avLst/>
           </a:prstGeom>
-          <a:noFill/>
         </p:spPr>
-        <p:txBody>
-          <a:bodyPr wrap="none" rtlCol="0">
-            <a:spAutoFit/>
-          </a:bodyPr>
-          <a:lstStyle/>
-          <a:p>
-            <a:r>
-              <a:rPr lang="es-ES" dirty="0" smtClean="0"/>
-              <a:t>PARTE COMUN DE DEFAULT.ASPX</a:t>
-            </a:r>
-            <a:endParaRPr lang="es-ES" dirty="0"/>
-          </a:p>
-        </p:txBody>
-      </p:sp>
+      </p:pic>
     </p:spTree>
     <p:extLst>
       <p:ext uri="{BB962C8B-B14F-4D97-AF65-F5344CB8AC3E}">
-        <p14:creationId xmlns:p14="http://schemas.microsoft.com/office/powerpoint/2010/main" val="364796715"/>
+        <p14:creationId xmlns:p14="http://schemas.microsoft.com/office/powerpoint/2010/main" val="750256573"/>
       </p:ext>
     </p:extLst>
   </p:cSld>
   <p:clrMapOvr>
     <a:masterClrMapping/>
   </p:clrMapOvr>
+  <p:timing>
+    <p:tnLst>
+      <p:par>
+        <p:cTn id="1" dur="indefinite" restart="never" nodeType="tmRoot"/>
+      </p:par>
+    </p:tnLst>
+  </p:timing>
 </p:sld>
 </file>
 
 <file path=ppt/theme/theme1.xml><?xml version="1.0" encoding="utf-8"?>
-<a:theme xmlns:a="http://schemas.openxmlformats.org/drawingml/2006/main" name="Tema de Office">
+<a:theme xmlns:a="http://schemas.openxmlformats.org/drawingml/2006/main" name="Faceta">
   <a:themeElements>
-    <a:clrScheme name="Office">
+    <a:clrScheme name="Faceta">
       <a:dk1>
         <a:sysClr val="windowText" lastClr="000000"/>
       </a:dk1>
@@ -5145,52 +8243,52 @@
         <a:sysClr val="window" lastClr="FFFFFF"/>
       </a:lt1>
       <a:dk2>
-        <a:srgbClr val="44546A"/>
+        <a:srgbClr val="2C3C43"/>
       </a:dk2>
       <a:lt2>
-        <a:srgbClr val="E7E6E6"/>
+        <a:srgbClr val="EBEBEB"/>
       </a:lt2>
       <a:accent1>
-        <a:srgbClr val="5B9BD5"/>
+        <a:srgbClr val="90C226"/>
       </a:accent1>
       <a:accent2>
-        <a:srgbClr val="ED7D31"/>
+        <a:srgbClr val="54A021"/>
       </a:accent2>
       <a:accent3>
-        <a:srgbClr val="A5A5A5"/>
+        <a:srgbClr val="E6B91E"/>
       </a:accent3>
       <a:accent4>
-        <a:srgbClr val="FFC000"/>
+        <a:srgbClr val="E76618"/>
       </a:accent4>
       <a:accent5>
-        <a:srgbClr val="4472C4"/>
+        <a:srgbClr val="C42F1A"/>
       </a:accent5>
       <a:accent6>
-        <a:srgbClr val="70AD47"/>
+        <a:srgbClr val="918655"/>
       </a:accent6>
       <a:hlink>
-        <a:srgbClr val="0563C1"/>
+        <a:srgbClr val="99CA3C"/>
       </a:hlink>
       <a:folHlink>
-        <a:srgbClr val="954F72"/>
+        <a:srgbClr val="B9D181"/>
       </a:folHlink>
     </a:clrScheme>
-    <a:fontScheme name="Office">
+    <a:fontScheme name="Faceta">
       <a:majorFont>
-        <a:latin typeface="Calibri Light" panose="020F0302020204030204"/>
+        <a:latin typeface="Trebuchet MS" panose="020B0603020202020204"/>
         <a:ea typeface=""/>
         <a:cs typeface=""/>
-        <a:font script="Jpan" typeface="ＭＳ Ｐゴシック"/>
+        <a:font script="Jpan" typeface="メイリオ"/>
         <a:font script="Hang" typeface="맑은 고딕"/>
-        <a:font script="Hans" typeface="宋体"/>
-        <a:font script="Hant" typeface="新細明體"/>
-        <a:font script="Arab" typeface="Times New Roman"/>
-        <a:font script="Hebr" typeface="Times New Roman"/>
-        <a:font script="Thai" typeface="Angsana New"/>
+        <a:font script="Hans" typeface="方正姚体"/>
+        <a:font script="Hant" typeface="微軟正黑體"/>
+        <a:font script="Arab" typeface="Tahoma"/>
+        <a:font script="Hebr" typeface="Arial"/>
+        <a:font script="Thai" typeface="Cordia New"/>
         <a:font script="Ethi" typeface="Nyala"/>
         <a:font script="Beng" typeface="Vrinda"/>
         <a:font script="Gujr" typeface="Shruti"/>
-        <a:font script="Khmr" typeface="MoolBoran"/>
+        <a:font script="Khmr" typeface="DaunPenh"/>
         <a:font script="Knda" typeface="Tunga"/>
         <a:font script="Guru" typeface="Raavi"/>
         <a:font script="Cans" typeface="Euphemia"/>
@@ -5207,21 +8305,21 @@
         <a:font script="Laoo" typeface="DokChampa"/>
         <a:font script="Sinh" typeface="Iskoola Pota"/>
         <a:font script="Mong" typeface="Mongolian Baiti"/>
-        <a:font script="Viet" typeface="Times New Roman"/>
+        <a:font script="Viet" typeface="Tahoma"/>
         <a:font script="Uigh" typeface="Microsoft Uighur"/>
         <a:font script="Geor" typeface="Sylfaen"/>
       </a:majorFont>
       <a:minorFont>
-        <a:latin typeface="Calibri" panose="020F0502020204030204"/>
+        <a:latin typeface="Trebuchet MS" panose="020B0603020202020204"/>
         <a:ea typeface=""/>
         <a:cs typeface=""/>
-        <a:font script="Jpan" typeface="ＭＳ Ｐゴシック"/>
-        <a:font script="Hang" typeface="맑은 고딕"/>
-        <a:font script="Hans" typeface="宋体"/>
-        <a:font script="Hant" typeface="新細明體"/>
-        <a:font script="Arab" typeface="Arial"/>
-        <a:font script="Hebr" typeface="Arial"/>
-        <a:font script="Thai" typeface="Cordia New"/>
+        <a:font script="Jpan" typeface="メイリオ"/>
+        <a:font script="Hang" typeface="HY그래픽M"/>
+        <a:font script="Hans" typeface="华文新魏"/>
+        <a:font script="Hant" typeface="微軟正黑體"/>
+        <a:font script="Arab" typeface="Tahoma"/>
+        <a:font script="Hebr" typeface="Gisha"/>
+        <a:font script="Thai" typeface="IrisUPC"/>
         <a:font script="Ethi" typeface="Nyala"/>
         <a:font script="Beng" typeface="Vrinda"/>
         <a:font script="Gujr" typeface="Shruti"/>
@@ -5247,7 +8345,7 @@
         <a:font script="Geor" typeface="Sylfaen"/>
       </a:minorFont>
     </a:fontScheme>
-    <a:fmtScheme name="Office">
+    <a:fmtScheme name="Faceta">
       <a:fillStyleLst>
         <a:solidFill>
           <a:schemeClr val="phClr"/>
@@ -5256,23 +8354,13 @@
           <a:gsLst>
             <a:gs pos="0">
               <a:schemeClr val="phClr">
+                <a:tint val="65000"/>
                 <a:lumMod val="110000"/>
-                <a:satMod val="105000"/>
-                <a:tint val="67000"/>
               </a:schemeClr>
             </a:gs>
-            <a:gs pos="50000">
+            <a:gs pos="88000">
               <a:schemeClr val="phClr">
-                <a:lumMod val="105000"/>
-                <a:satMod val="103000"/>
-                <a:tint val="73000"/>
-              </a:schemeClr>
-            </a:gs>
-            <a:gs pos="100000">
-              <a:schemeClr val="phClr">
-                <a:lumMod val="105000"/>
-                <a:satMod val="109000"/>
-                <a:tint val="81000"/>
+                <a:tint val="90000"/>
               </a:schemeClr>
             </a:gs>
           </a:gsLst>
@@ -5282,23 +8370,14 @@
           <a:gsLst>
             <a:gs pos="0">
               <a:schemeClr val="phClr">
-                <a:satMod val="103000"/>
-                <a:lumMod val="102000"/>
-                <a:tint val="94000"/>
+                <a:tint val="96000"/>
+                <a:lumMod val="100000"/>
               </a:schemeClr>
             </a:gs>
-            <a:gs pos="50000">
+            <a:gs pos="78000">
               <a:schemeClr val="phClr">
-                <a:satMod val="110000"/>
-                <a:lumMod val="100000"/>
-                <a:shade val="100000"/>
-              </a:schemeClr>
-            </a:gs>
-            <a:gs pos="100000">
-              <a:schemeClr val="phClr">
-                <a:lumMod val="99000"/>
-                <a:satMod val="120000"/>
-                <a:shade val="78000"/>
+                <a:shade val="94000"/>
+                <a:lumMod val="94000"/>
               </a:schemeClr>
             </a:gs>
           </a:gsLst>
@@ -5306,26 +8385,23 @@
         </a:gradFill>
       </a:fillStyleLst>
       <a:lnStyleLst>
-        <a:ln w="6350" cap="flat" cmpd="sng" algn="ctr">
+        <a:ln w="12700" cap="rnd" cmpd="sng" algn="ctr">
           <a:solidFill>
             <a:schemeClr val="phClr"/>
           </a:solidFill>
           <a:prstDash val="solid"/>
-          <a:miter lim="800000"/>
         </a:ln>
-        <a:ln w="12700" cap="flat" cmpd="sng" algn="ctr">
+        <a:ln w="19050" cap="rnd" cmpd="sng" algn="ctr">
           <a:solidFill>
             <a:schemeClr val="phClr"/>
           </a:solidFill>
           <a:prstDash val="solid"/>
-          <a:miter lim="800000"/>
         </a:ln>
-        <a:ln w="19050" cap="flat" cmpd="sng" algn="ctr">
+        <a:ln w="25400" cap="rnd" cmpd="sng" algn="ctr">
           <a:solidFill>
             <a:schemeClr val="phClr"/>
           </a:solidFill>
           <a:prstDash val="solid"/>
-          <a:miter lim="800000"/>
         </a:ln>
       </a:lnStyleLst>
       <a:effectStyleLst>
@@ -5333,54 +8409,72 @@
           <a:effectLst/>
         </a:effectStyle>
         <a:effectStyle>
-          <a:effectLst/>
+          <a:effectLst>
+            <a:outerShdw blurRad="38100" dist="25400" dir="5400000" rotWithShape="0">
+              <a:srgbClr val="000000">
+                <a:alpha val="35000"/>
+              </a:srgbClr>
+            </a:outerShdw>
+          </a:effectLst>
         </a:effectStyle>
         <a:effectStyle>
           <a:effectLst>
-            <a:outerShdw blurRad="57150" dist="19050" dir="5400000" algn="ctr" rotWithShape="0">
+            <a:outerShdw blurRad="50800" dist="38100" dir="5400000" rotWithShape="0">
               <a:srgbClr val="000000">
-                <a:alpha val="63000"/>
+                <a:alpha val="35000"/>
               </a:srgbClr>
             </a:outerShdw>
           </a:effectLst>
+          <a:scene3d>
+            <a:camera prst="orthographicFront">
+              <a:rot lat="0" lon="0" rev="0"/>
+            </a:camera>
+            <a:lightRig rig="threePt" dir="tl"/>
+          </a:scene3d>
+          <a:sp3d prstMaterial="plastic">
+            <a:bevelT w="0" h="0"/>
+          </a:sp3d>
         </a:effectStyle>
       </a:effectStyleLst>
       <a:bgFillStyleLst>
         <a:solidFill>
           <a:schemeClr val="phClr"/>
         </a:solidFill>
-        <a:solidFill>
-          <a:schemeClr val="phClr">
-            <a:tint val="95000"/>
-            <a:satMod val="170000"/>
-          </a:schemeClr>
-        </a:solidFill>
         <a:gradFill rotWithShape="1">
           <a:gsLst>
             <a:gs pos="0">
               <a:schemeClr val="phClr">
-                <a:tint val="93000"/>
-                <a:satMod val="150000"/>
-                <a:shade val="98000"/>
-                <a:lumMod val="102000"/>
+                <a:tint val="90000"/>
+                <a:lumMod val="104000"/>
               </a:schemeClr>
             </a:gs>
-            <a:gs pos="50000">
+            <a:gs pos="94000">
               <a:schemeClr val="phClr">
-                <a:tint val="98000"/>
-                <a:satMod val="130000"/>
-                <a:shade val="90000"/>
-                <a:lumMod val="103000"/>
+                <a:shade val="96000"/>
+                <a:lumMod val="82000"/>
+              </a:schemeClr>
+            </a:gs>
+          </a:gsLst>
+          <a:lin ang="5400000" scaled="0"/>
+        </a:gradFill>
+        <a:gradFill rotWithShape="1">
+          <a:gsLst>
+            <a:gs pos="0">
+              <a:schemeClr val="phClr">
+                <a:tint val="90000"/>
+                <a:lumMod val="110000"/>
               </a:schemeClr>
             </a:gs>
             <a:gs pos="100000">
               <a:schemeClr val="phClr">
-                <a:shade val="63000"/>
-                <a:satMod val="120000"/>
+                <a:shade val="94000"/>
+                <a:lumMod val="96000"/>
               </a:schemeClr>
             </a:gs>
           </a:gsLst>
-          <a:lin ang="5400000" scaled="0"/>
+          <a:path path="circle">
+            <a:fillToRect l="50000" t="50000" r="100000" b="100000"/>
+          </a:path>
         </a:gradFill>
       </a:bgFillStyleLst>
     </a:fmtScheme>
@@ -5389,7 +8483,7 @@
   <a:extraClrSchemeLst/>
   <a:extLst>
     <a:ext uri="{05A4C25C-085E-4340-85A3-A5531E510DB2}">
-      <thm15:themeFamily xmlns:thm15="http://schemas.microsoft.com/office/thememl/2012/main" name="Office Theme" id="{62F939B6-93AF-4DB8-9C6B-D6C7DFDC589F}" vid="{4A3C46E8-61CC-4603-A589-7422A47A8E4A}"/>
+      <thm15:themeFamily xmlns:thm15="http://schemas.microsoft.com/office/thememl/2012/main" name="Facet" id="{C0C680CD-088A-49FC-A102-D699147F32B2}" vid="{CFBC31BA-B70F-4F30-BCAA-4F3011E16C4D}"/>
     </a:ext>
   </a:extLst>
 </a:theme>

--- a/Presentacion.pptx
+++ b/Presentacion.pptx
@@ -2,15 +2,29 @@
 <file path=ppt/presentation.xml><?xml version="1.0" encoding="utf-8"?>
 <p:presentation xmlns:a="http://schemas.openxmlformats.org/drawingml/2006/main" xmlns:r="http://schemas.openxmlformats.org/officeDocument/2006/relationships" xmlns:p="http://schemas.openxmlformats.org/presentationml/2006/main" saveSubsetFonts="1">
   <p:sldMasterIdLst>
-    <p:sldMasterId id="2147483732" r:id="rId1"/>
+    <p:sldMasterId id="2147483660" r:id="rId1"/>
   </p:sldMasterIdLst>
   <p:sldIdLst>
-    <p:sldId id="281" r:id="rId2"/>
-    <p:sldId id="280" r:id="rId3"/>
-    <p:sldId id="276" r:id="rId4"/>
-    <p:sldId id="282" r:id="rId5"/>
-    <p:sldId id="283" r:id="rId6"/>
-    <p:sldId id="284" r:id="rId7"/>
+    <p:sldId id="256" r:id="rId2"/>
+    <p:sldId id="271" r:id="rId3"/>
+    <p:sldId id="257" r:id="rId4"/>
+    <p:sldId id="277" r:id="rId5"/>
+    <p:sldId id="278" r:id="rId6"/>
+    <p:sldId id="279" r:id="rId7"/>
+    <p:sldId id="280" r:id="rId8"/>
+    <p:sldId id="258" r:id="rId9"/>
+    <p:sldId id="259" r:id="rId10"/>
+    <p:sldId id="260" r:id="rId11"/>
+    <p:sldId id="275" r:id="rId12"/>
+    <p:sldId id="262" r:id="rId13"/>
+    <p:sldId id="263" r:id="rId14"/>
+    <p:sldId id="264" r:id="rId15"/>
+    <p:sldId id="265" r:id="rId16"/>
+    <p:sldId id="266" r:id="rId17"/>
+    <p:sldId id="267" r:id="rId18"/>
+    <p:sldId id="268" r:id="rId19"/>
+    <p:sldId id="269" r:id="rId20"/>
+    <p:sldId id="270" r:id="rId21"/>
   </p:sldIdLst>
   <p:sldSz cx="12192000" cy="6858000"/>
   <p:notesSz cx="6858000" cy="9144000"/>
@@ -119,7 +133,7 @@
 
 <file path=ppt/slideLayouts/slideLayout1.xml><?xml version="1.0" encoding="utf-8"?>
 <p:sldLayout xmlns:a="http://schemas.openxmlformats.org/drawingml/2006/main" xmlns:r="http://schemas.openxmlformats.org/officeDocument/2006/relationships" xmlns:p="http://schemas.openxmlformats.org/presentationml/2006/main" showMasterSp="0" type="title" preserve="1">
-  <p:cSld name="Title Slide">
+  <p:cSld name="Diapositiva de título">
     <p:spTree>
       <p:nvGrpSpPr>
         <p:cNvPr id="1" name=""/>
@@ -136,192 +150,125 @@
       </p:grpSpPr>
       <p:grpSp>
         <p:nvGrpSpPr>
-          <p:cNvPr id="19" name="Group 18"/>
+          <p:cNvPr id="7" name="Group 6"/>
           <p:cNvGrpSpPr/>
           <p:nvPr/>
         </p:nvGrpSpPr>
         <p:grpSpPr>
           <a:xfrm>
-            <a:off x="546100" y="-4763"/>
-            <a:ext cx="5014912" cy="6862763"/>
-            <a:chOff x="2928938" y="-4763"/>
-            <a:chExt cx="5014912" cy="6862763"/>
+            <a:off x="0" y="-8467"/>
+            <a:ext cx="12192000" cy="6866467"/>
+            <a:chOff x="0" y="-8467"/>
+            <a:chExt cx="12192000" cy="6866467"/>
           </a:xfrm>
         </p:grpSpPr>
+        <p:cxnSp>
+          <p:nvCxnSpPr>
+            <p:cNvPr id="32" name="Straight Connector 31"/>
+            <p:cNvCxnSpPr/>
+            <p:nvPr/>
+          </p:nvCxnSpPr>
+          <p:spPr>
+            <a:xfrm>
+              <a:off x="9371012" y="0"/>
+              <a:ext cx="1219200" cy="6858000"/>
+            </a:xfrm>
+            <a:prstGeom prst="line">
+              <a:avLst/>
+            </a:prstGeom>
+            <a:ln w="9525">
+              <a:solidFill>
+                <a:schemeClr val="bg1">
+                  <a:lumMod val="75000"/>
+                </a:schemeClr>
+              </a:solidFill>
+            </a:ln>
+          </p:spPr>
+          <p:style>
+            <a:lnRef idx="2">
+              <a:schemeClr val="accent1"/>
+            </a:lnRef>
+            <a:fillRef idx="0">
+              <a:schemeClr val="accent1"/>
+            </a:fillRef>
+            <a:effectRef idx="1">
+              <a:schemeClr val="accent1"/>
+            </a:effectRef>
+            <a:fontRef idx="minor">
+              <a:schemeClr val="tx1"/>
+            </a:fontRef>
+          </p:style>
+        </p:cxnSp>
+        <p:cxnSp>
+          <p:nvCxnSpPr>
+            <p:cNvPr id="21" name="Straight Connector 20"/>
+            <p:cNvCxnSpPr/>
+            <p:nvPr/>
+          </p:nvCxnSpPr>
+          <p:spPr>
+            <a:xfrm flipH="1">
+              <a:off x="7425267" y="3681413"/>
+              <a:ext cx="4763558" cy="3176587"/>
+            </a:xfrm>
+            <a:prstGeom prst="line">
+              <a:avLst/>
+            </a:prstGeom>
+            <a:ln w="9525">
+              <a:solidFill>
+                <a:schemeClr val="bg1">
+                  <a:lumMod val="85000"/>
+                </a:schemeClr>
+              </a:solidFill>
+            </a:ln>
+          </p:spPr>
+          <p:style>
+            <a:lnRef idx="2">
+              <a:schemeClr val="accent1"/>
+            </a:lnRef>
+            <a:fillRef idx="0">
+              <a:schemeClr val="accent1"/>
+            </a:fillRef>
+            <a:effectRef idx="1">
+              <a:schemeClr val="accent1"/>
+            </a:effectRef>
+            <a:fontRef idx="minor">
+              <a:schemeClr val="tx1"/>
+            </a:fontRef>
+          </p:style>
+        </p:cxnSp>
         <p:sp>
           <p:nvSpPr>
-            <p:cNvPr id="22" name="Freeform 6"/>
+            <p:cNvPr id="24" name="Rectangle 23"/>
             <p:cNvSpPr/>
             <p:nvPr/>
           </p:nvSpPr>
-          <p:spPr bwMode="auto">
+          <p:spPr>
             <a:xfrm>
-              <a:off x="3367088" y="-4763"/>
-              <a:ext cx="1063625" cy="2782888"/>
+              <a:off x="9181476" y="-8467"/>
+              <a:ext cx="3007349" cy="6866467"/>
             </a:xfrm>
             <a:custGeom>
               <a:avLst/>
               <a:gdLst/>
               <a:ahLst/>
               <a:cxnLst/>
-              <a:rect l="0" t="0" r="r" b="b"/>
+              <a:rect l="l" t="t" r="r" b="b"/>
               <a:pathLst>
-                <a:path w="670" h="1753">
+                <a:path w="3007349" h="6866467">
                   <a:moveTo>
-                    <a:pt x="0" y="1696"/>
+                    <a:pt x="2045532" y="0"/>
                   </a:moveTo>
                   <a:lnTo>
-                    <a:pt x="225" y="1753"/>
+                    <a:pt x="3007349" y="0"/>
                   </a:lnTo>
                   <a:lnTo>
-                    <a:pt x="670" y="0"/>
+                    <a:pt x="3007349" y="6866467"/>
                   </a:lnTo>
                   <a:lnTo>
-                    <a:pt x="430" y="0"/>
+                    <a:pt x="0" y="6866467"/>
                   </a:lnTo>
                   <a:lnTo>
-                    <a:pt x="0" y="1696"/>
-                  </a:lnTo>
-                  <a:close/>
-                </a:path>
-              </a:pathLst>
-            </a:custGeom>
-            <a:solidFill>
-              <a:schemeClr val="accent1"/>
-            </a:solidFill>
-            <a:ln>
-              <a:noFill/>
-            </a:ln>
-          </p:spPr>
-        </p:sp>
-        <p:sp>
-          <p:nvSpPr>
-            <p:cNvPr id="23" name="Freeform 7"/>
-            <p:cNvSpPr/>
-            <p:nvPr/>
-          </p:nvSpPr>
-          <p:spPr bwMode="auto">
-            <a:xfrm>
-              <a:off x="2928938" y="-4763"/>
-              <a:ext cx="1035050" cy="2673350"/>
-            </a:xfrm>
-            <a:custGeom>
-              <a:avLst/>
-              <a:gdLst/>
-              <a:ahLst/>
-              <a:cxnLst/>
-              <a:rect l="0" t="0" r="r" b="b"/>
-              <a:pathLst>
-                <a:path w="652" h="1684">
-                  <a:moveTo>
-                    <a:pt x="225" y="1684"/>
-                  </a:moveTo>
-                  <a:lnTo>
-                    <a:pt x="652" y="0"/>
-                  </a:lnTo>
-                  <a:lnTo>
-                    <a:pt x="411" y="0"/>
-                  </a:lnTo>
-                  <a:lnTo>
-                    <a:pt x="0" y="1627"/>
-                  </a:lnTo>
-                  <a:lnTo>
-                    <a:pt x="219" y="1681"/>
-                  </a:lnTo>
-                  <a:lnTo>
-                    <a:pt x="225" y="1684"/>
-                  </a:lnTo>
-                  <a:close/>
-                </a:path>
-              </a:pathLst>
-            </a:custGeom>
-            <a:solidFill>
-              <a:schemeClr val="tx1">
-                <a:lumMod val="65000"/>
-                <a:lumOff val="35000"/>
-              </a:schemeClr>
-            </a:solidFill>
-            <a:ln>
-              <a:noFill/>
-            </a:ln>
-          </p:spPr>
-        </p:sp>
-        <p:sp>
-          <p:nvSpPr>
-            <p:cNvPr id="24" name="Freeform 9"/>
-            <p:cNvSpPr/>
-            <p:nvPr/>
-          </p:nvSpPr>
-          <p:spPr bwMode="auto">
-            <a:xfrm>
-              <a:off x="2928938" y="2582862"/>
-              <a:ext cx="2693987" cy="4275138"/>
-            </a:xfrm>
-            <a:custGeom>
-              <a:avLst/>
-              <a:gdLst/>
-              <a:ahLst/>
-              <a:cxnLst/>
-              <a:rect l="0" t="0" r="r" b="b"/>
-              <a:pathLst>
-                <a:path w="1697" h="2693">
-                  <a:moveTo>
-                    <a:pt x="0" y="0"/>
-                  </a:moveTo>
-                  <a:lnTo>
-                    <a:pt x="1622" y="2693"/>
-                  </a:lnTo>
-                  <a:lnTo>
-                    <a:pt x="1697" y="2693"/>
-                  </a:lnTo>
-                  <a:lnTo>
-                    <a:pt x="0" y="0"/>
-                  </a:lnTo>
-                  <a:close/>
-                </a:path>
-              </a:pathLst>
-            </a:custGeom>
-            <a:solidFill>
-              <a:schemeClr val="tx1">
-                <a:lumMod val="85000"/>
-                <a:lumOff val="15000"/>
-              </a:schemeClr>
-            </a:solidFill>
-            <a:ln>
-              <a:noFill/>
-            </a:ln>
-          </p:spPr>
-        </p:sp>
-        <p:sp>
-          <p:nvSpPr>
-            <p:cNvPr id="25" name="Freeform 10"/>
-            <p:cNvSpPr/>
-            <p:nvPr/>
-          </p:nvSpPr>
-          <p:spPr bwMode="auto">
-            <a:xfrm>
-              <a:off x="3371850" y="2692400"/>
-              <a:ext cx="3332162" cy="4165600"/>
-            </a:xfrm>
-            <a:custGeom>
-              <a:avLst/>
-              <a:gdLst/>
-              <a:ahLst/>
-              <a:cxnLst/>
-              <a:rect l="0" t="0" r="r" b="b"/>
-              <a:pathLst>
-                <a:path w="2099" h="2624">
-                  <a:moveTo>
-                    <a:pt x="2099" y="2624"/>
-                  </a:moveTo>
-                  <a:lnTo>
-                    <a:pt x="0" y="0"/>
-                  </a:lnTo>
-                  <a:lnTo>
-                    <a:pt x="2021" y="2624"/>
-                  </a:lnTo>
-                  <a:lnTo>
-                    <a:pt x="2099" y="2624"/>
+                    <a:pt x="2045532" y="0"/>
                   </a:lnTo>
                   <a:close/>
                 </a:path>
@@ -329,47 +276,59 @@
             </a:custGeom>
             <a:solidFill>
               <a:schemeClr val="accent1">
-                <a:lumMod val="50000"/>
+                <a:alpha val="30000"/>
               </a:schemeClr>
             </a:solidFill>
             <a:ln>
               <a:noFill/>
             </a:ln>
+            <a:effectLst/>
           </p:spPr>
+          <p:style>
+            <a:lnRef idx="1">
+              <a:schemeClr val="accent1"/>
+            </a:lnRef>
+            <a:fillRef idx="3">
+              <a:schemeClr val="accent1"/>
+            </a:fillRef>
+            <a:effectRef idx="2">
+              <a:schemeClr val="accent1"/>
+            </a:effectRef>
+            <a:fontRef idx="minor">
+              <a:schemeClr val="lt1"/>
+            </a:fontRef>
+          </p:style>
         </p:sp>
         <p:sp>
           <p:nvSpPr>
-            <p:cNvPr id="26" name="Freeform 11"/>
+            <p:cNvPr id="26" name="Rectangle 25"/>
             <p:cNvSpPr/>
             <p:nvPr/>
           </p:nvSpPr>
-          <p:spPr bwMode="auto">
+          <p:spPr>
             <a:xfrm>
-              <a:off x="3367088" y="2687637"/>
-              <a:ext cx="4576762" cy="4170363"/>
+              <a:off x="9603442" y="-8467"/>
+              <a:ext cx="2588558" cy="6866467"/>
             </a:xfrm>
             <a:custGeom>
               <a:avLst/>
               <a:gdLst/>
               <a:ahLst/>
               <a:cxnLst/>
-              <a:rect l="0" t="0" r="r" b="b"/>
+              <a:rect l="l" t="t" r="r" b="b"/>
               <a:pathLst>
-                <a:path w="2883" h="2627">
+                <a:path w="2573311" h="6866467">
                   <a:moveTo>
                     <a:pt x="0" y="0"/>
                   </a:moveTo>
                   <a:lnTo>
-                    <a:pt x="3" y="3"/>
+                    <a:pt x="2573311" y="0"/>
                   </a:lnTo>
                   <a:lnTo>
-                    <a:pt x="2102" y="2627"/>
+                    <a:pt x="2573311" y="6866467"/>
                   </a:lnTo>
                   <a:lnTo>
-                    <a:pt x="2883" y="2627"/>
-                  </a:lnTo>
-                  <a:lnTo>
-                    <a:pt x="225" y="57"/>
+                    <a:pt x="1202336" y="6866467"/>
                   </a:lnTo>
                   <a:lnTo>
                     <a:pt x="0" y="0"/>
@@ -380,71 +339,343 @@
             </a:custGeom>
             <a:solidFill>
               <a:schemeClr val="accent1">
-                <a:lumMod val="75000"/>
+                <a:alpha val="20000"/>
               </a:schemeClr>
             </a:solidFill>
             <a:ln>
               <a:noFill/>
             </a:ln>
+            <a:effectLst/>
           </p:spPr>
+          <p:style>
+            <a:lnRef idx="1">
+              <a:schemeClr val="accent1"/>
+            </a:lnRef>
+            <a:fillRef idx="3">
+              <a:schemeClr val="accent1"/>
+            </a:fillRef>
+            <a:effectRef idx="2">
+              <a:schemeClr val="accent1"/>
+            </a:effectRef>
+            <a:fontRef idx="minor">
+              <a:schemeClr val="lt1"/>
+            </a:fontRef>
+          </p:style>
         </p:sp>
         <p:sp>
           <p:nvSpPr>
-            <p:cNvPr id="27" name="Freeform 12"/>
+            <p:cNvPr id="27" name="Isosceles Triangle 26"/>
             <p:cNvSpPr/>
             <p:nvPr/>
           </p:nvSpPr>
-          <p:spPr bwMode="auto">
+          <p:spPr>
             <a:xfrm>
-              <a:off x="2928938" y="2578100"/>
-              <a:ext cx="3584575" cy="4279900"/>
+              <a:off x="8932333" y="3048000"/>
+              <a:ext cx="3259667" cy="3810000"/>
+            </a:xfrm>
+            <a:prstGeom prst="triangle">
+              <a:avLst>
+                <a:gd name="adj" fmla="val 100000"/>
+              </a:avLst>
+            </a:prstGeom>
+            <a:solidFill>
+              <a:schemeClr val="accent2">
+                <a:alpha val="72000"/>
+              </a:schemeClr>
+            </a:solidFill>
+            <a:ln>
+              <a:noFill/>
+            </a:ln>
+            <a:effectLst/>
+          </p:spPr>
+          <p:style>
+            <a:lnRef idx="1">
+              <a:schemeClr val="accent1"/>
+            </a:lnRef>
+            <a:fillRef idx="3">
+              <a:schemeClr val="accent1"/>
+            </a:fillRef>
+            <a:effectRef idx="2">
+              <a:schemeClr val="accent1"/>
+            </a:effectRef>
+            <a:fontRef idx="minor">
+              <a:schemeClr val="lt1"/>
+            </a:fontRef>
+          </p:style>
+        </p:sp>
+        <p:sp>
+          <p:nvSpPr>
+            <p:cNvPr id="28" name="Rectangle 27"/>
+            <p:cNvSpPr/>
+            <p:nvPr/>
+          </p:nvSpPr>
+          <p:spPr>
+            <a:xfrm>
+              <a:off x="9334500" y="-8467"/>
+              <a:ext cx="2854326" cy="6866467"/>
             </a:xfrm>
             <a:custGeom>
               <a:avLst/>
               <a:gdLst/>
               <a:ahLst/>
               <a:cxnLst/>
-              <a:rect l="0" t="0" r="r" b="b"/>
+              <a:rect l="l" t="t" r="r" b="b"/>
               <a:pathLst>
-                <a:path w="2258" h="2696">
+                <a:path w="2858013" h="6866467">
                   <a:moveTo>
-                    <a:pt x="2258" y="2696"/>
+                    <a:pt x="0" y="0"/>
                   </a:moveTo>
                   <a:lnTo>
-                    <a:pt x="264" y="111"/>
+                    <a:pt x="2858013" y="0"/>
                   </a:lnTo>
                   <a:lnTo>
-                    <a:pt x="228" y="60"/>
+                    <a:pt x="2858013" y="6866467"/>
                   </a:lnTo>
                   <a:lnTo>
-                    <a:pt x="225" y="57"/>
+                    <a:pt x="2473942" y="6866467"/>
                   </a:lnTo>
                   <a:lnTo>
                     <a:pt x="0" y="0"/>
-                  </a:lnTo>
-                  <a:lnTo>
-                    <a:pt x="0" y="3"/>
-                  </a:lnTo>
-                  <a:lnTo>
-                    <a:pt x="1697" y="2696"/>
-                  </a:lnTo>
-                  <a:lnTo>
-                    <a:pt x="2258" y="2696"/>
                   </a:lnTo>
                   <a:close/>
                 </a:path>
               </a:pathLst>
             </a:custGeom>
             <a:solidFill>
-              <a:schemeClr val="tx1">
+              <a:schemeClr val="accent2">
                 <a:lumMod val="75000"/>
-                <a:lumOff val="25000"/>
+                <a:alpha val="70000"/>
               </a:schemeClr>
             </a:solidFill>
             <a:ln>
               <a:noFill/>
             </a:ln>
+            <a:effectLst/>
           </p:spPr>
+          <p:style>
+            <a:lnRef idx="1">
+              <a:schemeClr val="accent1"/>
+            </a:lnRef>
+            <a:fillRef idx="3">
+              <a:schemeClr val="accent1"/>
+            </a:fillRef>
+            <a:effectRef idx="2">
+              <a:schemeClr val="accent1"/>
+            </a:effectRef>
+            <a:fontRef idx="minor">
+              <a:schemeClr val="lt1"/>
+            </a:fontRef>
+          </p:style>
+        </p:sp>
+        <p:sp>
+          <p:nvSpPr>
+            <p:cNvPr id="29" name="Rectangle 28"/>
+            <p:cNvSpPr/>
+            <p:nvPr/>
+          </p:nvSpPr>
+          <p:spPr>
+            <a:xfrm>
+              <a:off x="10898730" y="-8467"/>
+              <a:ext cx="1290094" cy="6866467"/>
+            </a:xfrm>
+            <a:custGeom>
+              <a:avLst/>
+              <a:gdLst/>
+              <a:ahLst/>
+              <a:cxnLst/>
+              <a:rect l="l" t="t" r="r" b="b"/>
+              <a:pathLst>
+                <a:path w="1290094" h="6858000">
+                  <a:moveTo>
+                    <a:pt x="1019735" y="0"/>
+                  </a:moveTo>
+                  <a:lnTo>
+                    <a:pt x="1290094" y="0"/>
+                  </a:lnTo>
+                  <a:lnTo>
+                    <a:pt x="1290094" y="6858000"/>
+                  </a:lnTo>
+                  <a:lnTo>
+                    <a:pt x="0" y="6858000"/>
+                  </a:lnTo>
+                  <a:lnTo>
+                    <a:pt x="1019735" y="0"/>
+                  </a:lnTo>
+                  <a:close/>
+                </a:path>
+              </a:pathLst>
+            </a:custGeom>
+            <a:solidFill>
+              <a:schemeClr val="accent1">
+                <a:lumMod val="60000"/>
+                <a:lumOff val="40000"/>
+                <a:alpha val="70000"/>
+              </a:schemeClr>
+            </a:solidFill>
+            <a:ln>
+              <a:noFill/>
+            </a:ln>
+            <a:effectLst/>
+          </p:spPr>
+          <p:style>
+            <a:lnRef idx="1">
+              <a:schemeClr val="accent1"/>
+            </a:lnRef>
+            <a:fillRef idx="3">
+              <a:schemeClr val="accent1"/>
+            </a:fillRef>
+            <a:effectRef idx="2">
+              <a:schemeClr val="accent1"/>
+            </a:effectRef>
+            <a:fontRef idx="minor">
+              <a:schemeClr val="lt1"/>
+            </a:fontRef>
+          </p:style>
+        </p:sp>
+        <p:sp>
+          <p:nvSpPr>
+            <p:cNvPr id="30" name="Rectangle 29"/>
+            <p:cNvSpPr/>
+            <p:nvPr/>
+          </p:nvSpPr>
+          <p:spPr>
+            <a:xfrm>
+              <a:off x="10938999" y="-8467"/>
+              <a:ext cx="1249825" cy="6866467"/>
+            </a:xfrm>
+            <a:custGeom>
+              <a:avLst/>
+              <a:gdLst/>
+              <a:ahLst/>
+              <a:cxnLst/>
+              <a:rect l="l" t="t" r="r" b="b"/>
+              <a:pathLst>
+                <a:path w="1249825" h="6858000">
+                  <a:moveTo>
+                    <a:pt x="0" y="0"/>
+                  </a:moveTo>
+                  <a:lnTo>
+                    <a:pt x="1249825" y="0"/>
+                  </a:lnTo>
+                  <a:lnTo>
+                    <a:pt x="1249825" y="6858000"/>
+                  </a:lnTo>
+                  <a:lnTo>
+                    <a:pt x="1109382" y="6858000"/>
+                  </a:lnTo>
+                  <a:lnTo>
+                    <a:pt x="0" y="0"/>
+                  </a:lnTo>
+                  <a:close/>
+                </a:path>
+              </a:pathLst>
+            </a:custGeom>
+            <a:solidFill>
+              <a:schemeClr val="accent1">
+                <a:alpha val="65000"/>
+              </a:schemeClr>
+            </a:solidFill>
+            <a:ln>
+              <a:noFill/>
+            </a:ln>
+            <a:effectLst/>
+          </p:spPr>
+          <p:style>
+            <a:lnRef idx="1">
+              <a:schemeClr val="accent1"/>
+            </a:lnRef>
+            <a:fillRef idx="3">
+              <a:schemeClr val="accent1"/>
+            </a:fillRef>
+            <a:effectRef idx="2">
+              <a:schemeClr val="accent1"/>
+            </a:effectRef>
+            <a:fontRef idx="minor">
+              <a:schemeClr val="lt1"/>
+            </a:fontRef>
+          </p:style>
+        </p:sp>
+        <p:sp>
+          <p:nvSpPr>
+            <p:cNvPr id="31" name="Isosceles Triangle 30"/>
+            <p:cNvSpPr/>
+            <p:nvPr/>
+          </p:nvSpPr>
+          <p:spPr>
+            <a:xfrm>
+              <a:off x="10371666" y="3589867"/>
+              <a:ext cx="1817159" cy="3268133"/>
+            </a:xfrm>
+            <a:prstGeom prst="triangle">
+              <a:avLst>
+                <a:gd name="adj" fmla="val 100000"/>
+              </a:avLst>
+            </a:prstGeom>
+            <a:solidFill>
+              <a:schemeClr val="accent1">
+                <a:alpha val="80000"/>
+              </a:schemeClr>
+            </a:solidFill>
+            <a:ln>
+              <a:noFill/>
+            </a:ln>
+            <a:effectLst/>
+          </p:spPr>
+          <p:style>
+            <a:lnRef idx="1">
+              <a:schemeClr val="accent1"/>
+            </a:lnRef>
+            <a:fillRef idx="3">
+              <a:schemeClr val="accent1"/>
+            </a:fillRef>
+            <a:effectRef idx="2">
+              <a:schemeClr val="accent1"/>
+            </a:effectRef>
+            <a:fontRef idx="minor">
+              <a:schemeClr val="lt1"/>
+            </a:fontRef>
+          </p:style>
+        </p:sp>
+        <p:sp>
+          <p:nvSpPr>
+            <p:cNvPr id="19" name="Isosceles Triangle 18"/>
+            <p:cNvSpPr/>
+            <p:nvPr/>
+          </p:nvSpPr>
+          <p:spPr>
+            <a:xfrm rot="10800000">
+              <a:off x="0" y="0"/>
+              <a:ext cx="842596" cy="5666154"/>
+            </a:xfrm>
+            <a:prstGeom prst="triangle">
+              <a:avLst>
+                <a:gd name="adj" fmla="val 100000"/>
+              </a:avLst>
+            </a:prstGeom>
+            <a:solidFill>
+              <a:schemeClr val="accent1">
+                <a:alpha val="85000"/>
+              </a:schemeClr>
+            </a:solidFill>
+            <a:ln>
+              <a:noFill/>
+            </a:ln>
+            <a:effectLst/>
+          </p:spPr>
+          <p:style>
+            <a:lnRef idx="1">
+              <a:schemeClr val="accent1"/>
+            </a:lnRef>
+            <a:fillRef idx="3">
+              <a:schemeClr val="accent1"/>
+            </a:fillRef>
+            <a:effectRef idx="2">
+              <a:schemeClr val="accent1"/>
+            </a:effectRef>
+            <a:fontRef idx="minor">
+              <a:schemeClr val="lt1"/>
+            </a:fontRef>
+          </p:style>
         </p:sp>
       </p:grpSp>
       <p:sp>
@@ -459,25 +690,27 @@
         </p:nvSpPr>
         <p:spPr>
           <a:xfrm>
-            <a:off x="2928401" y="1380068"/>
-            <a:ext cx="8574622" cy="2616199"/>
+            <a:off x="1507067" y="2404534"/>
+            <a:ext cx="7766936" cy="1646302"/>
           </a:xfrm>
         </p:spPr>
         <p:txBody>
           <a:bodyPr anchor="b">
-            <a:normAutofit/>
+            <a:noAutofit/>
           </a:bodyPr>
           <a:lstStyle>
             <a:lvl1pPr algn="r">
-              <a:defRPr sz="6000">
-                <a:effectLst/>
+              <a:defRPr sz="5400">
+                <a:solidFill>
+                  <a:schemeClr val="accent1"/>
+                </a:solidFill>
               </a:defRPr>
             </a:lvl1pPr>
           </a:lstStyle>
           <a:p>
             <a:r>
-              <a:rPr lang="en-US" smtClean="0"/>
-              <a:t>Click to edit Master title style</a:t>
+              <a:rPr lang="es-ES" smtClean="0"/>
+              <a:t>Haga clic para modificar el estilo de título del patrón</a:t>
             </a:r>
             <a:endParaRPr lang="en-US" dirty="0"/>
           </a:p>
@@ -495,20 +728,21 @@
         </p:nvSpPr>
         <p:spPr>
           <a:xfrm>
-            <a:off x="4515377" y="3996267"/>
-            <a:ext cx="6987645" cy="1388534"/>
+            <a:off x="1507067" y="4050833"/>
+            <a:ext cx="7766936" cy="1096899"/>
           </a:xfrm>
         </p:spPr>
         <p:txBody>
-          <a:bodyPr anchor="t">
-            <a:normAutofit/>
-          </a:bodyPr>
+          <a:bodyPr anchor="t"/>
           <a:lstStyle>
             <a:lvl1pPr marL="0" indent="0" algn="r">
               <a:buNone/>
-              <a:defRPr sz="2100">
+              <a:defRPr>
                 <a:solidFill>
-                  <a:schemeClr val="tx1"/>
+                  <a:schemeClr val="tx1">
+                    <a:lumMod val="50000"/>
+                    <a:lumOff val="50000"/>
+                  </a:schemeClr>
                 </a:solidFill>
               </a:defRPr>
             </a:lvl1pPr>
@@ -595,8 +829,8 @@
           </a:lstStyle>
           <a:p>
             <a:r>
-              <a:rPr lang="en-US" smtClean="0"/>
-              <a:t>Click to edit Master subtitle style</a:t>
+              <a:rPr lang="es-ES" smtClean="0"/>
+              <a:t>Haga clic para modificar el estilo de subtítulo del patrón</a:t>
             </a:r>
             <a:endParaRPr lang="en-US" dirty="0"/>
           </a:p>
@@ -635,12 +869,7 @@
             <p:ph type="ftr" sz="quarter" idx="11"/>
           </p:nvPr>
         </p:nvSpPr>
-        <p:spPr>
-          <a:xfrm>
-            <a:off x="5332412" y="5883275"/>
-            <a:ext cx="4324044" cy="365125"/>
-          </a:xfrm>
-        </p:spPr>
+        <p:spPr/>
         <p:txBody>
           <a:bodyPr/>
           <a:lstStyle/>
@@ -675,7 +904,7 @@
     </p:spTree>
     <p:extLst>
       <p:ext uri="{BB962C8B-B14F-4D97-AF65-F5344CB8AC3E}">
-        <p14:creationId xmlns:p14="http://schemas.microsoft.com/office/powerpoint/2010/main" val="45904982"/>
+        <p14:creationId xmlns:p14="http://schemas.microsoft.com/office/powerpoint/2010/main" val="32622764"/>
       </p:ext>
     </p:extLst>
   </p:cSld>
@@ -687,7 +916,7 @@
 
 <file path=ppt/slideLayouts/slideLayout10.xml><?xml version="1.0" encoding="utf-8"?>
 <p:sldLayout xmlns:a="http://schemas.openxmlformats.org/drawingml/2006/main" xmlns:r="http://schemas.openxmlformats.org/officeDocument/2006/relationships" xmlns:p="http://schemas.openxmlformats.org/presentationml/2006/main" preserve="1">
-  <p:cSld name="Panoramic Picture with Caption">
+  <p:cSld name="Título y descripción">
     <p:spTree>
       <p:nvGrpSpPr>
         <p:cNvPr id="1" name=""/>
@@ -714,23 +943,23 @@
         </p:nvSpPr>
         <p:spPr>
           <a:xfrm>
-            <a:off x="1484311" y="4732865"/>
-            <a:ext cx="10018711" cy="566738"/>
+            <a:off x="677335" y="609600"/>
+            <a:ext cx="8596668" cy="3403600"/>
           </a:xfrm>
         </p:spPr>
         <p:txBody>
-          <a:bodyPr anchor="b">
+          <a:bodyPr anchor="ctr">
             <a:normAutofit/>
           </a:bodyPr>
           <a:lstStyle>
-            <a:lvl1pPr algn="ctr">
-              <a:defRPr sz="2400" b="0"/>
+            <a:lvl1pPr algn="l">
+              <a:defRPr sz="4400" b="0" cap="none"/>
             </a:lvl1pPr>
           </a:lstStyle>
           <a:p>
             <a:r>
-              <a:rPr lang="en-US" smtClean="0"/>
-              <a:t>Click to edit Master title style</a:t>
+              <a:rPr lang="es-ES" smtClean="0"/>
+              <a:t>Haga clic para modificar el estilo de título del patrón</a:t>
             </a:r>
             <a:endParaRPr lang="en-US" dirty="0"/>
           </a:p>
@@ -738,169 +967,129 @@
       </p:sp>
       <p:sp>
         <p:nvSpPr>
-          <p:cNvPr id="3" name="Picture Placeholder 2"/>
-          <p:cNvSpPr>
-            <a:spLocks noGrp="1" noChangeAspect="1"/>
-          </p:cNvSpPr>
-          <p:nvPr>
-            <p:ph type="pic" idx="1"/>
+          <p:cNvPr id="3" name="Text Placeholder 2"/>
+          <p:cNvSpPr>
+            <a:spLocks noGrp="1"/>
+          </p:cNvSpPr>
+          <p:nvPr>
+            <p:ph type="body" idx="1"/>
           </p:nvPr>
         </p:nvSpPr>
         <p:spPr>
           <a:xfrm>
-            <a:off x="2386012" y="932112"/>
-            <a:ext cx="8225944" cy="3164976"/>
+            <a:off x="677335" y="4470400"/>
+            <a:ext cx="8596668" cy="1570962"/>
           </a:xfrm>
-          <a:prstGeom prst="roundRect">
-            <a:avLst>
-              <a:gd name="adj" fmla="val 4380"/>
-            </a:avLst>
-          </a:prstGeom>
-          <a:ln w="38100">
-            <a:gradFill flip="none" rotWithShape="1">
-              <a:gsLst>
-                <a:gs pos="0">
-                  <a:schemeClr val="bg2"/>
-                </a:gs>
-                <a:gs pos="100000">
-                  <a:schemeClr val="bg2">
-                    <a:lumMod val="75000"/>
-                  </a:schemeClr>
-                </a:gs>
-              </a:gsLst>
-              <a:lin ang="5400000" scaled="0"/>
-              <a:tileRect/>
-            </a:gradFill>
-          </a:ln>
-          <a:effectLst>
-            <a:innerShdw blurRad="57150" dist="38100" dir="14460000">
-              <a:srgbClr val="000000">
-                <a:alpha val="70000"/>
-              </a:srgbClr>
-            </a:innerShdw>
-          </a:effectLst>
         </p:spPr>
         <p:txBody>
-          <a:bodyPr anchor="t">
+          <a:bodyPr anchor="ctr">
             <a:normAutofit/>
           </a:bodyPr>
           <a:lstStyle>
-            <a:lvl1pPr marL="0" indent="0" algn="ctr">
-              <a:buNone/>
-              <a:defRPr sz="1600"/>
+            <a:lvl1pPr marL="0" indent="0" algn="l">
+              <a:buNone/>
+              <a:defRPr sz="1800">
+                <a:solidFill>
+                  <a:schemeClr val="tx1">
+                    <a:lumMod val="75000"/>
+                    <a:lumOff val="25000"/>
+                  </a:schemeClr>
+                </a:solidFill>
+              </a:defRPr>
             </a:lvl1pPr>
             <a:lvl2pPr marL="457200" indent="0">
               <a:buNone/>
-              <a:defRPr sz="1600"/>
+              <a:defRPr sz="1800">
+                <a:solidFill>
+                  <a:schemeClr val="tx1">
+                    <a:tint val="75000"/>
+                  </a:schemeClr>
+                </a:solidFill>
+              </a:defRPr>
             </a:lvl2pPr>
             <a:lvl3pPr marL="914400" indent="0">
               <a:buNone/>
-              <a:defRPr sz="1600"/>
+              <a:defRPr sz="1600">
+                <a:solidFill>
+                  <a:schemeClr val="tx1">
+                    <a:tint val="75000"/>
+                  </a:schemeClr>
+                </a:solidFill>
+              </a:defRPr>
             </a:lvl3pPr>
             <a:lvl4pPr marL="1371600" indent="0">
               <a:buNone/>
-              <a:defRPr sz="1600"/>
+              <a:defRPr sz="1400">
+                <a:solidFill>
+                  <a:schemeClr val="tx1">
+                    <a:tint val="75000"/>
+                  </a:schemeClr>
+                </a:solidFill>
+              </a:defRPr>
             </a:lvl4pPr>
             <a:lvl5pPr marL="1828800" indent="0">
               <a:buNone/>
-              <a:defRPr sz="1600"/>
+              <a:defRPr sz="1400">
+                <a:solidFill>
+                  <a:schemeClr val="tx1">
+                    <a:tint val="75000"/>
+                  </a:schemeClr>
+                </a:solidFill>
+              </a:defRPr>
             </a:lvl5pPr>
             <a:lvl6pPr marL="2286000" indent="0">
               <a:buNone/>
-              <a:defRPr sz="1600"/>
+              <a:defRPr sz="1400">
+                <a:solidFill>
+                  <a:schemeClr val="tx1">
+                    <a:tint val="75000"/>
+                  </a:schemeClr>
+                </a:solidFill>
+              </a:defRPr>
             </a:lvl6pPr>
             <a:lvl7pPr marL="2743200" indent="0">
               <a:buNone/>
-              <a:defRPr sz="1600"/>
+              <a:defRPr sz="1400">
+                <a:solidFill>
+                  <a:schemeClr val="tx1">
+                    <a:tint val="75000"/>
+                  </a:schemeClr>
+                </a:solidFill>
+              </a:defRPr>
             </a:lvl7pPr>
             <a:lvl8pPr marL="3200400" indent="0">
               <a:buNone/>
-              <a:defRPr sz="1600"/>
+              <a:defRPr sz="1400">
+                <a:solidFill>
+                  <a:schemeClr val="tx1">
+                    <a:tint val="75000"/>
+                  </a:schemeClr>
+                </a:solidFill>
+              </a:defRPr>
             </a:lvl8pPr>
             <a:lvl9pPr marL="3657600" indent="0">
               <a:buNone/>
-              <a:defRPr sz="1600"/>
+              <a:defRPr sz="1400">
+                <a:solidFill>
+                  <a:schemeClr val="tx1">
+                    <a:tint val="75000"/>
+                  </a:schemeClr>
+                </a:solidFill>
+              </a:defRPr>
             </a:lvl9pPr>
           </a:lstStyle>
           <a:p>
-            <a:r>
-              <a:rPr lang="en-US" smtClean="0"/>
-              <a:t>Click icon to add picture</a:t>
-            </a:r>
-            <a:endParaRPr lang="en-US" dirty="0"/>
-          </a:p>
-        </p:txBody>
-      </p:sp>
-      <p:sp>
-        <p:nvSpPr>
-          <p:cNvPr id="4" name="Text Placeholder 3"/>
-          <p:cNvSpPr>
-            <a:spLocks noGrp="1"/>
-          </p:cNvSpPr>
-          <p:nvPr>
-            <p:ph type="body" sz="half" idx="2"/>
-          </p:nvPr>
-        </p:nvSpPr>
-        <p:spPr>
-          <a:xfrm>
-            <a:off x="1484311" y="5299603"/>
-            <a:ext cx="10018711" cy="493712"/>
-          </a:xfrm>
-        </p:spPr>
-        <p:txBody>
-          <a:bodyPr>
-            <a:normAutofit/>
-          </a:bodyPr>
-          <a:lstStyle>
-            <a:lvl1pPr marL="0" indent="0" algn="ctr">
-              <a:buNone/>
-              <a:defRPr sz="1400"/>
-            </a:lvl1pPr>
-            <a:lvl2pPr marL="457200" indent="0">
-              <a:buNone/>
-              <a:defRPr sz="1200"/>
-            </a:lvl2pPr>
-            <a:lvl3pPr marL="914400" indent="0">
-              <a:buNone/>
-              <a:defRPr sz="1000"/>
-            </a:lvl3pPr>
-            <a:lvl4pPr marL="1371600" indent="0">
-              <a:buNone/>
-              <a:defRPr sz="900"/>
-            </a:lvl4pPr>
-            <a:lvl5pPr marL="1828800" indent="0">
-              <a:buNone/>
-              <a:defRPr sz="900"/>
-            </a:lvl5pPr>
-            <a:lvl6pPr marL="2286000" indent="0">
-              <a:buNone/>
-              <a:defRPr sz="900"/>
-            </a:lvl6pPr>
-            <a:lvl7pPr marL="2743200" indent="0">
-              <a:buNone/>
-              <a:defRPr sz="900"/>
-            </a:lvl7pPr>
-            <a:lvl8pPr marL="3200400" indent="0">
-              <a:buNone/>
-              <a:defRPr sz="900"/>
-            </a:lvl8pPr>
-            <a:lvl9pPr marL="3657600" indent="0">
-              <a:buNone/>
-              <a:defRPr sz="900"/>
-            </a:lvl9pPr>
-          </a:lstStyle>
-          <a:p>
             <a:pPr lvl="0"/>
             <a:r>
-              <a:rPr lang="en-US" smtClean="0"/>
-              <a:t>Click to edit Master text styles</a:t>
-            </a:r>
-          </a:p>
-        </p:txBody>
-      </p:sp>
-      <p:sp>
-        <p:nvSpPr>
-          <p:cNvPr id="5" name="Date Placeholder 4"/>
+              <a:rPr lang="es-ES" smtClean="0"/>
+              <a:t>Haga clic para modificar el estilo de texto del patrón</a:t>
+            </a:r>
+          </a:p>
+        </p:txBody>
+      </p:sp>
+      <p:sp>
+        <p:nvSpPr>
+          <p:cNvPr id="4" name="Date Placeholder 3"/>
           <p:cNvSpPr>
             <a:spLocks noGrp="1"/>
           </p:cNvSpPr>
@@ -923,7 +1112,7 @@
       </p:sp>
       <p:sp>
         <p:nvSpPr>
-          <p:cNvPr id="6" name="Footer Placeholder 5"/>
+          <p:cNvPr id="5" name="Footer Placeholder 4"/>
           <p:cNvSpPr>
             <a:spLocks noGrp="1"/>
           </p:cNvSpPr>
@@ -942,7 +1131,7 @@
       </p:sp>
       <p:sp>
         <p:nvSpPr>
-          <p:cNvPr id="7" name="Slide Number Placeholder 6"/>
+          <p:cNvPr id="6" name="Slide Number Placeholder 5"/>
           <p:cNvSpPr>
             <a:spLocks noGrp="1"/>
           </p:cNvSpPr>
@@ -966,7 +1155,7 @@
     </p:spTree>
     <p:extLst>
       <p:ext uri="{BB962C8B-B14F-4D97-AF65-F5344CB8AC3E}">
-        <p14:creationId xmlns:p14="http://schemas.microsoft.com/office/powerpoint/2010/main" val="1777743247"/>
+        <p14:creationId xmlns:p14="http://schemas.microsoft.com/office/powerpoint/2010/main" val="2195265235"/>
       </p:ext>
     </p:extLst>
   </p:cSld>
@@ -978,7 +1167,7 @@
 
 <file path=ppt/slideLayouts/slideLayout11.xml><?xml version="1.0" encoding="utf-8"?>
 <p:sldLayout xmlns:a="http://schemas.openxmlformats.org/drawingml/2006/main" xmlns:r="http://schemas.openxmlformats.org/officeDocument/2006/relationships" xmlns:p="http://schemas.openxmlformats.org/presentationml/2006/main" preserve="1">
-  <p:cSld name="Title and Caption">
+  <p:cSld name="Cita con descripción">
     <p:spTree>
       <p:nvGrpSpPr>
         <p:cNvPr id="1" name=""/>
@@ -1005,8 +1194,8 @@
         </p:nvSpPr>
         <p:spPr>
           <a:xfrm>
-            <a:off x="1484312" y="685800"/>
-            <a:ext cx="10018711" cy="3048000"/>
+            <a:off x="931334" y="609600"/>
+            <a:ext cx="8094134" cy="3022600"/>
           </a:xfrm>
         </p:spPr>
         <p:txBody>
@@ -1014,14 +1203,14 @@
             <a:normAutofit/>
           </a:bodyPr>
           <a:lstStyle>
-            <a:lvl1pPr algn="ctr">
-              <a:defRPr sz="3200" b="0" cap="none"/>
+            <a:lvl1pPr algn="l">
+              <a:defRPr sz="4400" b="0" cap="none"/>
             </a:lvl1pPr>
           </a:lstStyle>
           <a:p>
             <a:r>
-              <a:rPr lang="en-US" smtClean="0"/>
-              <a:t>Click to edit Master title style</a:t>
+              <a:rPr lang="es-ES" smtClean="0"/>
+              <a:t>Haga clic para modificar el estilo de título del patrón</a:t>
             </a:r>
             <a:endParaRPr lang="en-US" dirty="0"/>
           </a:p>
@@ -1029,18 +1218,81 @@
       </p:sp>
       <p:sp>
         <p:nvSpPr>
-          <p:cNvPr id="3" name="Text Placeholder 2"/>
-          <p:cNvSpPr>
-            <a:spLocks noGrp="1"/>
-          </p:cNvSpPr>
-          <p:nvPr>
-            <p:ph type="body" idx="1"/>
+          <p:cNvPr id="23" name="Text Placeholder 9"/>
+          <p:cNvSpPr>
+            <a:spLocks noGrp="1"/>
+          </p:cNvSpPr>
+          <p:nvPr>
+            <p:ph type="body" sz="quarter" idx="13"/>
           </p:nvPr>
         </p:nvSpPr>
         <p:spPr>
           <a:xfrm>
-            <a:off x="1484312" y="4343400"/>
-            <a:ext cx="10018713" cy="1447800"/>
+            <a:off x="1366139" y="3632200"/>
+            <a:ext cx="7224524" cy="381000"/>
+          </a:xfrm>
+        </p:spPr>
+        <p:txBody>
+          <a:bodyPr anchor="ctr">
+            <a:noAutofit/>
+          </a:bodyPr>
+          <a:lstStyle>
+            <a:lvl1pPr marL="0" indent="0">
+              <a:buFontTx/>
+              <a:buNone/>
+              <a:defRPr sz="1600">
+                <a:solidFill>
+                  <a:schemeClr val="tx1">
+                    <a:lumMod val="50000"/>
+                    <a:lumOff val="50000"/>
+                  </a:schemeClr>
+                </a:solidFill>
+              </a:defRPr>
+            </a:lvl1pPr>
+            <a:lvl2pPr marL="457200" indent="0">
+              <a:buFontTx/>
+              <a:buNone/>
+              <a:defRPr/>
+            </a:lvl2pPr>
+            <a:lvl3pPr marL="914400" indent="0">
+              <a:buFontTx/>
+              <a:buNone/>
+              <a:defRPr/>
+            </a:lvl3pPr>
+            <a:lvl4pPr marL="1371600" indent="0">
+              <a:buFontTx/>
+              <a:buNone/>
+              <a:defRPr/>
+            </a:lvl4pPr>
+            <a:lvl5pPr marL="1828800" indent="0">
+              <a:buFontTx/>
+              <a:buNone/>
+              <a:defRPr/>
+            </a:lvl5pPr>
+          </a:lstStyle>
+          <a:p>
+            <a:pPr lvl="0"/>
+            <a:r>
+              <a:rPr lang="es-ES" smtClean="0"/>
+              <a:t>Haga clic para modificar el estilo de texto del patrón</a:t>
+            </a:r>
+          </a:p>
+        </p:txBody>
+      </p:sp>
+      <p:sp>
+        <p:nvSpPr>
+          <p:cNvPr id="3" name="Text Placeholder 2"/>
+          <p:cNvSpPr>
+            <a:spLocks noGrp="1"/>
+          </p:cNvSpPr>
+          <p:nvPr>
+            <p:ph type="body" idx="1"/>
+          </p:nvPr>
+        </p:nvSpPr>
+        <p:spPr>
+          <a:xfrm>
+            <a:off x="677335" y="4470400"/>
+            <a:ext cx="8596668" cy="1570962"/>
           </a:xfrm>
         </p:spPr>
         <p:txBody>
@@ -1048,11 +1300,14 @@
             <a:normAutofit/>
           </a:bodyPr>
           <a:lstStyle>
-            <a:lvl1pPr marL="0" indent="0" algn="ctr">
-              <a:buNone/>
-              <a:defRPr sz="2000">
+            <a:lvl1pPr marL="0" indent="0" algn="l">
+              <a:buNone/>
+              <a:defRPr sz="1800">
                 <a:solidFill>
-                  <a:schemeClr val="tx1"/>
+                  <a:schemeClr val="tx1">
+                    <a:lumMod val="75000"/>
+                    <a:lumOff val="25000"/>
+                  </a:schemeClr>
                 </a:solidFill>
               </a:defRPr>
             </a:lvl1pPr>
@@ -1140,8 +1395,8 @@
           <a:p>
             <a:pPr lvl="0"/>
             <a:r>
-              <a:rPr lang="en-US" smtClean="0"/>
-              <a:t>Click to edit Master text styles</a:t>
+              <a:rPr lang="es-ES" smtClean="0"/>
+              <a:t>Haga clic para modificar el estilo de texto del patrón</a:t>
             </a:r>
           </a:p>
         </p:txBody>
@@ -1211,10 +1466,100 @@
           </a:p>
         </p:txBody>
       </p:sp>
+      <p:sp>
+        <p:nvSpPr>
+          <p:cNvPr id="20" name="TextBox 19"/>
+          <p:cNvSpPr txBox="1"/>
+          <p:nvPr/>
+        </p:nvSpPr>
+        <p:spPr>
+          <a:xfrm>
+            <a:off x="541870" y="790378"/>
+            <a:ext cx="609600" cy="584776"/>
+          </a:xfrm>
+          <a:prstGeom prst="rect">
+            <a:avLst/>
+          </a:prstGeom>
+        </p:spPr>
+        <p:txBody>
+          <a:bodyPr vert="horz" lIns="91440" tIns="45720" rIns="91440" bIns="45720" rtlCol="0" anchor="ctr">
+            <a:noAutofit/>
+          </a:bodyPr>
+          <a:lstStyle/>
+          <a:p>
+            <a:pPr lvl="0"/>
+            <a:r>
+              <a:rPr lang="en-US" sz="8000" baseline="0" dirty="0">
+                <a:ln w="3175" cmpd="sng">
+                  <a:noFill/>
+                </a:ln>
+                <a:solidFill>
+                  <a:schemeClr val="accent1">
+                    <a:lumMod val="60000"/>
+                    <a:lumOff val="40000"/>
+                  </a:schemeClr>
+                </a:solidFill>
+                <a:effectLst/>
+                <a:latin typeface="Arial"/>
+              </a:rPr>
+              <a:t>“</a:t>
+            </a:r>
+          </a:p>
+        </p:txBody>
+      </p:sp>
+      <p:sp>
+        <p:nvSpPr>
+          <p:cNvPr id="22" name="TextBox 21"/>
+          <p:cNvSpPr txBox="1"/>
+          <p:nvPr/>
+        </p:nvSpPr>
+        <p:spPr>
+          <a:xfrm>
+            <a:off x="8893011" y="2886556"/>
+            <a:ext cx="609600" cy="584776"/>
+          </a:xfrm>
+          <a:prstGeom prst="rect">
+            <a:avLst/>
+          </a:prstGeom>
+        </p:spPr>
+        <p:txBody>
+          <a:bodyPr vert="horz" lIns="91440" tIns="45720" rIns="91440" bIns="45720" rtlCol="0" anchor="ctr">
+            <a:noAutofit/>
+          </a:bodyPr>
+          <a:lstStyle/>
+          <a:p>
+            <a:pPr lvl="0"/>
+            <a:r>
+              <a:rPr lang="en-US" sz="8000" baseline="0" dirty="0">
+                <a:ln w="3175" cmpd="sng">
+                  <a:noFill/>
+                </a:ln>
+                <a:solidFill>
+                  <a:schemeClr val="accent1">
+                    <a:lumMod val="60000"/>
+                    <a:lumOff val="40000"/>
+                  </a:schemeClr>
+                </a:solidFill>
+                <a:latin typeface="Arial"/>
+              </a:rPr>
+              <a:t>”</a:t>
+            </a:r>
+            <a:endParaRPr lang="en-US" dirty="0">
+              <a:solidFill>
+                <a:schemeClr val="accent1">
+                  <a:lumMod val="60000"/>
+                  <a:lumOff val="40000"/>
+                </a:schemeClr>
+              </a:solidFill>
+              <a:latin typeface="Arial"/>
+            </a:endParaRPr>
+          </a:p>
+        </p:txBody>
+      </p:sp>
     </p:spTree>
     <p:extLst>
       <p:ext uri="{BB962C8B-B14F-4D97-AF65-F5344CB8AC3E}">
-        <p14:creationId xmlns:p14="http://schemas.microsoft.com/office/powerpoint/2010/main" val="2203973656"/>
+        <p14:creationId xmlns:p14="http://schemas.microsoft.com/office/powerpoint/2010/main" val="3843402499"/>
       </p:ext>
     </p:extLst>
   </p:cSld>
@@ -1226,7 +1571,7 @@
 
 <file path=ppt/slideLayouts/slideLayout12.xml><?xml version="1.0" encoding="utf-8"?>
 <p:sldLayout xmlns:a="http://schemas.openxmlformats.org/drawingml/2006/main" xmlns:r="http://schemas.openxmlformats.org/officeDocument/2006/relationships" xmlns:p="http://schemas.openxmlformats.org/presentationml/2006/main" preserve="1">
-  <p:cSld name="Quote with Caption">
+  <p:cSld name="Tarjeta de nombre">
     <p:spTree>
       <p:nvGrpSpPr>
         <p:cNvPr id="1" name=""/>
@@ -1243,269 +1588,33 @@
       </p:grpSpPr>
       <p:sp>
         <p:nvSpPr>
-          <p:cNvPr id="14" name="TextBox 13"/>
-          <p:cNvSpPr txBox="1"/>
-          <p:nvPr/>
+          <p:cNvPr id="2" name="Title 1"/>
+          <p:cNvSpPr>
+            <a:spLocks noGrp="1"/>
+          </p:cNvSpPr>
+          <p:nvPr>
+            <p:ph type="title"/>
+          </p:nvPr>
         </p:nvSpPr>
         <p:spPr>
           <a:xfrm>
-            <a:off x="1598612" y="863023"/>
-            <a:ext cx="609600" cy="584776"/>
-          </a:xfrm>
-          <a:prstGeom prst="rect">
-            <a:avLst/>
-          </a:prstGeom>
-        </p:spPr>
-        <p:txBody>
-          <a:bodyPr vert="horz" lIns="91440" tIns="45720" rIns="91440" bIns="45720" rtlCol="0" anchor="ctr">
-            <a:noAutofit/>
-          </a:bodyPr>
-          <a:lstStyle>
-            <a:lvl1pPr>
-              <a:spcBef>
-                <a:spcPct val="0"/>
-              </a:spcBef>
-              <a:buNone/>
-              <a:defRPr sz="3200" b="0" cap="all">
-                <a:ln w="3175" cmpd="sng">
-                  <a:noFill/>
-                </a:ln>
-                <a:effectLst>
-                  <a:glow rad="38100">
-                    <a:schemeClr val="bg1">
-                      <a:lumMod val="65000"/>
-                      <a:lumOff val="35000"/>
-                      <a:alpha val="40000"/>
-                    </a:schemeClr>
-                  </a:glow>
-                  <a:outerShdw blurRad="28575" dist="38100" dir="14040000" algn="tl" rotWithShape="0">
-                    <a:srgbClr val="000000">
-                      <a:alpha val="25000"/>
-                    </a:srgbClr>
-                  </a:outerShdw>
-                </a:effectLst>
-              </a:defRPr>
-            </a:lvl1pPr>
-            <a:lvl2pPr>
-              <a:defRPr>
-                <a:solidFill>
-                  <a:schemeClr val="tx2"/>
-                </a:solidFill>
-              </a:defRPr>
-            </a:lvl2pPr>
-            <a:lvl3pPr>
-              <a:defRPr>
-                <a:solidFill>
-                  <a:schemeClr val="tx2"/>
-                </a:solidFill>
-              </a:defRPr>
-            </a:lvl3pPr>
-            <a:lvl4pPr>
-              <a:defRPr>
-                <a:solidFill>
-                  <a:schemeClr val="tx2"/>
-                </a:solidFill>
-              </a:defRPr>
-            </a:lvl4pPr>
-            <a:lvl5pPr>
-              <a:defRPr>
-                <a:solidFill>
-                  <a:schemeClr val="tx2"/>
-                </a:solidFill>
-              </a:defRPr>
-            </a:lvl5pPr>
-            <a:lvl6pPr>
-              <a:defRPr>
-                <a:solidFill>
-                  <a:schemeClr val="tx2"/>
-                </a:solidFill>
-              </a:defRPr>
-            </a:lvl6pPr>
-            <a:lvl7pPr>
-              <a:defRPr>
-                <a:solidFill>
-                  <a:schemeClr val="tx2"/>
-                </a:solidFill>
-              </a:defRPr>
-            </a:lvl7pPr>
-            <a:lvl8pPr>
-              <a:defRPr>
-                <a:solidFill>
-                  <a:schemeClr val="tx2"/>
-                </a:solidFill>
-              </a:defRPr>
-            </a:lvl8pPr>
-            <a:lvl9pPr>
-              <a:defRPr>
-                <a:solidFill>
-                  <a:schemeClr val="tx2"/>
-                </a:solidFill>
-              </a:defRPr>
-            </a:lvl9pPr>
-          </a:lstStyle>
-          <a:p>
-            <a:pPr lvl="0"/>
-            <a:r>
-              <a:rPr lang="en-US" sz="8000" dirty="0">
-                <a:solidFill>
-                  <a:schemeClr val="tx1"/>
-                </a:solidFill>
-                <a:effectLst/>
-              </a:rPr>
-              <a:t>“</a:t>
-            </a:r>
-          </a:p>
-        </p:txBody>
-      </p:sp>
-      <p:sp>
-        <p:nvSpPr>
-          <p:cNvPr id="15" name="TextBox 14"/>
-          <p:cNvSpPr txBox="1"/>
-          <p:nvPr/>
-        </p:nvSpPr>
-        <p:spPr>
-          <a:xfrm>
-            <a:off x="10893425" y="2819399"/>
-            <a:ext cx="609600" cy="584776"/>
-          </a:xfrm>
-          <a:prstGeom prst="rect">
-            <a:avLst/>
-          </a:prstGeom>
-        </p:spPr>
-        <p:txBody>
-          <a:bodyPr vert="horz" lIns="91440" tIns="45720" rIns="91440" bIns="45720" rtlCol="0" anchor="ctr">
-            <a:noAutofit/>
-          </a:bodyPr>
-          <a:lstStyle>
-            <a:lvl1pPr>
-              <a:spcBef>
-                <a:spcPct val="0"/>
-              </a:spcBef>
-              <a:buNone/>
-              <a:defRPr sz="3200" b="0" cap="all">
-                <a:ln w="3175" cmpd="sng">
-                  <a:noFill/>
-                </a:ln>
-                <a:effectLst>
-                  <a:glow rad="38100">
-                    <a:schemeClr val="bg1">
-                      <a:lumMod val="65000"/>
-                      <a:lumOff val="35000"/>
-                      <a:alpha val="40000"/>
-                    </a:schemeClr>
-                  </a:glow>
-                  <a:outerShdw blurRad="28575" dist="38100" dir="14040000" algn="tl" rotWithShape="0">
-                    <a:srgbClr val="000000">
-                      <a:alpha val="25000"/>
-                    </a:srgbClr>
-                  </a:outerShdw>
-                </a:effectLst>
-              </a:defRPr>
-            </a:lvl1pPr>
-            <a:lvl2pPr>
-              <a:defRPr>
-                <a:solidFill>
-                  <a:schemeClr val="tx2"/>
-                </a:solidFill>
-              </a:defRPr>
-            </a:lvl2pPr>
-            <a:lvl3pPr>
-              <a:defRPr>
-                <a:solidFill>
-                  <a:schemeClr val="tx2"/>
-                </a:solidFill>
-              </a:defRPr>
-            </a:lvl3pPr>
-            <a:lvl4pPr>
-              <a:defRPr>
-                <a:solidFill>
-                  <a:schemeClr val="tx2"/>
-                </a:solidFill>
-              </a:defRPr>
-            </a:lvl4pPr>
-            <a:lvl5pPr>
-              <a:defRPr>
-                <a:solidFill>
-                  <a:schemeClr val="tx2"/>
-                </a:solidFill>
-              </a:defRPr>
-            </a:lvl5pPr>
-            <a:lvl6pPr>
-              <a:defRPr>
-                <a:solidFill>
-                  <a:schemeClr val="tx2"/>
-                </a:solidFill>
-              </a:defRPr>
-            </a:lvl6pPr>
-            <a:lvl7pPr>
-              <a:defRPr>
-                <a:solidFill>
-                  <a:schemeClr val="tx2"/>
-                </a:solidFill>
-              </a:defRPr>
-            </a:lvl7pPr>
-            <a:lvl8pPr>
-              <a:defRPr>
-                <a:solidFill>
-                  <a:schemeClr val="tx2"/>
-                </a:solidFill>
-              </a:defRPr>
-            </a:lvl8pPr>
-            <a:lvl9pPr>
-              <a:defRPr>
-                <a:solidFill>
-                  <a:schemeClr val="tx2"/>
-                </a:solidFill>
-              </a:defRPr>
-            </a:lvl9pPr>
-          </a:lstStyle>
-          <a:p>
-            <a:pPr lvl="0" algn="r"/>
-            <a:r>
-              <a:rPr lang="en-US" sz="8000" dirty="0">
-                <a:solidFill>
-                  <a:schemeClr val="tx1"/>
-                </a:solidFill>
-                <a:effectLst/>
-              </a:rPr>
-              <a:t>”</a:t>
-            </a:r>
-          </a:p>
-        </p:txBody>
-      </p:sp>
-      <p:sp>
-        <p:nvSpPr>
-          <p:cNvPr id="2" name="Title 1"/>
-          <p:cNvSpPr>
-            <a:spLocks noGrp="1"/>
-          </p:cNvSpPr>
-          <p:nvPr>
-            <p:ph type="title"/>
-          </p:nvPr>
-        </p:nvSpPr>
-        <p:spPr>
-          <a:xfrm>
-            <a:off x="2208212" y="685800"/>
-            <a:ext cx="8990012" cy="2743199"/>
+            <a:off x="677335" y="1931988"/>
+            <a:ext cx="8596668" cy="2595460"/>
           </a:xfrm>
         </p:spPr>
         <p:txBody>
-          <a:bodyPr anchor="ctr">
+          <a:bodyPr anchor="b">
             <a:normAutofit/>
           </a:bodyPr>
           <a:lstStyle>
-            <a:lvl1pPr algn="ctr">
-              <a:defRPr sz="3200" b="0" cap="none">
-                <a:solidFill>
-                  <a:schemeClr val="tx1"/>
-                </a:solidFill>
-              </a:defRPr>
+            <a:lvl1pPr algn="l">
+              <a:defRPr sz="4400" b="0" cap="none"/>
             </a:lvl1pPr>
           </a:lstStyle>
           <a:p>
             <a:r>
-              <a:rPr lang="en-US" smtClean="0"/>
-              <a:t>Click to edit Master title style</a:t>
+              <a:rPr lang="es-ES" smtClean="0"/>
+              <a:t>Haga clic para modificar el estilo de título del patrón</a:t>
             </a:r>
             <a:endParaRPr lang="en-US" dirty="0"/>
           </a:p>
@@ -1513,86 +1622,33 @@
       </p:sp>
       <p:sp>
         <p:nvSpPr>
-          <p:cNvPr id="10" name="Text Placeholder 9"/>
-          <p:cNvSpPr>
-            <a:spLocks noGrp="1"/>
-          </p:cNvSpPr>
-          <p:nvPr>
-            <p:ph type="body" sz="quarter" idx="13"/>
+          <p:cNvPr id="3" name="Text Placeholder 2"/>
+          <p:cNvSpPr>
+            <a:spLocks noGrp="1"/>
+          </p:cNvSpPr>
+          <p:nvPr>
+            <p:ph type="body" idx="1"/>
           </p:nvPr>
         </p:nvSpPr>
         <p:spPr>
           <a:xfrm>
-            <a:off x="2436811" y="3428999"/>
-            <a:ext cx="8532815" cy="381000"/>
+            <a:off x="677335" y="4527448"/>
+            <a:ext cx="8596668" cy="1513914"/>
           </a:xfrm>
         </p:spPr>
         <p:txBody>
-          <a:bodyPr anchor="ctr">
+          <a:bodyPr anchor="t">
             <a:normAutofit/>
           </a:bodyPr>
           <a:lstStyle>
-            <a:lvl1pPr marL="0" indent="0">
-              <a:buFontTx/>
-              <a:buNone/>
-              <a:defRPr sz="1800"/>
-            </a:lvl1pPr>
-            <a:lvl2pPr marL="457200" indent="0">
-              <a:buFontTx/>
-              <a:buNone/>
-              <a:defRPr/>
-            </a:lvl2pPr>
-            <a:lvl3pPr marL="914400" indent="0">
-              <a:buFontTx/>
-              <a:buNone/>
-              <a:defRPr/>
-            </a:lvl3pPr>
-            <a:lvl4pPr marL="1371600" indent="0">
-              <a:buFontTx/>
-              <a:buNone/>
-              <a:defRPr/>
-            </a:lvl4pPr>
-            <a:lvl5pPr marL="1828800" indent="0">
-              <a:buFontTx/>
-              <a:buNone/>
-              <a:defRPr/>
-            </a:lvl5pPr>
-          </a:lstStyle>
-          <a:p>
-            <a:pPr lvl="0"/>
-            <a:r>
-              <a:rPr lang="en-US" smtClean="0"/>
-              <a:t>Click to edit Master text styles</a:t>
-            </a:r>
-          </a:p>
-        </p:txBody>
-      </p:sp>
-      <p:sp>
-        <p:nvSpPr>
-          <p:cNvPr id="3" name="Text Placeholder 2"/>
-          <p:cNvSpPr>
-            <a:spLocks noGrp="1"/>
-          </p:cNvSpPr>
-          <p:nvPr>
-            <p:ph type="body" idx="1"/>
-          </p:nvPr>
-        </p:nvSpPr>
-        <p:spPr>
-          <a:xfrm>
-            <a:off x="1484311" y="4343400"/>
-            <a:ext cx="10018711" cy="1447800"/>
-          </a:xfrm>
-        </p:spPr>
-        <p:txBody>
-          <a:bodyPr anchor="ctr">
-            <a:normAutofit/>
-          </a:bodyPr>
-          <a:lstStyle>
-            <a:lvl1pPr marL="0" indent="0" algn="ctr">
-              <a:buNone/>
-              <a:defRPr sz="2000">
+            <a:lvl1pPr marL="0" indent="0" algn="l">
+              <a:buNone/>
+              <a:defRPr sz="1800">
                 <a:solidFill>
-                  <a:schemeClr val="tx1"/>
+                  <a:schemeClr val="tx1">
+                    <a:lumMod val="75000"/>
+                    <a:lumOff val="25000"/>
+                  </a:schemeClr>
                 </a:solidFill>
               </a:defRPr>
             </a:lvl1pPr>
@@ -1680,8 +1736,8 @@
           <a:p>
             <a:pPr lvl="0"/>
             <a:r>
-              <a:rPr lang="en-US" smtClean="0"/>
-              <a:t>Click to edit Master text styles</a:t>
+              <a:rPr lang="es-ES" smtClean="0"/>
+              <a:t>Haga clic para modificar el estilo de texto del patrón</a:t>
             </a:r>
           </a:p>
         </p:txBody>
@@ -1754,7 +1810,7 @@
     </p:spTree>
     <p:extLst>
       <p:ext uri="{BB962C8B-B14F-4D97-AF65-F5344CB8AC3E}">
-        <p14:creationId xmlns:p14="http://schemas.microsoft.com/office/powerpoint/2010/main" val="586782704"/>
+        <p14:creationId xmlns:p14="http://schemas.microsoft.com/office/powerpoint/2010/main" val="4282829450"/>
       </p:ext>
     </p:extLst>
   </p:cSld>
@@ -1766,7 +1822,7 @@
 
 <file path=ppt/slideLayouts/slideLayout13.xml><?xml version="1.0" encoding="utf-8"?>
 <p:sldLayout xmlns:a="http://schemas.openxmlformats.org/drawingml/2006/main" xmlns:r="http://schemas.openxmlformats.org/officeDocument/2006/relationships" xmlns:p="http://schemas.openxmlformats.org/presentationml/2006/main" preserve="1">
-  <p:cSld name="Name Card">
+  <p:cSld name="Citar la tarjeta de nombre">
     <p:spTree>
       <p:nvGrpSpPr>
         <p:cNvPr id="1" name=""/>
@@ -1793,23 +1849,23 @@
         </p:nvSpPr>
         <p:spPr>
           <a:xfrm>
-            <a:off x="1484313" y="3308581"/>
-            <a:ext cx="10018709" cy="1468800"/>
+            <a:off x="931334" y="609600"/>
+            <a:ext cx="8094134" cy="3022600"/>
           </a:xfrm>
         </p:spPr>
         <p:txBody>
-          <a:bodyPr anchor="b">
+          <a:bodyPr anchor="ctr">
             <a:normAutofit/>
           </a:bodyPr>
           <a:lstStyle>
-            <a:lvl1pPr algn="r">
-              <a:defRPr sz="3200" b="0" cap="none"/>
+            <a:lvl1pPr algn="l">
+              <a:defRPr sz="4400" b="0" cap="none"/>
             </a:lvl1pPr>
           </a:lstStyle>
           <a:p>
             <a:r>
-              <a:rPr lang="en-US" smtClean="0"/>
-              <a:t>Click to edit Master title style</a:t>
+              <a:rPr lang="es-ES" smtClean="0"/>
+              <a:t>Haga clic para modificar el estilo de título del patrón</a:t>
             </a:r>
             <a:endParaRPr lang="en-US" dirty="0"/>
           </a:p>
@@ -1817,18 +1873,81 @@
       </p:sp>
       <p:sp>
         <p:nvSpPr>
-          <p:cNvPr id="3" name="Text Placeholder 2"/>
-          <p:cNvSpPr>
-            <a:spLocks noGrp="1"/>
-          </p:cNvSpPr>
-          <p:nvPr>
-            <p:ph type="body" idx="1"/>
+          <p:cNvPr id="23" name="Text Placeholder 9"/>
+          <p:cNvSpPr>
+            <a:spLocks noGrp="1"/>
+          </p:cNvSpPr>
+          <p:nvPr>
+            <p:ph type="body" sz="quarter" idx="13"/>
           </p:nvPr>
         </p:nvSpPr>
         <p:spPr>
           <a:xfrm>
-            <a:off x="1484312" y="4777381"/>
-            <a:ext cx="10018710" cy="860400"/>
+            <a:off x="677332" y="4013200"/>
+            <a:ext cx="8596669" cy="514248"/>
+          </a:xfrm>
+        </p:spPr>
+        <p:txBody>
+          <a:bodyPr anchor="b">
+            <a:noAutofit/>
+          </a:bodyPr>
+          <a:lstStyle>
+            <a:lvl1pPr marL="0" indent="0">
+              <a:buFontTx/>
+              <a:buNone/>
+              <a:defRPr sz="2400">
+                <a:solidFill>
+                  <a:schemeClr val="tx1">
+                    <a:lumMod val="75000"/>
+                    <a:lumOff val="25000"/>
+                  </a:schemeClr>
+                </a:solidFill>
+              </a:defRPr>
+            </a:lvl1pPr>
+            <a:lvl2pPr marL="457200" indent="0">
+              <a:buFontTx/>
+              <a:buNone/>
+              <a:defRPr/>
+            </a:lvl2pPr>
+            <a:lvl3pPr marL="914400" indent="0">
+              <a:buFontTx/>
+              <a:buNone/>
+              <a:defRPr/>
+            </a:lvl3pPr>
+            <a:lvl4pPr marL="1371600" indent="0">
+              <a:buFontTx/>
+              <a:buNone/>
+              <a:defRPr/>
+            </a:lvl4pPr>
+            <a:lvl5pPr marL="1828800" indent="0">
+              <a:buFontTx/>
+              <a:buNone/>
+              <a:defRPr/>
+            </a:lvl5pPr>
+          </a:lstStyle>
+          <a:p>
+            <a:pPr lvl="0"/>
+            <a:r>
+              <a:rPr lang="es-ES" smtClean="0"/>
+              <a:t>Haga clic para modificar el estilo de texto del patrón</a:t>
+            </a:r>
+          </a:p>
+        </p:txBody>
+      </p:sp>
+      <p:sp>
+        <p:nvSpPr>
+          <p:cNvPr id="3" name="Text Placeholder 2"/>
+          <p:cNvSpPr>
+            <a:spLocks noGrp="1"/>
+          </p:cNvSpPr>
+          <p:nvPr>
+            <p:ph type="body" idx="1"/>
+          </p:nvPr>
+        </p:nvSpPr>
+        <p:spPr>
+          <a:xfrm>
+            <a:off x="677335" y="4527448"/>
+            <a:ext cx="8596668" cy="1513914"/>
           </a:xfrm>
         </p:spPr>
         <p:txBody>
@@ -1836,11 +1955,14 @@
             <a:normAutofit/>
           </a:bodyPr>
           <a:lstStyle>
-            <a:lvl1pPr marL="0" indent="0" algn="r">
-              <a:buNone/>
-              <a:defRPr sz="2000">
+            <a:lvl1pPr marL="0" indent="0" algn="l">
+              <a:buNone/>
+              <a:defRPr sz="1800">
                 <a:solidFill>
-                  <a:schemeClr val="tx1"/>
+                  <a:schemeClr val="tx1">
+                    <a:lumMod val="50000"/>
+                    <a:lumOff val="50000"/>
+                  </a:schemeClr>
                 </a:solidFill>
               </a:defRPr>
             </a:lvl1pPr>
@@ -1928,8 +2050,8 @@
           <a:p>
             <a:pPr lvl="0"/>
             <a:r>
-              <a:rPr lang="en-US" smtClean="0"/>
-              <a:t>Click to edit Master text styles</a:t>
+              <a:rPr lang="es-ES" smtClean="0"/>
+              <a:t>Haga clic para modificar el estilo de texto del patrón</a:t>
             </a:r>
           </a:p>
         </p:txBody>
@@ -1999,10 +2121,92 @@
           </a:p>
         </p:txBody>
       </p:sp>
+      <p:sp>
+        <p:nvSpPr>
+          <p:cNvPr id="24" name="TextBox 23"/>
+          <p:cNvSpPr txBox="1"/>
+          <p:nvPr/>
+        </p:nvSpPr>
+        <p:spPr>
+          <a:xfrm>
+            <a:off x="541870" y="790378"/>
+            <a:ext cx="609600" cy="584776"/>
+          </a:xfrm>
+          <a:prstGeom prst="rect">
+            <a:avLst/>
+          </a:prstGeom>
+        </p:spPr>
+        <p:txBody>
+          <a:bodyPr vert="horz" lIns="91440" tIns="45720" rIns="91440" bIns="45720" rtlCol="0" anchor="ctr">
+            <a:noAutofit/>
+          </a:bodyPr>
+          <a:lstStyle/>
+          <a:p>
+            <a:pPr lvl="0"/>
+            <a:r>
+              <a:rPr lang="en-US" sz="8000" baseline="0" dirty="0">
+                <a:ln w="3175" cmpd="sng">
+                  <a:noFill/>
+                </a:ln>
+                <a:solidFill>
+                  <a:schemeClr val="accent1">
+                    <a:lumMod val="60000"/>
+                    <a:lumOff val="40000"/>
+                  </a:schemeClr>
+                </a:solidFill>
+                <a:effectLst/>
+                <a:latin typeface="Arial"/>
+              </a:rPr>
+              <a:t>“</a:t>
+            </a:r>
+          </a:p>
+        </p:txBody>
+      </p:sp>
+      <p:sp>
+        <p:nvSpPr>
+          <p:cNvPr id="25" name="TextBox 24"/>
+          <p:cNvSpPr txBox="1"/>
+          <p:nvPr/>
+        </p:nvSpPr>
+        <p:spPr>
+          <a:xfrm>
+            <a:off x="8893011" y="2886556"/>
+            <a:ext cx="609600" cy="584776"/>
+          </a:xfrm>
+          <a:prstGeom prst="rect">
+            <a:avLst/>
+          </a:prstGeom>
+        </p:spPr>
+        <p:txBody>
+          <a:bodyPr vert="horz" lIns="91440" tIns="45720" rIns="91440" bIns="45720" rtlCol="0" anchor="ctr">
+            <a:noAutofit/>
+          </a:bodyPr>
+          <a:lstStyle/>
+          <a:p>
+            <a:pPr lvl="0"/>
+            <a:r>
+              <a:rPr lang="en-US" sz="8000" baseline="0" dirty="0">
+                <a:ln w="3175" cmpd="sng">
+                  <a:noFill/>
+                </a:ln>
+                <a:solidFill>
+                  <a:schemeClr val="accent1">
+                    <a:lumMod val="60000"/>
+                    <a:lumOff val="40000"/>
+                  </a:schemeClr>
+                </a:solidFill>
+                <a:effectLst/>
+                <a:latin typeface="Arial"/>
+              </a:rPr>
+              <a:t>”</a:t>
+            </a:r>
+          </a:p>
+        </p:txBody>
+      </p:sp>
     </p:spTree>
     <p:extLst>
       <p:ext uri="{BB962C8B-B14F-4D97-AF65-F5344CB8AC3E}">
-        <p14:creationId xmlns:p14="http://schemas.microsoft.com/office/powerpoint/2010/main" val="4022955709"/>
+        <p14:creationId xmlns:p14="http://schemas.microsoft.com/office/powerpoint/2010/main" val="2707593236"/>
       </p:ext>
     </p:extLst>
   </p:cSld>
@@ -2014,7 +2218,7 @@
 
 <file path=ppt/slideLayouts/slideLayout14.xml><?xml version="1.0" encoding="utf-8"?>
 <p:sldLayout xmlns:a="http://schemas.openxmlformats.org/drawingml/2006/main" xmlns:r="http://schemas.openxmlformats.org/officeDocument/2006/relationships" xmlns:p="http://schemas.openxmlformats.org/presentationml/2006/main" preserve="1">
-  <p:cSld name="Quote Name Card">
+  <p:cSld name="Verdadero o falso">
     <p:spTree>
       <p:nvGrpSpPr>
         <p:cNvPr id="1" name=""/>
@@ -2031,250 +2235,18 @@
       </p:grpSpPr>
       <p:sp>
         <p:nvSpPr>
-          <p:cNvPr id="14" name="TextBox 13"/>
-          <p:cNvSpPr txBox="1"/>
-          <p:nvPr/>
+          <p:cNvPr id="2" name="Title 1"/>
+          <p:cNvSpPr>
+            <a:spLocks noGrp="1"/>
+          </p:cNvSpPr>
+          <p:nvPr>
+            <p:ph type="title"/>
+          </p:nvPr>
         </p:nvSpPr>
         <p:spPr>
           <a:xfrm>
-            <a:off x="1598612" y="863023"/>
-            <a:ext cx="609600" cy="584776"/>
-          </a:xfrm>
-          <a:prstGeom prst="rect">
-            <a:avLst/>
-          </a:prstGeom>
-        </p:spPr>
-        <p:txBody>
-          <a:bodyPr vert="horz" lIns="91440" tIns="45720" rIns="91440" bIns="45720" rtlCol="0" anchor="ctr">
-            <a:noAutofit/>
-          </a:bodyPr>
-          <a:lstStyle>
-            <a:lvl1pPr>
-              <a:spcBef>
-                <a:spcPct val="0"/>
-              </a:spcBef>
-              <a:buNone/>
-              <a:defRPr sz="3200" b="0" cap="all">
-                <a:ln w="3175" cmpd="sng">
-                  <a:noFill/>
-                </a:ln>
-                <a:effectLst>
-                  <a:glow rad="38100">
-                    <a:schemeClr val="bg1">
-                      <a:lumMod val="65000"/>
-                      <a:lumOff val="35000"/>
-                      <a:alpha val="40000"/>
-                    </a:schemeClr>
-                  </a:glow>
-                  <a:outerShdw blurRad="28575" dist="38100" dir="14040000" algn="tl" rotWithShape="0">
-                    <a:srgbClr val="000000">
-                      <a:alpha val="25000"/>
-                    </a:srgbClr>
-                  </a:outerShdw>
-                </a:effectLst>
-              </a:defRPr>
-            </a:lvl1pPr>
-            <a:lvl2pPr>
-              <a:defRPr>
-                <a:solidFill>
-                  <a:schemeClr val="tx2"/>
-                </a:solidFill>
-              </a:defRPr>
-            </a:lvl2pPr>
-            <a:lvl3pPr>
-              <a:defRPr>
-                <a:solidFill>
-                  <a:schemeClr val="tx2"/>
-                </a:solidFill>
-              </a:defRPr>
-            </a:lvl3pPr>
-            <a:lvl4pPr>
-              <a:defRPr>
-                <a:solidFill>
-                  <a:schemeClr val="tx2"/>
-                </a:solidFill>
-              </a:defRPr>
-            </a:lvl4pPr>
-            <a:lvl5pPr>
-              <a:defRPr>
-                <a:solidFill>
-                  <a:schemeClr val="tx2"/>
-                </a:solidFill>
-              </a:defRPr>
-            </a:lvl5pPr>
-            <a:lvl6pPr>
-              <a:defRPr>
-                <a:solidFill>
-                  <a:schemeClr val="tx2"/>
-                </a:solidFill>
-              </a:defRPr>
-            </a:lvl6pPr>
-            <a:lvl7pPr>
-              <a:defRPr>
-                <a:solidFill>
-                  <a:schemeClr val="tx2"/>
-                </a:solidFill>
-              </a:defRPr>
-            </a:lvl7pPr>
-            <a:lvl8pPr>
-              <a:defRPr>
-                <a:solidFill>
-                  <a:schemeClr val="tx2"/>
-                </a:solidFill>
-              </a:defRPr>
-            </a:lvl8pPr>
-            <a:lvl9pPr>
-              <a:defRPr>
-                <a:solidFill>
-                  <a:schemeClr val="tx2"/>
-                </a:solidFill>
-              </a:defRPr>
-            </a:lvl9pPr>
-          </a:lstStyle>
-          <a:p>
-            <a:pPr lvl="0"/>
-            <a:r>
-              <a:rPr lang="en-US" sz="8000" dirty="0">
-                <a:solidFill>
-                  <a:schemeClr val="tx1"/>
-                </a:solidFill>
-                <a:effectLst/>
-              </a:rPr>
-              <a:t>“</a:t>
-            </a:r>
-          </a:p>
-        </p:txBody>
-      </p:sp>
-      <p:sp>
-        <p:nvSpPr>
-          <p:cNvPr id="15" name="TextBox 14"/>
-          <p:cNvSpPr txBox="1"/>
-          <p:nvPr/>
-        </p:nvSpPr>
-        <p:spPr>
-          <a:xfrm>
-            <a:off x="10893425" y="2819399"/>
-            <a:ext cx="609600" cy="584776"/>
-          </a:xfrm>
-          <a:prstGeom prst="rect">
-            <a:avLst/>
-          </a:prstGeom>
-        </p:spPr>
-        <p:txBody>
-          <a:bodyPr vert="horz" lIns="91440" tIns="45720" rIns="91440" bIns="45720" rtlCol="0" anchor="ctr">
-            <a:noAutofit/>
-          </a:bodyPr>
-          <a:lstStyle>
-            <a:lvl1pPr>
-              <a:spcBef>
-                <a:spcPct val="0"/>
-              </a:spcBef>
-              <a:buNone/>
-              <a:defRPr sz="3200" b="0" cap="all">
-                <a:ln w="3175" cmpd="sng">
-                  <a:noFill/>
-                </a:ln>
-                <a:effectLst>
-                  <a:glow rad="38100">
-                    <a:schemeClr val="bg1">
-                      <a:lumMod val="65000"/>
-                      <a:lumOff val="35000"/>
-                      <a:alpha val="40000"/>
-                    </a:schemeClr>
-                  </a:glow>
-                  <a:outerShdw blurRad="28575" dist="38100" dir="14040000" algn="tl" rotWithShape="0">
-                    <a:srgbClr val="000000">
-                      <a:alpha val="25000"/>
-                    </a:srgbClr>
-                  </a:outerShdw>
-                </a:effectLst>
-              </a:defRPr>
-            </a:lvl1pPr>
-            <a:lvl2pPr>
-              <a:defRPr>
-                <a:solidFill>
-                  <a:schemeClr val="tx2"/>
-                </a:solidFill>
-              </a:defRPr>
-            </a:lvl2pPr>
-            <a:lvl3pPr>
-              <a:defRPr>
-                <a:solidFill>
-                  <a:schemeClr val="tx2"/>
-                </a:solidFill>
-              </a:defRPr>
-            </a:lvl3pPr>
-            <a:lvl4pPr>
-              <a:defRPr>
-                <a:solidFill>
-                  <a:schemeClr val="tx2"/>
-                </a:solidFill>
-              </a:defRPr>
-            </a:lvl4pPr>
-            <a:lvl5pPr>
-              <a:defRPr>
-                <a:solidFill>
-                  <a:schemeClr val="tx2"/>
-                </a:solidFill>
-              </a:defRPr>
-            </a:lvl5pPr>
-            <a:lvl6pPr>
-              <a:defRPr>
-                <a:solidFill>
-                  <a:schemeClr val="tx2"/>
-                </a:solidFill>
-              </a:defRPr>
-            </a:lvl6pPr>
-            <a:lvl7pPr>
-              <a:defRPr>
-                <a:solidFill>
-                  <a:schemeClr val="tx2"/>
-                </a:solidFill>
-              </a:defRPr>
-            </a:lvl7pPr>
-            <a:lvl8pPr>
-              <a:defRPr>
-                <a:solidFill>
-                  <a:schemeClr val="tx2"/>
-                </a:solidFill>
-              </a:defRPr>
-            </a:lvl8pPr>
-            <a:lvl9pPr>
-              <a:defRPr>
-                <a:solidFill>
-                  <a:schemeClr val="tx2"/>
-                </a:solidFill>
-              </a:defRPr>
-            </a:lvl9pPr>
-          </a:lstStyle>
-          <a:p>
-            <a:pPr lvl="0" algn="r"/>
-            <a:r>
-              <a:rPr lang="en-US" sz="8000" dirty="0">
-                <a:solidFill>
-                  <a:schemeClr val="tx1"/>
-                </a:solidFill>
-                <a:effectLst/>
-              </a:rPr>
-              <a:t>”</a:t>
-            </a:r>
-          </a:p>
-        </p:txBody>
-      </p:sp>
-      <p:sp>
-        <p:nvSpPr>
-          <p:cNvPr id="2" name="Title 1"/>
-          <p:cNvSpPr>
-            <a:spLocks noGrp="1"/>
-          </p:cNvSpPr>
-          <p:nvPr>
-            <p:ph type="title"/>
-          </p:nvPr>
-        </p:nvSpPr>
-        <p:spPr>
-          <a:xfrm>
-            <a:off x="2208212" y="685800"/>
-            <a:ext cx="8990012" cy="2743199"/>
+            <a:off x="685799" y="609600"/>
+            <a:ext cx="8588203" cy="3022600"/>
           </a:xfrm>
         </p:spPr>
         <p:txBody>
@@ -2282,85 +2254,93 @@
             <a:normAutofit/>
           </a:bodyPr>
           <a:lstStyle>
-            <a:lvl1pPr algn="ctr">
-              <a:defRPr sz="3200" b="0" cap="none">
+            <a:lvl1pPr algn="l">
+              <a:defRPr sz="4400" b="0" cap="none"/>
+            </a:lvl1pPr>
+          </a:lstStyle>
+          <a:p>
+            <a:r>
+              <a:rPr lang="es-ES" smtClean="0"/>
+              <a:t>Haga clic para modificar el estilo de título del patrón</a:t>
+            </a:r>
+            <a:endParaRPr lang="en-US" dirty="0"/>
+          </a:p>
+        </p:txBody>
+      </p:sp>
+      <p:sp>
+        <p:nvSpPr>
+          <p:cNvPr id="23" name="Text Placeholder 9"/>
+          <p:cNvSpPr>
+            <a:spLocks noGrp="1"/>
+          </p:cNvSpPr>
+          <p:nvPr>
+            <p:ph type="body" sz="quarter" idx="13"/>
+          </p:nvPr>
+        </p:nvSpPr>
+        <p:spPr>
+          <a:xfrm>
+            <a:off x="677332" y="4013200"/>
+            <a:ext cx="8596669" cy="514248"/>
+          </a:xfrm>
+        </p:spPr>
+        <p:txBody>
+          <a:bodyPr anchor="b">
+            <a:noAutofit/>
+          </a:bodyPr>
+          <a:lstStyle>
+            <a:lvl1pPr marL="0" indent="0">
+              <a:buFontTx/>
+              <a:buNone/>
+              <a:defRPr sz="2400">
                 <a:solidFill>
-                  <a:schemeClr val="tx1"/>
+                  <a:schemeClr val="accent1"/>
                 </a:solidFill>
               </a:defRPr>
             </a:lvl1pPr>
+            <a:lvl2pPr marL="457200" indent="0">
+              <a:buFontTx/>
+              <a:buNone/>
+              <a:defRPr/>
+            </a:lvl2pPr>
+            <a:lvl3pPr marL="914400" indent="0">
+              <a:buFontTx/>
+              <a:buNone/>
+              <a:defRPr/>
+            </a:lvl3pPr>
+            <a:lvl4pPr marL="1371600" indent="0">
+              <a:buFontTx/>
+              <a:buNone/>
+              <a:defRPr/>
+            </a:lvl4pPr>
+            <a:lvl5pPr marL="1828800" indent="0">
+              <a:buFontTx/>
+              <a:buNone/>
+              <a:defRPr/>
+            </a:lvl5pPr>
           </a:lstStyle>
           <a:p>
-            <a:r>
-              <a:rPr lang="en-US" smtClean="0"/>
-              <a:t>Click to edit Master title style</a:t>
-            </a:r>
-            <a:endParaRPr lang="en-US" dirty="0"/>
-          </a:p>
-        </p:txBody>
-      </p:sp>
-      <p:sp>
-        <p:nvSpPr>
-          <p:cNvPr id="10" name="Text Placeholder 9"/>
-          <p:cNvSpPr>
-            <a:spLocks noGrp="1"/>
-          </p:cNvSpPr>
-          <p:nvPr>
-            <p:ph type="body" sz="quarter" idx="13"/>
+            <a:pPr lvl="0"/>
+            <a:r>
+              <a:rPr lang="es-ES" smtClean="0"/>
+              <a:t>Haga clic para modificar el estilo de texto del patrón</a:t>
+            </a:r>
+          </a:p>
+        </p:txBody>
+      </p:sp>
+      <p:sp>
+        <p:nvSpPr>
+          <p:cNvPr id="3" name="Text Placeholder 2"/>
+          <p:cNvSpPr>
+            <a:spLocks noGrp="1"/>
+          </p:cNvSpPr>
+          <p:nvPr>
+            <p:ph type="body" idx="1"/>
           </p:nvPr>
         </p:nvSpPr>
         <p:spPr>
           <a:xfrm>
-            <a:off x="1484313" y="3886200"/>
-            <a:ext cx="10018710" cy="889000"/>
-          </a:xfrm>
-        </p:spPr>
-        <p:txBody>
-          <a:bodyPr vert="horz" lIns="91440" tIns="45720" rIns="91440" bIns="45720" rtlCol="0" anchor="b">
-            <a:normAutofit/>
-          </a:bodyPr>
-          <a:lstStyle>
-            <a:lvl1pPr algn="r">
-              <a:buNone/>
-              <a:defRPr lang="en-US" sz="2400" b="0" cap="none" dirty="0">
-                <a:ln w="3175" cmpd="sng">
-                  <a:noFill/>
-                </a:ln>
-                <a:solidFill>
-                  <a:schemeClr val="tx1"/>
-                </a:solidFill>
-                <a:effectLst/>
-              </a:defRPr>
-            </a:lvl1pPr>
-          </a:lstStyle>
-          <a:p>
-            <a:pPr marL="0" lvl="0">
-              <a:spcBef>
-                <a:spcPct val="0"/>
-              </a:spcBef>
-              <a:buNone/>
-            </a:pPr>
-            <a:r>
-              <a:rPr lang="en-US" smtClean="0"/>
-              <a:t>Click to edit Master text styles</a:t>
-            </a:r>
-          </a:p>
-        </p:txBody>
-      </p:sp>
-      <p:sp>
-        <p:nvSpPr>
-          <p:cNvPr id="3" name="Text Placeholder 2"/>
-          <p:cNvSpPr>
-            <a:spLocks noGrp="1"/>
-          </p:cNvSpPr>
-          <p:nvPr>
-            <p:ph type="body" idx="1"/>
-          </p:nvPr>
-        </p:nvSpPr>
-        <p:spPr>
-          <a:xfrm>
-            <a:off x="1484312" y="4775200"/>
-            <a:ext cx="10018710" cy="1016000"/>
+            <a:off x="677335" y="4527448"/>
+            <a:ext cx="8596668" cy="1513914"/>
           </a:xfrm>
         </p:spPr>
         <p:txBody>
@@ -2368,11 +2348,14 @@
             <a:normAutofit/>
           </a:bodyPr>
           <a:lstStyle>
-            <a:lvl1pPr marL="0" indent="0" algn="r">
+            <a:lvl1pPr marL="0" indent="0" algn="l">
               <a:buNone/>
               <a:defRPr sz="1800">
                 <a:solidFill>
-                  <a:schemeClr val="tx1"/>
+                  <a:schemeClr val="tx1">
+                    <a:lumMod val="50000"/>
+                    <a:lumOff val="50000"/>
+                  </a:schemeClr>
                 </a:solidFill>
               </a:defRPr>
             </a:lvl1pPr>
@@ -2460,8 +2443,8 @@
           <a:p>
             <a:pPr lvl="0"/>
             <a:r>
-              <a:rPr lang="en-US" smtClean="0"/>
-              <a:t>Click to edit Master text styles</a:t>
+              <a:rPr lang="es-ES" smtClean="0"/>
+              <a:t>Haga clic para modificar el estilo de texto del patrón</a:t>
             </a:r>
           </a:p>
         </p:txBody>
@@ -2534,7 +2517,7 @@
     </p:spTree>
     <p:extLst>
       <p:ext uri="{BB962C8B-B14F-4D97-AF65-F5344CB8AC3E}">
-        <p14:creationId xmlns:p14="http://schemas.microsoft.com/office/powerpoint/2010/main" val="259836336"/>
+        <p14:creationId xmlns:p14="http://schemas.microsoft.com/office/powerpoint/2010/main" val="3023508363"/>
       </p:ext>
     </p:extLst>
   </p:cSld>
@@ -2545,8 +2528,8 @@
 </file>
 
 <file path=ppt/slideLayouts/slideLayout15.xml><?xml version="1.0" encoding="utf-8"?>
-<p:sldLayout xmlns:a="http://schemas.openxmlformats.org/drawingml/2006/main" xmlns:r="http://schemas.openxmlformats.org/officeDocument/2006/relationships" xmlns:p="http://schemas.openxmlformats.org/presentationml/2006/main" preserve="1">
-  <p:cSld name="True or False">
+<p:sldLayout xmlns:a="http://schemas.openxmlformats.org/drawingml/2006/main" xmlns:r="http://schemas.openxmlformats.org/officeDocument/2006/relationships" xmlns:p="http://schemas.openxmlformats.org/presentationml/2006/main" type="vertTx" preserve="1">
+  <p:cSld name="Título y texto vertical">
     <p:spTree>
       <p:nvGrpSpPr>
         <p:cNvPr id="1" name=""/>
@@ -2571,26 +2554,14 @@
             <p:ph type="title"/>
           </p:nvPr>
         </p:nvSpPr>
-        <p:spPr>
-          <a:xfrm>
-            <a:off x="1484313" y="685800"/>
-            <a:ext cx="10018712" cy="2727325"/>
-          </a:xfrm>
-        </p:spPr>
-        <p:txBody>
-          <a:bodyPr vert="horz" lIns="91440" tIns="45720" rIns="91440" bIns="45720" rtlCol="0" anchor="ctr">
-            <a:normAutofit/>
-          </a:bodyPr>
-          <a:lstStyle>
-            <a:lvl1pPr>
-              <a:defRPr lang="en-US" b="0" dirty="0"/>
-            </a:lvl1pPr>
-          </a:lstStyle>
-          <a:p>
-            <a:pPr marL="0" lvl="0"/>
-            <a:r>
-              <a:rPr lang="en-US" smtClean="0"/>
-              <a:t>Click to edit Master title style</a:t>
+        <p:spPr/>
+        <p:txBody>
+          <a:bodyPr/>
+          <a:lstStyle/>
+          <a:p>
+            <a:r>
+              <a:rPr lang="es-ES" smtClean="0"/>
+              <a:t>Haga clic para modificar el estilo de título del patrón</a:t>
             </a:r>
             <a:endParaRPr lang="en-US" dirty="0"/>
           </a:p>
@@ -2598,168 +2569,53 @@
       </p:sp>
       <p:sp>
         <p:nvSpPr>
-          <p:cNvPr id="10" name="Text Placeholder 9"/>
-          <p:cNvSpPr>
-            <a:spLocks noGrp="1"/>
-          </p:cNvSpPr>
-          <p:nvPr>
-            <p:ph type="body" sz="quarter" idx="13"/>
-          </p:nvPr>
-        </p:nvSpPr>
-        <p:spPr>
-          <a:xfrm>
-            <a:off x="1484312" y="3505200"/>
-            <a:ext cx="10018713" cy="838200"/>
-          </a:xfrm>
-        </p:spPr>
-        <p:txBody>
-          <a:bodyPr vert="horz" lIns="91440" tIns="45720" rIns="91440" bIns="45720" rtlCol="0" anchor="b">
-            <a:normAutofit/>
-          </a:bodyPr>
-          <a:lstStyle>
-            <a:lvl1pPr>
-              <a:buNone/>
-              <a:defRPr lang="en-US" sz="2800" b="0" cap="none" dirty="0">
-                <a:ln w="3175" cmpd="sng">
-                  <a:noFill/>
-                </a:ln>
-                <a:solidFill>
-                  <a:schemeClr val="tx1"/>
-                </a:solidFill>
-                <a:effectLst/>
-              </a:defRPr>
-            </a:lvl1pPr>
-          </a:lstStyle>
-          <a:p>
-            <a:pPr marL="0" lvl="0">
-              <a:spcBef>
-                <a:spcPct val="0"/>
-              </a:spcBef>
-              <a:buNone/>
-            </a:pPr>
-            <a:r>
-              <a:rPr lang="en-US" smtClean="0"/>
-              <a:t>Click to edit Master text styles</a:t>
-            </a:r>
-          </a:p>
-        </p:txBody>
-      </p:sp>
-      <p:sp>
-        <p:nvSpPr>
-          <p:cNvPr id="3" name="Text Placeholder 2"/>
-          <p:cNvSpPr>
-            <a:spLocks noGrp="1"/>
-          </p:cNvSpPr>
-          <p:nvPr>
-            <p:ph type="body" idx="1"/>
-          </p:nvPr>
-        </p:nvSpPr>
-        <p:spPr>
-          <a:xfrm>
-            <a:off x="1484311" y="4343400"/>
-            <a:ext cx="10018713" cy="1447800"/>
-          </a:xfrm>
-        </p:spPr>
-        <p:txBody>
-          <a:bodyPr anchor="t">
-            <a:normAutofit/>
-          </a:bodyPr>
-          <a:lstStyle>
-            <a:lvl1pPr marL="0" indent="0" algn="l">
-              <a:buNone/>
-              <a:defRPr sz="1800">
-                <a:solidFill>
-                  <a:schemeClr val="tx1"/>
-                </a:solidFill>
-              </a:defRPr>
-            </a:lvl1pPr>
-            <a:lvl2pPr marL="457200" indent="0">
-              <a:buNone/>
-              <a:defRPr sz="1800">
-                <a:solidFill>
-                  <a:schemeClr val="tx1">
-                    <a:tint val="75000"/>
-                  </a:schemeClr>
-                </a:solidFill>
-              </a:defRPr>
-            </a:lvl2pPr>
-            <a:lvl3pPr marL="914400" indent="0">
-              <a:buNone/>
-              <a:defRPr sz="1600">
-                <a:solidFill>
-                  <a:schemeClr val="tx1">
-                    <a:tint val="75000"/>
-                  </a:schemeClr>
-                </a:solidFill>
-              </a:defRPr>
-            </a:lvl3pPr>
-            <a:lvl4pPr marL="1371600" indent="0">
-              <a:buNone/>
-              <a:defRPr sz="1400">
-                <a:solidFill>
-                  <a:schemeClr val="tx1">
-                    <a:tint val="75000"/>
-                  </a:schemeClr>
-                </a:solidFill>
-              </a:defRPr>
-            </a:lvl4pPr>
-            <a:lvl5pPr marL="1828800" indent="0">
-              <a:buNone/>
-              <a:defRPr sz="1400">
-                <a:solidFill>
-                  <a:schemeClr val="tx1">
-                    <a:tint val="75000"/>
-                  </a:schemeClr>
-                </a:solidFill>
-              </a:defRPr>
-            </a:lvl5pPr>
-            <a:lvl6pPr marL="2286000" indent="0">
-              <a:buNone/>
-              <a:defRPr sz="1400">
-                <a:solidFill>
-                  <a:schemeClr val="tx1">
-                    <a:tint val="75000"/>
-                  </a:schemeClr>
-                </a:solidFill>
-              </a:defRPr>
-            </a:lvl6pPr>
-            <a:lvl7pPr marL="2743200" indent="0">
-              <a:buNone/>
-              <a:defRPr sz="1400">
-                <a:solidFill>
-                  <a:schemeClr val="tx1">
-                    <a:tint val="75000"/>
-                  </a:schemeClr>
-                </a:solidFill>
-              </a:defRPr>
-            </a:lvl7pPr>
-            <a:lvl8pPr marL="3200400" indent="0">
-              <a:buNone/>
-              <a:defRPr sz="1400">
-                <a:solidFill>
-                  <a:schemeClr val="tx1">
-                    <a:tint val="75000"/>
-                  </a:schemeClr>
-                </a:solidFill>
-              </a:defRPr>
-            </a:lvl8pPr>
-            <a:lvl9pPr marL="3657600" indent="0">
-              <a:buNone/>
-              <a:defRPr sz="1400">
-                <a:solidFill>
-                  <a:schemeClr val="tx1">
-                    <a:tint val="75000"/>
-                  </a:schemeClr>
-                </a:solidFill>
-              </a:defRPr>
-            </a:lvl9pPr>
-          </a:lstStyle>
+          <p:cNvPr id="3" name="Vertical Text Placeholder 2"/>
+          <p:cNvSpPr>
+            <a:spLocks noGrp="1"/>
+          </p:cNvSpPr>
+          <p:nvPr>
+            <p:ph type="body" orient="vert" idx="1"/>
+          </p:nvPr>
+        </p:nvSpPr>
+        <p:spPr/>
+        <p:txBody>
+          <a:bodyPr vert="eaVert"/>
+          <a:lstStyle/>
           <a:p>
             <a:pPr lvl="0"/>
             <a:r>
-              <a:rPr lang="en-US" smtClean="0"/>
-              <a:t>Click to edit Master text styles</a:t>
-            </a:r>
+              <a:rPr lang="es-ES" smtClean="0"/>
+              <a:t>Haga clic para modificar el estilo de texto del patrón</a:t>
+            </a:r>
+          </a:p>
+          <a:p>
+            <a:pPr lvl="1"/>
+            <a:r>
+              <a:rPr lang="es-ES" smtClean="0"/>
+              <a:t>Segundo nivel</a:t>
+            </a:r>
+          </a:p>
+          <a:p>
+            <a:pPr lvl="2"/>
+            <a:r>
+              <a:rPr lang="es-ES" smtClean="0"/>
+              <a:t>Tercer nivel</a:t>
+            </a:r>
+          </a:p>
+          <a:p>
+            <a:pPr lvl="3"/>
+            <a:r>
+              <a:rPr lang="es-ES" smtClean="0"/>
+              <a:t>Cuarto nivel</a:t>
+            </a:r>
+          </a:p>
+          <a:p>
+            <a:pPr lvl="4"/>
+            <a:r>
+              <a:rPr lang="es-ES" smtClean="0"/>
+              <a:t>Quinto nivel</a:t>
+            </a:r>
+            <a:endParaRPr lang="en-US" dirty="0"/>
           </a:p>
         </p:txBody>
       </p:sp>
@@ -2831,7 +2687,7 @@
     </p:spTree>
     <p:extLst>
       <p:ext uri="{BB962C8B-B14F-4D97-AF65-F5344CB8AC3E}">
-        <p14:creationId xmlns:p14="http://schemas.microsoft.com/office/powerpoint/2010/main" val="2432997087"/>
+        <p14:creationId xmlns:p14="http://schemas.microsoft.com/office/powerpoint/2010/main" val="483635032"/>
       </p:ext>
     </p:extLst>
   </p:cSld>
@@ -2842,8 +2698,8 @@
 </file>
 
 <file path=ppt/slideLayouts/slideLayout16.xml><?xml version="1.0" encoding="utf-8"?>
-<p:sldLayout xmlns:a="http://schemas.openxmlformats.org/drawingml/2006/main" xmlns:r="http://schemas.openxmlformats.org/officeDocument/2006/relationships" xmlns:p="http://schemas.openxmlformats.org/presentationml/2006/main" type="vertTx" preserve="1">
-  <p:cSld name="Title and Vertical Text">
+<p:sldLayout xmlns:a="http://schemas.openxmlformats.org/drawingml/2006/main" xmlns:r="http://schemas.openxmlformats.org/officeDocument/2006/relationships" xmlns:p="http://schemas.openxmlformats.org/presentationml/2006/main" type="vertTitleAndTx" preserve="1">
+  <p:cSld name="Título vertical y texto">
     <p:spTree>
       <p:nvGrpSpPr>
         <p:cNvPr id="1" name=""/>
@@ -2860,26 +2716,27 @@
       </p:grpSpPr>
       <p:sp>
         <p:nvSpPr>
-          <p:cNvPr id="2" name="Title 1"/>
-          <p:cNvSpPr>
-            <a:spLocks noGrp="1"/>
-          </p:cNvSpPr>
-          <p:nvPr>
-            <p:ph type="title"/>
-          </p:nvPr>
-        </p:nvSpPr>
-        <p:spPr/>
-        <p:txBody>
-          <a:bodyPr/>
-          <a:lstStyle>
-            <a:lvl1pPr algn="ctr">
-              <a:defRPr/>
-            </a:lvl1pPr>
-          </a:lstStyle>
-          <a:p>
-            <a:r>
-              <a:rPr lang="en-US" smtClean="0"/>
-              <a:t>Click to edit Master title style</a:t>
+          <p:cNvPr id="2" name="Vertical Title 1"/>
+          <p:cNvSpPr>
+            <a:spLocks noGrp="1"/>
+          </p:cNvSpPr>
+          <p:nvPr>
+            <p:ph type="title" orient="vert"/>
+          </p:nvPr>
+        </p:nvSpPr>
+        <p:spPr>
+          <a:xfrm>
+            <a:off x="7967673" y="609599"/>
+            <a:ext cx="1304743" cy="5251451"/>
+          </a:xfrm>
+        </p:spPr>
+        <p:txBody>
+          <a:bodyPr vert="eaVert" anchor="ctr"/>
+          <a:lstStyle/>
+          <a:p>
+            <a:r>
+              <a:rPr lang="es-ES" smtClean="0"/>
+              <a:t>Haga clic para modificar el estilo de título del patrón</a:t>
             </a:r>
             <a:endParaRPr lang="en-US" dirty="0"/>
           </a:p>
@@ -2895,43 +2752,48 @@
             <p:ph type="body" orient="vert" idx="1"/>
           </p:nvPr>
         </p:nvSpPr>
-        <p:spPr/>
-        <p:txBody>
-          <a:bodyPr vert="eaVert" anchor="t"/>
+        <p:spPr>
+          <a:xfrm>
+            <a:off x="677335" y="609600"/>
+            <a:ext cx="7060150" cy="5251450"/>
+          </a:xfrm>
+        </p:spPr>
+        <p:txBody>
+          <a:bodyPr vert="eaVert"/>
           <a:lstStyle/>
           <a:p>
             <a:pPr lvl="0"/>
             <a:r>
-              <a:rPr lang="en-US" smtClean="0"/>
-              <a:t>Click to edit Master text styles</a:t>
+              <a:rPr lang="es-ES" smtClean="0"/>
+              <a:t>Haga clic para modificar el estilo de texto del patrón</a:t>
             </a:r>
           </a:p>
           <a:p>
             <a:pPr lvl="1"/>
             <a:r>
-              <a:rPr lang="en-US" smtClean="0"/>
-              <a:t>Second level</a:t>
+              <a:rPr lang="es-ES" smtClean="0"/>
+              <a:t>Segundo nivel</a:t>
             </a:r>
           </a:p>
           <a:p>
             <a:pPr lvl="2"/>
             <a:r>
-              <a:rPr lang="en-US" smtClean="0"/>
-              <a:t>Third level</a:t>
+              <a:rPr lang="es-ES" smtClean="0"/>
+              <a:t>Tercer nivel</a:t>
             </a:r>
           </a:p>
           <a:p>
             <a:pPr lvl="3"/>
             <a:r>
-              <a:rPr lang="en-US" smtClean="0"/>
-              <a:t>Fourth level</a:t>
+              <a:rPr lang="es-ES" smtClean="0"/>
+              <a:t>Cuarto nivel</a:t>
             </a:r>
           </a:p>
           <a:p>
             <a:pPr lvl="4"/>
             <a:r>
-              <a:rPr lang="en-US" smtClean="0"/>
-              <a:t>Fifth level</a:t>
+              <a:rPr lang="es-ES" smtClean="0"/>
+              <a:t>Quinto nivel</a:t>
             </a:r>
             <a:endParaRPr lang="en-US" dirty="0"/>
           </a:p>
@@ -3005,7 +2867,7 @@
     </p:spTree>
     <p:extLst>
       <p:ext uri="{BB962C8B-B14F-4D97-AF65-F5344CB8AC3E}">
-        <p14:creationId xmlns:p14="http://schemas.microsoft.com/office/powerpoint/2010/main" val="2957635533"/>
+        <p14:creationId xmlns:p14="http://schemas.microsoft.com/office/powerpoint/2010/main" val="2570680927"/>
       </p:ext>
     </p:extLst>
   </p:cSld>
@@ -3015,9 +2877,9 @@
 </p:sldLayout>
 </file>
 
-<file path=ppt/slideLayouts/slideLayout17.xml><?xml version="1.0" encoding="utf-8"?>
-<p:sldLayout xmlns:a="http://schemas.openxmlformats.org/drawingml/2006/main" xmlns:r="http://schemas.openxmlformats.org/officeDocument/2006/relationships" xmlns:p="http://schemas.openxmlformats.org/presentationml/2006/main" type="vertTitleAndTx" preserve="1">
-  <p:cSld name="Vertical Title and Text">
+<file path=ppt/slideLayouts/slideLayout2.xml><?xml version="1.0" encoding="utf-8"?>
+<p:sldLayout xmlns:a="http://schemas.openxmlformats.org/drawingml/2006/main" xmlns:r="http://schemas.openxmlformats.org/officeDocument/2006/relationships" xmlns:p="http://schemas.openxmlformats.org/presentationml/2006/main" type="obj" preserve="1">
+  <p:cSld name="Título y objetos">
     <p:spTree>
       <p:nvGrpSpPr>
         <p:cNvPr id="1" name=""/>
@@ -3034,27 +2896,28 @@
       </p:grpSpPr>
       <p:sp>
         <p:nvSpPr>
-          <p:cNvPr id="2" name="Vertical Title 1"/>
-          <p:cNvSpPr>
-            <a:spLocks noGrp="1"/>
-          </p:cNvSpPr>
-          <p:nvPr>
-            <p:ph type="title" orient="vert"/>
-          </p:nvPr>
-        </p:nvSpPr>
-        <p:spPr>
-          <a:xfrm>
-            <a:off x="9732655" y="685800"/>
-            <a:ext cx="1770369" cy="5105400"/>
-          </a:xfrm>
-        </p:spPr>
-        <p:txBody>
-          <a:bodyPr vert="eaVert"/>
-          <a:lstStyle/>
-          <a:p>
-            <a:r>
-              <a:rPr lang="en-US" smtClean="0"/>
-              <a:t>Click to edit Master title style</a:t>
+          <p:cNvPr id="2" name="Title 1"/>
+          <p:cNvSpPr>
+            <a:spLocks noGrp="1"/>
+          </p:cNvSpPr>
+          <p:nvPr>
+            <p:ph type="title"/>
+          </p:nvPr>
+        </p:nvSpPr>
+        <p:spPr/>
+        <p:txBody>
+          <a:bodyPr>
+            <a:normAutofit/>
+          </a:bodyPr>
+          <a:lstStyle>
+            <a:lvl1pPr>
+              <a:defRPr sz="3600"/>
+            </a:lvl1pPr>
+          </a:lstStyle>
+          <a:p>
+            <a:r>
+              <a:rPr lang="es-ES" smtClean="0"/>
+              <a:t>Haga clic para modificar el estilo de título del patrón</a:t>
             </a:r>
             <a:endParaRPr lang="en-US" dirty="0"/>
           </a:p>
@@ -3062,56 +2925,51 @@
       </p:sp>
       <p:sp>
         <p:nvSpPr>
-          <p:cNvPr id="3" name="Vertical Text Placeholder 2"/>
-          <p:cNvSpPr>
-            <a:spLocks noGrp="1"/>
-          </p:cNvSpPr>
-          <p:nvPr>
-            <p:ph type="body" orient="vert" idx="1"/>
-          </p:nvPr>
-        </p:nvSpPr>
-        <p:spPr>
-          <a:xfrm>
-            <a:off x="1484312" y="685800"/>
-            <a:ext cx="8019742" cy="5105400"/>
-          </a:xfrm>
-        </p:spPr>
-        <p:txBody>
-          <a:bodyPr vert="eaVert" anchor="t"/>
+          <p:cNvPr id="3" name="Content Placeholder 2"/>
+          <p:cNvSpPr>
+            <a:spLocks noGrp="1"/>
+          </p:cNvSpPr>
+          <p:nvPr>
+            <p:ph idx="1"/>
+          </p:nvPr>
+        </p:nvSpPr>
+        <p:spPr/>
+        <p:txBody>
+          <a:bodyPr/>
           <a:lstStyle/>
           <a:p>
             <a:pPr lvl="0"/>
             <a:r>
-              <a:rPr lang="en-US" smtClean="0"/>
-              <a:t>Click to edit Master text styles</a:t>
+              <a:rPr lang="es-ES" smtClean="0"/>
+              <a:t>Haga clic para modificar el estilo de texto del patrón</a:t>
             </a:r>
           </a:p>
           <a:p>
             <a:pPr lvl="1"/>
             <a:r>
-              <a:rPr lang="en-US" smtClean="0"/>
-              <a:t>Second level</a:t>
+              <a:rPr lang="es-ES" smtClean="0"/>
+              <a:t>Segundo nivel</a:t>
             </a:r>
           </a:p>
           <a:p>
             <a:pPr lvl="2"/>
             <a:r>
-              <a:rPr lang="en-US" smtClean="0"/>
-              <a:t>Third level</a:t>
+              <a:rPr lang="es-ES" smtClean="0"/>
+              <a:t>Tercer nivel</a:t>
             </a:r>
           </a:p>
           <a:p>
             <a:pPr lvl="3"/>
             <a:r>
-              <a:rPr lang="en-US" smtClean="0"/>
-              <a:t>Fourth level</a:t>
+              <a:rPr lang="es-ES" smtClean="0"/>
+              <a:t>Cuarto nivel</a:t>
             </a:r>
           </a:p>
           <a:p>
             <a:pPr lvl="4"/>
             <a:r>
-              <a:rPr lang="en-US" smtClean="0"/>
-              <a:t>Fifth level</a:t>
+              <a:rPr lang="es-ES" smtClean="0"/>
+              <a:t>Quinto nivel</a:t>
             </a:r>
             <a:endParaRPr lang="en-US" dirty="0"/>
           </a:p>
@@ -3185,7 +3043,7 @@
     </p:spTree>
     <p:extLst>
       <p:ext uri="{BB962C8B-B14F-4D97-AF65-F5344CB8AC3E}">
-        <p14:creationId xmlns:p14="http://schemas.microsoft.com/office/powerpoint/2010/main" val="2862838751"/>
+        <p14:creationId xmlns:p14="http://schemas.microsoft.com/office/powerpoint/2010/main" val="3847711681"/>
       </p:ext>
     </p:extLst>
   </p:cSld>
@@ -3195,9 +3053,9 @@
 </p:sldLayout>
 </file>
 
-<file path=ppt/slideLayouts/slideLayout2.xml><?xml version="1.0" encoding="utf-8"?>
-<p:sldLayout xmlns:a="http://schemas.openxmlformats.org/drawingml/2006/main" xmlns:r="http://schemas.openxmlformats.org/officeDocument/2006/relationships" xmlns:p="http://schemas.openxmlformats.org/presentationml/2006/main" type="obj" preserve="1">
-  <p:cSld name="Title and Content">
+<file path=ppt/slideLayouts/slideLayout3.xml><?xml version="1.0" encoding="utf-8"?>
+<p:sldLayout xmlns:a="http://schemas.openxmlformats.org/drawingml/2006/main" xmlns:r="http://schemas.openxmlformats.org/officeDocument/2006/relationships" xmlns:p="http://schemas.openxmlformats.org/presentationml/2006/main" type="secHead" preserve="1">
+  <p:cSld name="Encabezado de sección">
     <p:spTree>
       <p:nvGrpSpPr>
         <p:cNvPr id="1" name=""/>
@@ -3222,14 +3080,23 @@
             <p:ph type="title"/>
           </p:nvPr>
         </p:nvSpPr>
-        <p:spPr/>
-        <p:txBody>
-          <a:bodyPr/>
-          <a:lstStyle/>
-          <a:p>
-            <a:r>
-              <a:rPr lang="en-US" smtClean="0"/>
-              <a:t>Click to edit Master title style</a:t>
+        <p:spPr>
+          <a:xfrm>
+            <a:off x="677335" y="2700867"/>
+            <a:ext cx="8596668" cy="1826581"/>
+          </a:xfrm>
+        </p:spPr>
+        <p:txBody>
+          <a:bodyPr anchor="b"/>
+          <a:lstStyle>
+            <a:lvl1pPr algn="l">
+              <a:defRPr sz="4000" b="0" cap="none"/>
+            </a:lvl1pPr>
+          </a:lstStyle>
+          <a:p>
+            <a:r>
+              <a:rPr lang="es-ES" smtClean="0"/>
+              <a:t>Haga clic para modificar el estilo de título del patrón</a:t>
             </a:r>
             <a:endParaRPr lang="en-US" dirty="0"/>
           </a:p>
@@ -3237,94 +3104,121 @@
       </p:sp>
       <p:sp>
         <p:nvSpPr>
-          <p:cNvPr id="3" name="Content Placeholder 2"/>
-          <p:cNvSpPr>
-            <a:spLocks noGrp="1"/>
-          </p:cNvSpPr>
-          <p:nvPr>
-            <p:ph idx="1"/>
-          </p:nvPr>
-        </p:nvSpPr>
-        <p:spPr/>
-        <p:txBody>
-          <a:bodyPr anchor="ctr"/>
+          <p:cNvPr id="3" name="Text Placeholder 2"/>
+          <p:cNvSpPr>
+            <a:spLocks noGrp="1"/>
+          </p:cNvSpPr>
+          <p:nvPr>
+            <p:ph type="body" idx="1"/>
+          </p:nvPr>
+        </p:nvSpPr>
+        <p:spPr>
+          <a:xfrm>
+            <a:off x="677335" y="4527448"/>
+            <a:ext cx="8596668" cy="860400"/>
+          </a:xfrm>
+        </p:spPr>
+        <p:txBody>
+          <a:bodyPr anchor="t"/>
           <a:lstStyle>
-            <a:lvl1pPr>
-              <a:buClr>
-                <a:schemeClr val="accent1">
-                  <a:lumMod val="75000"/>
-                </a:schemeClr>
-              </a:buClr>
-              <a:defRPr/>
+            <a:lvl1pPr marL="0" indent="0" algn="l">
+              <a:buNone/>
+              <a:defRPr sz="2000">
+                <a:solidFill>
+                  <a:schemeClr val="tx1">
+                    <a:lumMod val="50000"/>
+                    <a:lumOff val="50000"/>
+                  </a:schemeClr>
+                </a:solidFill>
+              </a:defRPr>
             </a:lvl1pPr>
-            <a:lvl2pPr>
-              <a:buClr>
-                <a:schemeClr val="accent1">
-                  <a:lumMod val="75000"/>
-                </a:schemeClr>
-              </a:buClr>
-              <a:defRPr/>
+            <a:lvl2pPr marL="457200" indent="0">
+              <a:buNone/>
+              <a:defRPr sz="1800">
+                <a:solidFill>
+                  <a:schemeClr val="tx1">
+                    <a:tint val="75000"/>
+                  </a:schemeClr>
+                </a:solidFill>
+              </a:defRPr>
             </a:lvl2pPr>
-            <a:lvl3pPr>
-              <a:buClr>
-                <a:schemeClr val="accent1">
-                  <a:lumMod val="75000"/>
-                </a:schemeClr>
-              </a:buClr>
-              <a:defRPr/>
+            <a:lvl3pPr marL="914400" indent="0">
+              <a:buNone/>
+              <a:defRPr sz="1600">
+                <a:solidFill>
+                  <a:schemeClr val="tx1">
+                    <a:tint val="75000"/>
+                  </a:schemeClr>
+                </a:solidFill>
+              </a:defRPr>
             </a:lvl3pPr>
-            <a:lvl4pPr>
-              <a:buClr>
-                <a:schemeClr val="accent1">
-                  <a:lumMod val="75000"/>
-                </a:schemeClr>
-              </a:buClr>
-              <a:defRPr/>
+            <a:lvl4pPr marL="1371600" indent="0">
+              <a:buNone/>
+              <a:defRPr sz="1400">
+                <a:solidFill>
+                  <a:schemeClr val="tx1">
+                    <a:tint val="75000"/>
+                  </a:schemeClr>
+                </a:solidFill>
+              </a:defRPr>
             </a:lvl4pPr>
-            <a:lvl5pPr>
-              <a:buClr>
-                <a:schemeClr val="accent1">
-                  <a:lumMod val="75000"/>
-                </a:schemeClr>
-              </a:buClr>
-              <a:defRPr/>
+            <a:lvl5pPr marL="1828800" indent="0">
+              <a:buNone/>
+              <a:defRPr sz="1400">
+                <a:solidFill>
+                  <a:schemeClr val="tx1">
+                    <a:tint val="75000"/>
+                  </a:schemeClr>
+                </a:solidFill>
+              </a:defRPr>
             </a:lvl5pPr>
+            <a:lvl6pPr marL="2286000" indent="0">
+              <a:buNone/>
+              <a:defRPr sz="1400">
+                <a:solidFill>
+                  <a:schemeClr val="tx1">
+                    <a:tint val="75000"/>
+                  </a:schemeClr>
+                </a:solidFill>
+              </a:defRPr>
+            </a:lvl6pPr>
+            <a:lvl7pPr marL="2743200" indent="0">
+              <a:buNone/>
+              <a:defRPr sz="1400">
+                <a:solidFill>
+                  <a:schemeClr val="tx1">
+                    <a:tint val="75000"/>
+                  </a:schemeClr>
+                </a:solidFill>
+              </a:defRPr>
+            </a:lvl7pPr>
+            <a:lvl8pPr marL="3200400" indent="0">
+              <a:buNone/>
+              <a:defRPr sz="1400">
+                <a:solidFill>
+                  <a:schemeClr val="tx1">
+                    <a:tint val="75000"/>
+                  </a:schemeClr>
+                </a:solidFill>
+              </a:defRPr>
+            </a:lvl8pPr>
+            <a:lvl9pPr marL="3657600" indent="0">
+              <a:buNone/>
+              <a:defRPr sz="1400">
+                <a:solidFill>
+                  <a:schemeClr val="tx1">
+                    <a:tint val="75000"/>
+                  </a:schemeClr>
+                </a:solidFill>
+              </a:defRPr>
+            </a:lvl9pPr>
           </a:lstStyle>
           <a:p>
             <a:pPr lvl="0"/>
             <a:r>
-              <a:rPr lang="en-US" smtClean="0"/>
-              <a:t>Click to edit Master text styles</a:t>
-            </a:r>
-          </a:p>
-          <a:p>
-            <a:pPr lvl="1"/>
-            <a:r>
-              <a:rPr lang="en-US" smtClean="0"/>
-              <a:t>Second level</a:t>
-            </a:r>
-          </a:p>
-          <a:p>
-            <a:pPr lvl="2"/>
-            <a:r>
-              <a:rPr lang="en-US" smtClean="0"/>
-              <a:t>Third level</a:t>
-            </a:r>
-          </a:p>
-          <a:p>
-            <a:pPr lvl="3"/>
-            <a:r>
-              <a:rPr lang="en-US" smtClean="0"/>
-              <a:t>Fourth level</a:t>
-            </a:r>
-          </a:p>
-          <a:p>
-            <a:pPr lvl="4"/>
-            <a:r>
-              <a:rPr lang="en-US" smtClean="0"/>
-              <a:t>Fifth level</a:t>
-            </a:r>
-            <a:endParaRPr lang="en-US" dirty="0"/>
+              <a:rPr lang="es-ES" smtClean="0"/>
+              <a:t>Haga clic para modificar el estilo de texto del patrón</a:t>
+            </a:r>
           </a:p>
         </p:txBody>
       </p:sp>
@@ -3380,12 +3274,7 @@
             <p:ph type="sldNum" sz="quarter" idx="12"/>
           </p:nvPr>
         </p:nvSpPr>
-        <p:spPr>
-          <a:xfrm>
-            <a:off x="10951856" y="5867131"/>
-            <a:ext cx="551167" cy="365125"/>
-          </a:xfrm>
-        </p:spPr>
+        <p:spPr/>
         <p:txBody>
           <a:bodyPr/>
           <a:lstStyle/>
@@ -3401,7 +3290,7 @@
     </p:spTree>
     <p:extLst>
       <p:ext uri="{BB962C8B-B14F-4D97-AF65-F5344CB8AC3E}">
-        <p14:creationId xmlns:p14="http://schemas.microsoft.com/office/powerpoint/2010/main" val="3721589579"/>
+        <p14:creationId xmlns:p14="http://schemas.microsoft.com/office/powerpoint/2010/main" val="3433594162"/>
       </p:ext>
     </p:extLst>
   </p:cSld>
@@ -3411,9 +3300,9 @@
 </p:sldLayout>
 </file>
 
-<file path=ppt/slideLayouts/slideLayout3.xml><?xml version="1.0" encoding="utf-8"?>
-<p:sldLayout xmlns:a="http://schemas.openxmlformats.org/drawingml/2006/main" xmlns:r="http://schemas.openxmlformats.org/officeDocument/2006/relationships" xmlns:p="http://schemas.openxmlformats.org/presentationml/2006/main" type="secHead" preserve="1">
-  <p:cSld name="Section Header">
+<file path=ppt/slideLayouts/slideLayout4.xml><?xml version="1.0" encoding="utf-8"?>
+<p:sldLayout xmlns:a="http://schemas.openxmlformats.org/drawingml/2006/main" xmlns:r="http://schemas.openxmlformats.org/officeDocument/2006/relationships" xmlns:p="http://schemas.openxmlformats.org/presentationml/2006/main" type="twoObj" preserve="1">
+  <p:cSld name="Dos objetos">
     <p:spTree>
       <p:nvGrpSpPr>
         <p:cNvPr id="1" name=""/>
@@ -3438,23 +3327,71 @@
             <p:ph type="title"/>
           </p:nvPr>
         </p:nvSpPr>
+        <p:spPr/>
+        <p:txBody>
+          <a:bodyPr/>
+          <a:lstStyle/>
+          <a:p>
+            <a:r>
+              <a:rPr lang="es-ES" smtClean="0"/>
+              <a:t>Haga clic para modificar el estilo de título del patrón</a:t>
+            </a:r>
+            <a:endParaRPr lang="en-US" dirty="0"/>
+          </a:p>
+        </p:txBody>
+      </p:sp>
+      <p:sp>
+        <p:nvSpPr>
+          <p:cNvPr id="3" name="Content Placeholder 2"/>
+          <p:cNvSpPr>
+            <a:spLocks noGrp="1"/>
+          </p:cNvSpPr>
+          <p:nvPr>
+            <p:ph sz="half" idx="1"/>
+          </p:nvPr>
+        </p:nvSpPr>
         <p:spPr>
           <a:xfrm>
-            <a:off x="2572279" y="2666999"/>
-            <a:ext cx="8930747" cy="2110382"/>
+            <a:off x="677334" y="2160589"/>
+            <a:ext cx="4184035" cy="3880772"/>
           </a:xfrm>
         </p:spPr>
         <p:txBody>
-          <a:bodyPr anchor="b"/>
-          <a:lstStyle>
-            <a:lvl1pPr algn="r">
-              <a:defRPr sz="4000" b="0" cap="none"/>
-            </a:lvl1pPr>
-          </a:lstStyle>
-          <a:p>
-            <a:r>
-              <a:rPr lang="en-US" smtClean="0"/>
-              <a:t>Click to edit Master title style</a:t>
+          <a:bodyPr/>
+          <a:lstStyle/>
+          <a:p>
+            <a:pPr lvl="0"/>
+            <a:r>
+              <a:rPr lang="es-ES" smtClean="0"/>
+              <a:t>Haga clic para modificar el estilo de texto del patrón</a:t>
+            </a:r>
+          </a:p>
+          <a:p>
+            <a:pPr lvl="1"/>
+            <a:r>
+              <a:rPr lang="es-ES" smtClean="0"/>
+              <a:t>Segundo nivel</a:t>
+            </a:r>
+          </a:p>
+          <a:p>
+            <a:pPr lvl="2"/>
+            <a:r>
+              <a:rPr lang="es-ES" smtClean="0"/>
+              <a:t>Tercer nivel</a:t>
+            </a:r>
+          </a:p>
+          <a:p>
+            <a:pPr lvl="3"/>
+            <a:r>
+              <a:rPr lang="es-ES" smtClean="0"/>
+              <a:t>Cuarto nivel</a:t>
+            </a:r>
+          </a:p>
+          <a:p>
+            <a:pPr lvl="4"/>
+            <a:r>
+              <a:rPr lang="es-ES" smtClean="0"/>
+              <a:t>Quinto nivel</a:t>
             </a:r>
             <a:endParaRPr lang="en-US" dirty="0"/>
           </a:p>
@@ -3462,126 +3399,64 @@
       </p:sp>
       <p:sp>
         <p:nvSpPr>
-          <p:cNvPr id="3" name="Text Placeholder 2"/>
-          <p:cNvSpPr>
-            <a:spLocks noGrp="1"/>
-          </p:cNvSpPr>
-          <p:nvPr>
-            <p:ph type="body" idx="1"/>
+          <p:cNvPr id="4" name="Content Placeholder 3"/>
+          <p:cNvSpPr>
+            <a:spLocks noGrp="1"/>
+          </p:cNvSpPr>
+          <p:nvPr>
+            <p:ph sz="half" idx="2"/>
           </p:nvPr>
         </p:nvSpPr>
         <p:spPr>
           <a:xfrm>
-            <a:off x="2572278" y="4777381"/>
-            <a:ext cx="8930748" cy="860400"/>
+            <a:off x="5089970" y="2160589"/>
+            <a:ext cx="4184034" cy="3880773"/>
           </a:xfrm>
         </p:spPr>
         <p:txBody>
-          <a:bodyPr anchor="t">
-            <a:normAutofit/>
-          </a:bodyPr>
-          <a:lstStyle>
-            <a:lvl1pPr marL="0" indent="0" algn="r">
-              <a:buNone/>
-              <a:defRPr sz="2000">
-                <a:solidFill>
-                  <a:schemeClr val="tx1"/>
-                </a:solidFill>
-              </a:defRPr>
-            </a:lvl1pPr>
-            <a:lvl2pPr marL="457200" indent="0">
-              <a:buNone/>
-              <a:defRPr sz="1800">
-                <a:solidFill>
-                  <a:schemeClr val="tx1">
-                    <a:tint val="75000"/>
-                  </a:schemeClr>
-                </a:solidFill>
-              </a:defRPr>
-            </a:lvl2pPr>
-            <a:lvl3pPr marL="914400" indent="0">
-              <a:buNone/>
-              <a:defRPr sz="1600">
-                <a:solidFill>
-                  <a:schemeClr val="tx1">
-                    <a:tint val="75000"/>
-                  </a:schemeClr>
-                </a:solidFill>
-              </a:defRPr>
-            </a:lvl3pPr>
-            <a:lvl4pPr marL="1371600" indent="0">
-              <a:buNone/>
-              <a:defRPr sz="1400">
-                <a:solidFill>
-                  <a:schemeClr val="tx1">
-                    <a:tint val="75000"/>
-                  </a:schemeClr>
-                </a:solidFill>
-              </a:defRPr>
-            </a:lvl4pPr>
-            <a:lvl5pPr marL="1828800" indent="0">
-              <a:buNone/>
-              <a:defRPr sz="1400">
-                <a:solidFill>
-                  <a:schemeClr val="tx1">
-                    <a:tint val="75000"/>
-                  </a:schemeClr>
-                </a:solidFill>
-              </a:defRPr>
-            </a:lvl5pPr>
-            <a:lvl6pPr marL="2286000" indent="0">
-              <a:buNone/>
-              <a:defRPr sz="1400">
-                <a:solidFill>
-                  <a:schemeClr val="tx1">
-                    <a:tint val="75000"/>
-                  </a:schemeClr>
-                </a:solidFill>
-              </a:defRPr>
-            </a:lvl6pPr>
-            <a:lvl7pPr marL="2743200" indent="0">
-              <a:buNone/>
-              <a:defRPr sz="1400">
-                <a:solidFill>
-                  <a:schemeClr val="tx1">
-                    <a:tint val="75000"/>
-                  </a:schemeClr>
-                </a:solidFill>
-              </a:defRPr>
-            </a:lvl7pPr>
-            <a:lvl8pPr marL="3200400" indent="0">
-              <a:buNone/>
-              <a:defRPr sz="1400">
-                <a:solidFill>
-                  <a:schemeClr val="tx1">
-                    <a:tint val="75000"/>
-                  </a:schemeClr>
-                </a:solidFill>
-              </a:defRPr>
-            </a:lvl8pPr>
-            <a:lvl9pPr marL="3657600" indent="0">
-              <a:buNone/>
-              <a:defRPr sz="1400">
-                <a:solidFill>
-                  <a:schemeClr val="tx1">
-                    <a:tint val="75000"/>
-                  </a:schemeClr>
-                </a:solidFill>
-              </a:defRPr>
-            </a:lvl9pPr>
-          </a:lstStyle>
+          <a:bodyPr/>
+          <a:lstStyle/>
           <a:p>
             <a:pPr lvl="0"/>
             <a:r>
-              <a:rPr lang="en-US" smtClean="0"/>
-              <a:t>Click to edit Master text styles</a:t>
-            </a:r>
-          </a:p>
-        </p:txBody>
-      </p:sp>
-      <p:sp>
-        <p:nvSpPr>
-          <p:cNvPr id="4" name="Date Placeholder 3"/>
+              <a:rPr lang="es-ES" smtClean="0"/>
+              <a:t>Haga clic para modificar el estilo de texto del patrón</a:t>
+            </a:r>
+          </a:p>
+          <a:p>
+            <a:pPr lvl="1"/>
+            <a:r>
+              <a:rPr lang="es-ES" smtClean="0"/>
+              <a:t>Segundo nivel</a:t>
+            </a:r>
+          </a:p>
+          <a:p>
+            <a:pPr lvl="2"/>
+            <a:r>
+              <a:rPr lang="es-ES" smtClean="0"/>
+              <a:t>Tercer nivel</a:t>
+            </a:r>
+          </a:p>
+          <a:p>
+            <a:pPr lvl="3"/>
+            <a:r>
+              <a:rPr lang="es-ES" smtClean="0"/>
+              <a:t>Cuarto nivel</a:t>
+            </a:r>
+          </a:p>
+          <a:p>
+            <a:pPr lvl="4"/>
+            <a:r>
+              <a:rPr lang="es-ES" smtClean="0"/>
+              <a:t>Quinto nivel</a:t>
+            </a:r>
+            <a:endParaRPr lang="en-US" dirty="0"/>
+          </a:p>
+        </p:txBody>
+      </p:sp>
+      <p:sp>
+        <p:nvSpPr>
+          <p:cNvPr id="5" name="Date Placeholder 4"/>
           <p:cNvSpPr>
             <a:spLocks noGrp="1"/>
           </p:cNvSpPr>
@@ -3604,7 +3479,7 @@
       </p:sp>
       <p:sp>
         <p:nvSpPr>
-          <p:cNvPr id="5" name="Footer Placeholder 4"/>
+          <p:cNvPr id="6" name="Footer Placeholder 5"/>
           <p:cNvSpPr>
             <a:spLocks noGrp="1"/>
           </p:cNvSpPr>
@@ -3623,7 +3498,7 @@
       </p:sp>
       <p:sp>
         <p:nvSpPr>
-          <p:cNvPr id="6" name="Slide Number Placeholder 5"/>
+          <p:cNvPr id="7" name="Slide Number Placeholder 6"/>
           <p:cNvSpPr>
             <a:spLocks noGrp="1"/>
           </p:cNvSpPr>
@@ -3647,7 +3522,7 @@
     </p:spTree>
     <p:extLst>
       <p:ext uri="{BB962C8B-B14F-4D97-AF65-F5344CB8AC3E}">
-        <p14:creationId xmlns:p14="http://schemas.microsoft.com/office/powerpoint/2010/main" val="2528683790"/>
+        <p14:creationId xmlns:p14="http://schemas.microsoft.com/office/powerpoint/2010/main" val="867091984"/>
       </p:ext>
     </p:extLst>
   </p:cSld>
@@ -3657,9 +3532,9 @@
 </p:sldLayout>
 </file>
 
-<file path=ppt/slideLayouts/slideLayout4.xml><?xml version="1.0" encoding="utf-8"?>
-<p:sldLayout xmlns:a="http://schemas.openxmlformats.org/drawingml/2006/main" xmlns:r="http://schemas.openxmlformats.org/officeDocument/2006/relationships" xmlns:p="http://schemas.openxmlformats.org/presentationml/2006/main" type="twoObj" preserve="1">
-  <p:cSld name="Two Content">
+<file path=ppt/slideLayouts/slideLayout5.xml><?xml version="1.0" encoding="utf-8"?>
+<p:sldLayout xmlns:a="http://schemas.openxmlformats.org/drawingml/2006/main" xmlns:r="http://schemas.openxmlformats.org/officeDocument/2006/relationships" xmlns:p="http://schemas.openxmlformats.org/presentationml/2006/main" type="twoTxTwoObj" preserve="1">
+  <p:cSld name="Comparación">
     <p:spTree>
       <p:nvGrpSpPr>
         <p:cNvPr id="1" name=""/>
@@ -3684,243 +3559,270 @@
             <p:ph type="title"/>
           </p:nvPr>
         </p:nvSpPr>
+        <p:spPr/>
+        <p:txBody>
+          <a:bodyPr/>
+          <a:lstStyle>
+            <a:lvl1pPr>
+              <a:defRPr/>
+            </a:lvl1pPr>
+          </a:lstStyle>
+          <a:p>
+            <a:r>
+              <a:rPr lang="es-ES" smtClean="0"/>
+              <a:t>Haga clic para modificar el estilo de título del patrón</a:t>
+            </a:r>
+            <a:endParaRPr lang="en-US" dirty="0"/>
+          </a:p>
+        </p:txBody>
+      </p:sp>
+      <p:sp>
+        <p:nvSpPr>
+          <p:cNvPr id="3" name="Text Placeholder 2"/>
+          <p:cNvSpPr>
+            <a:spLocks noGrp="1"/>
+          </p:cNvSpPr>
+          <p:nvPr>
+            <p:ph type="body" idx="1"/>
+          </p:nvPr>
+        </p:nvSpPr>
         <p:spPr>
           <a:xfrm>
-            <a:off x="1484311" y="685800"/>
-            <a:ext cx="10018713" cy="1752599"/>
+            <a:off x="675745" y="2160983"/>
+            <a:ext cx="4185623" cy="576262"/>
           </a:xfrm>
         </p:spPr>
         <p:txBody>
-          <a:bodyPr/>
-          <a:lstStyle/>
-          <a:p>
-            <a:r>
-              <a:rPr lang="en-US" smtClean="0"/>
-              <a:t>Click to edit Master title style</a:t>
-            </a:r>
-            <a:endParaRPr lang="en-US" dirty="0"/>
-          </a:p>
-        </p:txBody>
-      </p:sp>
-      <p:sp>
-        <p:nvSpPr>
-          <p:cNvPr id="3" name="Content Placeholder 2"/>
-          <p:cNvSpPr>
-            <a:spLocks noGrp="1"/>
-          </p:cNvSpPr>
-          <p:nvPr>
-            <p:ph sz="half" idx="1"/>
+          <a:bodyPr anchor="b">
+            <a:noAutofit/>
+          </a:bodyPr>
+          <a:lstStyle>
+            <a:lvl1pPr marL="0" indent="0">
+              <a:buNone/>
+              <a:defRPr sz="2400" b="0"/>
+            </a:lvl1pPr>
+            <a:lvl2pPr marL="457200" indent="0">
+              <a:buNone/>
+              <a:defRPr sz="2000" b="1"/>
+            </a:lvl2pPr>
+            <a:lvl3pPr marL="914400" indent="0">
+              <a:buNone/>
+              <a:defRPr sz="1800" b="1"/>
+            </a:lvl3pPr>
+            <a:lvl4pPr marL="1371600" indent="0">
+              <a:buNone/>
+              <a:defRPr sz="1600" b="1"/>
+            </a:lvl4pPr>
+            <a:lvl5pPr marL="1828800" indent="0">
+              <a:buNone/>
+              <a:defRPr sz="1600" b="1"/>
+            </a:lvl5pPr>
+            <a:lvl6pPr marL="2286000" indent="0">
+              <a:buNone/>
+              <a:defRPr sz="1600" b="1"/>
+            </a:lvl6pPr>
+            <a:lvl7pPr marL="2743200" indent="0">
+              <a:buNone/>
+              <a:defRPr sz="1600" b="1"/>
+            </a:lvl7pPr>
+            <a:lvl8pPr marL="3200400" indent="0">
+              <a:buNone/>
+              <a:defRPr sz="1600" b="1"/>
+            </a:lvl8pPr>
+            <a:lvl9pPr marL="3657600" indent="0">
+              <a:buNone/>
+              <a:defRPr sz="1600" b="1"/>
+            </a:lvl9pPr>
+          </a:lstStyle>
+          <a:p>
+            <a:pPr lvl="0"/>
+            <a:r>
+              <a:rPr lang="es-ES" smtClean="0"/>
+              <a:t>Haga clic para modificar el estilo de texto del patrón</a:t>
+            </a:r>
+          </a:p>
+        </p:txBody>
+      </p:sp>
+      <p:sp>
+        <p:nvSpPr>
+          <p:cNvPr id="4" name="Content Placeholder 3"/>
+          <p:cNvSpPr>
+            <a:spLocks noGrp="1"/>
+          </p:cNvSpPr>
+          <p:nvPr>
+            <p:ph sz="half" idx="2"/>
           </p:nvPr>
         </p:nvSpPr>
         <p:spPr>
           <a:xfrm>
-            <a:off x="1484312" y="2666999"/>
-            <a:ext cx="4895055" cy="3124201"/>
+            <a:off x="675745" y="2737245"/>
+            <a:ext cx="4185623" cy="3304117"/>
           </a:xfrm>
         </p:spPr>
         <p:txBody>
           <a:bodyPr>
             <a:normAutofit/>
           </a:bodyPr>
+          <a:lstStyle/>
+          <a:p>
+            <a:pPr lvl="0"/>
+            <a:r>
+              <a:rPr lang="es-ES" smtClean="0"/>
+              <a:t>Haga clic para modificar el estilo de texto del patrón</a:t>
+            </a:r>
+          </a:p>
+          <a:p>
+            <a:pPr lvl="1"/>
+            <a:r>
+              <a:rPr lang="es-ES" smtClean="0"/>
+              <a:t>Segundo nivel</a:t>
+            </a:r>
+          </a:p>
+          <a:p>
+            <a:pPr lvl="2"/>
+            <a:r>
+              <a:rPr lang="es-ES" smtClean="0"/>
+              <a:t>Tercer nivel</a:t>
+            </a:r>
+          </a:p>
+          <a:p>
+            <a:pPr lvl="3"/>
+            <a:r>
+              <a:rPr lang="es-ES" smtClean="0"/>
+              <a:t>Cuarto nivel</a:t>
+            </a:r>
+          </a:p>
+          <a:p>
+            <a:pPr lvl="4"/>
+            <a:r>
+              <a:rPr lang="es-ES" smtClean="0"/>
+              <a:t>Quinto nivel</a:t>
+            </a:r>
+            <a:endParaRPr lang="en-US" dirty="0"/>
+          </a:p>
+        </p:txBody>
+      </p:sp>
+      <p:sp>
+        <p:nvSpPr>
+          <p:cNvPr id="5" name="Text Placeholder 4"/>
+          <p:cNvSpPr>
+            <a:spLocks noGrp="1"/>
+          </p:cNvSpPr>
+          <p:nvPr>
+            <p:ph type="body" sz="quarter" idx="3"/>
+          </p:nvPr>
+        </p:nvSpPr>
+        <p:spPr>
+          <a:xfrm>
+            <a:off x="5088383" y="2160983"/>
+            <a:ext cx="4185618" cy="576262"/>
+          </a:xfrm>
+        </p:spPr>
+        <p:txBody>
+          <a:bodyPr anchor="b">
+            <a:noAutofit/>
+          </a:bodyPr>
           <a:lstStyle>
-            <a:lvl1pPr>
-              <a:buClr>
-                <a:schemeClr val="accent1">
-                  <a:lumMod val="75000"/>
-                </a:schemeClr>
-              </a:buClr>
-              <a:defRPr sz="1800"/>
+            <a:lvl1pPr marL="0" indent="0">
+              <a:buNone/>
+              <a:defRPr sz="2400" b="0"/>
             </a:lvl1pPr>
-            <a:lvl2pPr>
-              <a:buClr>
-                <a:schemeClr val="accent1">
-                  <a:lumMod val="75000"/>
-                </a:schemeClr>
-              </a:buClr>
-              <a:defRPr sz="1600"/>
+            <a:lvl2pPr marL="457200" indent="0">
+              <a:buNone/>
+              <a:defRPr sz="2000" b="1"/>
             </a:lvl2pPr>
-            <a:lvl3pPr>
-              <a:buClr>
-                <a:schemeClr val="accent1">
-                  <a:lumMod val="75000"/>
-                </a:schemeClr>
-              </a:buClr>
-              <a:defRPr sz="1400"/>
+            <a:lvl3pPr marL="914400" indent="0">
+              <a:buNone/>
+              <a:defRPr sz="1800" b="1"/>
             </a:lvl3pPr>
-            <a:lvl4pPr>
-              <a:buClr>
-                <a:schemeClr val="accent1">
-                  <a:lumMod val="75000"/>
-                </a:schemeClr>
-              </a:buClr>
-              <a:defRPr sz="1200"/>
+            <a:lvl4pPr marL="1371600" indent="0">
+              <a:buNone/>
+              <a:defRPr sz="1600" b="1"/>
             </a:lvl4pPr>
-            <a:lvl5pPr>
-              <a:buClr>
-                <a:schemeClr val="accent1">
-                  <a:lumMod val="75000"/>
-                </a:schemeClr>
-              </a:buClr>
-              <a:defRPr sz="1200"/>
+            <a:lvl5pPr marL="1828800" indent="0">
+              <a:buNone/>
+              <a:defRPr sz="1600" b="1"/>
             </a:lvl5pPr>
-            <a:lvl6pPr>
-              <a:defRPr sz="1200"/>
+            <a:lvl6pPr marL="2286000" indent="0">
+              <a:buNone/>
+              <a:defRPr sz="1600" b="1"/>
             </a:lvl6pPr>
-            <a:lvl7pPr>
-              <a:defRPr sz="1200"/>
+            <a:lvl7pPr marL="2743200" indent="0">
+              <a:buNone/>
+              <a:defRPr sz="1600" b="1"/>
             </a:lvl7pPr>
-            <a:lvl8pPr>
-              <a:defRPr sz="1200"/>
+            <a:lvl8pPr marL="3200400" indent="0">
+              <a:buNone/>
+              <a:defRPr sz="1600" b="1"/>
             </a:lvl8pPr>
-            <a:lvl9pPr>
-              <a:defRPr sz="1200"/>
+            <a:lvl9pPr marL="3657600" indent="0">
+              <a:buNone/>
+              <a:defRPr sz="1600" b="1"/>
             </a:lvl9pPr>
           </a:lstStyle>
           <a:p>
             <a:pPr lvl="0"/>
             <a:r>
-              <a:rPr lang="en-US" smtClean="0"/>
-              <a:t>Click to edit Master text styles</a:t>
-            </a:r>
-          </a:p>
-          <a:p>
-            <a:pPr lvl="1"/>
-            <a:r>
-              <a:rPr lang="en-US" smtClean="0"/>
-              <a:t>Second level</a:t>
-            </a:r>
-          </a:p>
-          <a:p>
-            <a:pPr lvl="2"/>
-            <a:r>
-              <a:rPr lang="en-US" smtClean="0"/>
-              <a:t>Third level</a:t>
-            </a:r>
-          </a:p>
-          <a:p>
-            <a:pPr lvl="3"/>
-            <a:r>
-              <a:rPr lang="en-US" smtClean="0"/>
-              <a:t>Fourth level</a:t>
-            </a:r>
-          </a:p>
-          <a:p>
-            <a:pPr lvl="4"/>
-            <a:r>
-              <a:rPr lang="en-US" smtClean="0"/>
-              <a:t>Fifth level</a:t>
-            </a:r>
-            <a:endParaRPr lang="en-US" dirty="0"/>
-          </a:p>
-        </p:txBody>
-      </p:sp>
-      <p:sp>
-        <p:nvSpPr>
-          <p:cNvPr id="4" name="Content Placeholder 3"/>
-          <p:cNvSpPr>
-            <a:spLocks noGrp="1"/>
-          </p:cNvSpPr>
-          <p:nvPr>
-            <p:ph sz="half" idx="2"/>
+              <a:rPr lang="es-ES" smtClean="0"/>
+              <a:t>Haga clic para modificar el estilo de texto del patrón</a:t>
+            </a:r>
+          </a:p>
+        </p:txBody>
+      </p:sp>
+      <p:sp>
+        <p:nvSpPr>
+          <p:cNvPr id="6" name="Content Placeholder 5"/>
+          <p:cNvSpPr>
+            <a:spLocks noGrp="1"/>
+          </p:cNvSpPr>
+          <p:nvPr>
+            <p:ph sz="quarter" idx="4"/>
           </p:nvPr>
         </p:nvSpPr>
         <p:spPr>
           <a:xfrm>
-            <a:off x="6607967" y="2667000"/>
-            <a:ext cx="4895056" cy="3124200"/>
+            <a:off x="5088384" y="2737245"/>
+            <a:ext cx="4185617" cy="3304117"/>
           </a:xfrm>
         </p:spPr>
         <p:txBody>
           <a:bodyPr>
             <a:normAutofit/>
           </a:bodyPr>
-          <a:lstStyle>
-            <a:lvl1pPr>
-              <a:buClr>
-                <a:schemeClr val="accent1">
-                  <a:lumMod val="75000"/>
-                </a:schemeClr>
-              </a:buClr>
-              <a:defRPr sz="1800"/>
-            </a:lvl1pPr>
-            <a:lvl2pPr>
-              <a:buClr>
-                <a:schemeClr val="accent1">
-                  <a:lumMod val="75000"/>
-                </a:schemeClr>
-              </a:buClr>
-              <a:defRPr sz="1600"/>
-            </a:lvl2pPr>
-            <a:lvl3pPr>
-              <a:buClr>
-                <a:schemeClr val="accent1">
-                  <a:lumMod val="75000"/>
-                </a:schemeClr>
-              </a:buClr>
-              <a:defRPr sz="1400"/>
-            </a:lvl3pPr>
-            <a:lvl4pPr>
-              <a:buClr>
-                <a:schemeClr val="accent1">
-                  <a:lumMod val="75000"/>
-                </a:schemeClr>
-              </a:buClr>
-              <a:defRPr sz="1200"/>
-            </a:lvl4pPr>
-            <a:lvl5pPr>
-              <a:buClr>
-                <a:schemeClr val="accent1">
-                  <a:lumMod val="75000"/>
-                </a:schemeClr>
-              </a:buClr>
-              <a:defRPr sz="1200"/>
-            </a:lvl5pPr>
-            <a:lvl6pPr>
-              <a:defRPr sz="1200"/>
-            </a:lvl6pPr>
-            <a:lvl7pPr>
-              <a:defRPr sz="1200"/>
-            </a:lvl7pPr>
-            <a:lvl8pPr>
-              <a:defRPr sz="1200"/>
-            </a:lvl8pPr>
-            <a:lvl9pPr>
-              <a:defRPr sz="1200"/>
-            </a:lvl9pPr>
-          </a:lstStyle>
+          <a:lstStyle/>
           <a:p>
             <a:pPr lvl="0"/>
             <a:r>
-              <a:rPr lang="en-US" smtClean="0"/>
-              <a:t>Click to edit Master text styles</a:t>
+              <a:rPr lang="es-ES" smtClean="0"/>
+              <a:t>Haga clic para modificar el estilo de texto del patrón</a:t>
             </a:r>
           </a:p>
           <a:p>
             <a:pPr lvl="1"/>
             <a:r>
-              <a:rPr lang="en-US" smtClean="0"/>
-              <a:t>Second level</a:t>
+              <a:rPr lang="es-ES" smtClean="0"/>
+              <a:t>Segundo nivel</a:t>
             </a:r>
           </a:p>
           <a:p>
             <a:pPr lvl="2"/>
             <a:r>
-              <a:rPr lang="en-US" smtClean="0"/>
-              <a:t>Third level</a:t>
+              <a:rPr lang="es-ES" smtClean="0"/>
+              <a:t>Tercer nivel</a:t>
             </a:r>
           </a:p>
           <a:p>
             <a:pPr lvl="3"/>
             <a:r>
-              <a:rPr lang="en-US" smtClean="0"/>
-              <a:t>Fourth level</a:t>
+              <a:rPr lang="es-ES" smtClean="0"/>
+              <a:t>Cuarto nivel</a:t>
             </a:r>
           </a:p>
           <a:p>
             <a:pPr lvl="4"/>
             <a:r>
-              <a:rPr lang="en-US" smtClean="0"/>
-              <a:t>Fifth level</a:t>
+              <a:rPr lang="es-ES" smtClean="0"/>
+              <a:t>Quinto nivel</a:t>
             </a:r>
             <a:endParaRPr lang="en-US" dirty="0"/>
           </a:p>
@@ -3928,7 +3830,7 @@
       </p:sp>
       <p:sp>
         <p:nvSpPr>
-          <p:cNvPr id="5" name="Date Placeholder 4"/>
+          <p:cNvPr id="7" name="Date Placeholder 6"/>
           <p:cNvSpPr>
             <a:spLocks noGrp="1"/>
           </p:cNvSpPr>
@@ -3951,7 +3853,7 @@
       </p:sp>
       <p:sp>
         <p:nvSpPr>
-          <p:cNvPr id="6" name="Footer Placeholder 5"/>
+          <p:cNvPr id="8" name="Footer Placeholder 7"/>
           <p:cNvSpPr>
             <a:spLocks noGrp="1"/>
           </p:cNvSpPr>
@@ -3970,7 +3872,7 @@
       </p:sp>
       <p:sp>
         <p:nvSpPr>
-          <p:cNvPr id="7" name="Slide Number Placeholder 6"/>
+          <p:cNvPr id="9" name="Slide Number Placeholder 8"/>
           <p:cNvSpPr>
             <a:spLocks noGrp="1"/>
           </p:cNvSpPr>
@@ -3994,7 +3896,7 @@
     </p:spTree>
     <p:extLst>
       <p:ext uri="{BB962C8B-B14F-4D97-AF65-F5344CB8AC3E}">
-        <p14:creationId xmlns:p14="http://schemas.microsoft.com/office/powerpoint/2010/main" val="1646424245"/>
+        <p14:creationId xmlns:p14="http://schemas.microsoft.com/office/powerpoint/2010/main" val="1272289558"/>
       </p:ext>
     </p:extLst>
   </p:cSld>
@@ -4004,9 +3906,9 @@
 </p:sldLayout>
 </file>
 
-<file path=ppt/slideLayouts/slideLayout5.xml><?xml version="1.0" encoding="utf-8"?>
-<p:sldLayout xmlns:a="http://schemas.openxmlformats.org/drawingml/2006/main" xmlns:r="http://schemas.openxmlformats.org/officeDocument/2006/relationships" xmlns:p="http://schemas.openxmlformats.org/presentationml/2006/main" type="twoTxTwoObj" preserve="1">
-  <p:cSld name="Comparison">
+<file path=ppt/slideLayouts/slideLayout6.xml><?xml version="1.0" encoding="utf-8"?>
+<p:sldLayout xmlns:a="http://schemas.openxmlformats.org/drawingml/2006/main" xmlns:r="http://schemas.openxmlformats.org/officeDocument/2006/relationships" xmlns:p="http://schemas.openxmlformats.org/presentationml/2006/main" type="titleOnly" preserve="1">
+  <p:cSld name="Solo el título">
     <p:spTree>
       <p:nvGrpSpPr>
         <p:cNvPr id="1" name=""/>
@@ -4031,203 +3933,19 @@
             <p:ph type="title"/>
           </p:nvPr>
         </p:nvSpPr>
-        <p:spPr/>
-        <p:txBody>
-          <a:bodyPr/>
-          <a:lstStyle>
-            <a:lvl1pPr>
-              <a:defRPr/>
-            </a:lvl1pPr>
-          </a:lstStyle>
-          <a:p>
-            <a:r>
-              <a:rPr lang="en-US" smtClean="0"/>
-              <a:t>Click to edit Master title style</a:t>
-            </a:r>
-            <a:endParaRPr lang="en-US" dirty="0"/>
-          </a:p>
-        </p:txBody>
-      </p:sp>
-      <p:sp>
-        <p:nvSpPr>
-          <p:cNvPr id="3" name="Text Placeholder 2"/>
-          <p:cNvSpPr>
-            <a:spLocks noGrp="1"/>
-          </p:cNvSpPr>
-          <p:nvPr>
-            <p:ph type="body" idx="1"/>
-          </p:nvPr>
-        </p:nvSpPr>
         <p:spPr>
           <a:xfrm>
-            <a:off x="1772179" y="2658533"/>
-            <a:ext cx="4607188" cy="576262"/>
+            <a:off x="677334" y="609600"/>
+            <a:ext cx="8596668" cy="1320800"/>
           </a:xfrm>
         </p:spPr>
         <p:txBody>
-          <a:bodyPr anchor="b">
-            <a:noAutofit/>
-          </a:bodyPr>
-          <a:lstStyle>
-            <a:lvl1pPr marL="0" indent="0">
-              <a:buNone/>
-              <a:defRPr sz="2800" b="0">
-                <a:solidFill>
-                  <a:schemeClr val="accent1">
-                    <a:lumMod val="75000"/>
-                  </a:schemeClr>
-                </a:solidFill>
-              </a:defRPr>
-            </a:lvl1pPr>
-            <a:lvl2pPr marL="457200" indent="0">
-              <a:buNone/>
-              <a:defRPr sz="2000" b="1"/>
-            </a:lvl2pPr>
-            <a:lvl3pPr marL="914400" indent="0">
-              <a:buNone/>
-              <a:defRPr sz="1800" b="1"/>
-            </a:lvl3pPr>
-            <a:lvl4pPr marL="1371600" indent="0">
-              <a:buNone/>
-              <a:defRPr sz="1600" b="1"/>
-            </a:lvl4pPr>
-            <a:lvl5pPr marL="1828800" indent="0">
-              <a:buNone/>
-              <a:defRPr sz="1600" b="1"/>
-            </a:lvl5pPr>
-            <a:lvl6pPr marL="2286000" indent="0">
-              <a:buNone/>
-              <a:defRPr sz="1600" b="1"/>
-            </a:lvl6pPr>
-            <a:lvl7pPr marL="2743200" indent="0">
-              <a:buNone/>
-              <a:defRPr sz="1600" b="1"/>
-            </a:lvl7pPr>
-            <a:lvl8pPr marL="3200400" indent="0">
-              <a:buNone/>
-              <a:defRPr sz="1600" b="1"/>
-            </a:lvl8pPr>
-            <a:lvl9pPr marL="3657600" indent="0">
-              <a:buNone/>
-              <a:defRPr sz="1600" b="1"/>
-            </a:lvl9pPr>
-          </a:lstStyle>
-          <a:p>
-            <a:pPr lvl="0"/>
-            <a:r>
-              <a:rPr lang="en-US" smtClean="0"/>
-              <a:t>Click to edit Master text styles</a:t>
-            </a:r>
-          </a:p>
-        </p:txBody>
-      </p:sp>
-      <p:sp>
-        <p:nvSpPr>
-          <p:cNvPr id="4" name="Content Placeholder 3"/>
-          <p:cNvSpPr>
-            <a:spLocks noGrp="1"/>
-          </p:cNvSpPr>
-          <p:nvPr>
-            <p:ph sz="half" idx="2"/>
-          </p:nvPr>
-        </p:nvSpPr>
-        <p:spPr>
-          <a:xfrm>
-            <a:off x="1484311" y="3335337"/>
-            <a:ext cx="4895056" cy="2455862"/>
-          </a:xfrm>
-        </p:spPr>
-        <p:txBody>
-          <a:bodyPr anchor="t">
-            <a:normAutofit/>
-          </a:bodyPr>
-          <a:lstStyle>
-            <a:lvl1pPr>
-              <a:buClr>
-                <a:schemeClr val="accent1">
-                  <a:lumMod val="75000"/>
-                </a:schemeClr>
-              </a:buClr>
-              <a:defRPr sz="1800"/>
-            </a:lvl1pPr>
-            <a:lvl2pPr>
-              <a:buClr>
-                <a:schemeClr val="accent1">
-                  <a:lumMod val="75000"/>
-                </a:schemeClr>
-              </a:buClr>
-              <a:defRPr sz="1600"/>
-            </a:lvl2pPr>
-            <a:lvl3pPr>
-              <a:buClr>
-                <a:schemeClr val="accent1">
-                  <a:lumMod val="75000"/>
-                </a:schemeClr>
-              </a:buClr>
-              <a:defRPr sz="1400"/>
-            </a:lvl3pPr>
-            <a:lvl4pPr>
-              <a:buClr>
-                <a:schemeClr val="accent1">
-                  <a:lumMod val="75000"/>
-                </a:schemeClr>
-              </a:buClr>
-              <a:defRPr sz="1200"/>
-            </a:lvl4pPr>
-            <a:lvl5pPr>
-              <a:buClr>
-                <a:schemeClr val="accent1">
-                  <a:lumMod val="75000"/>
-                </a:schemeClr>
-              </a:buClr>
-              <a:defRPr sz="1200"/>
-            </a:lvl5pPr>
-            <a:lvl6pPr>
-              <a:defRPr sz="1200"/>
-            </a:lvl6pPr>
-            <a:lvl7pPr>
-              <a:defRPr sz="1200"/>
-            </a:lvl7pPr>
-            <a:lvl8pPr>
-              <a:defRPr sz="1200"/>
-            </a:lvl8pPr>
-            <a:lvl9pPr>
-              <a:defRPr sz="1200"/>
-            </a:lvl9pPr>
-          </a:lstStyle>
-          <a:p>
-            <a:pPr lvl="0"/>
-            <a:r>
-              <a:rPr lang="en-US" smtClean="0"/>
-              <a:t>Click to edit Master text styles</a:t>
-            </a:r>
-          </a:p>
-          <a:p>
-            <a:pPr lvl="1"/>
-            <a:r>
-              <a:rPr lang="en-US" smtClean="0"/>
-              <a:t>Second level</a:t>
-            </a:r>
-          </a:p>
-          <a:p>
-            <a:pPr lvl="2"/>
-            <a:r>
-              <a:rPr lang="en-US" smtClean="0"/>
-              <a:t>Third level</a:t>
-            </a:r>
-          </a:p>
-          <a:p>
-            <a:pPr lvl="3"/>
-            <a:r>
-              <a:rPr lang="en-US" smtClean="0"/>
-              <a:t>Fourth level</a:t>
-            </a:r>
-          </a:p>
-          <a:p>
-            <a:pPr lvl="4"/>
-            <a:r>
-              <a:rPr lang="en-US" smtClean="0"/>
-              <a:t>Fifth level</a:t>
+          <a:bodyPr/>
+          <a:lstStyle/>
+          <a:p>
+            <a:r>
+              <a:rPr lang="es-ES" smtClean="0"/>
+              <a:t>Haga clic para modificar el estilo de título del patrón</a:t>
             </a:r>
             <a:endParaRPr lang="en-US" dirty="0"/>
           </a:p>
@@ -4235,192 +3953,7 @@
       </p:sp>
       <p:sp>
         <p:nvSpPr>
-          <p:cNvPr id="5" name="Text Placeholder 4"/>
-          <p:cNvSpPr>
-            <a:spLocks noGrp="1"/>
-          </p:cNvSpPr>
-          <p:nvPr>
-            <p:ph type="body" sz="quarter" idx="3"/>
-          </p:nvPr>
-        </p:nvSpPr>
-        <p:spPr>
-          <a:xfrm>
-            <a:off x="6880487" y="2667000"/>
-            <a:ext cx="4622537" cy="576262"/>
-          </a:xfrm>
-        </p:spPr>
-        <p:txBody>
-          <a:bodyPr anchor="b">
-            <a:noAutofit/>
-          </a:bodyPr>
-          <a:lstStyle>
-            <a:lvl1pPr marL="0" indent="0">
-              <a:buNone/>
-              <a:defRPr sz="2800" b="0">
-                <a:solidFill>
-                  <a:schemeClr val="accent1">
-                    <a:lumMod val="75000"/>
-                  </a:schemeClr>
-                </a:solidFill>
-              </a:defRPr>
-            </a:lvl1pPr>
-            <a:lvl2pPr marL="457200" indent="0">
-              <a:buNone/>
-              <a:defRPr sz="2000" b="1"/>
-            </a:lvl2pPr>
-            <a:lvl3pPr marL="914400" indent="0">
-              <a:buNone/>
-              <a:defRPr sz="1800" b="1"/>
-            </a:lvl3pPr>
-            <a:lvl4pPr marL="1371600" indent="0">
-              <a:buNone/>
-              <a:defRPr sz="1600" b="1"/>
-            </a:lvl4pPr>
-            <a:lvl5pPr marL="1828800" indent="0">
-              <a:buNone/>
-              <a:defRPr sz="1600" b="1"/>
-            </a:lvl5pPr>
-            <a:lvl6pPr marL="2286000" indent="0">
-              <a:buNone/>
-              <a:defRPr sz="1600" b="1"/>
-            </a:lvl6pPr>
-            <a:lvl7pPr marL="2743200" indent="0">
-              <a:buNone/>
-              <a:defRPr sz="1600" b="1"/>
-            </a:lvl7pPr>
-            <a:lvl8pPr marL="3200400" indent="0">
-              <a:buNone/>
-              <a:defRPr sz="1600" b="1"/>
-            </a:lvl8pPr>
-            <a:lvl9pPr marL="3657600" indent="0">
-              <a:buNone/>
-              <a:defRPr sz="1600" b="1"/>
-            </a:lvl9pPr>
-          </a:lstStyle>
-          <a:p>
-            <a:pPr lvl="0"/>
-            <a:r>
-              <a:rPr lang="en-US" smtClean="0"/>
-              <a:t>Click to edit Master text styles</a:t>
-            </a:r>
-          </a:p>
-        </p:txBody>
-      </p:sp>
-      <p:sp>
-        <p:nvSpPr>
-          <p:cNvPr id="6" name="Content Placeholder 5"/>
-          <p:cNvSpPr>
-            <a:spLocks noGrp="1"/>
-          </p:cNvSpPr>
-          <p:nvPr>
-            <p:ph sz="quarter" idx="4"/>
-          </p:nvPr>
-        </p:nvSpPr>
-        <p:spPr>
-          <a:xfrm>
-            <a:off x="6607967" y="3335337"/>
-            <a:ext cx="4895056" cy="2455862"/>
-          </a:xfrm>
-        </p:spPr>
-        <p:txBody>
-          <a:bodyPr anchor="t">
-            <a:normAutofit/>
-          </a:bodyPr>
-          <a:lstStyle>
-            <a:lvl1pPr>
-              <a:buClr>
-                <a:schemeClr val="accent1">
-                  <a:lumMod val="75000"/>
-                </a:schemeClr>
-              </a:buClr>
-              <a:defRPr sz="1800"/>
-            </a:lvl1pPr>
-            <a:lvl2pPr>
-              <a:buClr>
-                <a:schemeClr val="accent1">
-                  <a:lumMod val="75000"/>
-                </a:schemeClr>
-              </a:buClr>
-              <a:defRPr sz="1600"/>
-            </a:lvl2pPr>
-            <a:lvl3pPr>
-              <a:buClr>
-                <a:schemeClr val="accent1">
-                  <a:lumMod val="75000"/>
-                </a:schemeClr>
-              </a:buClr>
-              <a:defRPr sz="1400"/>
-            </a:lvl3pPr>
-            <a:lvl4pPr>
-              <a:buClr>
-                <a:schemeClr val="accent1">
-                  <a:lumMod val="75000"/>
-                </a:schemeClr>
-              </a:buClr>
-              <a:defRPr sz="1200"/>
-            </a:lvl4pPr>
-            <a:lvl5pPr>
-              <a:buClr>
-                <a:schemeClr val="accent1">
-                  <a:lumMod val="75000"/>
-                </a:schemeClr>
-              </a:buClr>
-              <a:defRPr sz="1200"/>
-            </a:lvl5pPr>
-            <a:lvl6pPr>
-              <a:defRPr sz="1200"/>
-            </a:lvl6pPr>
-            <a:lvl7pPr>
-              <a:defRPr sz="1200"/>
-            </a:lvl7pPr>
-            <a:lvl8pPr>
-              <a:defRPr sz="1200"/>
-            </a:lvl8pPr>
-            <a:lvl9pPr>
-              <a:defRPr sz="1200"/>
-            </a:lvl9pPr>
-          </a:lstStyle>
-          <a:p>
-            <a:pPr lvl="0"/>
-            <a:r>
-              <a:rPr lang="en-US" smtClean="0"/>
-              <a:t>Click to edit Master text styles</a:t>
-            </a:r>
-          </a:p>
-          <a:p>
-            <a:pPr lvl="1"/>
-            <a:r>
-              <a:rPr lang="en-US" smtClean="0"/>
-              <a:t>Second level</a:t>
-            </a:r>
-          </a:p>
-          <a:p>
-            <a:pPr lvl="2"/>
-            <a:r>
-              <a:rPr lang="en-US" smtClean="0"/>
-              <a:t>Third level</a:t>
-            </a:r>
-          </a:p>
-          <a:p>
-            <a:pPr lvl="3"/>
-            <a:r>
-              <a:rPr lang="en-US" smtClean="0"/>
-              <a:t>Fourth level</a:t>
-            </a:r>
-          </a:p>
-          <a:p>
-            <a:pPr lvl="4"/>
-            <a:r>
-              <a:rPr lang="en-US" smtClean="0"/>
-              <a:t>Fifth level</a:t>
-            </a:r>
-            <a:endParaRPr lang="en-US" dirty="0"/>
-          </a:p>
-        </p:txBody>
-      </p:sp>
-      <p:sp>
-        <p:nvSpPr>
-          <p:cNvPr id="7" name="Date Placeholder 6"/>
+          <p:cNvPr id="3" name="Date Placeholder 2"/>
           <p:cNvSpPr>
             <a:spLocks noGrp="1"/>
           </p:cNvSpPr>
@@ -4443,7 +3976,7 @@
       </p:sp>
       <p:sp>
         <p:nvSpPr>
-          <p:cNvPr id="8" name="Footer Placeholder 7"/>
+          <p:cNvPr id="4" name="Footer Placeholder 3"/>
           <p:cNvSpPr>
             <a:spLocks noGrp="1"/>
           </p:cNvSpPr>
@@ -4462,7 +3995,7 @@
       </p:sp>
       <p:sp>
         <p:nvSpPr>
-          <p:cNvPr id="9" name="Slide Number Placeholder 8"/>
+          <p:cNvPr id="5" name="Slide Number Placeholder 4"/>
           <p:cNvSpPr>
             <a:spLocks noGrp="1"/>
           </p:cNvSpPr>
@@ -4486,7 +4019,7 @@
     </p:spTree>
     <p:extLst>
       <p:ext uri="{BB962C8B-B14F-4D97-AF65-F5344CB8AC3E}">
-        <p14:creationId xmlns:p14="http://schemas.microsoft.com/office/powerpoint/2010/main" val="772623216"/>
+        <p14:creationId xmlns:p14="http://schemas.microsoft.com/office/powerpoint/2010/main" val="3581683956"/>
       </p:ext>
     </p:extLst>
   </p:cSld>
@@ -4496,9 +4029,9 @@
 </p:sldLayout>
 </file>
 
-<file path=ppt/slideLayouts/slideLayout6.xml><?xml version="1.0" encoding="utf-8"?>
-<p:sldLayout xmlns:a="http://schemas.openxmlformats.org/drawingml/2006/main" xmlns:r="http://schemas.openxmlformats.org/officeDocument/2006/relationships" xmlns:p="http://schemas.openxmlformats.org/presentationml/2006/main" type="titleOnly" preserve="1">
-  <p:cSld name="Title Only">
+<file path=ppt/slideLayouts/slideLayout7.xml><?xml version="1.0" encoding="utf-8"?>
+<p:sldLayout xmlns:a="http://schemas.openxmlformats.org/drawingml/2006/main" xmlns:r="http://schemas.openxmlformats.org/officeDocument/2006/relationships" xmlns:p="http://schemas.openxmlformats.org/presentationml/2006/main" type="blank" preserve="1">
+  <p:cSld name="En blanco">
     <p:spTree>
       <p:nvGrpSpPr>
         <p:cNvPr id="1" name=""/>
@@ -4515,30 +4048,7 @@
       </p:grpSpPr>
       <p:sp>
         <p:nvSpPr>
-          <p:cNvPr id="2" name="Title 1"/>
-          <p:cNvSpPr>
-            <a:spLocks noGrp="1"/>
-          </p:cNvSpPr>
-          <p:nvPr>
-            <p:ph type="title"/>
-          </p:nvPr>
-        </p:nvSpPr>
-        <p:spPr/>
-        <p:txBody>
-          <a:bodyPr/>
-          <a:lstStyle/>
-          <a:p>
-            <a:r>
-              <a:rPr lang="en-US" smtClean="0"/>
-              <a:t>Click to edit Master title style</a:t>
-            </a:r>
-            <a:endParaRPr lang="en-US" dirty="0"/>
-          </a:p>
-        </p:txBody>
-      </p:sp>
-      <p:sp>
-        <p:nvSpPr>
-          <p:cNvPr id="3" name="Date Placeholder 2"/>
+          <p:cNvPr id="2" name="Date Placeholder 1"/>
           <p:cNvSpPr>
             <a:spLocks noGrp="1"/>
           </p:cNvSpPr>
@@ -4561,7 +4071,7 @@
       </p:sp>
       <p:sp>
         <p:nvSpPr>
-          <p:cNvPr id="4" name="Footer Placeholder 3"/>
+          <p:cNvPr id="3" name="Footer Placeholder 2"/>
           <p:cNvSpPr>
             <a:spLocks noGrp="1"/>
           </p:cNvSpPr>
@@ -4580,7 +4090,7 @@
       </p:sp>
       <p:sp>
         <p:nvSpPr>
-          <p:cNvPr id="5" name="Slide Number Placeholder 4"/>
+          <p:cNvPr id="4" name="Slide Number Placeholder 3"/>
           <p:cNvSpPr>
             <a:spLocks noGrp="1"/>
           </p:cNvSpPr>
@@ -4604,7 +4114,7 @@
     </p:spTree>
     <p:extLst>
       <p:ext uri="{BB962C8B-B14F-4D97-AF65-F5344CB8AC3E}">
-        <p14:creationId xmlns:p14="http://schemas.microsoft.com/office/powerpoint/2010/main" val="479434336"/>
+        <p14:creationId xmlns:p14="http://schemas.microsoft.com/office/powerpoint/2010/main" val="434946603"/>
       </p:ext>
     </p:extLst>
   </p:cSld>
@@ -4614,9 +4124,9 @@
 </p:sldLayout>
 </file>
 
-<file path=ppt/slideLayouts/slideLayout7.xml><?xml version="1.0" encoding="utf-8"?>
-<p:sldLayout xmlns:a="http://schemas.openxmlformats.org/drawingml/2006/main" xmlns:r="http://schemas.openxmlformats.org/officeDocument/2006/relationships" xmlns:p="http://schemas.openxmlformats.org/presentationml/2006/main" type="blank" preserve="1">
-  <p:cSld name="Blank">
+<file path=ppt/slideLayouts/slideLayout8.xml><?xml version="1.0" encoding="utf-8"?>
+<p:sldLayout xmlns:a="http://schemas.openxmlformats.org/drawingml/2006/main" xmlns:r="http://schemas.openxmlformats.org/officeDocument/2006/relationships" xmlns:p="http://schemas.openxmlformats.org/presentationml/2006/main" type="objTx" preserve="1">
+  <p:cSld name="Contenido con título">
     <p:spTree>
       <p:nvGrpSpPr>
         <p:cNvPr id="1" name=""/>
@@ -4633,7 +4143,167 @@
       </p:grpSpPr>
       <p:sp>
         <p:nvSpPr>
-          <p:cNvPr id="2" name="Date Placeholder 1"/>
+          <p:cNvPr id="2" name="Title 1"/>
+          <p:cNvSpPr>
+            <a:spLocks noGrp="1"/>
+          </p:cNvSpPr>
+          <p:nvPr>
+            <p:ph type="title"/>
+          </p:nvPr>
+        </p:nvSpPr>
+        <p:spPr>
+          <a:xfrm>
+            <a:off x="677334" y="1498604"/>
+            <a:ext cx="3854528" cy="1278466"/>
+          </a:xfrm>
+        </p:spPr>
+        <p:txBody>
+          <a:bodyPr anchor="b">
+            <a:normAutofit/>
+          </a:bodyPr>
+          <a:lstStyle>
+            <a:lvl1pPr>
+              <a:defRPr sz="2000"/>
+            </a:lvl1pPr>
+          </a:lstStyle>
+          <a:p>
+            <a:r>
+              <a:rPr lang="es-ES" smtClean="0"/>
+              <a:t>Haga clic para modificar el estilo de título del patrón</a:t>
+            </a:r>
+            <a:endParaRPr lang="en-US" dirty="0"/>
+          </a:p>
+        </p:txBody>
+      </p:sp>
+      <p:sp>
+        <p:nvSpPr>
+          <p:cNvPr id="3" name="Content Placeholder 2"/>
+          <p:cNvSpPr>
+            <a:spLocks noGrp="1"/>
+          </p:cNvSpPr>
+          <p:nvPr>
+            <p:ph idx="1"/>
+          </p:nvPr>
+        </p:nvSpPr>
+        <p:spPr>
+          <a:xfrm>
+            <a:off x="4760461" y="514924"/>
+            <a:ext cx="4513541" cy="5526437"/>
+          </a:xfrm>
+        </p:spPr>
+        <p:txBody>
+          <a:bodyPr>
+            <a:normAutofit/>
+          </a:bodyPr>
+          <a:lstStyle/>
+          <a:p>
+            <a:pPr lvl="0"/>
+            <a:r>
+              <a:rPr lang="es-ES" smtClean="0"/>
+              <a:t>Haga clic para modificar el estilo de texto del patrón</a:t>
+            </a:r>
+          </a:p>
+          <a:p>
+            <a:pPr lvl="1"/>
+            <a:r>
+              <a:rPr lang="es-ES" smtClean="0"/>
+              <a:t>Segundo nivel</a:t>
+            </a:r>
+          </a:p>
+          <a:p>
+            <a:pPr lvl="2"/>
+            <a:r>
+              <a:rPr lang="es-ES" smtClean="0"/>
+              <a:t>Tercer nivel</a:t>
+            </a:r>
+          </a:p>
+          <a:p>
+            <a:pPr lvl="3"/>
+            <a:r>
+              <a:rPr lang="es-ES" smtClean="0"/>
+              <a:t>Cuarto nivel</a:t>
+            </a:r>
+          </a:p>
+          <a:p>
+            <a:pPr lvl="4"/>
+            <a:r>
+              <a:rPr lang="es-ES" smtClean="0"/>
+              <a:t>Quinto nivel</a:t>
+            </a:r>
+            <a:endParaRPr lang="en-US" dirty="0"/>
+          </a:p>
+        </p:txBody>
+      </p:sp>
+      <p:sp>
+        <p:nvSpPr>
+          <p:cNvPr id="4" name="Text Placeholder 3"/>
+          <p:cNvSpPr>
+            <a:spLocks noGrp="1"/>
+          </p:cNvSpPr>
+          <p:nvPr>
+            <p:ph type="body" sz="half" idx="2"/>
+          </p:nvPr>
+        </p:nvSpPr>
+        <p:spPr>
+          <a:xfrm>
+            <a:off x="677334" y="2777069"/>
+            <a:ext cx="3854528" cy="2584449"/>
+          </a:xfrm>
+        </p:spPr>
+        <p:txBody>
+          <a:bodyPr>
+            <a:normAutofit/>
+          </a:bodyPr>
+          <a:lstStyle>
+            <a:lvl1pPr marL="0" indent="0">
+              <a:buNone/>
+              <a:defRPr sz="1400"/>
+            </a:lvl1pPr>
+            <a:lvl2pPr marL="457063" indent="0">
+              <a:buNone/>
+              <a:defRPr sz="1400"/>
+            </a:lvl2pPr>
+            <a:lvl3pPr marL="914126" indent="0">
+              <a:buNone/>
+              <a:defRPr sz="1200"/>
+            </a:lvl3pPr>
+            <a:lvl4pPr marL="1371189" indent="0">
+              <a:buNone/>
+              <a:defRPr sz="1000"/>
+            </a:lvl4pPr>
+            <a:lvl5pPr marL="1828251" indent="0">
+              <a:buNone/>
+              <a:defRPr sz="1000"/>
+            </a:lvl5pPr>
+            <a:lvl6pPr marL="2285314" indent="0">
+              <a:buNone/>
+              <a:defRPr sz="1000"/>
+            </a:lvl6pPr>
+            <a:lvl7pPr marL="2742377" indent="0">
+              <a:buNone/>
+              <a:defRPr sz="1000"/>
+            </a:lvl7pPr>
+            <a:lvl8pPr marL="3199440" indent="0">
+              <a:buNone/>
+              <a:defRPr sz="1000"/>
+            </a:lvl8pPr>
+            <a:lvl9pPr marL="3656503" indent="0">
+              <a:buNone/>
+              <a:defRPr sz="1000"/>
+            </a:lvl9pPr>
+          </a:lstStyle>
+          <a:p>
+            <a:pPr lvl="0"/>
+            <a:r>
+              <a:rPr lang="es-ES" smtClean="0"/>
+              <a:t>Haga clic para modificar el estilo de texto del patrón</a:t>
+            </a:r>
+          </a:p>
+        </p:txBody>
+      </p:sp>
+      <p:sp>
+        <p:nvSpPr>
+          <p:cNvPr id="5" name="Date Placeholder 4"/>
           <p:cNvSpPr>
             <a:spLocks noGrp="1"/>
           </p:cNvSpPr>
@@ -4656,7 +4326,7 @@
       </p:sp>
       <p:sp>
         <p:nvSpPr>
-          <p:cNvPr id="3" name="Footer Placeholder 2"/>
+          <p:cNvPr id="6" name="Footer Placeholder 5"/>
           <p:cNvSpPr>
             <a:spLocks noGrp="1"/>
           </p:cNvSpPr>
@@ -4675,7 +4345,7 @@
       </p:sp>
       <p:sp>
         <p:nvSpPr>
-          <p:cNvPr id="4" name="Slide Number Placeholder 3"/>
+          <p:cNvPr id="7" name="Slide Number Placeholder 6"/>
           <p:cNvSpPr>
             <a:spLocks noGrp="1"/>
           </p:cNvSpPr>
@@ -4699,7 +4369,7 @@
     </p:spTree>
     <p:extLst>
       <p:ext uri="{BB962C8B-B14F-4D97-AF65-F5344CB8AC3E}">
-        <p14:creationId xmlns:p14="http://schemas.microsoft.com/office/powerpoint/2010/main" val="3724529436"/>
+        <p14:creationId xmlns:p14="http://schemas.microsoft.com/office/powerpoint/2010/main" val="1128444737"/>
       </p:ext>
     </p:extLst>
   </p:cSld>
@@ -4709,9 +4379,9 @@
 </p:sldLayout>
 </file>
 
-<file path=ppt/slideLayouts/slideLayout8.xml><?xml version="1.0" encoding="utf-8"?>
-<p:sldLayout xmlns:a="http://schemas.openxmlformats.org/drawingml/2006/main" xmlns:r="http://schemas.openxmlformats.org/officeDocument/2006/relationships" xmlns:p="http://schemas.openxmlformats.org/presentationml/2006/main" type="objTx" preserve="1">
-  <p:cSld name="Content with Caption">
+<file path=ppt/slideLayouts/slideLayout9.xml><?xml version="1.0" encoding="utf-8"?>
+<p:sldLayout xmlns:a="http://schemas.openxmlformats.org/drawingml/2006/main" xmlns:r="http://schemas.openxmlformats.org/officeDocument/2006/relationships" xmlns:p="http://schemas.openxmlformats.org/presentationml/2006/main" type="picTx" preserve="1">
+  <p:cSld name="Imagen con título">
     <p:spTree>
       <p:nvGrpSpPr>
         <p:cNvPr id="1" name=""/>
@@ -4738,8 +4408,8 @@
         </p:nvSpPr>
         <p:spPr>
           <a:xfrm>
-            <a:off x="1484312" y="1600200"/>
-            <a:ext cx="3549121" cy="1371600"/>
+            <a:off x="677334" y="4800600"/>
+            <a:ext cx="8596667" cy="566738"/>
           </a:xfrm>
         </p:spPr>
         <p:txBody>
@@ -4747,14 +4417,14 @@
             <a:normAutofit/>
           </a:bodyPr>
           <a:lstStyle>
-            <a:lvl1pPr algn="ctr">
+            <a:lvl1pPr algn="l">
               <a:defRPr sz="2400" b="0"/>
             </a:lvl1pPr>
           </a:lstStyle>
           <a:p>
             <a:r>
-              <a:rPr lang="en-US" smtClean="0"/>
-              <a:t>Click to edit Master title style</a:t>
+              <a:rPr lang="es-ES" smtClean="0"/>
+              <a:t>Haga clic para modificar el estilo de título del patrón</a:t>
             </a:r>
             <a:endParaRPr lang="en-US" dirty="0"/>
           </a:p>
@@ -4762,330 +4432,19 @@
       </p:sp>
       <p:sp>
         <p:nvSpPr>
-          <p:cNvPr id="3" name="Content Placeholder 2"/>
-          <p:cNvSpPr>
-            <a:spLocks noGrp="1"/>
-          </p:cNvSpPr>
-          <p:nvPr>
-            <p:ph idx="1"/>
+          <p:cNvPr id="3" name="Picture Placeholder 2"/>
+          <p:cNvSpPr>
+            <a:spLocks noGrp="1" noChangeAspect="1"/>
+          </p:cNvSpPr>
+          <p:nvPr>
+            <p:ph type="pic" idx="1"/>
           </p:nvPr>
         </p:nvSpPr>
         <p:spPr>
           <a:xfrm>
-            <a:off x="5262033" y="685799"/>
-            <a:ext cx="6240990" cy="5105401"/>
+            <a:off x="677334" y="609600"/>
+            <a:ext cx="8596668" cy="3845718"/>
           </a:xfrm>
-        </p:spPr>
-        <p:txBody>
-          <a:bodyPr anchor="ctr">
-            <a:normAutofit/>
-          </a:bodyPr>
-          <a:lstStyle>
-            <a:lvl1pPr>
-              <a:defRPr sz="2000"/>
-            </a:lvl1pPr>
-            <a:lvl2pPr>
-              <a:defRPr sz="1800"/>
-            </a:lvl2pPr>
-            <a:lvl3pPr>
-              <a:defRPr sz="1600"/>
-            </a:lvl3pPr>
-            <a:lvl4pPr>
-              <a:defRPr sz="1400"/>
-            </a:lvl4pPr>
-            <a:lvl5pPr>
-              <a:defRPr sz="1400"/>
-            </a:lvl5pPr>
-            <a:lvl6pPr>
-              <a:defRPr sz="1400"/>
-            </a:lvl6pPr>
-            <a:lvl7pPr>
-              <a:defRPr sz="1400"/>
-            </a:lvl7pPr>
-            <a:lvl8pPr>
-              <a:defRPr sz="1400"/>
-            </a:lvl8pPr>
-            <a:lvl9pPr>
-              <a:defRPr sz="1400"/>
-            </a:lvl9pPr>
-          </a:lstStyle>
-          <a:p>
-            <a:pPr lvl="0"/>
-            <a:r>
-              <a:rPr lang="en-US" smtClean="0"/>
-              <a:t>Click to edit Master text styles</a:t>
-            </a:r>
-          </a:p>
-          <a:p>
-            <a:pPr lvl="1"/>
-            <a:r>
-              <a:rPr lang="en-US" smtClean="0"/>
-              <a:t>Second level</a:t>
-            </a:r>
-          </a:p>
-          <a:p>
-            <a:pPr lvl="2"/>
-            <a:r>
-              <a:rPr lang="en-US" smtClean="0"/>
-              <a:t>Third level</a:t>
-            </a:r>
-          </a:p>
-          <a:p>
-            <a:pPr lvl="3"/>
-            <a:r>
-              <a:rPr lang="en-US" smtClean="0"/>
-              <a:t>Fourth level</a:t>
-            </a:r>
-          </a:p>
-          <a:p>
-            <a:pPr lvl="4"/>
-            <a:r>
-              <a:rPr lang="en-US" smtClean="0"/>
-              <a:t>Fifth level</a:t>
-            </a:r>
-            <a:endParaRPr lang="en-US" dirty="0"/>
-          </a:p>
-        </p:txBody>
-      </p:sp>
-      <p:sp>
-        <p:nvSpPr>
-          <p:cNvPr id="4" name="Text Placeholder 3"/>
-          <p:cNvSpPr>
-            <a:spLocks noGrp="1"/>
-          </p:cNvSpPr>
-          <p:nvPr>
-            <p:ph type="body" sz="half" idx="2"/>
-          </p:nvPr>
-        </p:nvSpPr>
-        <p:spPr>
-          <a:xfrm>
-            <a:off x="1484312" y="2971800"/>
-            <a:ext cx="3549121" cy="1828800"/>
-          </a:xfrm>
-        </p:spPr>
-        <p:txBody>
-          <a:bodyPr>
-            <a:normAutofit/>
-          </a:bodyPr>
-          <a:lstStyle>
-            <a:lvl1pPr marL="0" indent="0" algn="ctr">
-              <a:buNone/>
-              <a:defRPr sz="1600"/>
-            </a:lvl1pPr>
-            <a:lvl2pPr marL="457200" indent="0">
-              <a:buNone/>
-              <a:defRPr sz="1200"/>
-            </a:lvl2pPr>
-            <a:lvl3pPr marL="914400" indent="0">
-              <a:buNone/>
-              <a:defRPr sz="1000"/>
-            </a:lvl3pPr>
-            <a:lvl4pPr marL="1371600" indent="0">
-              <a:buNone/>
-              <a:defRPr sz="900"/>
-            </a:lvl4pPr>
-            <a:lvl5pPr marL="1828800" indent="0">
-              <a:buNone/>
-              <a:defRPr sz="900"/>
-            </a:lvl5pPr>
-            <a:lvl6pPr marL="2286000" indent="0">
-              <a:buNone/>
-              <a:defRPr sz="900"/>
-            </a:lvl6pPr>
-            <a:lvl7pPr marL="2743200" indent="0">
-              <a:buNone/>
-              <a:defRPr sz="900"/>
-            </a:lvl7pPr>
-            <a:lvl8pPr marL="3200400" indent="0">
-              <a:buNone/>
-              <a:defRPr sz="900"/>
-            </a:lvl8pPr>
-            <a:lvl9pPr marL="3657600" indent="0">
-              <a:buNone/>
-              <a:defRPr sz="900"/>
-            </a:lvl9pPr>
-          </a:lstStyle>
-          <a:p>
-            <a:pPr lvl="0"/>
-            <a:r>
-              <a:rPr lang="en-US" smtClean="0"/>
-              <a:t>Click to edit Master text styles</a:t>
-            </a:r>
-          </a:p>
-        </p:txBody>
-      </p:sp>
-      <p:sp>
-        <p:nvSpPr>
-          <p:cNvPr id="5" name="Date Placeholder 4"/>
-          <p:cNvSpPr>
-            <a:spLocks noGrp="1"/>
-          </p:cNvSpPr>
-          <p:nvPr>
-            <p:ph type="dt" sz="half" idx="10"/>
-          </p:nvPr>
-        </p:nvSpPr>
-        <p:spPr/>
-        <p:txBody>
-          <a:bodyPr/>
-          <a:lstStyle/>
-          <a:p>
-            <a:fld id="{CA16BAE6-43A0-4560-9426-D49B28EE3C15}" type="datetimeFigureOut">
-              <a:rPr lang="es-ES" smtClean="0"/>
-              <a:t>14/05/2015</a:t>
-            </a:fld>
-            <a:endParaRPr lang="es-ES"/>
-          </a:p>
-        </p:txBody>
-      </p:sp>
-      <p:sp>
-        <p:nvSpPr>
-          <p:cNvPr id="6" name="Footer Placeholder 5"/>
-          <p:cNvSpPr>
-            <a:spLocks noGrp="1"/>
-          </p:cNvSpPr>
-          <p:nvPr>
-            <p:ph type="ftr" sz="quarter" idx="11"/>
-          </p:nvPr>
-        </p:nvSpPr>
-        <p:spPr/>
-        <p:txBody>
-          <a:bodyPr/>
-          <a:lstStyle/>
-          <a:p>
-            <a:endParaRPr lang="es-ES"/>
-          </a:p>
-        </p:txBody>
-      </p:sp>
-      <p:sp>
-        <p:nvSpPr>
-          <p:cNvPr id="7" name="Slide Number Placeholder 6"/>
-          <p:cNvSpPr>
-            <a:spLocks noGrp="1"/>
-          </p:cNvSpPr>
-          <p:nvPr>
-            <p:ph type="sldNum" sz="quarter" idx="12"/>
-          </p:nvPr>
-        </p:nvSpPr>
-        <p:spPr/>
-        <p:txBody>
-          <a:bodyPr/>
-          <a:lstStyle/>
-          <a:p>
-            <a:fld id="{C086C18C-FA96-472E-9172-230EDE9D9D30}" type="slidenum">
-              <a:rPr lang="es-ES" smtClean="0"/>
-              <a:t>‹#›</a:t>
-            </a:fld>
-            <a:endParaRPr lang="es-ES"/>
-          </a:p>
-        </p:txBody>
-      </p:sp>
-    </p:spTree>
-    <p:extLst>
-      <p:ext uri="{BB962C8B-B14F-4D97-AF65-F5344CB8AC3E}">
-        <p14:creationId xmlns:p14="http://schemas.microsoft.com/office/powerpoint/2010/main" val="1135426457"/>
-      </p:ext>
-    </p:extLst>
-  </p:cSld>
-  <p:clrMapOvr>
-    <a:masterClrMapping/>
-  </p:clrMapOvr>
-</p:sldLayout>
-</file>
-
-<file path=ppt/slideLayouts/slideLayout9.xml><?xml version="1.0" encoding="utf-8"?>
-<p:sldLayout xmlns:a="http://schemas.openxmlformats.org/drawingml/2006/main" xmlns:r="http://schemas.openxmlformats.org/officeDocument/2006/relationships" xmlns:p="http://schemas.openxmlformats.org/presentationml/2006/main" type="picTx" preserve="1">
-  <p:cSld name="Picture with Caption">
-    <p:spTree>
-      <p:nvGrpSpPr>
-        <p:cNvPr id="1" name=""/>
-        <p:cNvGrpSpPr/>
-        <p:nvPr/>
-      </p:nvGrpSpPr>
-      <p:grpSpPr>
-        <a:xfrm>
-          <a:off x="0" y="0"/>
-          <a:ext cx="0" cy="0"/>
-          <a:chOff x="0" y="0"/>
-          <a:chExt cx="0" cy="0"/>
-        </a:xfrm>
-      </p:grpSpPr>
-      <p:sp>
-        <p:nvSpPr>
-          <p:cNvPr id="2" name="Title 1"/>
-          <p:cNvSpPr>
-            <a:spLocks noGrp="1"/>
-          </p:cNvSpPr>
-          <p:nvPr>
-            <p:ph type="title"/>
-          </p:nvPr>
-        </p:nvSpPr>
-        <p:spPr>
-          <a:xfrm>
-            <a:off x="1482724" y="1752599"/>
-            <a:ext cx="5426158" cy="1371600"/>
-          </a:xfrm>
-        </p:spPr>
-        <p:txBody>
-          <a:bodyPr anchor="b">
-            <a:normAutofit/>
-          </a:bodyPr>
-          <a:lstStyle>
-            <a:lvl1pPr algn="ctr">
-              <a:defRPr sz="2800" b="0"/>
-            </a:lvl1pPr>
-          </a:lstStyle>
-          <a:p>
-            <a:r>
-              <a:rPr lang="en-US" smtClean="0"/>
-              <a:t>Click to edit Master title style</a:t>
-            </a:r>
-            <a:endParaRPr lang="en-US" dirty="0"/>
-          </a:p>
-        </p:txBody>
-      </p:sp>
-      <p:sp>
-        <p:nvSpPr>
-          <p:cNvPr id="14" name="Picture Placeholder 2"/>
-          <p:cNvSpPr>
-            <a:spLocks noGrp="1" noChangeAspect="1"/>
-          </p:cNvSpPr>
-          <p:nvPr>
-            <p:ph type="pic" idx="1"/>
-          </p:nvPr>
-        </p:nvSpPr>
-        <p:spPr>
-          <a:xfrm>
-            <a:off x="7594682" y="914400"/>
-            <a:ext cx="3280974" cy="4572000"/>
-          </a:xfrm>
-          <a:prstGeom prst="roundRect">
-            <a:avLst>
-              <a:gd name="adj" fmla="val 4280"/>
-            </a:avLst>
-          </a:prstGeom>
-          <a:ln w="38100">
-            <a:gradFill flip="none" rotWithShape="1">
-              <a:gsLst>
-                <a:gs pos="0">
-                  <a:schemeClr val="bg2"/>
-                </a:gs>
-                <a:gs pos="100000">
-                  <a:schemeClr val="bg2">
-                    <a:lumMod val="75000"/>
-                  </a:schemeClr>
-                </a:gs>
-              </a:gsLst>
-              <a:lin ang="5400000" scaled="0"/>
-              <a:tileRect/>
-            </a:gradFill>
-          </a:ln>
-          <a:effectLst>
-            <a:innerShdw blurRad="57150" dist="38100" dir="14460000">
-              <a:srgbClr val="000000">
-                <a:alpha val="70000"/>
-              </a:srgbClr>
-            </a:innerShdw>
-          </a:effectLst>
         </p:spPr>
         <p:txBody>
           <a:bodyPr anchor="t">
@@ -5131,8 +4490,8 @@
           </a:lstStyle>
           <a:p>
             <a:r>
-              <a:rPr lang="en-US" smtClean="0"/>
-              <a:t>Click icon to add picture</a:t>
+              <a:rPr lang="es-ES" smtClean="0"/>
+              <a:t>Haga clic en el icono para agregar una imagen</a:t>
             </a:r>
             <a:endParaRPr lang="en-US" dirty="0"/>
           </a:p>
@@ -5150,8 +4509,8 @@
         </p:nvSpPr>
         <p:spPr>
           <a:xfrm>
-            <a:off x="1482724" y="3124199"/>
-            <a:ext cx="5426158" cy="1828800"/>
+            <a:off x="677334" y="5367338"/>
+            <a:ext cx="8596667" cy="674024"/>
           </a:xfrm>
         </p:spPr>
         <p:txBody>
@@ -5159,9 +4518,9 @@
             <a:normAutofit/>
           </a:bodyPr>
           <a:lstStyle>
-            <a:lvl1pPr marL="0" indent="0" algn="ctr">
-              <a:buNone/>
-              <a:defRPr sz="1800"/>
+            <a:lvl1pPr marL="0" indent="0">
+              <a:buNone/>
+              <a:defRPr sz="1200"/>
             </a:lvl1pPr>
             <a:lvl2pPr marL="457200" indent="0">
               <a:buNone/>
@@ -5199,8 +4558,8 @@
           <a:p>
             <a:pPr lvl="0"/>
             <a:r>
-              <a:rPr lang="en-US" smtClean="0"/>
-              <a:t>Click to edit Master text styles</a:t>
+              <a:rPr lang="es-ES" smtClean="0"/>
+              <a:t>Haga clic para modificar el estilo de texto del patrón</a:t>
             </a:r>
           </a:p>
         </p:txBody>
@@ -5273,7 +4632,7 @@
     </p:spTree>
     <p:extLst>
       <p:ext uri="{BB962C8B-B14F-4D97-AF65-F5344CB8AC3E}">
-        <p14:creationId xmlns:p14="http://schemas.microsoft.com/office/powerpoint/2010/main" val="1073360487"/>
+        <p14:creationId xmlns:p14="http://schemas.microsoft.com/office/powerpoint/2010/main" val="27626379"/>
       </p:ext>
     </p:extLst>
   </p:cSld>
@@ -5313,180 +4672,179 @@
         </p:nvGrpSpPr>
         <p:grpSpPr>
           <a:xfrm>
-            <a:off x="150812" y="0"/>
-            <a:ext cx="2436813" cy="6858001"/>
-            <a:chOff x="1320800" y="0"/>
-            <a:chExt cx="2436813" cy="6858001"/>
+            <a:off x="0" y="-8467"/>
+            <a:ext cx="12192000" cy="6866467"/>
+            <a:chOff x="0" y="-8467"/>
+            <a:chExt cx="12192000" cy="6866467"/>
           </a:xfrm>
         </p:grpSpPr>
+        <p:cxnSp>
+          <p:nvCxnSpPr>
+            <p:cNvPr id="20" name="Straight Connector 19"/>
+            <p:cNvCxnSpPr/>
+            <p:nvPr/>
+          </p:nvCxnSpPr>
+          <p:spPr>
+            <a:xfrm>
+              <a:off x="9371012" y="0"/>
+              <a:ext cx="1219200" cy="6858000"/>
+            </a:xfrm>
+            <a:prstGeom prst="line">
+              <a:avLst/>
+            </a:prstGeom>
+            <a:ln w="9525">
+              <a:solidFill>
+                <a:schemeClr val="bg1">
+                  <a:lumMod val="75000"/>
+                </a:schemeClr>
+              </a:solidFill>
+            </a:ln>
+          </p:spPr>
+          <p:style>
+            <a:lnRef idx="2">
+              <a:schemeClr val="accent1"/>
+            </a:lnRef>
+            <a:fillRef idx="0">
+              <a:schemeClr val="accent1"/>
+            </a:fillRef>
+            <a:effectRef idx="1">
+              <a:schemeClr val="accent1"/>
+            </a:effectRef>
+            <a:fontRef idx="minor">
+              <a:schemeClr val="tx1"/>
+            </a:fontRef>
+          </p:style>
+        </p:cxnSp>
+        <p:cxnSp>
+          <p:nvCxnSpPr>
+            <p:cNvPr id="21" name="Straight Connector 20"/>
+            <p:cNvCxnSpPr/>
+            <p:nvPr/>
+          </p:nvCxnSpPr>
+          <p:spPr>
+            <a:xfrm flipH="1">
+              <a:off x="7425267" y="3681413"/>
+              <a:ext cx="4763558" cy="3176587"/>
+            </a:xfrm>
+            <a:prstGeom prst="line">
+              <a:avLst/>
+            </a:prstGeom>
+            <a:ln w="9525">
+              <a:solidFill>
+                <a:schemeClr val="bg1">
+                  <a:lumMod val="85000"/>
+                </a:schemeClr>
+              </a:solidFill>
+            </a:ln>
+          </p:spPr>
+          <p:style>
+            <a:lnRef idx="2">
+              <a:schemeClr val="accent1"/>
+            </a:lnRef>
+            <a:fillRef idx="0">
+              <a:schemeClr val="accent1"/>
+            </a:fillRef>
+            <a:effectRef idx="1">
+              <a:schemeClr val="accent1"/>
+            </a:effectRef>
+            <a:fontRef idx="minor">
+              <a:schemeClr val="tx1"/>
+            </a:fontRef>
+          </p:style>
+        </p:cxnSp>
         <p:sp>
           <p:nvSpPr>
-            <p:cNvPr id="8" name="Freeform 6"/>
+            <p:cNvPr id="22" name="Rectangle 23"/>
             <p:cNvSpPr/>
             <p:nvPr/>
           </p:nvSpPr>
-          <p:spPr bwMode="auto">
+          <p:spPr>
             <a:xfrm>
-              <a:off x="1627188" y="0"/>
-              <a:ext cx="1122363" cy="5329238"/>
+              <a:off x="9181476" y="-8467"/>
+              <a:ext cx="3007349" cy="6866467"/>
             </a:xfrm>
             <a:custGeom>
               <a:avLst/>
               <a:gdLst/>
               <a:ahLst/>
               <a:cxnLst/>
-              <a:rect l="0" t="0" r="r" b="b"/>
+              <a:rect l="l" t="t" r="r" b="b"/>
               <a:pathLst>
-                <a:path w="707" h="3357">
+                <a:path w="3007349" h="6866467">
                   <a:moveTo>
-                    <a:pt x="0" y="3330"/>
+                    <a:pt x="2045532" y="0"/>
                   </a:moveTo>
                   <a:lnTo>
-                    <a:pt x="156" y="3357"/>
+                    <a:pt x="3007349" y="0"/>
                   </a:lnTo>
                   <a:lnTo>
-                    <a:pt x="707" y="0"/>
+                    <a:pt x="3007349" y="6866467"/>
                   </a:lnTo>
                   <a:lnTo>
-                    <a:pt x="547" y="0"/>
+                    <a:pt x="0" y="6866467"/>
                   </a:lnTo>
                   <a:lnTo>
-                    <a:pt x="0" y="3330"/>
+                    <a:pt x="2045532" y="0"/>
                   </a:lnTo>
                   <a:close/>
                 </a:path>
               </a:pathLst>
             </a:custGeom>
             <a:solidFill>
-              <a:schemeClr val="accent1"/>
+              <a:schemeClr val="accent1">
+                <a:alpha val="30000"/>
+              </a:schemeClr>
             </a:solidFill>
             <a:ln>
               <a:noFill/>
             </a:ln>
+            <a:effectLst/>
           </p:spPr>
+          <p:style>
+            <a:lnRef idx="1">
+              <a:schemeClr val="accent1"/>
+            </a:lnRef>
+            <a:fillRef idx="3">
+              <a:schemeClr val="accent1"/>
+            </a:fillRef>
+            <a:effectRef idx="2">
+              <a:schemeClr val="accent1"/>
+            </a:effectRef>
+            <a:fontRef idx="minor">
+              <a:schemeClr val="lt1"/>
+            </a:fontRef>
+          </p:style>
         </p:sp>
         <p:sp>
           <p:nvSpPr>
-            <p:cNvPr id="9" name="Freeform 7"/>
+            <p:cNvPr id="23" name="Rectangle 25"/>
             <p:cNvSpPr/>
             <p:nvPr/>
           </p:nvSpPr>
-          <p:spPr bwMode="auto">
+          <p:spPr>
             <a:xfrm>
-              <a:off x="1320800" y="0"/>
-              <a:ext cx="1117600" cy="5276850"/>
+              <a:off x="9603442" y="-8467"/>
+              <a:ext cx="2588558" cy="6866467"/>
             </a:xfrm>
             <a:custGeom>
               <a:avLst/>
               <a:gdLst/>
               <a:ahLst/>
               <a:cxnLst/>
-              <a:rect l="0" t="0" r="r" b="b"/>
+              <a:rect l="l" t="t" r="r" b="b"/>
               <a:pathLst>
-                <a:path w="704" h="3324">
-                  <a:moveTo>
-                    <a:pt x="704" y="0"/>
-                  </a:moveTo>
-                  <a:lnTo>
-                    <a:pt x="545" y="0"/>
-                  </a:lnTo>
-                  <a:lnTo>
-                    <a:pt x="0" y="3300"/>
-                  </a:lnTo>
-                  <a:lnTo>
-                    <a:pt x="157" y="3324"/>
-                  </a:lnTo>
-                  <a:lnTo>
-                    <a:pt x="704" y="0"/>
-                  </a:lnTo>
-                  <a:close/>
-                </a:path>
-              </a:pathLst>
-            </a:custGeom>
-            <a:solidFill>
-              <a:schemeClr val="tx1">
-                <a:lumMod val="65000"/>
-                <a:lumOff val="35000"/>
-              </a:schemeClr>
-            </a:solidFill>
-            <a:ln>
-              <a:noFill/>
-            </a:ln>
-          </p:spPr>
-        </p:sp>
-        <p:sp>
-          <p:nvSpPr>
-            <p:cNvPr id="10" name="Freeform 8"/>
-            <p:cNvSpPr/>
-            <p:nvPr/>
-          </p:nvSpPr>
-          <p:spPr bwMode="auto">
-            <a:xfrm>
-              <a:off x="1320800" y="5238750"/>
-              <a:ext cx="1228725" cy="1619250"/>
-            </a:xfrm>
-            <a:custGeom>
-              <a:avLst/>
-              <a:gdLst/>
-              <a:ahLst/>
-              <a:cxnLst/>
-              <a:rect l="0" t="0" r="r" b="b"/>
-              <a:pathLst>
-                <a:path w="774" h="1020">
+                <a:path w="2573311" h="6866467">
                   <a:moveTo>
                     <a:pt x="0" y="0"/>
                   </a:moveTo>
                   <a:lnTo>
-                    <a:pt x="740" y="1020"/>
+                    <a:pt x="2573311" y="0"/>
                   </a:lnTo>
                   <a:lnTo>
-                    <a:pt x="774" y="1020"/>
+                    <a:pt x="2573311" y="6866467"/>
                   </a:lnTo>
                   <a:lnTo>
-                    <a:pt x="0" y="0"/>
-                  </a:lnTo>
-                  <a:close/>
-                </a:path>
-              </a:pathLst>
-            </a:custGeom>
-            <a:solidFill>
-              <a:schemeClr val="tx1">
-                <a:lumMod val="85000"/>
-                <a:lumOff val="15000"/>
-              </a:schemeClr>
-            </a:solidFill>
-            <a:ln>
-              <a:noFill/>
-            </a:ln>
-          </p:spPr>
-        </p:sp>
-        <p:sp>
-          <p:nvSpPr>
-            <p:cNvPr id="11" name="Freeform 9"/>
-            <p:cNvSpPr/>
-            <p:nvPr/>
-          </p:nvSpPr>
-          <p:spPr bwMode="auto">
-            <a:xfrm>
-              <a:off x="1627188" y="5291138"/>
-              <a:ext cx="1495425" cy="1566863"/>
-            </a:xfrm>
-            <a:custGeom>
-              <a:avLst/>
-              <a:gdLst/>
-              <a:ahLst/>
-              <a:cxnLst/>
-              <a:rect l="0" t="0" r="r" b="b"/>
-              <a:pathLst>
-                <a:path w="942" h="987">
-                  <a:moveTo>
-                    <a:pt x="0" y="0"/>
-                  </a:moveTo>
-                  <a:lnTo>
-                    <a:pt x="909" y="987"/>
-                  </a:lnTo>
-                  <a:lnTo>
-                    <a:pt x="942" y="987"/>
+                    <a:pt x="1202336" y="6866467"/>
                   </a:lnTo>
                   <a:lnTo>
                     <a:pt x="0" y="0"/>
@@ -5497,50 +4855,167 @@
             </a:custGeom>
             <a:solidFill>
               <a:schemeClr val="accent1">
-                <a:lumMod val="50000"/>
+                <a:alpha val="20000"/>
               </a:schemeClr>
             </a:solidFill>
             <a:ln>
               <a:noFill/>
             </a:ln>
+            <a:effectLst/>
           </p:spPr>
+          <p:style>
+            <a:lnRef idx="1">
+              <a:schemeClr val="accent1"/>
+            </a:lnRef>
+            <a:fillRef idx="3">
+              <a:schemeClr val="accent1"/>
+            </a:fillRef>
+            <a:effectRef idx="2">
+              <a:schemeClr val="accent1"/>
+            </a:effectRef>
+            <a:fontRef idx="minor">
+              <a:schemeClr val="lt1"/>
+            </a:fontRef>
+          </p:style>
         </p:sp>
         <p:sp>
           <p:nvSpPr>
-            <p:cNvPr id="12" name="Freeform 10"/>
+            <p:cNvPr id="24" name="Isosceles Triangle 23"/>
             <p:cNvSpPr/>
             <p:nvPr/>
           </p:nvSpPr>
-          <p:spPr bwMode="auto">
+          <p:spPr>
             <a:xfrm>
-              <a:off x="1627188" y="5286375"/>
-              <a:ext cx="2130425" cy="1571625"/>
+              <a:off x="8932333" y="3048000"/>
+              <a:ext cx="3259667" cy="3810000"/>
+            </a:xfrm>
+            <a:prstGeom prst="triangle">
+              <a:avLst>
+                <a:gd name="adj" fmla="val 100000"/>
+              </a:avLst>
+            </a:prstGeom>
+            <a:solidFill>
+              <a:schemeClr val="accent2">
+                <a:alpha val="72000"/>
+              </a:schemeClr>
+            </a:solidFill>
+            <a:ln>
+              <a:noFill/>
+            </a:ln>
+            <a:effectLst/>
+          </p:spPr>
+          <p:style>
+            <a:lnRef idx="1">
+              <a:schemeClr val="accent1"/>
+            </a:lnRef>
+            <a:fillRef idx="3">
+              <a:schemeClr val="accent1"/>
+            </a:fillRef>
+            <a:effectRef idx="2">
+              <a:schemeClr val="accent1"/>
+            </a:effectRef>
+            <a:fontRef idx="minor">
+              <a:schemeClr val="lt1"/>
+            </a:fontRef>
+          </p:style>
+        </p:sp>
+        <p:sp>
+          <p:nvSpPr>
+            <p:cNvPr id="25" name="Rectangle 27"/>
+            <p:cNvSpPr/>
+            <p:nvPr/>
+          </p:nvSpPr>
+          <p:spPr>
+            <a:xfrm>
+              <a:off x="9334500" y="-8467"/>
+              <a:ext cx="2854326" cy="6866467"/>
             </a:xfrm>
             <a:custGeom>
               <a:avLst/>
               <a:gdLst/>
               <a:ahLst/>
               <a:cxnLst/>
-              <a:rect l="0" t="0" r="r" b="b"/>
+              <a:rect l="l" t="t" r="r" b="b"/>
               <a:pathLst>
-                <a:path w="1342" h="990">
+                <a:path w="2858013" h="6866467">
                   <a:moveTo>
-                    <a:pt x="0" y="3"/>
+                    <a:pt x="0" y="0"/>
                   </a:moveTo>
                   <a:lnTo>
-                    <a:pt x="942" y="990"/>
+                    <a:pt x="2858013" y="0"/>
                   </a:lnTo>
                   <a:lnTo>
-                    <a:pt x="1342" y="990"/>
+                    <a:pt x="2858013" y="6866467"/>
                   </a:lnTo>
                   <a:lnTo>
-                    <a:pt x="156" y="27"/>
+                    <a:pt x="2473942" y="6866467"/>
                   </a:lnTo>
                   <a:lnTo>
                     <a:pt x="0" y="0"/>
                   </a:lnTo>
+                  <a:close/>
+                </a:path>
+              </a:pathLst>
+            </a:custGeom>
+            <a:solidFill>
+              <a:schemeClr val="accent2">
+                <a:lumMod val="75000"/>
+                <a:alpha val="70000"/>
+              </a:schemeClr>
+            </a:solidFill>
+            <a:ln>
+              <a:noFill/>
+            </a:ln>
+            <a:effectLst/>
+          </p:spPr>
+          <p:style>
+            <a:lnRef idx="1">
+              <a:schemeClr val="accent1"/>
+            </a:lnRef>
+            <a:fillRef idx="3">
+              <a:schemeClr val="accent1"/>
+            </a:fillRef>
+            <a:effectRef idx="2">
+              <a:schemeClr val="accent1"/>
+            </a:effectRef>
+            <a:fontRef idx="minor">
+              <a:schemeClr val="lt1"/>
+            </a:fontRef>
+          </p:style>
+        </p:sp>
+        <p:sp>
+          <p:nvSpPr>
+            <p:cNvPr id="26" name="Rectangle 28"/>
+            <p:cNvSpPr/>
+            <p:nvPr/>
+          </p:nvSpPr>
+          <p:spPr>
+            <a:xfrm>
+              <a:off x="10898730" y="-8467"/>
+              <a:ext cx="1290094" cy="6866467"/>
+            </a:xfrm>
+            <a:custGeom>
+              <a:avLst/>
+              <a:gdLst/>
+              <a:ahLst/>
+              <a:cxnLst/>
+              <a:rect l="l" t="t" r="r" b="b"/>
+              <a:pathLst>
+                <a:path w="1290094" h="6858000">
+                  <a:moveTo>
+                    <a:pt x="1019735" y="0"/>
+                  </a:moveTo>
                   <a:lnTo>
-                    <a:pt x="0" y="3"/>
+                    <a:pt x="1290094" y="0"/>
+                  </a:lnTo>
+                  <a:lnTo>
+                    <a:pt x="1290094" y="6858000"/>
+                  </a:lnTo>
+                  <a:lnTo>
+                    <a:pt x="0" y="6858000"/>
+                  </a:lnTo>
+                  <a:lnTo>
+                    <a:pt x="1019735" y="0"/>
                   </a:lnTo>
                   <a:close/>
                 </a:path>
@@ -5548,77 +5023,175 @@
             </a:custGeom>
             <a:solidFill>
               <a:schemeClr val="accent1">
-                <a:lumMod val="75000"/>
+                <a:lumMod val="60000"/>
+                <a:lumOff val="40000"/>
+                <a:alpha val="70000"/>
               </a:schemeClr>
             </a:solidFill>
             <a:ln>
               <a:noFill/>
             </a:ln>
+            <a:effectLst/>
           </p:spPr>
+          <p:style>
+            <a:lnRef idx="1">
+              <a:schemeClr val="accent1"/>
+            </a:lnRef>
+            <a:fillRef idx="3">
+              <a:schemeClr val="accent1"/>
+            </a:fillRef>
+            <a:effectRef idx="2">
+              <a:schemeClr val="accent1"/>
+            </a:effectRef>
+            <a:fontRef idx="minor">
+              <a:schemeClr val="lt1"/>
+            </a:fontRef>
+          </p:style>
         </p:sp>
         <p:sp>
           <p:nvSpPr>
-            <p:cNvPr id="13" name="Freeform 11"/>
+            <p:cNvPr id="27" name="Rectangle 29"/>
             <p:cNvSpPr/>
             <p:nvPr/>
           </p:nvSpPr>
-          <p:spPr bwMode="auto">
+          <p:spPr>
             <a:xfrm>
-              <a:off x="1320800" y="5238750"/>
-              <a:ext cx="1695450" cy="1619250"/>
+              <a:off x="10938999" y="-8467"/>
+              <a:ext cx="1249825" cy="6866467"/>
             </a:xfrm>
             <a:custGeom>
               <a:avLst/>
               <a:gdLst/>
               <a:ahLst/>
               <a:cxnLst/>
-              <a:rect l="0" t="0" r="r" b="b"/>
+              <a:rect l="l" t="t" r="r" b="b"/>
               <a:pathLst>
-                <a:path w="1068" h="1020">
+                <a:path w="1249825" h="6858000">
                   <a:moveTo>
-                    <a:pt x="1068" y="1020"/>
+                    <a:pt x="0" y="0"/>
                   </a:moveTo>
                   <a:lnTo>
-                    <a:pt x="184" y="60"/>
+                    <a:pt x="1249825" y="0"/>
                   </a:lnTo>
                   <a:lnTo>
-                    <a:pt x="154" y="27"/>
+                    <a:pt x="1249825" y="6858000"/>
                   </a:lnTo>
                   <a:lnTo>
-                    <a:pt x="157" y="27"/>
-                  </a:lnTo>
-                  <a:lnTo>
-                    <a:pt x="157" y="24"/>
-                  </a:lnTo>
-                  <a:lnTo>
-                    <a:pt x="154" y="24"/>
+                    <a:pt x="1109382" y="6858000"/>
                   </a:lnTo>
                   <a:lnTo>
                     <a:pt x="0" y="0"/>
-                  </a:lnTo>
-                  <a:lnTo>
-                    <a:pt x="0" y="0"/>
-                  </a:lnTo>
-                  <a:lnTo>
-                    <a:pt x="774" y="1020"/>
-                  </a:lnTo>
-                  <a:lnTo>
-                    <a:pt x="1068" y="1020"/>
                   </a:lnTo>
                   <a:close/>
                 </a:path>
               </a:pathLst>
             </a:custGeom>
             <a:solidFill>
-              <a:schemeClr val="tx1">
-                <a:lumMod val="75000"/>
-                <a:lumOff val="25000"/>
+              <a:schemeClr val="accent1">
+                <a:alpha val="65000"/>
               </a:schemeClr>
             </a:solidFill>
             <a:ln>
               <a:noFill/>
             </a:ln>
+            <a:effectLst/>
           </p:spPr>
+          <p:style>
+            <a:lnRef idx="1">
+              <a:schemeClr val="accent1"/>
+            </a:lnRef>
+            <a:fillRef idx="3">
+              <a:schemeClr val="accent1"/>
+            </a:fillRef>
+            <a:effectRef idx="2">
+              <a:schemeClr val="accent1"/>
+            </a:effectRef>
+            <a:fontRef idx="minor">
+              <a:schemeClr val="lt1"/>
+            </a:fontRef>
+          </p:style>
+        </p:sp>
+        <p:sp>
+          <p:nvSpPr>
+            <p:cNvPr id="28" name="Isosceles Triangle 27"/>
+            <p:cNvSpPr/>
+            <p:nvPr/>
+          </p:nvSpPr>
+          <p:spPr>
+            <a:xfrm>
+              <a:off x="10371666" y="3589867"/>
+              <a:ext cx="1817159" cy="3268133"/>
+            </a:xfrm>
+            <a:prstGeom prst="triangle">
+              <a:avLst>
+                <a:gd name="adj" fmla="val 100000"/>
+              </a:avLst>
+            </a:prstGeom>
+            <a:solidFill>
+              <a:schemeClr val="accent1">
+                <a:alpha val="80000"/>
+              </a:schemeClr>
+            </a:solidFill>
+            <a:ln>
+              <a:noFill/>
+            </a:ln>
+            <a:effectLst/>
+          </p:spPr>
+          <p:style>
+            <a:lnRef idx="1">
+              <a:schemeClr val="accent1"/>
+            </a:lnRef>
+            <a:fillRef idx="3">
+              <a:schemeClr val="accent1"/>
+            </a:fillRef>
+            <a:effectRef idx="2">
+              <a:schemeClr val="accent1"/>
+            </a:effectRef>
+            <a:fontRef idx="minor">
+              <a:schemeClr val="lt1"/>
+            </a:fontRef>
+          </p:style>
+        </p:sp>
+        <p:sp>
+          <p:nvSpPr>
+            <p:cNvPr id="29" name="Isosceles Triangle 28"/>
+            <p:cNvSpPr/>
+            <p:nvPr/>
+          </p:nvSpPr>
+          <p:spPr>
+            <a:xfrm>
+              <a:off x="0" y="4013200"/>
+              <a:ext cx="448733" cy="2844800"/>
+            </a:xfrm>
+            <a:prstGeom prst="triangle">
+              <a:avLst>
+                <a:gd name="adj" fmla="val 0"/>
+              </a:avLst>
+            </a:prstGeom>
+            <a:solidFill>
+              <a:schemeClr val="accent1">
+                <a:alpha val="85000"/>
+              </a:schemeClr>
+            </a:solidFill>
+            <a:ln>
+              <a:noFill/>
+            </a:ln>
+            <a:effectLst/>
+          </p:spPr>
+          <p:style>
+            <a:lnRef idx="1">
+              <a:schemeClr val="accent1"/>
+            </a:lnRef>
+            <a:fillRef idx="3">
+              <a:schemeClr val="accent1"/>
+            </a:fillRef>
+            <a:effectRef idx="2">
+              <a:schemeClr val="accent1"/>
+            </a:effectRef>
+            <a:fontRef idx="minor">
+              <a:schemeClr val="lt1"/>
+            </a:fontRef>
+          </p:style>
         </p:sp>
       </p:grpSp>
       <p:sp>
@@ -5633,85 +5206,22 @@
         </p:nvSpPr>
         <p:spPr>
           <a:xfrm>
-            <a:off x="1484311" y="685800"/>
-            <a:ext cx="10018713" cy="1752599"/>
-          </a:xfrm>
-          <a:prstGeom prst="rect">
-            <a:avLst/>
-          </a:prstGeom>
-          <a:effectLst/>
-        </p:spPr>
-        <p:txBody>
-          <a:bodyPr vert="horz" lIns="91440" tIns="45720" rIns="91440" bIns="45720" rtlCol="0" anchor="ctr">
-            <a:normAutofit/>
-          </a:bodyPr>
-          <a:lstStyle/>
-          <a:p>
-            <a:r>
-              <a:rPr lang="en-US" smtClean="0"/>
-              <a:t>Click to edit Master title style</a:t>
-            </a:r>
-            <a:endParaRPr lang="en-US" dirty="0"/>
-          </a:p>
-        </p:txBody>
-      </p:sp>
-      <p:sp>
-        <p:nvSpPr>
-          <p:cNvPr id="3" name="Text Placeholder 2"/>
-          <p:cNvSpPr>
-            <a:spLocks noGrp="1"/>
-          </p:cNvSpPr>
-          <p:nvPr>
-            <p:ph type="body" idx="1"/>
-          </p:nvPr>
-        </p:nvSpPr>
-        <p:spPr>
-          <a:xfrm>
-            <a:off x="1484310" y="2666999"/>
-            <a:ext cx="10018713" cy="3124201"/>
+            <a:off x="677334" y="609600"/>
+            <a:ext cx="8596668" cy="1320800"/>
           </a:xfrm>
           <a:prstGeom prst="rect">
             <a:avLst/>
           </a:prstGeom>
         </p:spPr>
         <p:txBody>
-          <a:bodyPr vert="horz" lIns="91440" tIns="45720" rIns="91440" bIns="45720" rtlCol="0" anchor="ctr">
+          <a:bodyPr vert="horz" lIns="91440" tIns="45720" rIns="91440" bIns="45720" rtlCol="0" anchor="t">
             <a:normAutofit/>
           </a:bodyPr>
           <a:lstStyle/>
           <a:p>
-            <a:pPr lvl="0"/>
-            <a:r>
-              <a:rPr lang="en-US" smtClean="0"/>
-              <a:t>Click to edit Master text styles</a:t>
-            </a:r>
-          </a:p>
-          <a:p>
-            <a:pPr lvl="1"/>
-            <a:r>
-              <a:rPr lang="en-US" smtClean="0"/>
-              <a:t>Second level</a:t>
-            </a:r>
-          </a:p>
-          <a:p>
-            <a:pPr lvl="2"/>
-            <a:r>
-              <a:rPr lang="en-US" smtClean="0"/>
-              <a:t>Third level</a:t>
-            </a:r>
-          </a:p>
-          <a:p>
-            <a:pPr lvl="3"/>
-            <a:r>
-              <a:rPr lang="en-US" smtClean="0"/>
-              <a:t>Fourth level</a:t>
-            </a:r>
-          </a:p>
-          <a:p>
-            <a:pPr lvl="4"/>
-            <a:r>
-              <a:rPr lang="en-US" smtClean="0"/>
-              <a:t>Fifth level</a:t>
+            <a:r>
+              <a:rPr lang="es-ES" smtClean="0"/>
+              <a:t>Haga clic para modificar el estilo de título del patrón</a:t>
             </a:r>
             <a:endParaRPr lang="en-US" dirty="0"/>
           </a:p>
@@ -5719,59 +5229,80 @@
       </p:sp>
       <p:sp>
         <p:nvSpPr>
-          <p:cNvPr id="4" name="Date Placeholder 3"/>
-          <p:cNvSpPr>
-            <a:spLocks noGrp="1"/>
-          </p:cNvSpPr>
-          <p:nvPr>
-            <p:ph type="dt" sz="half" idx="2"/>
+          <p:cNvPr id="3" name="Text Placeholder 2"/>
+          <p:cNvSpPr>
+            <a:spLocks noGrp="1"/>
+          </p:cNvSpPr>
+          <p:nvPr>
+            <p:ph type="body" idx="1"/>
           </p:nvPr>
         </p:nvSpPr>
         <p:spPr>
           <a:xfrm>
-            <a:off x="9732656" y="5883275"/>
-            <a:ext cx="1143000" cy="365125"/>
+            <a:off x="677334" y="2160589"/>
+            <a:ext cx="8596668" cy="3880773"/>
           </a:xfrm>
           <a:prstGeom prst="rect">
             <a:avLst/>
           </a:prstGeom>
         </p:spPr>
         <p:txBody>
-          <a:bodyPr vert="horz" lIns="91440" tIns="45720" rIns="91440" bIns="45720" rtlCol="0" anchor="ctr"/>
-          <a:lstStyle>
-            <a:lvl1pPr algn="r">
-              <a:defRPr sz="1000" b="0" i="0">
-                <a:solidFill>
-                  <a:schemeClr val="tx1"/>
-                </a:solidFill>
-                <a:effectLst/>
-                <a:latin typeface="+mn-lt"/>
-              </a:defRPr>
-            </a:lvl1pPr>
-          </a:lstStyle>
-          <a:p>
-            <a:fld id="{CA16BAE6-43A0-4560-9426-D49B28EE3C15}" type="datetimeFigureOut">
-              <a:rPr lang="es-ES" smtClean="0"/>
-              <a:t>14/05/2015</a:t>
-            </a:fld>
-            <a:endParaRPr lang="es-ES"/>
-          </a:p>
-        </p:txBody>
-      </p:sp>
-      <p:sp>
-        <p:nvSpPr>
-          <p:cNvPr id="5" name="Footer Placeholder 4"/>
-          <p:cNvSpPr>
-            <a:spLocks noGrp="1"/>
-          </p:cNvSpPr>
-          <p:nvPr>
-            <p:ph type="ftr" sz="quarter" idx="3"/>
+          <a:bodyPr vert="horz" lIns="91440" tIns="45720" rIns="91440" bIns="45720" rtlCol="0">
+            <a:normAutofit/>
+          </a:bodyPr>
+          <a:lstStyle/>
+          <a:p>
+            <a:pPr lvl="0"/>
+            <a:r>
+              <a:rPr lang="es-ES" smtClean="0"/>
+              <a:t>Haga clic para modificar el estilo de texto del patrón</a:t>
+            </a:r>
+          </a:p>
+          <a:p>
+            <a:pPr lvl="1"/>
+            <a:r>
+              <a:rPr lang="es-ES" smtClean="0"/>
+              <a:t>Segundo nivel</a:t>
+            </a:r>
+          </a:p>
+          <a:p>
+            <a:pPr lvl="2"/>
+            <a:r>
+              <a:rPr lang="es-ES" smtClean="0"/>
+              <a:t>Tercer nivel</a:t>
+            </a:r>
+          </a:p>
+          <a:p>
+            <a:pPr lvl="3"/>
+            <a:r>
+              <a:rPr lang="es-ES" smtClean="0"/>
+              <a:t>Cuarto nivel</a:t>
+            </a:r>
+          </a:p>
+          <a:p>
+            <a:pPr lvl="4"/>
+            <a:r>
+              <a:rPr lang="es-ES" smtClean="0"/>
+              <a:t>Quinto nivel</a:t>
+            </a:r>
+            <a:endParaRPr lang="en-US" dirty="0"/>
+          </a:p>
+        </p:txBody>
+      </p:sp>
+      <p:sp>
+        <p:nvSpPr>
+          <p:cNvPr id="4" name="Date Placeholder 3"/>
+          <p:cNvSpPr>
+            <a:spLocks noGrp="1"/>
+          </p:cNvSpPr>
+          <p:nvPr>
+            <p:ph type="dt" sz="half" idx="2"/>
           </p:nvPr>
         </p:nvSpPr>
         <p:spPr>
           <a:xfrm>
-            <a:off x="2572279" y="5883275"/>
-            <a:ext cx="7084177" cy="365125"/>
+            <a:off x="7205133" y="6041362"/>
+            <a:ext cx="911939" cy="365125"/>
           </a:xfrm>
           <a:prstGeom prst="rect">
             <a:avLst/>
@@ -5780,35 +5311,39 @@
         <p:txBody>
           <a:bodyPr vert="horz" lIns="91440" tIns="45720" rIns="91440" bIns="45720" rtlCol="0" anchor="ctr"/>
           <a:lstStyle>
-            <a:lvl1pPr algn="l">
-              <a:defRPr sz="1000" b="0" i="0">
+            <a:lvl1pPr algn="r">
+              <a:defRPr sz="900">
                 <a:solidFill>
-                  <a:schemeClr val="tx1"/>
+                  <a:schemeClr val="tx1">
+                    <a:tint val="75000"/>
+                  </a:schemeClr>
                 </a:solidFill>
-                <a:effectLst/>
-                <a:latin typeface="+mn-lt"/>
               </a:defRPr>
             </a:lvl1pPr>
           </a:lstStyle>
           <a:p>
+            <a:fld id="{CA16BAE6-43A0-4560-9426-D49B28EE3C15}" type="datetimeFigureOut">
+              <a:rPr lang="es-ES" smtClean="0"/>
+              <a:t>14/05/2015</a:t>
+            </a:fld>
             <a:endParaRPr lang="es-ES"/>
           </a:p>
         </p:txBody>
       </p:sp>
       <p:sp>
         <p:nvSpPr>
-          <p:cNvPr id="6" name="Slide Number Placeholder 5"/>
-          <p:cNvSpPr>
-            <a:spLocks noGrp="1"/>
-          </p:cNvSpPr>
-          <p:nvPr>
-            <p:ph type="sldNum" sz="quarter" idx="4"/>
+          <p:cNvPr id="5" name="Footer Placeholder 4"/>
+          <p:cNvSpPr>
+            <a:spLocks noGrp="1"/>
+          </p:cNvSpPr>
+          <p:nvPr>
+            <p:ph type="ftr" sz="quarter" idx="3"/>
           </p:nvPr>
         </p:nvSpPr>
         <p:spPr>
           <a:xfrm>
-            <a:off x="10951856" y="5883275"/>
-            <a:ext cx="551167" cy="365125"/>
+            <a:off x="677334" y="6041362"/>
+            <a:ext cx="6297612" cy="365125"/>
           </a:xfrm>
           <a:prstGeom prst="rect">
             <a:avLst/>
@@ -5817,17 +5352,52 @@
         <p:txBody>
           <a:bodyPr vert="horz" lIns="91440" tIns="45720" rIns="91440" bIns="45720" rtlCol="0" anchor="ctr"/>
           <a:lstStyle>
-            <a:lvl1pPr algn="r">
-              <a:defRPr sz="1000" b="0" i="0">
+            <a:lvl1pPr algn="l">
+              <a:defRPr sz="900">
                 <a:solidFill>
-                  <a:schemeClr val="tx1"/>
+                  <a:schemeClr val="tx1">
+                    <a:tint val="75000"/>
+                  </a:schemeClr>
                 </a:solidFill>
-                <a:effectLst/>
-                <a:latin typeface="+mn-lt"/>
               </a:defRPr>
             </a:lvl1pPr>
           </a:lstStyle>
           <a:p>
+            <a:endParaRPr lang="es-ES"/>
+          </a:p>
+        </p:txBody>
+      </p:sp>
+      <p:sp>
+        <p:nvSpPr>
+          <p:cNvPr id="6" name="Slide Number Placeholder 5"/>
+          <p:cNvSpPr>
+            <a:spLocks noGrp="1"/>
+          </p:cNvSpPr>
+          <p:nvPr>
+            <p:ph type="sldNum" sz="quarter" idx="4"/>
+          </p:nvPr>
+        </p:nvSpPr>
+        <p:spPr>
+          <a:xfrm>
+            <a:off x="8590663" y="6041362"/>
+            <a:ext cx="683339" cy="365125"/>
+          </a:xfrm>
+          <a:prstGeom prst="rect">
+            <a:avLst/>
+          </a:prstGeom>
+        </p:spPr>
+        <p:txBody>
+          <a:bodyPr vert="horz" lIns="91440" tIns="45720" rIns="91440" bIns="45720" rtlCol="0" anchor="ctr"/>
+          <a:lstStyle>
+            <a:lvl1pPr algn="r">
+              <a:defRPr sz="900">
+                <a:solidFill>
+                  <a:schemeClr val="accent1"/>
+                </a:solidFill>
+              </a:defRPr>
+            </a:lvl1pPr>
+          </a:lstStyle>
+          <a:p>
             <a:fld id="{C086C18C-FA96-472E-9172-230EDE9D9D30}" type="slidenum">
               <a:rPr lang="es-ES" smtClean="0"/>
               <a:t>‹#›</a:t>
@@ -5839,45 +5409,40 @@
     </p:spTree>
     <p:extLst>
       <p:ext uri="{BB962C8B-B14F-4D97-AF65-F5344CB8AC3E}">
-        <p14:creationId xmlns:p14="http://schemas.microsoft.com/office/powerpoint/2010/main" val="2506102463"/>
+        <p14:creationId xmlns:p14="http://schemas.microsoft.com/office/powerpoint/2010/main" val="2455788737"/>
       </p:ext>
     </p:extLst>
   </p:cSld>
   <p:clrMap bg1="lt1" tx1="dk1" bg2="lt2" tx2="dk2" accent1="accent1" accent2="accent2" accent3="accent3" accent4="accent4" accent5="accent5" accent6="accent6" hlink="hlink" folHlink="folHlink"/>
   <p:sldLayoutIdLst>
-    <p:sldLayoutId id="2147483733" r:id="rId1"/>
-    <p:sldLayoutId id="2147483734" r:id="rId2"/>
-    <p:sldLayoutId id="2147483735" r:id="rId3"/>
-    <p:sldLayoutId id="2147483736" r:id="rId4"/>
-    <p:sldLayoutId id="2147483737" r:id="rId5"/>
-    <p:sldLayoutId id="2147483738" r:id="rId6"/>
-    <p:sldLayoutId id="2147483739" r:id="rId7"/>
-    <p:sldLayoutId id="2147483740" r:id="rId8"/>
-    <p:sldLayoutId id="2147483741" r:id="rId9"/>
-    <p:sldLayoutId id="2147483742" r:id="rId10"/>
-    <p:sldLayoutId id="2147483743" r:id="rId11"/>
-    <p:sldLayoutId id="2147483744" r:id="rId12"/>
-    <p:sldLayoutId id="2147483745" r:id="rId13"/>
-    <p:sldLayoutId id="2147483746" r:id="rId14"/>
-    <p:sldLayoutId id="2147483747" r:id="rId15"/>
-    <p:sldLayoutId id="2147483748" r:id="rId16"/>
-    <p:sldLayoutId id="2147483749" r:id="rId17"/>
+    <p:sldLayoutId id="2147483661" r:id="rId1"/>
+    <p:sldLayoutId id="2147483662" r:id="rId2"/>
+    <p:sldLayoutId id="2147483663" r:id="rId3"/>
+    <p:sldLayoutId id="2147483664" r:id="rId4"/>
+    <p:sldLayoutId id="2147483665" r:id="rId5"/>
+    <p:sldLayoutId id="2147483666" r:id="rId6"/>
+    <p:sldLayoutId id="2147483667" r:id="rId7"/>
+    <p:sldLayoutId id="2147483668" r:id="rId8"/>
+    <p:sldLayoutId id="2147483669" r:id="rId9"/>
+    <p:sldLayoutId id="2147483670" r:id="rId10"/>
+    <p:sldLayoutId id="2147483671" r:id="rId11"/>
+    <p:sldLayoutId id="2147483672" r:id="rId12"/>
+    <p:sldLayoutId id="2147483673" r:id="rId13"/>
+    <p:sldLayoutId id="2147483674" r:id="rId14"/>
+    <p:sldLayoutId id="2147483675" r:id="rId15"/>
+    <p:sldLayoutId id="2147483676" r:id="rId16"/>
   </p:sldLayoutIdLst>
   <p:txStyles>
     <p:titleStyle>
-      <a:lvl1pPr algn="ctr" defTabSz="457200" rtl="0" eaLnBrk="1" latinLnBrk="0" hangingPunct="1">
+      <a:lvl1pPr algn="l" defTabSz="457200" rtl="0" eaLnBrk="1" latinLnBrk="0" hangingPunct="1">
         <a:spcBef>
           <a:spcPct val="0"/>
         </a:spcBef>
         <a:buNone/>
-        <a:defRPr sz="4000" kern="1200" cap="none">
-          <a:ln w="3175" cmpd="sng">
-            <a:noFill/>
-          </a:ln>
+        <a:defRPr sz="3600" kern="1200">
           <a:solidFill>
-            <a:schemeClr val="tx1"/>
+            <a:schemeClr val="accent1"/>
           </a:solidFill>
-          <a:effectLst/>
           <a:latin typeface="+mj-lt"/>
           <a:ea typeface="+mj-ea"/>
           <a:cs typeface="+mj-cs"/>
@@ -5941,26 +5506,26 @@
       </a:lvl9pPr>
     </p:titleStyle>
     <p:bodyStyle>
-      <a:lvl1pPr marL="285750" indent="-285750" algn="l" defTabSz="457200" rtl="0" eaLnBrk="1" latinLnBrk="0" hangingPunct="1">
+      <a:lvl1pPr marL="342900" indent="-342900" algn="l" defTabSz="457200" rtl="0" eaLnBrk="1" latinLnBrk="0" hangingPunct="1">
         <a:spcBef>
-          <a:spcPct val="20000"/>
+          <a:spcPts val="1000"/>
         </a:spcBef>
         <a:spcAft>
-          <a:spcPts val="600"/>
+          <a:spcPts val="0"/>
         </a:spcAft>
         <a:buClr>
-          <a:schemeClr val="accent1">
-            <a:lumMod val="75000"/>
-          </a:schemeClr>
+          <a:schemeClr val="accent1"/>
         </a:buClr>
-        <a:buSzPct val="145000"/>
-        <a:buFont typeface="Arial"/>
-        <a:buChar char="•"/>
-        <a:defRPr sz="2400" kern="1200" cap="none">
+        <a:buSzPct val="80000"/>
+        <a:buFont typeface="Wingdings 3" charset="2"/>
+        <a:buChar char=""/>
+        <a:defRPr sz="1800" kern="1200">
           <a:solidFill>
-            <a:schemeClr val="tx1"/>
+            <a:schemeClr val="tx1">
+              <a:lumMod val="75000"/>
+              <a:lumOff val="25000"/>
+            </a:schemeClr>
           </a:solidFill>
-          <a:effectLst/>
           <a:latin typeface="+mn-lt"/>
           <a:ea typeface="+mn-ea"/>
           <a:cs typeface="+mn-cs"/>
@@ -5968,99 +5533,99 @@
       </a:lvl1pPr>
       <a:lvl2pPr marL="742950" indent="-285750" algn="l" defTabSz="457200" rtl="0" eaLnBrk="1" latinLnBrk="0" hangingPunct="1">
         <a:spcBef>
-          <a:spcPct val="20000"/>
+          <a:spcPts val="1000"/>
         </a:spcBef>
         <a:spcAft>
-          <a:spcPts val="600"/>
+          <a:spcPts val="0"/>
         </a:spcAft>
         <a:buClr>
-          <a:schemeClr val="accent1">
-            <a:lumMod val="75000"/>
-          </a:schemeClr>
+          <a:schemeClr val="accent1"/>
         </a:buClr>
-        <a:buSzPct val="145000"/>
-        <a:buFont typeface="Arial"/>
-        <a:buChar char="•"/>
-        <a:defRPr sz="2000" kern="1200" cap="none">
+        <a:buSzPct val="80000"/>
+        <a:buFont typeface="Wingdings 3" charset="2"/>
+        <a:buChar char=""/>
+        <a:defRPr sz="1600" kern="1200">
           <a:solidFill>
-            <a:schemeClr val="tx1"/>
+            <a:schemeClr val="tx1">
+              <a:lumMod val="75000"/>
+              <a:lumOff val="25000"/>
+            </a:schemeClr>
           </a:solidFill>
-          <a:effectLst/>
           <a:latin typeface="+mn-lt"/>
           <a:ea typeface="+mn-ea"/>
           <a:cs typeface="+mn-cs"/>
         </a:defRPr>
       </a:lvl2pPr>
-      <a:lvl3pPr marL="1200150" indent="-285750" algn="l" defTabSz="457200" rtl="0" eaLnBrk="1" latinLnBrk="0" hangingPunct="1">
+      <a:lvl3pPr marL="1143000" indent="-228600" algn="l" defTabSz="457200" rtl="0" eaLnBrk="1" latinLnBrk="0" hangingPunct="1">
         <a:spcBef>
-          <a:spcPct val="20000"/>
+          <a:spcPts val="1000"/>
         </a:spcBef>
         <a:spcAft>
-          <a:spcPts val="600"/>
+          <a:spcPts val="0"/>
         </a:spcAft>
         <a:buClr>
-          <a:schemeClr val="accent1">
-            <a:lumMod val="75000"/>
-          </a:schemeClr>
+          <a:schemeClr val="accent1"/>
         </a:buClr>
-        <a:buSzPct val="145000"/>
-        <a:buFont typeface="Arial"/>
-        <a:buChar char="•"/>
-        <a:defRPr sz="1800" kern="1200" cap="none">
+        <a:buSzPct val="80000"/>
+        <a:buFont typeface="Wingdings 3" charset="2"/>
+        <a:buChar char=""/>
+        <a:defRPr sz="1400" kern="1200">
           <a:solidFill>
-            <a:schemeClr val="tx1"/>
+            <a:schemeClr val="tx1">
+              <a:lumMod val="75000"/>
+              <a:lumOff val="25000"/>
+            </a:schemeClr>
           </a:solidFill>
-          <a:effectLst/>
           <a:latin typeface="+mn-lt"/>
           <a:ea typeface="+mn-ea"/>
           <a:cs typeface="+mn-cs"/>
         </a:defRPr>
       </a:lvl3pPr>
-      <a:lvl4pPr marL="1543050" indent="-171450" algn="l" defTabSz="457200" rtl="0" eaLnBrk="1" latinLnBrk="0" hangingPunct="1">
+      <a:lvl4pPr marL="1600200" indent="-228600" algn="l" defTabSz="457200" rtl="0" eaLnBrk="1" latinLnBrk="0" hangingPunct="1">
         <a:spcBef>
-          <a:spcPct val="20000"/>
+          <a:spcPts val="1000"/>
         </a:spcBef>
         <a:spcAft>
-          <a:spcPts val="600"/>
+          <a:spcPts val="0"/>
         </a:spcAft>
         <a:buClr>
-          <a:schemeClr val="accent1">
-            <a:lumMod val="75000"/>
-          </a:schemeClr>
+          <a:schemeClr val="accent1"/>
         </a:buClr>
-        <a:buSzPct val="145000"/>
-        <a:buFont typeface="Arial"/>
-        <a:buChar char="•"/>
-        <a:defRPr sz="1600" kern="1200" cap="none">
+        <a:buSzPct val="80000"/>
+        <a:buFont typeface="Wingdings 3" charset="2"/>
+        <a:buChar char=""/>
+        <a:defRPr sz="1200" kern="1200">
           <a:solidFill>
-            <a:schemeClr val="tx1"/>
+            <a:schemeClr val="tx1">
+              <a:lumMod val="75000"/>
+              <a:lumOff val="25000"/>
+            </a:schemeClr>
           </a:solidFill>
-          <a:effectLst/>
           <a:latin typeface="+mn-lt"/>
           <a:ea typeface="+mn-ea"/>
           <a:cs typeface="+mn-cs"/>
         </a:defRPr>
       </a:lvl4pPr>
-      <a:lvl5pPr marL="2000250" indent="-171450" algn="l" defTabSz="457200" rtl="0" eaLnBrk="1" latinLnBrk="0" hangingPunct="1">
+      <a:lvl5pPr marL="2057400" indent="-228600" algn="l" defTabSz="457200" rtl="0" eaLnBrk="1" latinLnBrk="0" hangingPunct="1">
         <a:spcBef>
-          <a:spcPct val="20000"/>
+          <a:spcPts val="1000"/>
         </a:spcBef>
         <a:spcAft>
-          <a:spcPts val="600"/>
+          <a:spcPts val="0"/>
         </a:spcAft>
         <a:buClr>
-          <a:schemeClr val="accent1">
-            <a:lumMod val="75000"/>
-          </a:schemeClr>
+          <a:schemeClr val="accent1"/>
         </a:buClr>
-        <a:buSzPct val="145000"/>
-        <a:buFont typeface="Arial"/>
-        <a:buChar char="•"/>
-        <a:defRPr sz="1400" kern="1200" cap="none">
+        <a:buSzPct val="80000"/>
+        <a:buFont typeface="Wingdings 3" charset="2"/>
+        <a:buChar char=""/>
+        <a:defRPr sz="1200" kern="1200">
           <a:solidFill>
-            <a:schemeClr val="tx1"/>
+            <a:schemeClr val="tx1">
+              <a:lumMod val="75000"/>
+              <a:lumOff val="25000"/>
+            </a:schemeClr>
           </a:solidFill>
-          <a:effectLst/>
           <a:latin typeface="+mn-lt"/>
           <a:ea typeface="+mn-ea"/>
           <a:cs typeface="+mn-cs"/>
@@ -6068,24 +5633,24 @@
       </a:lvl5pPr>
       <a:lvl6pPr marL="2514600" indent="-228600" algn="l" defTabSz="457200" rtl="0" eaLnBrk="1" latinLnBrk="0" hangingPunct="1">
         <a:spcBef>
-          <a:spcPct val="20000"/>
+          <a:spcPts val="1000"/>
         </a:spcBef>
         <a:spcAft>
-          <a:spcPts val="600"/>
+          <a:spcPts val="0"/>
         </a:spcAft>
         <a:buClr>
-          <a:schemeClr val="accent1">
-            <a:lumMod val="75000"/>
-          </a:schemeClr>
+          <a:schemeClr val="accent1"/>
         </a:buClr>
-        <a:buSzPct val="145000"/>
-        <a:buFont typeface="Arial"/>
-        <a:buChar char="•"/>
-        <a:defRPr sz="1400" kern="1200" cap="none">
+        <a:buSzPct val="80000"/>
+        <a:buFont typeface="Wingdings 3" charset="2"/>
+        <a:buChar char=""/>
+        <a:defRPr sz="1200" kern="1200">
           <a:solidFill>
-            <a:schemeClr val="tx1"/>
+            <a:schemeClr val="tx1">
+              <a:lumMod val="75000"/>
+              <a:lumOff val="25000"/>
+            </a:schemeClr>
           </a:solidFill>
-          <a:effectLst/>
           <a:latin typeface="+mn-lt"/>
           <a:ea typeface="+mn-ea"/>
           <a:cs typeface="+mn-cs"/>
@@ -6093,24 +5658,24 @@
       </a:lvl6pPr>
       <a:lvl7pPr marL="2971800" indent="-228600" algn="l" defTabSz="457200" rtl="0" eaLnBrk="1" latinLnBrk="0" hangingPunct="1">
         <a:spcBef>
-          <a:spcPct val="20000"/>
+          <a:spcPts val="1000"/>
         </a:spcBef>
         <a:spcAft>
-          <a:spcPts val="600"/>
+          <a:spcPts val="0"/>
         </a:spcAft>
         <a:buClr>
-          <a:schemeClr val="accent1">
-            <a:lumMod val="75000"/>
-          </a:schemeClr>
+          <a:schemeClr val="accent1"/>
         </a:buClr>
-        <a:buSzPct val="145000"/>
-        <a:buFont typeface="Arial"/>
-        <a:buChar char="•"/>
-        <a:defRPr sz="1400" kern="1200" cap="none">
+        <a:buSzPct val="80000"/>
+        <a:buFont typeface="Wingdings 3" charset="2"/>
+        <a:buChar char=""/>
+        <a:defRPr sz="1200" kern="1200">
           <a:solidFill>
-            <a:schemeClr val="tx1"/>
+            <a:schemeClr val="tx1">
+              <a:lumMod val="75000"/>
+              <a:lumOff val="25000"/>
+            </a:schemeClr>
           </a:solidFill>
-          <a:effectLst/>
           <a:latin typeface="+mn-lt"/>
           <a:ea typeface="+mn-ea"/>
           <a:cs typeface="+mn-cs"/>
@@ -6118,24 +5683,24 @@
       </a:lvl7pPr>
       <a:lvl8pPr marL="3429000" indent="-228600" algn="l" defTabSz="457200" rtl="0" eaLnBrk="1" latinLnBrk="0" hangingPunct="1">
         <a:spcBef>
-          <a:spcPct val="20000"/>
+          <a:spcPts val="1000"/>
         </a:spcBef>
         <a:spcAft>
-          <a:spcPts val="600"/>
+          <a:spcPts val="0"/>
         </a:spcAft>
         <a:buClr>
-          <a:schemeClr val="accent1">
-            <a:lumMod val="75000"/>
-          </a:schemeClr>
+          <a:schemeClr val="accent1"/>
         </a:buClr>
-        <a:buSzPct val="145000"/>
-        <a:buFont typeface="Arial"/>
-        <a:buChar char="•"/>
-        <a:defRPr sz="1400" kern="1200" cap="none">
+        <a:buSzPct val="80000"/>
+        <a:buFont typeface="Wingdings 3" charset="2"/>
+        <a:buChar char=""/>
+        <a:defRPr sz="1200" kern="1200">
           <a:solidFill>
-            <a:schemeClr val="tx1"/>
+            <a:schemeClr val="tx1">
+              <a:lumMod val="75000"/>
+              <a:lumOff val="25000"/>
+            </a:schemeClr>
           </a:solidFill>
-          <a:effectLst/>
           <a:latin typeface="+mn-lt"/>
           <a:ea typeface="+mn-ea"/>
           <a:cs typeface="+mn-cs"/>
@@ -6143,24 +5708,24 @@
       </a:lvl8pPr>
       <a:lvl9pPr marL="3886200" indent="-228600" algn="l" defTabSz="457200" rtl="0" eaLnBrk="1" latinLnBrk="0" hangingPunct="1">
         <a:spcBef>
-          <a:spcPct val="20000"/>
+          <a:spcPts val="1000"/>
         </a:spcBef>
         <a:spcAft>
-          <a:spcPts val="600"/>
+          <a:spcPts val="0"/>
         </a:spcAft>
         <a:buClr>
-          <a:schemeClr val="accent1">
-            <a:lumMod val="75000"/>
-          </a:schemeClr>
+          <a:schemeClr val="accent1"/>
         </a:buClr>
-        <a:buSzPct val="145000"/>
-        <a:buFont typeface="Arial"/>
-        <a:buChar char="•"/>
-        <a:defRPr sz="1400" kern="1200" cap="none">
+        <a:buSzPct val="80000"/>
+        <a:buFont typeface="Wingdings 3" charset="2"/>
+        <a:buChar char=""/>
+        <a:defRPr sz="1200" kern="1200">
           <a:solidFill>
-            <a:schemeClr val="tx1"/>
+            <a:schemeClr val="tx1">
+              <a:lumMod val="75000"/>
+              <a:lumOff val="25000"/>
+            </a:schemeClr>
           </a:solidFill>
-          <a:effectLst/>
           <a:latin typeface="+mn-lt"/>
           <a:ea typeface="+mn-ea"/>
           <a:cs typeface="+mn-cs"/>
@@ -6285,27 +5850,45 @@
       </p:grpSpPr>
       <p:sp>
         <p:nvSpPr>
-          <p:cNvPr id="4" name="Title 3"/>
-          <p:cNvSpPr>
-            <a:spLocks noGrp="1"/>
-          </p:cNvSpPr>
-          <p:nvPr>
-            <p:ph type="title"/>
-          </p:nvPr>
-        </p:nvSpPr>
-        <p:spPr>
-          <a:xfrm>
-            <a:off x="1484311" y="685800"/>
-            <a:ext cx="10018713" cy="5396345"/>
-          </a:xfrm>
-        </p:spPr>
+          <p:cNvPr id="2" name="Título 1"/>
+          <p:cNvSpPr>
+            <a:spLocks noGrp="1"/>
+          </p:cNvSpPr>
+          <p:nvPr>
+            <p:ph type="ctrTitle"/>
+          </p:nvPr>
+        </p:nvSpPr>
+        <p:spPr/>
+        <p:txBody>
+          <a:bodyPr/>
+          <a:lstStyle/>
+          <a:p>
+            <a:r>
+              <a:rPr lang="es-ES" dirty="0" err="1" smtClean="0"/>
+              <a:t>CarMander</a:t>
+            </a:r>
+            <a:endParaRPr lang="es-ES" dirty="0"/>
+          </a:p>
+        </p:txBody>
+      </p:sp>
+      <p:sp>
+        <p:nvSpPr>
+          <p:cNvPr id="3" name="Subtítulo 2"/>
+          <p:cNvSpPr>
+            <a:spLocks noGrp="1"/>
+          </p:cNvSpPr>
+          <p:nvPr>
+            <p:ph type="subTitle" idx="1"/>
+          </p:nvPr>
+        </p:nvSpPr>
+        <p:spPr/>
         <p:txBody>
           <a:bodyPr/>
           <a:lstStyle/>
           <a:p>
             <a:r>
               <a:rPr lang="es-ES" dirty="0" smtClean="0"/>
-              <a:t>Bases de Datos y Entornos</a:t>
+              <a:t>Proyecto final HADA 14/15</a:t>
             </a:r>
             <a:endParaRPr lang="es-ES" dirty="0"/>
           </a:p>
@@ -6314,7 +5897,1106 @@
     </p:spTree>
     <p:extLst>
       <p:ext uri="{BB962C8B-B14F-4D97-AF65-F5344CB8AC3E}">
-        <p14:creationId xmlns:p14="http://schemas.microsoft.com/office/powerpoint/2010/main" val="1716257953"/>
+        <p14:creationId xmlns:p14="http://schemas.microsoft.com/office/powerpoint/2010/main" val="1354559911"/>
+      </p:ext>
+    </p:extLst>
+  </p:cSld>
+  <p:clrMapOvr>
+    <a:masterClrMapping/>
+  </p:clrMapOvr>
+  <p:timing>
+    <p:tnLst>
+      <p:par>
+        <p:cTn id="1" dur="indefinite" restart="never" nodeType="tmRoot"/>
+      </p:par>
+    </p:tnLst>
+  </p:timing>
+</p:sld>
+</file>
+
+<file path=ppt/slides/slide10.xml><?xml version="1.0" encoding="utf-8"?>
+<p:sld xmlns:a="http://schemas.openxmlformats.org/drawingml/2006/main" xmlns:r="http://schemas.openxmlformats.org/officeDocument/2006/relationships" xmlns:p="http://schemas.openxmlformats.org/presentationml/2006/main">
+  <p:cSld>
+    <p:spTree>
+      <p:nvGrpSpPr>
+        <p:cNvPr id="1" name=""/>
+        <p:cNvGrpSpPr/>
+        <p:nvPr/>
+      </p:nvGrpSpPr>
+      <p:grpSpPr>
+        <a:xfrm>
+          <a:off x="0" y="0"/>
+          <a:ext cx="0" cy="0"/>
+          <a:chOff x="0" y="0"/>
+          <a:chExt cx="0" cy="0"/>
+        </a:xfrm>
+      </p:grpSpPr>
+      <p:sp>
+        <p:nvSpPr>
+          <p:cNvPr id="2" name="Título 1"/>
+          <p:cNvSpPr>
+            <a:spLocks noGrp="1"/>
+          </p:cNvSpPr>
+          <p:nvPr>
+            <p:ph type="title"/>
+          </p:nvPr>
+        </p:nvSpPr>
+        <p:spPr/>
+        <p:txBody>
+          <a:bodyPr/>
+          <a:lstStyle/>
+          <a:p>
+            <a:r>
+              <a:rPr lang="es-ES" dirty="0" smtClean="0"/>
+              <a:t>CSS</a:t>
+            </a:r>
+            <a:endParaRPr lang="es-ES" dirty="0"/>
+          </a:p>
+        </p:txBody>
+      </p:sp>
+      <p:pic>
+        <p:nvPicPr>
+          <p:cNvPr id="5" name="Imagen 4"/>
+          <p:cNvPicPr>
+            <a:picLocks noChangeAspect="1"/>
+          </p:cNvPicPr>
+          <p:nvPr/>
+        </p:nvPicPr>
+        <p:blipFill>
+          <a:blip r:embed="rId2"/>
+          <a:stretch>
+            <a:fillRect/>
+          </a:stretch>
+        </p:blipFill>
+        <p:spPr>
+          <a:xfrm>
+            <a:off x="7824786" y="3943943"/>
+            <a:ext cx="4029075" cy="2371725"/>
+          </a:xfrm>
+          <a:prstGeom prst="rect">
+            <a:avLst/>
+          </a:prstGeom>
+        </p:spPr>
+      </p:pic>
+      <p:pic>
+        <p:nvPicPr>
+          <p:cNvPr id="7" name="Imagen 6"/>
+          <p:cNvPicPr>
+            <a:picLocks noChangeAspect="1"/>
+          </p:cNvPicPr>
+          <p:nvPr/>
+        </p:nvPicPr>
+        <p:blipFill>
+          <a:blip r:embed="rId3"/>
+          <a:stretch>
+            <a:fillRect/>
+          </a:stretch>
+        </p:blipFill>
+        <p:spPr>
+          <a:xfrm>
+            <a:off x="838199" y="1318475"/>
+            <a:ext cx="9001125" cy="2057400"/>
+          </a:xfrm>
+          <a:prstGeom prst="rect">
+            <a:avLst/>
+          </a:prstGeom>
+        </p:spPr>
+      </p:pic>
+      <p:pic>
+        <p:nvPicPr>
+          <p:cNvPr id="8" name="Imagen 7"/>
+          <p:cNvPicPr>
+            <a:picLocks noChangeAspect="1"/>
+          </p:cNvPicPr>
+          <p:nvPr/>
+        </p:nvPicPr>
+        <p:blipFill>
+          <a:blip r:embed="rId4"/>
+          <a:stretch>
+            <a:fillRect/>
+          </a:stretch>
+        </p:blipFill>
+        <p:spPr>
+          <a:xfrm>
+            <a:off x="838200" y="3565694"/>
+            <a:ext cx="6867525" cy="1190625"/>
+          </a:xfrm>
+          <a:prstGeom prst="rect">
+            <a:avLst/>
+          </a:prstGeom>
+        </p:spPr>
+      </p:pic>
+    </p:spTree>
+    <p:extLst>
+      <p:ext uri="{BB962C8B-B14F-4D97-AF65-F5344CB8AC3E}">
+        <p14:creationId xmlns:p14="http://schemas.microsoft.com/office/powerpoint/2010/main" val="2343330973"/>
+      </p:ext>
+    </p:extLst>
+  </p:cSld>
+  <p:clrMapOvr>
+    <a:masterClrMapping/>
+  </p:clrMapOvr>
+  <p:timing>
+    <p:tnLst>
+      <p:par>
+        <p:cTn id="1" dur="indefinite" restart="never" nodeType="tmRoot"/>
+      </p:par>
+    </p:tnLst>
+  </p:timing>
+</p:sld>
+</file>
+
+<file path=ppt/slides/slide11.xml><?xml version="1.0" encoding="utf-8"?>
+<p:sld xmlns:a="http://schemas.openxmlformats.org/drawingml/2006/main" xmlns:r="http://schemas.openxmlformats.org/officeDocument/2006/relationships" xmlns:p="http://schemas.openxmlformats.org/presentationml/2006/main">
+  <p:cSld>
+    <p:spTree>
+      <p:nvGrpSpPr>
+        <p:cNvPr id="1" name=""/>
+        <p:cNvGrpSpPr/>
+        <p:nvPr/>
+      </p:nvGrpSpPr>
+      <p:grpSpPr>
+        <a:xfrm>
+          <a:off x="0" y="0"/>
+          <a:ext cx="0" cy="0"/>
+          <a:chOff x="0" y="0"/>
+          <a:chExt cx="0" cy="0"/>
+        </a:xfrm>
+      </p:grpSpPr>
+      <p:sp>
+        <p:nvSpPr>
+          <p:cNvPr id="2" name="Título 1"/>
+          <p:cNvSpPr>
+            <a:spLocks noGrp="1"/>
+          </p:cNvSpPr>
+          <p:nvPr>
+            <p:ph type="title"/>
+          </p:nvPr>
+        </p:nvSpPr>
+        <p:spPr/>
+        <p:txBody>
+          <a:bodyPr/>
+          <a:lstStyle/>
+          <a:p>
+            <a:r>
+              <a:rPr lang="es-ES" dirty="0" smtClean="0"/>
+              <a:t>CAPAS Y CSS</a:t>
+            </a:r>
+            <a:endParaRPr lang="es-ES" dirty="0"/>
+          </a:p>
+        </p:txBody>
+      </p:sp>
+      <p:sp>
+        <p:nvSpPr>
+          <p:cNvPr id="3" name="Marcador de contenido 2"/>
+          <p:cNvSpPr>
+            <a:spLocks noGrp="1"/>
+          </p:cNvSpPr>
+          <p:nvPr>
+            <p:ph idx="1"/>
+          </p:nvPr>
+        </p:nvSpPr>
+        <p:spPr>
+          <a:xfrm>
+            <a:off x="767486" y="1684071"/>
+            <a:ext cx="8596668" cy="3880773"/>
+          </a:xfrm>
+        </p:spPr>
+        <p:txBody>
+          <a:bodyPr/>
+          <a:lstStyle/>
+          <a:p>
+            <a:pPr marL="0" indent="0">
+              <a:buNone/>
+            </a:pPr>
+            <a:r>
+              <a:rPr lang="es-ES" dirty="0" smtClean="0"/>
+              <a:t>Dividimos el Master en 3 </a:t>
+            </a:r>
+            <a:r>
+              <a:rPr lang="es-ES" dirty="0" err="1" smtClean="0"/>
+              <a:t>ContaintsSourceFolder</a:t>
+            </a:r>
+            <a:r>
+              <a:rPr lang="es-ES" dirty="0" smtClean="0"/>
+              <a:t> dentro del Cuerpo</a:t>
+            </a:r>
+          </a:p>
+          <a:p>
+            <a:pPr marL="0" indent="0">
+              <a:buNone/>
+            </a:pPr>
+            <a:endParaRPr lang="es-ES" dirty="0"/>
+          </a:p>
+          <a:p>
+            <a:pPr marL="0" indent="0">
+              <a:buNone/>
+            </a:pPr>
+            <a:r>
+              <a:rPr lang="es-ES" dirty="0" smtClean="0"/>
+              <a:t>CUERPO</a:t>
+            </a:r>
+          </a:p>
+          <a:p>
+            <a:pPr marL="0" indent="0">
+              <a:buNone/>
+            </a:pPr>
+            <a:r>
+              <a:rPr lang="es-ES" dirty="0"/>
+              <a:t>	</a:t>
+            </a:r>
+            <a:r>
+              <a:rPr lang="es-ES" dirty="0" smtClean="0"/>
+              <a:t>ARRIBA	IGUAL pequeñas variaciones conectado a usuario o no.</a:t>
+            </a:r>
+          </a:p>
+          <a:p>
+            <a:pPr marL="0" indent="0">
+              <a:buNone/>
+            </a:pPr>
+            <a:r>
+              <a:rPr lang="es-ES" dirty="0" smtClean="0"/>
+              <a:t>			</a:t>
+            </a:r>
+          </a:p>
+          <a:p>
+            <a:pPr marL="0" indent="0">
+              <a:buNone/>
+            </a:pPr>
+            <a:r>
+              <a:rPr lang="es-ES" dirty="0" smtClean="0"/>
+              <a:t>	MEDIO	VARIA POR CAPA</a:t>
+            </a:r>
+          </a:p>
+          <a:p>
+            <a:pPr marL="0" indent="0">
+              <a:buNone/>
+            </a:pPr>
+            <a:endParaRPr lang="es-ES" dirty="0"/>
+          </a:p>
+          <a:p>
+            <a:pPr marL="0" indent="0">
+              <a:buNone/>
+            </a:pPr>
+            <a:r>
+              <a:rPr lang="es-ES" dirty="0" smtClean="0"/>
+              <a:t>	BAJO		IGUAL en toda la web</a:t>
+            </a:r>
+          </a:p>
+        </p:txBody>
+      </p:sp>
+      <p:pic>
+        <p:nvPicPr>
+          <p:cNvPr id="4" name="Imagen 3"/>
+          <p:cNvPicPr>
+            <a:picLocks noChangeAspect="1"/>
+          </p:cNvPicPr>
+          <p:nvPr/>
+        </p:nvPicPr>
+        <p:blipFill>
+          <a:blip r:embed="rId2" cstate="print">
+            <a:extLst>
+              <a:ext uri="{28A0092B-C50C-407E-A947-70E740481C1C}">
+                <a14:useLocalDpi xmlns:a14="http://schemas.microsoft.com/office/drawing/2010/main" val="0"/>
+              </a:ext>
+            </a:extLst>
+          </a:blip>
+          <a:stretch>
+            <a:fillRect/>
+          </a:stretch>
+        </p:blipFill>
+        <p:spPr>
+          <a:xfrm>
+            <a:off x="8905520" y="-17887"/>
+            <a:ext cx="3286480" cy="6858000"/>
+          </a:xfrm>
+          <a:prstGeom prst="rect">
+            <a:avLst/>
+          </a:prstGeom>
+        </p:spPr>
+      </p:pic>
+      <p:sp>
+        <p:nvSpPr>
+          <p:cNvPr id="5" name="Flecha arriba y abajo 4"/>
+          <p:cNvSpPr/>
+          <p:nvPr/>
+        </p:nvSpPr>
+        <p:spPr>
+          <a:xfrm>
+            <a:off x="8731876" y="0"/>
+            <a:ext cx="309093" cy="772732"/>
+          </a:xfrm>
+          <a:prstGeom prst="upDownArrow">
+            <a:avLst/>
+          </a:prstGeom>
+        </p:spPr>
+        <p:style>
+          <a:lnRef idx="2">
+            <a:schemeClr val="accent1">
+              <a:shade val="50000"/>
+            </a:schemeClr>
+          </a:lnRef>
+          <a:fillRef idx="1">
+            <a:schemeClr val="accent1"/>
+          </a:fillRef>
+          <a:effectRef idx="0">
+            <a:schemeClr val="accent1"/>
+          </a:effectRef>
+          <a:fontRef idx="minor">
+            <a:schemeClr val="lt1"/>
+          </a:fontRef>
+        </p:style>
+        <p:txBody>
+          <a:bodyPr rtlCol="0" anchor="ctr"/>
+          <a:lstStyle/>
+          <a:p>
+            <a:pPr algn="ctr"/>
+            <a:endParaRPr lang="es-ES"/>
+          </a:p>
+        </p:txBody>
+      </p:sp>
+      <p:sp>
+        <p:nvSpPr>
+          <p:cNvPr id="6" name="Flecha arriba y abajo 5"/>
+          <p:cNvSpPr/>
+          <p:nvPr/>
+        </p:nvSpPr>
+        <p:spPr>
+          <a:xfrm>
+            <a:off x="8731875" y="790619"/>
+            <a:ext cx="309093" cy="5409126"/>
+          </a:xfrm>
+          <a:prstGeom prst="upDownArrow">
+            <a:avLst/>
+          </a:prstGeom>
+        </p:spPr>
+        <p:style>
+          <a:lnRef idx="2">
+            <a:schemeClr val="accent1">
+              <a:shade val="50000"/>
+            </a:schemeClr>
+          </a:lnRef>
+          <a:fillRef idx="1">
+            <a:schemeClr val="accent1"/>
+          </a:fillRef>
+          <a:effectRef idx="0">
+            <a:schemeClr val="accent1"/>
+          </a:effectRef>
+          <a:fontRef idx="minor">
+            <a:schemeClr val="lt1"/>
+          </a:fontRef>
+        </p:style>
+        <p:txBody>
+          <a:bodyPr rtlCol="0" anchor="ctr"/>
+          <a:lstStyle/>
+          <a:p>
+            <a:pPr algn="ctr"/>
+            <a:endParaRPr lang="es-ES"/>
+          </a:p>
+        </p:txBody>
+      </p:sp>
+      <p:sp>
+        <p:nvSpPr>
+          <p:cNvPr id="7" name="Flecha arriba y abajo 6"/>
+          <p:cNvSpPr/>
+          <p:nvPr/>
+        </p:nvSpPr>
+        <p:spPr>
+          <a:xfrm>
+            <a:off x="8731875" y="6252949"/>
+            <a:ext cx="309092" cy="605051"/>
+          </a:xfrm>
+          <a:prstGeom prst="upDownArrow">
+            <a:avLst/>
+          </a:prstGeom>
+        </p:spPr>
+        <p:style>
+          <a:lnRef idx="2">
+            <a:schemeClr val="accent1">
+              <a:shade val="50000"/>
+            </a:schemeClr>
+          </a:lnRef>
+          <a:fillRef idx="1">
+            <a:schemeClr val="accent1"/>
+          </a:fillRef>
+          <a:effectRef idx="0">
+            <a:schemeClr val="accent1"/>
+          </a:effectRef>
+          <a:fontRef idx="minor">
+            <a:schemeClr val="lt1"/>
+          </a:fontRef>
+        </p:style>
+        <p:txBody>
+          <a:bodyPr rtlCol="0" anchor="ctr"/>
+          <a:lstStyle/>
+          <a:p>
+            <a:pPr algn="ctr"/>
+            <a:endParaRPr lang="es-ES"/>
+          </a:p>
+        </p:txBody>
+      </p:sp>
+    </p:spTree>
+    <p:extLst>
+      <p:ext uri="{BB962C8B-B14F-4D97-AF65-F5344CB8AC3E}">
+        <p14:creationId xmlns:p14="http://schemas.microsoft.com/office/powerpoint/2010/main" val="2050507385"/>
+      </p:ext>
+    </p:extLst>
+  </p:cSld>
+  <p:clrMapOvr>
+    <a:masterClrMapping/>
+  </p:clrMapOvr>
+</p:sld>
+</file>
+
+<file path=ppt/slides/slide12.xml><?xml version="1.0" encoding="utf-8"?>
+<p:sld xmlns:a="http://schemas.openxmlformats.org/drawingml/2006/main" xmlns:r="http://schemas.openxmlformats.org/officeDocument/2006/relationships" xmlns:p="http://schemas.openxmlformats.org/presentationml/2006/main">
+  <p:cSld>
+    <p:spTree>
+      <p:nvGrpSpPr>
+        <p:cNvPr id="1" name=""/>
+        <p:cNvGrpSpPr/>
+        <p:nvPr/>
+      </p:nvGrpSpPr>
+      <p:grpSpPr>
+        <a:xfrm>
+          <a:off x="0" y="0"/>
+          <a:ext cx="0" cy="0"/>
+          <a:chOff x="0" y="0"/>
+          <a:chExt cx="0" cy="0"/>
+        </a:xfrm>
+      </p:grpSpPr>
+      <p:sp>
+        <p:nvSpPr>
+          <p:cNvPr id="2" name="Título 1"/>
+          <p:cNvSpPr>
+            <a:spLocks noGrp="1"/>
+          </p:cNvSpPr>
+          <p:nvPr>
+            <p:ph type="title"/>
+          </p:nvPr>
+        </p:nvSpPr>
+        <p:spPr/>
+        <p:txBody>
+          <a:bodyPr/>
+          <a:lstStyle/>
+          <a:p>
+            <a:r>
+              <a:rPr lang="es-ES" dirty="0" err="1" smtClean="0"/>
+              <a:t>Cokies</a:t>
+            </a:r>
+            <a:r>
+              <a:rPr lang="es-ES" dirty="0" smtClean="0"/>
+              <a:t> usuarios ficheros y email</a:t>
+            </a:r>
+            <a:endParaRPr lang="es-ES" dirty="0"/>
+          </a:p>
+        </p:txBody>
+      </p:sp>
+      <p:sp>
+        <p:nvSpPr>
+          <p:cNvPr id="3" name="Marcador de contenido 2"/>
+          <p:cNvSpPr>
+            <a:spLocks noGrp="1"/>
+          </p:cNvSpPr>
+          <p:nvPr>
+            <p:ph idx="1"/>
+          </p:nvPr>
+        </p:nvSpPr>
+        <p:spPr/>
+        <p:txBody>
+          <a:bodyPr/>
+          <a:lstStyle/>
+          <a:p>
+            <a:endParaRPr lang="es-ES"/>
+          </a:p>
+        </p:txBody>
+      </p:sp>
+    </p:spTree>
+    <p:extLst>
+      <p:ext uri="{BB962C8B-B14F-4D97-AF65-F5344CB8AC3E}">
+        <p14:creationId xmlns:p14="http://schemas.microsoft.com/office/powerpoint/2010/main" val="2859217396"/>
+      </p:ext>
+    </p:extLst>
+  </p:cSld>
+  <p:clrMapOvr>
+    <a:masterClrMapping/>
+  </p:clrMapOvr>
+  <p:timing>
+    <p:tnLst>
+      <p:par>
+        <p:cTn id="1" dur="indefinite" restart="never" nodeType="tmRoot"/>
+      </p:par>
+    </p:tnLst>
+  </p:timing>
+</p:sld>
+</file>
+
+<file path=ppt/slides/slide13.xml><?xml version="1.0" encoding="utf-8"?>
+<p:sld xmlns:a="http://schemas.openxmlformats.org/drawingml/2006/main" xmlns:r="http://schemas.openxmlformats.org/officeDocument/2006/relationships" xmlns:p="http://schemas.openxmlformats.org/presentationml/2006/main">
+  <p:cSld>
+    <p:spTree>
+      <p:nvGrpSpPr>
+        <p:cNvPr id="1" name=""/>
+        <p:cNvGrpSpPr/>
+        <p:nvPr/>
+      </p:nvGrpSpPr>
+      <p:grpSpPr>
+        <a:xfrm>
+          <a:off x="0" y="0"/>
+          <a:ext cx="0" cy="0"/>
+          <a:chOff x="0" y="0"/>
+          <a:chExt cx="0" cy="0"/>
+        </a:xfrm>
+      </p:grpSpPr>
+      <p:sp>
+        <p:nvSpPr>
+          <p:cNvPr id="2" name="Título 1"/>
+          <p:cNvSpPr>
+            <a:spLocks noGrp="1"/>
+          </p:cNvSpPr>
+          <p:nvPr>
+            <p:ph type="title"/>
+          </p:nvPr>
+        </p:nvSpPr>
+        <p:spPr/>
+        <p:txBody>
+          <a:bodyPr/>
+          <a:lstStyle/>
+          <a:p>
+            <a:r>
+              <a:rPr lang="es-ES" dirty="0" smtClean="0"/>
+              <a:t>Modelo conectado vs desconectado</a:t>
+            </a:r>
+            <a:endParaRPr lang="es-ES" dirty="0"/>
+          </a:p>
+        </p:txBody>
+      </p:sp>
+      <p:sp>
+        <p:nvSpPr>
+          <p:cNvPr id="3" name="Marcador de contenido 2"/>
+          <p:cNvSpPr>
+            <a:spLocks noGrp="1"/>
+          </p:cNvSpPr>
+          <p:nvPr>
+            <p:ph idx="1"/>
+          </p:nvPr>
+        </p:nvSpPr>
+        <p:spPr/>
+        <p:txBody>
+          <a:bodyPr/>
+          <a:lstStyle/>
+          <a:p>
+            <a:endParaRPr lang="es-ES" dirty="0"/>
+          </a:p>
+        </p:txBody>
+      </p:sp>
+    </p:spTree>
+    <p:extLst>
+      <p:ext uri="{BB962C8B-B14F-4D97-AF65-F5344CB8AC3E}">
+        <p14:creationId xmlns:p14="http://schemas.microsoft.com/office/powerpoint/2010/main" val="3620501654"/>
+      </p:ext>
+    </p:extLst>
+  </p:cSld>
+  <p:clrMapOvr>
+    <a:masterClrMapping/>
+  </p:clrMapOvr>
+  <p:timing>
+    <p:tnLst>
+      <p:par>
+        <p:cTn id="1" dur="indefinite" restart="never" nodeType="tmRoot"/>
+      </p:par>
+    </p:tnLst>
+  </p:timing>
+</p:sld>
+</file>
+
+<file path=ppt/slides/slide14.xml><?xml version="1.0" encoding="utf-8"?>
+<p:sld xmlns:a="http://schemas.openxmlformats.org/drawingml/2006/main" xmlns:r="http://schemas.openxmlformats.org/officeDocument/2006/relationships" xmlns:p="http://schemas.openxmlformats.org/presentationml/2006/main">
+  <p:cSld>
+    <p:spTree>
+      <p:nvGrpSpPr>
+        <p:cNvPr id="1" name=""/>
+        <p:cNvGrpSpPr/>
+        <p:nvPr/>
+      </p:nvGrpSpPr>
+      <p:grpSpPr>
+        <a:xfrm>
+          <a:off x="0" y="0"/>
+          <a:ext cx="0" cy="0"/>
+          <a:chOff x="0" y="0"/>
+          <a:chExt cx="0" cy="0"/>
+        </a:xfrm>
+      </p:grpSpPr>
+      <p:sp>
+        <p:nvSpPr>
+          <p:cNvPr id="2" name="Título 1"/>
+          <p:cNvSpPr>
+            <a:spLocks noGrp="1"/>
+          </p:cNvSpPr>
+          <p:nvPr>
+            <p:ph type="title"/>
+          </p:nvPr>
+        </p:nvSpPr>
+        <p:spPr/>
+        <p:txBody>
+          <a:bodyPr/>
+          <a:lstStyle/>
+          <a:p>
+            <a:r>
+              <a:rPr lang="es-ES" dirty="0" smtClean="0"/>
+              <a:t>BD utilizada y gestión</a:t>
+            </a:r>
+            <a:endParaRPr lang="es-ES" dirty="0"/>
+          </a:p>
+        </p:txBody>
+      </p:sp>
+      <p:sp>
+        <p:nvSpPr>
+          <p:cNvPr id="3" name="Marcador de contenido 2"/>
+          <p:cNvSpPr>
+            <a:spLocks noGrp="1"/>
+          </p:cNvSpPr>
+          <p:nvPr>
+            <p:ph idx="1"/>
+          </p:nvPr>
+        </p:nvSpPr>
+        <p:spPr/>
+        <p:txBody>
+          <a:bodyPr/>
+          <a:lstStyle/>
+          <a:p>
+            <a:endParaRPr lang="es-ES"/>
+          </a:p>
+        </p:txBody>
+      </p:sp>
+    </p:spTree>
+    <p:extLst>
+      <p:ext uri="{BB962C8B-B14F-4D97-AF65-F5344CB8AC3E}">
+        <p14:creationId xmlns:p14="http://schemas.microsoft.com/office/powerpoint/2010/main" val="687670337"/>
+      </p:ext>
+    </p:extLst>
+  </p:cSld>
+  <p:clrMapOvr>
+    <a:masterClrMapping/>
+  </p:clrMapOvr>
+  <p:timing>
+    <p:tnLst>
+      <p:par>
+        <p:cTn id="1" dur="indefinite" restart="never" nodeType="tmRoot"/>
+      </p:par>
+    </p:tnLst>
+  </p:timing>
+</p:sld>
+</file>
+
+<file path=ppt/slides/slide15.xml><?xml version="1.0" encoding="utf-8"?>
+<p:sld xmlns:a="http://schemas.openxmlformats.org/drawingml/2006/main" xmlns:r="http://schemas.openxmlformats.org/officeDocument/2006/relationships" xmlns:p="http://schemas.openxmlformats.org/presentationml/2006/main">
+  <p:cSld>
+    <p:spTree>
+      <p:nvGrpSpPr>
+        <p:cNvPr id="1" name=""/>
+        <p:cNvGrpSpPr/>
+        <p:nvPr/>
+      </p:nvGrpSpPr>
+      <p:grpSpPr>
+        <a:xfrm>
+          <a:off x="0" y="0"/>
+          <a:ext cx="0" cy="0"/>
+          <a:chOff x="0" y="0"/>
+          <a:chExt cx="0" cy="0"/>
+        </a:xfrm>
+      </p:grpSpPr>
+      <p:sp>
+        <p:nvSpPr>
+          <p:cNvPr id="2" name="Título 1"/>
+          <p:cNvSpPr>
+            <a:spLocks noGrp="1"/>
+          </p:cNvSpPr>
+          <p:nvPr>
+            <p:ph type="title"/>
+          </p:nvPr>
+        </p:nvSpPr>
+        <p:spPr/>
+        <p:txBody>
+          <a:bodyPr/>
+          <a:lstStyle/>
+          <a:p>
+            <a:r>
+              <a:rPr lang="es-ES" dirty="0" smtClean="0"/>
+              <a:t>Problemas durante el desarrollo</a:t>
+            </a:r>
+            <a:endParaRPr lang="es-ES" dirty="0"/>
+          </a:p>
+        </p:txBody>
+      </p:sp>
+      <p:sp>
+        <p:nvSpPr>
+          <p:cNvPr id="3" name="Marcador de contenido 2"/>
+          <p:cNvSpPr>
+            <a:spLocks noGrp="1"/>
+          </p:cNvSpPr>
+          <p:nvPr>
+            <p:ph idx="1"/>
+          </p:nvPr>
+        </p:nvSpPr>
+        <p:spPr>
+          <a:xfrm>
+            <a:off x="838200" y="1580927"/>
+            <a:ext cx="10515600" cy="4351338"/>
+          </a:xfrm>
+        </p:spPr>
+        <p:txBody>
+          <a:bodyPr/>
+          <a:lstStyle/>
+          <a:p>
+            <a:pPr marL="0" indent="0">
+              <a:buNone/>
+            </a:pPr>
+            <a:r>
+              <a:rPr lang="es-ES" dirty="0" smtClean="0"/>
+              <a:t>Tecnologías aprendidas y problemas</a:t>
+            </a:r>
+          </a:p>
+          <a:p>
+            <a:pPr marL="0" indent="0">
+              <a:buNone/>
+            </a:pPr>
+            <a:endParaRPr lang="es-ES" dirty="0"/>
+          </a:p>
+        </p:txBody>
+      </p:sp>
+    </p:spTree>
+    <p:extLst>
+      <p:ext uri="{BB962C8B-B14F-4D97-AF65-F5344CB8AC3E}">
+        <p14:creationId xmlns:p14="http://schemas.microsoft.com/office/powerpoint/2010/main" val="3128840857"/>
+      </p:ext>
+    </p:extLst>
+  </p:cSld>
+  <p:clrMapOvr>
+    <a:masterClrMapping/>
+  </p:clrMapOvr>
+  <p:timing>
+    <p:tnLst>
+      <p:par>
+        <p:cTn id="1" dur="indefinite" restart="never" nodeType="tmRoot"/>
+      </p:par>
+    </p:tnLst>
+  </p:timing>
+</p:sld>
+</file>
+
+<file path=ppt/slides/slide16.xml><?xml version="1.0" encoding="utf-8"?>
+<p:sld xmlns:a="http://schemas.openxmlformats.org/drawingml/2006/main" xmlns:r="http://schemas.openxmlformats.org/officeDocument/2006/relationships" xmlns:p="http://schemas.openxmlformats.org/presentationml/2006/main">
+  <p:cSld>
+    <p:spTree>
+      <p:nvGrpSpPr>
+        <p:cNvPr id="1" name=""/>
+        <p:cNvGrpSpPr/>
+        <p:nvPr/>
+      </p:nvGrpSpPr>
+      <p:grpSpPr>
+        <a:xfrm>
+          <a:off x="0" y="0"/>
+          <a:ext cx="0" cy="0"/>
+          <a:chOff x="0" y="0"/>
+          <a:chExt cx="0" cy="0"/>
+        </a:xfrm>
+      </p:grpSpPr>
+      <p:sp>
+        <p:nvSpPr>
+          <p:cNvPr id="2" name="Título 1"/>
+          <p:cNvSpPr>
+            <a:spLocks noGrp="1"/>
+          </p:cNvSpPr>
+          <p:nvPr>
+            <p:ph type="title"/>
+          </p:nvPr>
+        </p:nvSpPr>
+        <p:spPr>
+          <a:xfrm>
+            <a:off x="0" y="0"/>
+            <a:ext cx="10515600" cy="1325563"/>
+          </a:xfrm>
+        </p:spPr>
+        <p:txBody>
+          <a:bodyPr/>
+          <a:lstStyle/>
+          <a:p>
+            <a:r>
+              <a:rPr lang="es-ES" dirty="0" smtClean="0"/>
+              <a:t>Control de versiones	</a:t>
+            </a:r>
+            <a:endParaRPr lang="es-ES" dirty="0"/>
+          </a:p>
+        </p:txBody>
+      </p:sp>
+      <p:pic>
+        <p:nvPicPr>
+          <p:cNvPr id="4" name="Marcador de contenido 3"/>
+          <p:cNvPicPr>
+            <a:picLocks noGrp="1" noChangeAspect="1"/>
+          </p:cNvPicPr>
+          <p:nvPr>
+            <p:ph idx="1"/>
+          </p:nvPr>
+        </p:nvPicPr>
+        <p:blipFill>
+          <a:blip r:embed="rId2"/>
+          <a:stretch>
+            <a:fillRect/>
+          </a:stretch>
+        </p:blipFill>
+        <p:spPr>
+          <a:xfrm>
+            <a:off x="1314718" y="1006011"/>
+            <a:ext cx="9200881" cy="5665006"/>
+          </a:xfrm>
+          <a:prstGeom prst="rect">
+            <a:avLst/>
+          </a:prstGeom>
+        </p:spPr>
+      </p:pic>
+    </p:spTree>
+    <p:extLst>
+      <p:ext uri="{BB962C8B-B14F-4D97-AF65-F5344CB8AC3E}">
+        <p14:creationId xmlns:p14="http://schemas.microsoft.com/office/powerpoint/2010/main" val="1766195255"/>
+      </p:ext>
+    </p:extLst>
+  </p:cSld>
+  <p:clrMapOvr>
+    <a:masterClrMapping/>
+  </p:clrMapOvr>
+  <p:timing>
+    <p:tnLst>
+      <p:par>
+        <p:cTn id="1" dur="indefinite" restart="never" nodeType="tmRoot"/>
+      </p:par>
+    </p:tnLst>
+  </p:timing>
+</p:sld>
+</file>
+
+<file path=ppt/slides/slide17.xml><?xml version="1.0" encoding="utf-8"?>
+<p:sld xmlns:a="http://schemas.openxmlformats.org/drawingml/2006/main" xmlns:r="http://schemas.openxmlformats.org/officeDocument/2006/relationships" xmlns:p="http://schemas.openxmlformats.org/presentationml/2006/main">
+  <p:cSld>
+    <p:spTree>
+      <p:nvGrpSpPr>
+        <p:cNvPr id="1" name=""/>
+        <p:cNvGrpSpPr/>
+        <p:nvPr/>
+      </p:nvGrpSpPr>
+      <p:grpSpPr>
+        <a:xfrm>
+          <a:off x="0" y="0"/>
+          <a:ext cx="0" cy="0"/>
+          <a:chOff x="0" y="0"/>
+          <a:chExt cx="0" cy="0"/>
+        </a:xfrm>
+      </p:grpSpPr>
+      <p:sp>
+        <p:nvSpPr>
+          <p:cNvPr id="2" name="Título 1"/>
+          <p:cNvSpPr>
+            <a:spLocks noGrp="1"/>
+          </p:cNvSpPr>
+          <p:nvPr>
+            <p:ph type="title"/>
+          </p:nvPr>
+        </p:nvSpPr>
+        <p:spPr/>
+        <p:txBody>
+          <a:bodyPr/>
+          <a:lstStyle/>
+          <a:p>
+            <a:r>
+              <a:rPr lang="es-ES" dirty="0" smtClean="0"/>
+              <a:t>Organización</a:t>
+            </a:r>
+            <a:endParaRPr lang="es-ES" dirty="0"/>
+          </a:p>
+        </p:txBody>
+      </p:sp>
+      <p:sp>
+        <p:nvSpPr>
+          <p:cNvPr id="3" name="Marcador de contenido 2"/>
+          <p:cNvSpPr>
+            <a:spLocks noGrp="1"/>
+          </p:cNvSpPr>
+          <p:nvPr>
+            <p:ph idx="1"/>
+          </p:nvPr>
+        </p:nvSpPr>
+        <p:spPr/>
+        <p:txBody>
+          <a:bodyPr/>
+          <a:lstStyle/>
+          <a:p>
+            <a:endParaRPr lang="es-ES"/>
+          </a:p>
+        </p:txBody>
+      </p:sp>
+    </p:spTree>
+    <p:extLst>
+      <p:ext uri="{BB962C8B-B14F-4D97-AF65-F5344CB8AC3E}">
+        <p14:creationId xmlns:p14="http://schemas.microsoft.com/office/powerpoint/2010/main" val="3271391345"/>
+      </p:ext>
+    </p:extLst>
+  </p:cSld>
+  <p:clrMapOvr>
+    <a:masterClrMapping/>
+  </p:clrMapOvr>
+  <p:timing>
+    <p:tnLst>
+      <p:par>
+        <p:cTn id="1" dur="indefinite" restart="never" nodeType="tmRoot"/>
+      </p:par>
+    </p:tnLst>
+  </p:timing>
+</p:sld>
+</file>
+
+<file path=ppt/slides/slide18.xml><?xml version="1.0" encoding="utf-8"?>
+<p:sld xmlns:a="http://schemas.openxmlformats.org/drawingml/2006/main" xmlns:r="http://schemas.openxmlformats.org/officeDocument/2006/relationships" xmlns:p="http://schemas.openxmlformats.org/presentationml/2006/main">
+  <p:cSld>
+    <p:spTree>
+      <p:nvGrpSpPr>
+        <p:cNvPr id="1" name=""/>
+        <p:cNvGrpSpPr/>
+        <p:nvPr/>
+      </p:nvGrpSpPr>
+      <p:grpSpPr>
+        <a:xfrm>
+          <a:off x="0" y="0"/>
+          <a:ext cx="0" cy="0"/>
+          <a:chOff x="0" y="0"/>
+          <a:chExt cx="0" cy="0"/>
+        </a:xfrm>
+      </p:grpSpPr>
+      <p:sp>
+        <p:nvSpPr>
+          <p:cNvPr id="2" name="Título 1"/>
+          <p:cNvSpPr>
+            <a:spLocks noGrp="1"/>
+          </p:cNvSpPr>
+          <p:nvPr>
+            <p:ph type="title"/>
+          </p:nvPr>
+        </p:nvSpPr>
+        <p:spPr/>
+        <p:txBody>
+          <a:bodyPr/>
+          <a:lstStyle/>
+          <a:p>
+            <a:r>
+              <a:rPr lang="es-ES" dirty="0" smtClean="0"/>
+              <a:t>EN </a:t>
+            </a:r>
+            <a:endParaRPr lang="es-ES" dirty="0"/>
+          </a:p>
+        </p:txBody>
+      </p:sp>
+      <p:sp>
+        <p:nvSpPr>
+          <p:cNvPr id="3" name="Marcador de contenido 2"/>
+          <p:cNvSpPr>
+            <a:spLocks noGrp="1"/>
+          </p:cNvSpPr>
+          <p:nvPr>
+            <p:ph idx="1"/>
+          </p:nvPr>
+        </p:nvSpPr>
+        <p:spPr/>
+        <p:txBody>
+          <a:bodyPr/>
+          <a:lstStyle/>
+          <a:p>
+            <a:endParaRPr lang="es-ES"/>
+          </a:p>
+        </p:txBody>
+      </p:sp>
+    </p:spTree>
+    <p:extLst>
+      <p:ext uri="{BB962C8B-B14F-4D97-AF65-F5344CB8AC3E}">
+        <p14:creationId xmlns:p14="http://schemas.microsoft.com/office/powerpoint/2010/main" val="1498136117"/>
+      </p:ext>
+    </p:extLst>
+  </p:cSld>
+  <p:clrMapOvr>
+    <a:masterClrMapping/>
+  </p:clrMapOvr>
+  <p:timing>
+    <p:tnLst>
+      <p:par>
+        <p:cTn id="1" dur="indefinite" restart="never" nodeType="tmRoot"/>
+      </p:par>
+    </p:tnLst>
+  </p:timing>
+</p:sld>
+</file>
+
+<file path=ppt/slides/slide19.xml><?xml version="1.0" encoding="utf-8"?>
+<p:sld xmlns:a="http://schemas.openxmlformats.org/drawingml/2006/main" xmlns:r="http://schemas.openxmlformats.org/officeDocument/2006/relationships" xmlns:p="http://schemas.openxmlformats.org/presentationml/2006/main">
+  <p:cSld>
+    <p:spTree>
+      <p:nvGrpSpPr>
+        <p:cNvPr id="1" name=""/>
+        <p:cNvGrpSpPr/>
+        <p:nvPr/>
+      </p:nvGrpSpPr>
+      <p:grpSpPr>
+        <a:xfrm>
+          <a:off x="0" y="0"/>
+          <a:ext cx="0" cy="0"/>
+          <a:chOff x="0" y="0"/>
+          <a:chExt cx="0" cy="0"/>
+        </a:xfrm>
+      </p:grpSpPr>
+      <p:sp>
+        <p:nvSpPr>
+          <p:cNvPr id="2" name="Título 1"/>
+          <p:cNvSpPr>
+            <a:spLocks noGrp="1"/>
+          </p:cNvSpPr>
+          <p:nvPr>
+            <p:ph type="title"/>
+          </p:nvPr>
+        </p:nvSpPr>
+        <p:spPr/>
+        <p:txBody>
+          <a:bodyPr/>
+          <a:lstStyle/>
+          <a:p>
+            <a:r>
+              <a:rPr lang="es-ES" dirty="0" smtClean="0"/>
+              <a:t>CAD</a:t>
+            </a:r>
+            <a:endParaRPr lang="es-ES" dirty="0"/>
+          </a:p>
+        </p:txBody>
+      </p:sp>
+      <p:sp>
+        <p:nvSpPr>
+          <p:cNvPr id="3" name="Marcador de contenido 2"/>
+          <p:cNvSpPr>
+            <a:spLocks noGrp="1"/>
+          </p:cNvSpPr>
+          <p:nvPr>
+            <p:ph idx="1"/>
+          </p:nvPr>
+        </p:nvSpPr>
+        <p:spPr/>
+        <p:txBody>
+          <a:bodyPr/>
+          <a:lstStyle/>
+          <a:p>
+            <a:endParaRPr lang="es-ES"/>
+          </a:p>
+        </p:txBody>
+      </p:sp>
+    </p:spTree>
+    <p:extLst>
+      <p:ext uri="{BB962C8B-B14F-4D97-AF65-F5344CB8AC3E}">
+        <p14:creationId xmlns:p14="http://schemas.microsoft.com/office/powerpoint/2010/main" val="3767493603"/>
       </p:ext>
     </p:extLst>
   </p:cSld>
@@ -6358,19 +7040,14 @@
             <p:ph type="title"/>
           </p:nvPr>
         </p:nvSpPr>
-        <p:spPr>
-          <a:xfrm>
-            <a:off x="1484312" y="685801"/>
-            <a:ext cx="9807144" cy="1406236"/>
-          </a:xfrm>
-        </p:spPr>
+        <p:spPr/>
         <p:txBody>
           <a:bodyPr/>
           <a:lstStyle/>
           <a:p>
             <a:r>
               <a:rPr lang="es-ES" dirty="0" smtClean="0"/>
-              <a:t>Entorno Conectado</a:t>
+              <a:t>Presentación y equipo</a:t>
             </a:r>
             <a:endParaRPr lang="es-ES" dirty="0"/>
           </a:p>
@@ -6378,12 +7055,12 @@
       </p:sp>
       <p:sp>
         <p:nvSpPr>
-          <p:cNvPr id="6" name="Text Placeholder 5"/>
-          <p:cNvSpPr>
-            <a:spLocks noGrp="1"/>
-          </p:cNvSpPr>
-          <p:nvPr>
-            <p:ph type="body" idx="1"/>
+          <p:cNvPr id="3" name="Marcador de contenido 2"/>
+          <p:cNvSpPr>
+            <a:spLocks noGrp="1"/>
+          </p:cNvSpPr>
+          <p:nvPr>
+            <p:ph idx="1"/>
           </p:nvPr>
         </p:nvSpPr>
         <p:spPr/>
@@ -6391,200 +7068,211 @@
           <a:bodyPr/>
           <a:lstStyle/>
           <a:p>
+            <a:pPr marL="0" indent="0">
+              <a:buNone/>
+            </a:pPr>
             <a:r>
               <a:rPr lang="es-ES" dirty="0" smtClean="0"/>
-              <a:t> </a:t>
+              <a:t>Integrantes:</a:t>
+            </a:r>
+          </a:p>
+          <a:p>
+            <a:pPr marL="0" indent="0">
+              <a:buNone/>
+            </a:pPr>
+            <a:r>
+              <a:rPr lang="es-ES" dirty="0"/>
+              <a:t>	</a:t>
+            </a:r>
+            <a:r>
+              <a:rPr lang="es-ES" dirty="0" smtClean="0"/>
+              <a:t>Jorge Espinosa </a:t>
+            </a:r>
+            <a:r>
+              <a:rPr lang="es-ES" dirty="0" err="1" smtClean="0"/>
+              <a:t>Campello</a:t>
             </a:r>
             <a:endParaRPr lang="es-ES" dirty="0"/>
           </a:p>
-        </p:txBody>
-      </p:sp>
-      <p:sp>
-        <p:nvSpPr>
-          <p:cNvPr id="3" name="Marcador de contenido 2"/>
-          <p:cNvSpPr>
-            <a:spLocks noGrp="1"/>
-          </p:cNvSpPr>
-          <p:nvPr>
-            <p:ph sz="half" idx="2"/>
-          </p:nvPr>
-        </p:nvSpPr>
-        <p:spPr>
-          <a:xfrm>
-            <a:off x="1484310" y="2658533"/>
-            <a:ext cx="5623071" cy="3132666"/>
-          </a:xfrm>
-        </p:spPr>
-        <p:txBody>
-          <a:bodyPr>
-            <a:normAutofit/>
-          </a:bodyPr>
-          <a:lstStyle/>
-          <a:p>
+          <a:p>
+            <a:pPr marL="0" indent="0">
+              <a:buNone/>
+            </a:pPr>
             <a:r>
               <a:rPr lang="es-ES" dirty="0" smtClean="0"/>
-              <a:t>Utilización de Entorno Conectado</a:t>
-            </a:r>
-          </a:p>
-          <a:p>
-            <a:pPr lvl="1"/>
+              <a:t>	</a:t>
+            </a:r>
+            <a:r>
+              <a:rPr lang="es-ES" dirty="0" err="1" smtClean="0"/>
+              <a:t>Cristobal</a:t>
+            </a:r>
+            <a:r>
+              <a:rPr lang="es-ES" dirty="0" smtClean="0"/>
+              <a:t> Jesús </a:t>
+            </a:r>
+            <a:r>
+              <a:rPr lang="es-ES" dirty="0" err="1" smtClean="0"/>
+              <a:t>Ganzalez</a:t>
+            </a:r>
+            <a:endParaRPr lang="es-ES" dirty="0" smtClean="0"/>
+          </a:p>
+          <a:p>
+            <a:pPr marL="0" indent="0">
+              <a:buNone/>
+            </a:pPr>
+            <a:r>
+              <a:rPr lang="es-ES" dirty="0" smtClean="0"/>
+              <a:t>	Jorge Segovia Tormo	</a:t>
+            </a:r>
             <a:r>
               <a:rPr lang="es-ES" dirty="0"/>
-              <a:t>Ventajas:</a:t>
-            </a:r>
-          </a:p>
-          <a:p>
-            <a:pPr lvl="2"/>
+              <a:t>	</a:t>
+            </a:r>
+            <a:endParaRPr lang="es-ES" dirty="0" smtClean="0"/>
+          </a:p>
+          <a:p>
+            <a:pPr marL="0" indent="0">
+              <a:buNone/>
+            </a:pPr>
+            <a:r>
+              <a:rPr lang="es-ES" dirty="0"/>
+              <a:t>	</a:t>
+            </a:r>
             <a:r>
               <a:rPr lang="es-ES" dirty="0" smtClean="0"/>
-              <a:t>El </a:t>
-            </a:r>
+              <a:t>Javier </a:t>
+            </a:r>
+            <a:r>
+              <a:rPr lang="es-ES" dirty="0" err="1" smtClean="0"/>
+              <a:t>Molpeceres</a:t>
+            </a:r>
+            <a:r>
+              <a:rPr lang="es-ES" dirty="0" smtClean="0"/>
+              <a:t> Gómez</a:t>
+            </a:r>
+          </a:p>
+          <a:p>
+            <a:pPr marL="0" indent="0">
+              <a:buNone/>
+            </a:pPr>
             <a:r>
               <a:rPr lang="es-ES" dirty="0"/>
-              <a:t>entorno es más fácil de mantener</a:t>
-            </a:r>
-          </a:p>
-          <a:p>
-            <a:pPr lvl="2"/>
+              <a:t>	</a:t>
+            </a:r>
+            <a:r>
+              <a:rPr lang="es-ES" dirty="0" err="1" smtClean="0"/>
+              <a:t>Jose</a:t>
+            </a:r>
             <a:r>
               <a:rPr lang="es-ES" dirty="0" smtClean="0"/>
-              <a:t>La </a:t>
-            </a:r>
+              <a:t> Carlos </a:t>
+            </a:r>
+            <a:r>
+              <a:rPr lang="es-ES" dirty="0" err="1" smtClean="0"/>
+              <a:t>Rabasco</a:t>
+            </a:r>
+            <a:endParaRPr lang="es-ES" dirty="0" smtClean="0"/>
+          </a:p>
+          <a:p>
+            <a:pPr marL="0" indent="0">
+              <a:buNone/>
+            </a:pPr>
             <a:r>
               <a:rPr lang="es-ES" dirty="0"/>
-              <a:t>concurrencia se controla más fácilmente</a:t>
-            </a:r>
-          </a:p>
-          <a:p>
-            <a:pPr lvl="2"/>
-            <a:r>
-              <a:rPr lang="es-ES" dirty="0" smtClean="0"/>
-              <a:t>Es </a:t>
-            </a:r>
-            <a:r>
-              <a:rPr lang="es-ES" dirty="0"/>
-              <a:t>más probable que los datos estén más actualizados que en otros escenarios</a:t>
-            </a:r>
-          </a:p>
-          <a:p>
-            <a:pPr lvl="1"/>
-            <a:r>
-              <a:rPr lang="es-ES" dirty="0" smtClean="0"/>
-              <a:t>Inconvenientes</a:t>
-            </a:r>
-            <a:r>
-              <a:rPr lang="es-ES" dirty="0"/>
-              <a:t>:</a:t>
-            </a:r>
-          </a:p>
-          <a:p>
-            <a:pPr lvl="2"/>
-            <a:r>
-              <a:rPr lang="es-ES" dirty="0" smtClean="0"/>
-              <a:t>Debe </a:t>
-            </a:r>
-            <a:r>
-              <a:rPr lang="es-ES" dirty="0"/>
-              <a:t>existir una conexión de red constante</a:t>
-            </a:r>
-          </a:p>
-          <a:p>
-            <a:pPr lvl="2"/>
-            <a:r>
-              <a:rPr lang="es-ES" dirty="0" smtClean="0"/>
-              <a:t>Escalabilidad </a:t>
-            </a:r>
-            <a:r>
-              <a:rPr lang="es-ES" dirty="0"/>
-              <a:t>limitada</a:t>
-            </a:r>
-            <a:endParaRPr lang="es-ES" dirty="0" smtClean="0"/>
-          </a:p>
-        </p:txBody>
-      </p:sp>
-      <p:sp>
-        <p:nvSpPr>
-          <p:cNvPr id="7" name="Text Placeholder 6"/>
-          <p:cNvSpPr>
-            <a:spLocks noGrp="1"/>
-          </p:cNvSpPr>
-          <p:nvPr>
-            <p:ph type="body" sz="quarter" idx="3"/>
-          </p:nvPr>
-        </p:nvSpPr>
-        <p:spPr/>
-        <p:txBody>
-          <a:bodyPr/>
-          <a:lstStyle/>
-          <a:p>
-            <a:r>
-              <a:rPr lang="es-ES" dirty="0" smtClean="0"/>
-              <a:t> </a:t>
+              <a:t>	</a:t>
+            </a:r>
+            <a:r>
+              <a:rPr lang="es-ES" dirty="0" err="1" smtClean="0"/>
+              <a:t>Nèstor</a:t>
             </a:r>
             <a:endParaRPr lang="es-ES" dirty="0"/>
           </a:p>
         </p:txBody>
       </p:sp>
-      <p:sp>
-        <p:nvSpPr>
-          <p:cNvPr id="8" name="Content Placeholder 7"/>
-          <p:cNvSpPr>
-            <a:spLocks noGrp="1"/>
-          </p:cNvSpPr>
-          <p:nvPr>
-            <p:ph sz="quarter" idx="4"/>
-          </p:nvPr>
-        </p:nvSpPr>
-        <p:spPr/>
-        <p:txBody>
-          <a:bodyPr/>
-          <a:lstStyle/>
-          <a:p>
-            <a:pPr marL="0" indent="0">
-              <a:buNone/>
-            </a:pPr>
-            <a:r>
-              <a:rPr lang="es-ES" dirty="0" smtClean="0"/>
-              <a:t> </a:t>
-            </a:r>
-            <a:endParaRPr lang="es-ES" dirty="0"/>
-          </a:p>
-        </p:txBody>
-      </p:sp>
-      <p:pic>
-        <p:nvPicPr>
-          <p:cNvPr id="9" name="Content Placeholder 3"/>
-          <p:cNvPicPr>
-            <a:picLocks noChangeAspect="1"/>
-          </p:cNvPicPr>
-          <p:nvPr/>
-        </p:nvPicPr>
-        <p:blipFill>
-          <a:blip r:embed="rId2">
-            <a:extLst>
-              <a:ext uri="{28A0092B-C50C-407E-A947-70E740481C1C}">
-                <a14:useLocalDpi xmlns:a14="http://schemas.microsoft.com/office/drawing/2010/main" val="0"/>
-              </a:ext>
-            </a:extLst>
-          </a:blip>
-          <a:stretch>
-            <a:fillRect/>
-          </a:stretch>
-        </p:blipFill>
-        <p:spPr>
-          <a:xfrm>
-            <a:off x="7107381" y="2233496"/>
-            <a:ext cx="5052646" cy="4169997"/>
-          </a:xfrm>
-          <a:prstGeom prst="rect">
-            <a:avLst/>
-          </a:prstGeom>
-        </p:spPr>
-      </p:pic>
     </p:spTree>
     <p:extLst>
       <p:ext uri="{BB962C8B-B14F-4D97-AF65-F5344CB8AC3E}">
-        <p14:creationId xmlns:p14="http://schemas.microsoft.com/office/powerpoint/2010/main" val="3360046918"/>
+        <p14:creationId xmlns:p14="http://schemas.microsoft.com/office/powerpoint/2010/main" val="3186988672"/>
+      </p:ext>
+    </p:extLst>
+  </p:cSld>
+  <p:clrMapOvr>
+    <a:masterClrMapping/>
+  </p:clrMapOvr>
+  <p:timing>
+    <p:tnLst>
+      <p:par>
+        <p:cTn id="1" dur="indefinite" restart="never" nodeType="tmRoot"/>
+      </p:par>
+    </p:tnLst>
+  </p:timing>
+</p:sld>
+</file>
+
+<file path=ppt/slides/slide20.xml><?xml version="1.0" encoding="utf-8"?>
+<p:sld xmlns:a="http://schemas.openxmlformats.org/drawingml/2006/main" xmlns:r="http://schemas.openxmlformats.org/officeDocument/2006/relationships" xmlns:p="http://schemas.openxmlformats.org/presentationml/2006/main">
+  <p:cSld>
+    <p:spTree>
+      <p:nvGrpSpPr>
+        <p:cNvPr id="1" name=""/>
+        <p:cNvGrpSpPr/>
+        <p:nvPr/>
+      </p:nvGrpSpPr>
+      <p:grpSpPr>
+        <a:xfrm>
+          <a:off x="0" y="0"/>
+          <a:ext cx="0" cy="0"/>
+          <a:chOff x="0" y="0"/>
+          <a:chExt cx="0" cy="0"/>
+        </a:xfrm>
+      </p:grpSpPr>
+      <p:sp>
+        <p:nvSpPr>
+          <p:cNvPr id="2" name="Título 1"/>
+          <p:cNvSpPr>
+            <a:spLocks noGrp="1"/>
+          </p:cNvSpPr>
+          <p:nvPr>
+            <p:ph type="title"/>
+          </p:nvPr>
+        </p:nvSpPr>
+        <p:spPr>
+          <a:xfrm>
+            <a:off x="838200" y="235375"/>
+            <a:ext cx="10515600" cy="1325563"/>
+          </a:xfrm>
+        </p:spPr>
+        <p:txBody>
+          <a:bodyPr/>
+          <a:lstStyle/>
+          <a:p>
+            <a:endParaRPr lang="es-ES" dirty="0"/>
+          </a:p>
+        </p:txBody>
+      </p:sp>
+      <p:sp>
+        <p:nvSpPr>
+          <p:cNvPr id="3" name="Marcador de contenido 2"/>
+          <p:cNvSpPr>
+            <a:spLocks noGrp="1"/>
+          </p:cNvSpPr>
+          <p:nvPr>
+            <p:ph idx="1"/>
+          </p:nvPr>
+        </p:nvSpPr>
+        <p:spPr/>
+        <p:txBody>
+          <a:bodyPr/>
+          <a:lstStyle/>
+          <a:p>
+            <a:endParaRPr lang="es-ES"/>
+          </a:p>
+        </p:txBody>
+      </p:sp>
+    </p:spTree>
+    <p:extLst>
+      <p:ext uri="{BB962C8B-B14F-4D97-AF65-F5344CB8AC3E}">
+        <p14:creationId xmlns:p14="http://schemas.microsoft.com/office/powerpoint/2010/main" val="3739853431"/>
       </p:ext>
     </p:extLst>
   </p:cSld>
@@ -6618,99 +7306,103 @@
           <a:chExt cx="0" cy="0"/>
         </a:xfrm>
       </p:grpSpPr>
-      <p:graphicFrame>
-        <p:nvGraphicFramePr>
-          <p:cNvPr id="4" name="Object 3"/>
-          <p:cNvGraphicFramePr>
-            <a:graphicFrameLocks noChangeAspect="1"/>
-          </p:cNvGraphicFramePr>
-          <p:nvPr>
-            <p:extLst>
-              <p:ext uri="{D42A27DB-BD31-4B8C-83A1-F6EECF244321}">
-                <p14:modId xmlns:p14="http://schemas.microsoft.com/office/powerpoint/2010/main" val="17071213"/>
-              </p:ext>
-            </p:extLst>
-          </p:nvPr>
-        </p:nvGraphicFramePr>
-        <p:xfrm>
-          <a:off x="3740725" y="876299"/>
-          <a:ext cx="5923865" cy="5430982"/>
-        </p:xfrm>
-        <a:graphic>
-          <a:graphicData uri="http://schemas.openxmlformats.org/presentationml/2006/ole">
-            <mc:AlternateContent xmlns:mc="http://schemas.openxmlformats.org/markup-compatibility/2006">
-              <mc:Choice xmlns:v="urn:schemas-microsoft-com:vml" Requires="v">
-                <p:oleObj spid="_x0000_s1031" name="Acrobat Document" r:id="rId3" imgW="8019826" imgH="10791772" progId="AcroExch.Document.DC">
-                  <p:embed/>
-                </p:oleObj>
-              </mc:Choice>
-              <mc:Fallback>
-                <p:oleObj name="Acrobat Document" r:id="rId3" imgW="8019826" imgH="10791772" progId="AcroExch.Document.DC">
-                  <p:embed/>
-                  <p:pic>
-                    <p:nvPicPr>
-                      <p:cNvPr id="0" name=""/>
-                      <p:cNvPicPr/>
-                      <p:nvPr/>
-                    </p:nvPicPr>
-                    <p:blipFill>
-                      <a:blip r:embed="rId4"/>
-                      <a:stretch>
-                        <a:fillRect/>
-                      </a:stretch>
-                    </p:blipFill>
-                    <p:spPr>
-                      <a:xfrm>
-                        <a:off x="3740725" y="876299"/>
-                        <a:ext cx="5923865" cy="5430982"/>
-                      </a:xfrm>
-                      <a:prstGeom prst="rect">
-                        <a:avLst/>
-                      </a:prstGeom>
-                    </p:spPr>
-                  </p:pic>
-                </p:oleObj>
-              </mc:Fallback>
-            </mc:AlternateContent>
-          </a:graphicData>
-        </a:graphic>
-      </p:graphicFrame>
-      <p:sp>
-        <p:nvSpPr>
-          <p:cNvPr id="5" name="Title 4"/>
+      <p:sp>
+        <p:nvSpPr>
+          <p:cNvPr id="2" name="Título 1"/>
           <p:cNvSpPr>
             <a:spLocks noGrp="1"/>
           </p:cNvSpPr>
           <p:nvPr>
             <p:ph type="title"/>
+          </p:nvPr>
+        </p:nvSpPr>
+        <p:spPr/>
+        <p:txBody>
+          <a:bodyPr/>
+          <a:lstStyle/>
+          <a:p>
+            <a:r>
+              <a:rPr lang="es-ES" dirty="0" smtClean="0"/>
+              <a:t>Introducción</a:t>
+            </a:r>
+            <a:endParaRPr lang="es-ES" dirty="0"/>
+          </a:p>
+        </p:txBody>
+      </p:sp>
+      <p:sp>
+        <p:nvSpPr>
+          <p:cNvPr id="3" name="Marcador de contenido 2"/>
+          <p:cNvSpPr>
+            <a:spLocks noGrp="1"/>
+          </p:cNvSpPr>
+          <p:nvPr>
+            <p:ph idx="1"/>
           </p:nvPr>
         </p:nvSpPr>
         <p:spPr>
           <a:xfrm>
-            <a:off x="1693302" y="0"/>
-            <a:ext cx="10018713" cy="1752599"/>
+            <a:off x="677334" y="1930400"/>
+            <a:ext cx="8596668" cy="3880773"/>
           </a:xfrm>
         </p:spPr>
         <p:txBody>
           <a:bodyPr/>
           <a:lstStyle/>
           <a:p>
-            <a:r>
-              <a:rPr lang="es-ES" dirty="0" smtClean="0"/>
-              <a:t>Entidad-</a:t>
-            </a:r>
-            <a:r>
-              <a:rPr lang="es-ES" dirty="0" err="1" smtClean="0"/>
-              <a:t>Relacion</a:t>
-            </a:r>
-            <a:r>
-              <a:rPr lang="es-ES" dirty="0" smtClean="0"/>
-              <a:t> </a:t>
-            </a:r>
-            <a:r>
-              <a:rPr lang="es-ES" dirty="0" err="1" smtClean="0"/>
-              <a:t>Carmander</a:t>
-            </a:r>
+            <a:pPr marL="0" indent="0">
+              <a:buNone/>
+            </a:pPr>
+            <a:r>
+              <a:rPr lang="es-ES" sz="2400" dirty="0" smtClean="0"/>
+              <a:t>Aplicación web de venta de vehículos. Clasificándolos según su categoría o características.</a:t>
+            </a:r>
+          </a:p>
+          <a:p>
+            <a:pPr marL="0" indent="0">
+              <a:buNone/>
+            </a:pPr>
+            <a:endParaRPr lang="es-ES" sz="2400" dirty="0" smtClean="0"/>
+          </a:p>
+          <a:p>
+            <a:pPr marL="0" indent="0">
+              <a:buNone/>
+            </a:pPr>
+            <a:endParaRPr lang="es-ES" sz="2400" dirty="0"/>
+          </a:p>
+          <a:p>
+            <a:pPr marL="0" indent="0">
+              <a:buNone/>
+            </a:pPr>
+            <a:r>
+              <a:rPr lang="es-ES" sz="2400" dirty="0" smtClean="0"/>
+              <a:t>Interfaz amigable y sencilla.</a:t>
+            </a:r>
+          </a:p>
+          <a:p>
+            <a:pPr marL="0" indent="0">
+              <a:buNone/>
+            </a:pPr>
+            <a:endParaRPr lang="es-ES" sz="2400" dirty="0" smtClean="0"/>
+          </a:p>
+          <a:p>
+            <a:pPr marL="0" indent="0">
+              <a:buNone/>
+            </a:pPr>
+            <a:endParaRPr lang="es-ES" sz="2400" dirty="0"/>
+          </a:p>
+          <a:p>
+            <a:pPr marL="0" indent="0">
+              <a:buNone/>
+            </a:pPr>
+            <a:r>
+              <a:rPr lang="es-ES" sz="2400" dirty="0" smtClean="0"/>
+              <a:t>Adaptable a distintos tamaños de pantalla(CSS %)</a:t>
+            </a:r>
+          </a:p>
+          <a:p>
+            <a:pPr marL="0" indent="0">
+              <a:buNone/>
+            </a:pPr>
             <a:endParaRPr lang="es-ES" dirty="0"/>
           </a:p>
         </p:txBody>
@@ -6718,7 +7410,7 @@
     </p:spTree>
     <p:extLst>
       <p:ext uri="{BB962C8B-B14F-4D97-AF65-F5344CB8AC3E}">
-        <p14:creationId xmlns:p14="http://schemas.microsoft.com/office/powerpoint/2010/main" val="1627097565"/>
+        <p14:creationId xmlns:p14="http://schemas.microsoft.com/office/powerpoint/2010/main" val="3473832777"/>
       </p:ext>
     </p:extLst>
   </p:cSld>
@@ -6752,61 +7444,107 @@
           <a:chExt cx="0" cy="0"/>
         </a:xfrm>
       </p:grpSpPr>
+      <p:sp>
+        <p:nvSpPr>
+          <p:cNvPr id="2" name="Título 1"/>
+          <p:cNvSpPr>
+            <a:spLocks noGrp="1"/>
+          </p:cNvSpPr>
+          <p:nvPr>
+            <p:ph type="title"/>
+          </p:nvPr>
+        </p:nvSpPr>
+        <p:spPr>
+          <a:xfrm>
+            <a:off x="0" y="-11918"/>
+            <a:ext cx="10515600" cy="1325563"/>
+          </a:xfrm>
+        </p:spPr>
+        <p:txBody>
+          <a:bodyPr/>
+          <a:lstStyle/>
+          <a:p>
+            <a:r>
+              <a:rPr lang="es-ES" dirty="0" smtClean="0"/>
+              <a:t>Presentación interfaz </a:t>
+            </a:r>
+            <a:br>
+              <a:rPr lang="es-ES" dirty="0" smtClean="0"/>
+            </a:br>
+            <a:r>
+              <a:rPr lang="es-ES" dirty="0" smtClean="0"/>
+              <a:t>	</a:t>
+            </a:r>
+            <a:r>
+              <a:rPr lang="es-ES" dirty="0" err="1" smtClean="0"/>
+              <a:t>MainPage</a:t>
+            </a:r>
+            <a:endParaRPr lang="es-ES" dirty="0"/>
+          </a:p>
+        </p:txBody>
+      </p:sp>
       <p:pic>
         <p:nvPicPr>
-          <p:cNvPr id="8" name="Picture 7"/>
+          <p:cNvPr id="4" name="Imagen 3"/>
           <p:cNvPicPr>
             <a:picLocks noChangeAspect="1"/>
           </p:cNvPicPr>
           <p:nvPr/>
         </p:nvPicPr>
         <p:blipFill rotWithShape="1">
-          <a:blip r:embed="rId2"/>
-          <a:srcRect l="188" t="2611"/>
+          <a:blip r:embed="rId2" cstate="print">
+            <a:extLst>
+              <a:ext uri="{28A0092B-C50C-407E-A947-70E740481C1C}">
+                <a14:useLocalDpi xmlns:a14="http://schemas.microsoft.com/office/drawing/2010/main" val="0"/>
+              </a:ext>
+            </a:extLst>
+          </a:blip>
+          <a:srcRect b="63822"/>
           <a:stretch/>
         </p:blipFill>
         <p:spPr>
           <a:xfrm>
-            <a:off x="3588326" y="1445732"/>
-            <a:ext cx="6026729" cy="5057403"/>
+            <a:off x="-93482" y="1442434"/>
+            <a:ext cx="6738634" cy="5087156"/>
           </a:xfrm>
           <a:prstGeom prst="rect">
             <a:avLst/>
           </a:prstGeom>
         </p:spPr>
       </p:pic>
-      <p:sp>
-        <p:nvSpPr>
-          <p:cNvPr id="9" name="Title 8"/>
-          <p:cNvSpPr>
-            <a:spLocks noGrp="1"/>
-          </p:cNvSpPr>
-          <p:nvPr>
-            <p:ph type="title"/>
-          </p:nvPr>
-        </p:nvSpPr>
+      <p:pic>
+        <p:nvPicPr>
+          <p:cNvPr id="5" name="Imagen 4"/>
+          <p:cNvPicPr>
+            <a:picLocks noChangeAspect="1"/>
+          </p:cNvPicPr>
+          <p:nvPr/>
+        </p:nvPicPr>
+        <p:blipFill rotWithShape="1">
+          <a:blip r:embed="rId2" cstate="print">
+            <a:extLst>
+              <a:ext uri="{28A0092B-C50C-407E-A947-70E740481C1C}">
+                <a14:useLocalDpi xmlns:a14="http://schemas.microsoft.com/office/drawing/2010/main" val="0"/>
+              </a:ext>
+            </a:extLst>
+          </a:blip>
+          <a:srcRect l="8729" t="58357" r="573" b="-1587"/>
+          <a:stretch/>
+        </p:blipFill>
         <p:spPr>
           <a:xfrm>
-            <a:off x="1720900" y="0"/>
-            <a:ext cx="10018713" cy="1752599"/>
+            <a:off x="6173620" y="579549"/>
+            <a:ext cx="6111862" cy="6078830"/>
           </a:xfrm>
+          <a:prstGeom prst="rect">
+            <a:avLst/>
+          </a:prstGeom>
         </p:spPr>
-        <p:txBody>
-          <a:bodyPr/>
-          <a:lstStyle/>
-          <a:p>
-            <a:r>
-              <a:rPr lang="es-ES" dirty="0" smtClean="0"/>
-              <a:t>Script BBDD</a:t>
-            </a:r>
-            <a:endParaRPr lang="es-ES" dirty="0"/>
-          </a:p>
-        </p:txBody>
-      </p:sp>
+      </p:pic>
     </p:spTree>
     <p:extLst>
       <p:ext uri="{BB962C8B-B14F-4D97-AF65-F5344CB8AC3E}">
-        <p14:creationId xmlns:p14="http://schemas.microsoft.com/office/powerpoint/2010/main" val="350080837"/>
+        <p14:creationId xmlns:p14="http://schemas.microsoft.com/office/powerpoint/2010/main" val="4029587184"/>
       </p:ext>
     </p:extLst>
   </p:cSld>
@@ -6842,7 +7580,7 @@
       </p:grpSpPr>
       <p:sp>
         <p:nvSpPr>
-          <p:cNvPr id="2" name="Title 1"/>
+          <p:cNvPr id="2" name="Título 1"/>
           <p:cNvSpPr>
             <a:spLocks noGrp="1"/>
           </p:cNvSpPr>
@@ -6852,8 +7590,8 @@
         </p:nvSpPr>
         <p:spPr>
           <a:xfrm>
-            <a:off x="1802966" y="0"/>
-            <a:ext cx="10018713" cy="1752599"/>
+            <a:off x="168498" y="133305"/>
+            <a:ext cx="10515600" cy="1325563"/>
           </a:xfrm>
         </p:spPr>
         <p:txBody>
@@ -6862,7 +7600,7 @@
           <a:p>
             <a:r>
               <a:rPr lang="es-ES" dirty="0" smtClean="0"/>
-              <a:t>Conexión Capa CAD</a:t>
+              <a:t>LOGIN</a:t>
             </a:r>
             <a:endParaRPr lang="es-ES" dirty="0"/>
           </a:p>
@@ -6870,32 +7608,160 @@
       </p:sp>
       <p:pic>
         <p:nvPicPr>
-          <p:cNvPr id="6" name="Picture 5"/>
+          <p:cNvPr id="4" name="Marcador de contenido 3"/>
           <p:cNvPicPr>
-            <a:picLocks noChangeAspect="1"/>
+            <a:picLocks noGrp="1" noChangeAspect="1"/>
           </p:cNvPicPr>
-          <p:nvPr/>
+          <p:nvPr>
+            <p:ph idx="1"/>
+          </p:nvPr>
         </p:nvPicPr>
-        <p:blipFill>
-          <a:blip r:embed="rId2"/>
-          <a:stretch>
-            <a:fillRect/>
-          </a:stretch>
+        <p:blipFill rotWithShape="1">
+          <a:blip r:embed="rId2">
+            <a:extLst>
+              <a:ext uri="{28A0092B-C50C-407E-A947-70E740481C1C}">
+                <a14:useLocalDpi xmlns:a14="http://schemas.microsoft.com/office/drawing/2010/main" val="0"/>
+              </a:ext>
+            </a:extLst>
+          </a:blip>
+          <a:srcRect l="8311" r="10058"/>
+          <a:stretch/>
         </p:blipFill>
         <p:spPr>
           <a:xfrm>
-            <a:off x="1586502" y="1887708"/>
-            <a:ext cx="10451640" cy="3481111"/>
+            <a:off x="2588654" y="927279"/>
+            <a:ext cx="8165205" cy="5249684"/>
+          </a:xfrm>
+        </p:spPr>
+      </p:pic>
+      <p:sp>
+        <p:nvSpPr>
+          <p:cNvPr id="5" name="Abrir llave 4"/>
+          <p:cNvSpPr/>
+          <p:nvPr/>
+        </p:nvSpPr>
+        <p:spPr>
+          <a:xfrm>
+            <a:off x="1948511" y="1309586"/>
+            <a:ext cx="468000" cy="2063795"/>
+          </a:xfrm>
+          <a:prstGeom prst="leftBrace">
+            <a:avLst/>
+          </a:prstGeom>
+        </p:spPr>
+        <p:style>
+          <a:lnRef idx="3">
+            <a:schemeClr val="dk1"/>
+          </a:lnRef>
+          <a:fillRef idx="0">
+            <a:schemeClr val="dk1"/>
+          </a:fillRef>
+          <a:effectRef idx="2">
+            <a:schemeClr val="dk1"/>
+          </a:effectRef>
+          <a:fontRef idx="minor">
+            <a:schemeClr val="tx1"/>
+          </a:fontRef>
+        </p:style>
+        <p:txBody>
+          <a:bodyPr rtlCol="0" anchor="ctr"/>
+          <a:lstStyle/>
+          <a:p>
+            <a:pPr algn="ctr"/>
+            <a:endParaRPr lang="es-ES" sz="4000" dirty="0">
+              <a:ln w="0"/>
+              <a:effectLst>
+                <a:outerShdw blurRad="38100" dist="19050" dir="2700000" algn="tl" rotWithShape="0">
+                  <a:schemeClr val="dk1">
+                    <a:alpha val="40000"/>
+                  </a:schemeClr>
+                </a:outerShdw>
+              </a:effectLst>
+            </a:endParaRPr>
+          </a:p>
+        </p:txBody>
+      </p:sp>
+      <p:sp>
+        <p:nvSpPr>
+          <p:cNvPr id="6" name="Abrir llave 5"/>
+          <p:cNvSpPr/>
+          <p:nvPr/>
+        </p:nvSpPr>
+        <p:spPr>
+          <a:xfrm>
+            <a:off x="2146054" y="4792350"/>
+            <a:ext cx="468000" cy="1384613"/>
+          </a:xfrm>
+          <a:prstGeom prst="leftBrace">
+            <a:avLst/>
+          </a:prstGeom>
+        </p:spPr>
+        <p:style>
+          <a:lnRef idx="3">
+            <a:schemeClr val="dk1"/>
+          </a:lnRef>
+          <a:fillRef idx="0">
+            <a:schemeClr val="dk1"/>
+          </a:fillRef>
+          <a:effectRef idx="2">
+            <a:schemeClr val="dk1"/>
+          </a:effectRef>
+          <a:fontRef idx="minor">
+            <a:schemeClr val="tx1"/>
+          </a:fontRef>
+        </p:style>
+        <p:txBody>
+          <a:bodyPr rtlCol="0" anchor="ctr"/>
+          <a:lstStyle/>
+          <a:p>
+            <a:pPr algn="ctr"/>
+            <a:endParaRPr lang="es-ES" sz="4000" dirty="0">
+              <a:ln w="0"/>
+              <a:effectLst>
+                <a:outerShdw blurRad="38100" dist="19050" dir="2700000" algn="tl" rotWithShape="0">
+                  <a:schemeClr val="dk1">
+                    <a:alpha val="40000"/>
+                  </a:schemeClr>
+                </a:outerShdw>
+              </a:effectLst>
+            </a:endParaRPr>
+          </a:p>
+        </p:txBody>
+      </p:sp>
+      <p:sp>
+        <p:nvSpPr>
+          <p:cNvPr id="7" name="CuadroTexto 6"/>
+          <p:cNvSpPr txBox="1"/>
+          <p:nvPr/>
+        </p:nvSpPr>
+        <p:spPr>
+          <a:xfrm rot="16200000">
+            <a:off x="-285295" y="3799992"/>
+            <a:ext cx="3286349" cy="369332"/>
           </a:xfrm>
           <a:prstGeom prst="rect">
             <a:avLst/>
           </a:prstGeom>
+          <a:noFill/>
         </p:spPr>
-      </p:pic>
+        <p:txBody>
+          <a:bodyPr wrap="none" rtlCol="0">
+            <a:spAutoFit/>
+          </a:bodyPr>
+          <a:lstStyle/>
+          <a:p>
+            <a:r>
+              <a:rPr lang="es-ES" dirty="0" smtClean="0"/>
+              <a:t>PARTE COMUN DE DEFAULT.ASPX</a:t>
+            </a:r>
+            <a:endParaRPr lang="es-ES" dirty="0"/>
+          </a:p>
+        </p:txBody>
+      </p:sp>
     </p:spTree>
     <p:extLst>
       <p:ext uri="{BB962C8B-B14F-4D97-AF65-F5344CB8AC3E}">
-        <p14:creationId xmlns:p14="http://schemas.microsoft.com/office/powerpoint/2010/main" val="2109751346"/>
+        <p14:creationId xmlns:p14="http://schemas.microsoft.com/office/powerpoint/2010/main" val="2855162375"/>
       </p:ext>
     </p:extLst>
   </p:cSld>
@@ -6924,7 +7790,7 @@
       </p:grpSpPr>
       <p:sp>
         <p:nvSpPr>
-          <p:cNvPr id="2" name="Title 1"/>
+          <p:cNvPr id="2" name="Título 1"/>
           <p:cNvSpPr>
             <a:spLocks noGrp="1"/>
           </p:cNvSpPr>
@@ -6932,10 +7798,93 @@
             <p:ph type="title"/>
           </p:nvPr>
         </p:nvSpPr>
+        <p:spPr/>
+        <p:txBody>
+          <a:bodyPr/>
+          <a:lstStyle/>
+          <a:p>
+            <a:r>
+              <a:rPr lang="es-ES" dirty="0" smtClean="0"/>
+              <a:t>Registro</a:t>
+            </a:r>
+            <a:endParaRPr lang="es-ES" dirty="0"/>
+          </a:p>
+        </p:txBody>
+      </p:sp>
+      <p:pic>
+        <p:nvPicPr>
+          <p:cNvPr id="5" name="Imagen 4"/>
+          <p:cNvPicPr>
+            <a:picLocks noChangeAspect="1"/>
+          </p:cNvPicPr>
+          <p:nvPr/>
+        </p:nvPicPr>
+        <p:blipFill>
+          <a:blip r:embed="rId2">
+            <a:extLst>
+              <a:ext uri="{28A0092B-C50C-407E-A947-70E740481C1C}">
+                <a14:useLocalDpi xmlns:a14="http://schemas.microsoft.com/office/drawing/2010/main" val="0"/>
+              </a:ext>
+            </a:extLst>
+          </a:blip>
+          <a:stretch>
+            <a:fillRect/>
+          </a:stretch>
+        </p:blipFill>
         <p:spPr>
           <a:xfrm>
-            <a:off x="1772209" y="0"/>
-            <a:ext cx="10018713" cy="1752599"/>
+            <a:off x="2837660" y="0"/>
+            <a:ext cx="9354340" cy="6858000"/>
+          </a:xfrm>
+          <a:prstGeom prst="rect">
+            <a:avLst/>
+          </a:prstGeom>
+        </p:spPr>
+      </p:pic>
+    </p:spTree>
+    <p:extLst>
+      <p:ext uri="{BB962C8B-B14F-4D97-AF65-F5344CB8AC3E}">
+        <p14:creationId xmlns:p14="http://schemas.microsoft.com/office/powerpoint/2010/main" val="1492954543"/>
+      </p:ext>
+    </p:extLst>
+  </p:cSld>
+  <p:clrMapOvr>
+    <a:masterClrMapping/>
+  </p:clrMapOvr>
+</p:sld>
+</file>
+
+<file path=ppt/slides/slide7.xml><?xml version="1.0" encoding="utf-8"?>
+<p:sld xmlns:a="http://schemas.openxmlformats.org/drawingml/2006/main" xmlns:r="http://schemas.openxmlformats.org/officeDocument/2006/relationships" xmlns:p="http://schemas.openxmlformats.org/presentationml/2006/main">
+  <p:cSld>
+    <p:spTree>
+      <p:nvGrpSpPr>
+        <p:cNvPr id="1" name=""/>
+        <p:cNvGrpSpPr/>
+        <p:nvPr/>
+      </p:nvGrpSpPr>
+      <p:grpSpPr>
+        <a:xfrm>
+          <a:off x="0" y="0"/>
+          <a:ext cx="0" cy="0"/>
+          <a:chOff x="0" y="0"/>
+          <a:chExt cx="0" cy="0"/>
+        </a:xfrm>
+      </p:grpSpPr>
+      <p:sp>
+        <p:nvSpPr>
+          <p:cNvPr id="2" name="Título 1"/>
+          <p:cNvSpPr>
+            <a:spLocks noGrp="1"/>
+          </p:cNvSpPr>
+          <p:nvPr>
+            <p:ph type="title"/>
+          </p:nvPr>
+        </p:nvSpPr>
+        <p:spPr>
+          <a:xfrm>
+            <a:off x="0" y="0"/>
+            <a:ext cx="10515600" cy="1325563"/>
           </a:xfrm>
         </p:spPr>
         <p:txBody>
@@ -6944,7 +7893,7 @@
           <a:p>
             <a:r>
               <a:rPr lang="es-ES" dirty="0" smtClean="0"/>
-              <a:t>CAD</a:t>
+              <a:t>Producto en Detalle</a:t>
             </a:r>
             <a:endParaRPr lang="es-ES" dirty="0"/>
           </a:p>
@@ -6952,7 +7901,269 @@
       </p:sp>
       <p:pic>
         <p:nvPicPr>
-          <p:cNvPr id="4" name="Picture 3"/>
+          <p:cNvPr id="4" name="Marcador de contenido 3"/>
+          <p:cNvPicPr>
+            <a:picLocks noGrp="1" noChangeAspect="1"/>
+          </p:cNvPicPr>
+          <p:nvPr>
+            <p:ph idx="1"/>
+          </p:nvPr>
+        </p:nvPicPr>
+        <p:blipFill rotWithShape="1">
+          <a:blip r:embed="rId2" cstate="print">
+            <a:extLst>
+              <a:ext uri="{28A0092B-C50C-407E-A947-70E740481C1C}">
+                <a14:useLocalDpi xmlns:a14="http://schemas.microsoft.com/office/drawing/2010/main" val="0"/>
+              </a:ext>
+            </a:extLst>
+          </a:blip>
+          <a:srcRect l="8724" t="29479" r="6938" b="14577"/>
+          <a:stretch/>
+        </p:blipFill>
+        <p:spPr>
+          <a:xfrm>
+            <a:off x="-180306" y="1325563"/>
+            <a:ext cx="9234153" cy="5612240"/>
+          </a:xfrm>
+        </p:spPr>
+      </p:pic>
+    </p:spTree>
+    <p:extLst>
+      <p:ext uri="{BB962C8B-B14F-4D97-AF65-F5344CB8AC3E}">
+        <p14:creationId xmlns:p14="http://schemas.microsoft.com/office/powerpoint/2010/main" val="2385054245"/>
+      </p:ext>
+    </p:extLst>
+  </p:cSld>
+  <p:clrMapOvr>
+    <a:masterClrMapping/>
+  </p:clrMapOvr>
+</p:sld>
+</file>
+
+<file path=ppt/slides/slide8.xml><?xml version="1.0" encoding="utf-8"?>
+<p:sld xmlns:a="http://schemas.openxmlformats.org/drawingml/2006/main" xmlns:r="http://schemas.openxmlformats.org/officeDocument/2006/relationships" xmlns:p="http://schemas.openxmlformats.org/presentationml/2006/main">
+  <p:cSld>
+    <p:spTree>
+      <p:nvGrpSpPr>
+        <p:cNvPr id="1" name=""/>
+        <p:cNvGrpSpPr/>
+        <p:nvPr/>
+      </p:nvGrpSpPr>
+      <p:grpSpPr>
+        <a:xfrm>
+          <a:off x="0" y="0"/>
+          <a:ext cx="0" cy="0"/>
+          <a:chOff x="0" y="0"/>
+          <a:chExt cx="0" cy="0"/>
+        </a:xfrm>
+      </p:grpSpPr>
+      <p:sp>
+        <p:nvSpPr>
+          <p:cNvPr id="2" name="Título 1"/>
+          <p:cNvSpPr>
+            <a:spLocks noGrp="1"/>
+          </p:cNvSpPr>
+          <p:nvPr>
+            <p:ph type="title"/>
+          </p:nvPr>
+        </p:nvSpPr>
+        <p:spPr>
+          <a:xfrm>
+            <a:off x="838200" y="268332"/>
+            <a:ext cx="10515600" cy="1325563"/>
+          </a:xfrm>
+        </p:spPr>
+        <p:txBody>
+          <a:bodyPr/>
+          <a:lstStyle/>
+          <a:p>
+            <a:r>
+              <a:rPr lang="es-ES" dirty="0" smtClean="0"/>
+              <a:t>Herramientas y lenguajes</a:t>
+            </a:r>
+            <a:endParaRPr lang="es-ES" dirty="0"/>
+          </a:p>
+        </p:txBody>
+      </p:sp>
+      <p:sp>
+        <p:nvSpPr>
+          <p:cNvPr id="3" name="Marcador de contenido 2"/>
+          <p:cNvSpPr>
+            <a:spLocks noGrp="1"/>
+          </p:cNvSpPr>
+          <p:nvPr>
+            <p:ph idx="1"/>
+          </p:nvPr>
+        </p:nvSpPr>
+        <p:spPr>
+          <a:xfrm>
+            <a:off x="838200" y="2096171"/>
+            <a:ext cx="4841383" cy="3905383"/>
+          </a:xfrm>
+        </p:spPr>
+        <p:txBody>
+          <a:bodyPr>
+            <a:normAutofit/>
+          </a:bodyPr>
+          <a:lstStyle/>
+          <a:p>
+            <a:pPr marL="0" indent="0">
+              <a:buNone/>
+            </a:pPr>
+            <a:r>
+              <a:rPr lang="es-ES" dirty="0" smtClean="0"/>
+              <a:t>Visual Studio 2012 </a:t>
+            </a:r>
+          </a:p>
+          <a:p>
+            <a:pPr marL="0" indent="0">
+              <a:buNone/>
+            </a:pPr>
+            <a:endParaRPr lang="es-ES" dirty="0" smtClean="0"/>
+          </a:p>
+          <a:p>
+            <a:pPr marL="0" indent="0">
+              <a:buNone/>
+            </a:pPr>
+            <a:endParaRPr lang="es-ES" dirty="0" smtClean="0"/>
+          </a:p>
+          <a:p>
+            <a:pPr marL="0" indent="0">
+              <a:buNone/>
+            </a:pPr>
+            <a:r>
+              <a:rPr lang="es-ES" dirty="0" smtClean="0"/>
+              <a:t>Framework </a:t>
+            </a:r>
+            <a:r>
+              <a:rPr lang="es-ES" dirty="0" err="1" smtClean="0"/>
+              <a:t>.Net</a:t>
+            </a:r>
+            <a:r>
+              <a:rPr lang="es-ES" dirty="0" smtClean="0"/>
+              <a:t>  C# </a:t>
+            </a:r>
+            <a:r>
+              <a:rPr lang="es-ES" dirty="0" err="1" smtClean="0"/>
+              <a:t>ASP.Net</a:t>
+            </a:r>
+            <a:endParaRPr lang="es-ES" dirty="0" smtClean="0"/>
+          </a:p>
+          <a:p>
+            <a:pPr marL="0" indent="0">
+              <a:buNone/>
+            </a:pPr>
+            <a:endParaRPr lang="es-ES" dirty="0"/>
+          </a:p>
+          <a:p>
+            <a:pPr marL="0" indent="0">
+              <a:buNone/>
+            </a:pPr>
+            <a:endParaRPr lang="es-ES" dirty="0" smtClean="0"/>
+          </a:p>
+          <a:p>
+            <a:pPr marL="0" indent="0">
+              <a:buNone/>
+            </a:pPr>
+            <a:r>
+              <a:rPr lang="es-ES" dirty="0" smtClean="0"/>
+              <a:t>SQL Server 2012</a:t>
+            </a:r>
+          </a:p>
+          <a:p>
+            <a:pPr marL="0" indent="0">
+              <a:buNone/>
+            </a:pPr>
+            <a:endParaRPr lang="es-ES" dirty="0"/>
+          </a:p>
+        </p:txBody>
+      </p:sp>
+      <p:pic>
+        <p:nvPicPr>
+          <p:cNvPr id="4" name="Imagen 3"/>
+          <p:cNvPicPr>
+            <a:picLocks noChangeAspect="1"/>
+          </p:cNvPicPr>
+          <p:nvPr/>
+        </p:nvPicPr>
+        <p:blipFill rotWithShape="1">
+          <a:blip r:embed="rId2"/>
+          <a:srcRect l="33338" t="11223" r="33305" b="11489"/>
+          <a:stretch/>
+        </p:blipFill>
+        <p:spPr>
+          <a:xfrm>
+            <a:off x="7490138" y="532550"/>
+            <a:ext cx="4340181" cy="5653826"/>
+          </a:xfrm>
+          <a:prstGeom prst="rect">
+            <a:avLst/>
+          </a:prstGeom>
+        </p:spPr>
+      </p:pic>
+    </p:spTree>
+    <p:extLst>
+      <p:ext uri="{BB962C8B-B14F-4D97-AF65-F5344CB8AC3E}">
+        <p14:creationId xmlns:p14="http://schemas.microsoft.com/office/powerpoint/2010/main" val="4228148034"/>
+      </p:ext>
+    </p:extLst>
+  </p:cSld>
+  <p:clrMapOvr>
+    <a:masterClrMapping/>
+  </p:clrMapOvr>
+  <p:timing>
+    <p:tnLst>
+      <p:par>
+        <p:cTn id="1" dur="indefinite" restart="never" nodeType="tmRoot"/>
+      </p:par>
+    </p:tnLst>
+  </p:timing>
+</p:sld>
+</file>
+
+<file path=ppt/slides/slide9.xml><?xml version="1.0" encoding="utf-8"?>
+<p:sld xmlns:a="http://schemas.openxmlformats.org/drawingml/2006/main" xmlns:r="http://schemas.openxmlformats.org/officeDocument/2006/relationships" xmlns:p="http://schemas.openxmlformats.org/presentationml/2006/main">
+  <p:cSld>
+    <p:spTree>
+      <p:nvGrpSpPr>
+        <p:cNvPr id="1" name=""/>
+        <p:cNvGrpSpPr/>
+        <p:nvPr/>
+      </p:nvGrpSpPr>
+      <p:grpSpPr>
+        <a:xfrm>
+          <a:off x="0" y="0"/>
+          <a:ext cx="0" cy="0"/>
+          <a:chOff x="0" y="0"/>
+          <a:chExt cx="0" cy="0"/>
+        </a:xfrm>
+      </p:grpSpPr>
+      <p:sp>
+        <p:nvSpPr>
+          <p:cNvPr id="2" name="Título 1"/>
+          <p:cNvSpPr>
+            <a:spLocks noGrp="1"/>
+          </p:cNvSpPr>
+          <p:nvPr>
+            <p:ph type="title"/>
+          </p:nvPr>
+        </p:nvSpPr>
+        <p:spPr/>
+        <p:txBody>
+          <a:bodyPr/>
+          <a:lstStyle/>
+          <a:p>
+            <a:r>
+              <a:rPr lang="es-ES" dirty="0" smtClean="0"/>
+              <a:t>Modelo de capas	</a:t>
+            </a:r>
+            <a:endParaRPr lang="es-ES" dirty="0"/>
+          </a:p>
+        </p:txBody>
+      </p:sp>
+      <p:pic>
+        <p:nvPicPr>
+          <p:cNvPr id="5" name="Imagen 4"/>
           <p:cNvPicPr>
             <a:picLocks noChangeAspect="1"/>
           </p:cNvPicPr>
@@ -6966,32 +8177,8 @@
         </p:blipFill>
         <p:spPr>
           <a:xfrm>
-            <a:off x="1980027" y="1461084"/>
-            <a:ext cx="4296082" cy="4144009"/>
-          </a:xfrm>
-          <a:prstGeom prst="rect">
-            <a:avLst/>
-          </a:prstGeom>
-        </p:spPr>
-      </p:pic>
-      <p:pic>
-        <p:nvPicPr>
-          <p:cNvPr id="5" name="Picture 4"/>
-          <p:cNvPicPr>
-            <a:picLocks noChangeAspect="1"/>
-          </p:cNvPicPr>
-          <p:nvPr/>
-        </p:nvPicPr>
-        <p:blipFill>
-          <a:blip r:embed="rId3"/>
-          <a:stretch>
-            <a:fillRect/>
-          </a:stretch>
-        </p:blipFill>
-        <p:spPr>
-          <a:xfrm>
-            <a:off x="7234415" y="1464645"/>
-            <a:ext cx="4556507" cy="4140448"/>
+            <a:off x="3253132" y="159063"/>
+            <a:ext cx="8100668" cy="6218011"/>
           </a:xfrm>
           <a:prstGeom prst="rect">
             <a:avLst/>
@@ -7001,20 +8188,27 @@
     </p:spTree>
     <p:extLst>
       <p:ext uri="{BB962C8B-B14F-4D97-AF65-F5344CB8AC3E}">
-        <p14:creationId xmlns:p14="http://schemas.microsoft.com/office/powerpoint/2010/main" val="2613120371"/>
+        <p14:creationId xmlns:p14="http://schemas.microsoft.com/office/powerpoint/2010/main" val="750256573"/>
       </p:ext>
     </p:extLst>
   </p:cSld>
   <p:clrMapOvr>
     <a:masterClrMapping/>
   </p:clrMapOvr>
+  <p:timing>
+    <p:tnLst>
+      <p:par>
+        <p:cTn id="1" dur="indefinite" restart="never" nodeType="tmRoot"/>
+      </p:par>
+    </p:tnLst>
+  </p:timing>
 </p:sld>
 </file>
 
 <file path=ppt/theme/theme1.xml><?xml version="1.0" encoding="utf-8"?>
-<a:theme xmlns:a="http://schemas.openxmlformats.org/drawingml/2006/main" name="Parallax">
+<a:theme xmlns:a="http://schemas.openxmlformats.org/drawingml/2006/main" name="Faceta">
   <a:themeElements>
-    <a:clrScheme name="Parallax">
+    <a:clrScheme name="Faceta">
       <a:dk1>
         <a:sysClr val="windowText" lastClr="000000"/>
       </a:dk1>
@@ -7022,48 +8216,48 @@
         <a:sysClr val="window" lastClr="FFFFFF"/>
       </a:lt1>
       <a:dk2>
-        <a:srgbClr val="212121"/>
+        <a:srgbClr val="2C3C43"/>
       </a:dk2>
       <a:lt2>
-        <a:srgbClr val="CDD0D1"/>
+        <a:srgbClr val="EBEBEB"/>
       </a:lt2>
       <a:accent1>
-        <a:srgbClr val="EB8F22"/>
+        <a:srgbClr val="90C226"/>
       </a:accent1>
       <a:accent2>
-        <a:srgbClr val="CD4223"/>
+        <a:srgbClr val="54A021"/>
       </a:accent2>
       <a:accent3>
-        <a:srgbClr val="A89374"/>
+        <a:srgbClr val="E6B91E"/>
       </a:accent3>
       <a:accent4>
-        <a:srgbClr val="83AA67"/>
+        <a:srgbClr val="E76618"/>
       </a:accent4>
       <a:accent5>
-        <a:srgbClr val="4FA9C1"/>
+        <a:srgbClr val="C42F1A"/>
       </a:accent5>
       <a:accent6>
-        <a:srgbClr val="9390AF"/>
+        <a:srgbClr val="918655"/>
       </a:accent6>
       <a:hlink>
-        <a:srgbClr val="EC7220"/>
+        <a:srgbClr val="99CA3C"/>
       </a:hlink>
       <a:folHlink>
-        <a:srgbClr val="F09355"/>
+        <a:srgbClr val="B9D181"/>
       </a:folHlink>
     </a:clrScheme>
-    <a:fontScheme name="Parallax">
+    <a:fontScheme name="Faceta">
       <a:majorFont>
-        <a:latin typeface="Corbel" panose="020B0503020204020204"/>
+        <a:latin typeface="Trebuchet MS" panose="020B0603020202020204"/>
         <a:ea typeface=""/>
         <a:cs typeface=""/>
-        <a:font script="Jpan" typeface="HGｺﾞｼｯｸM"/>
-        <a:font script="Hang" typeface="HY엽서L"/>
-        <a:font script="Hans" typeface="华文楷体"/>
-        <a:font script="Hant" typeface="新細明體"/>
+        <a:font script="Jpan" typeface="メイリオ"/>
+        <a:font script="Hang" typeface="맑은 고딕"/>
+        <a:font script="Hans" typeface="方正姚体"/>
+        <a:font script="Hant" typeface="微軟正黑體"/>
         <a:font script="Arab" typeface="Tahoma"/>
-        <a:font script="Hebr" typeface="Miriam"/>
-        <a:font script="Thai" typeface="DilleniaUPC"/>
+        <a:font script="Hebr" typeface="Arial"/>
+        <a:font script="Thai" typeface="Cordia New"/>
         <a:font script="Ethi" typeface="Nyala"/>
         <a:font script="Beng" typeface="Vrinda"/>
         <a:font script="Gujr" typeface="Shruti"/>
@@ -7084,21 +8278,21 @@
         <a:font script="Laoo" typeface="DokChampa"/>
         <a:font script="Sinh" typeface="Iskoola Pota"/>
         <a:font script="Mong" typeface="Mongolian Baiti"/>
-        <a:font script="Viet" typeface="Arial"/>
+        <a:font script="Viet" typeface="Tahoma"/>
         <a:font script="Uigh" typeface="Microsoft Uighur"/>
         <a:font script="Geor" typeface="Sylfaen"/>
       </a:majorFont>
       <a:minorFont>
-        <a:latin typeface="Corbel" panose="020B0503020204020204"/>
+        <a:latin typeface="Trebuchet MS" panose="020B0603020202020204"/>
         <a:ea typeface=""/>
         <a:cs typeface=""/>
-        <a:font script="Jpan" typeface="HGｺﾞｼｯｸM"/>
-        <a:font script="Hang" typeface="HY엽서L"/>
-        <a:font script="Hans" typeface="华文楷体"/>
-        <a:font script="Hant" typeface="新細明體"/>
+        <a:font script="Jpan" typeface="メイリオ"/>
+        <a:font script="Hang" typeface="HY그래픽M"/>
+        <a:font script="Hans" typeface="华文新魏"/>
+        <a:font script="Hant" typeface="微軟正黑體"/>
         <a:font script="Arab" typeface="Tahoma"/>
-        <a:font script="Hebr" typeface="Miriam"/>
-        <a:font script="Thai" typeface="DilleniaUPC"/>
+        <a:font script="Hebr" typeface="Gisha"/>
+        <a:font script="Thai" typeface="IrisUPC"/>
         <a:font script="Ethi" typeface="Nyala"/>
         <a:font script="Beng" typeface="Vrinda"/>
         <a:font script="Gujr" typeface="Shruti"/>
@@ -7124,7 +8318,7 @@
         <a:font script="Geor" typeface="Sylfaen"/>
       </a:minorFont>
     </a:fontScheme>
-    <a:fmtScheme name="Parallax">
+    <a:fmtScheme name="Faceta">
       <a:fillStyleLst>
         <a:solidFill>
           <a:schemeClr val="phClr"/>
@@ -7133,13 +8327,13 @@
           <a:gsLst>
             <a:gs pos="0">
               <a:schemeClr val="phClr">
-                <a:tint val="60000"/>
-                <a:lumMod val="104000"/>
+                <a:tint val="65000"/>
+                <a:lumMod val="110000"/>
               </a:schemeClr>
             </a:gs>
-            <a:gs pos="100000">
+            <a:gs pos="88000">
               <a:schemeClr val="phClr">
-                <a:tint val="84000"/>
+                <a:tint val="90000"/>
               </a:schemeClr>
             </a:gs>
           </a:gsLst>
@@ -7150,37 +8344,33 @@
             <a:gs pos="0">
               <a:schemeClr val="phClr">
                 <a:tint val="96000"/>
-                <a:lumMod val="102000"/>
+                <a:lumMod val="100000"/>
               </a:schemeClr>
             </a:gs>
-            <a:gs pos="100000">
+            <a:gs pos="78000">
               <a:schemeClr val="phClr">
-                <a:shade val="88000"/>
+                <a:shade val="94000"/>
                 <a:lumMod val="94000"/>
               </a:schemeClr>
             </a:gs>
           </a:gsLst>
-          <a:path path="circle">
-            <a:fillToRect l="50000" t="100000" r="100000" b="50000"/>
-          </a:path>
+          <a:lin ang="5400000" scaled="0"/>
         </a:gradFill>
       </a:fillStyleLst>
       <a:lnStyleLst>
-        <a:ln w="9525" cap="rnd" cmpd="sng" algn="ctr">
-          <a:solidFill>
-            <a:schemeClr val="phClr">
-              <a:tint val="60000"/>
-            </a:schemeClr>
-          </a:solidFill>
-          <a:prstDash val="solid"/>
-        </a:ln>
-        <a:ln w="15875" cap="rnd" cmpd="sng" algn="ctr">
+        <a:ln w="12700" cap="rnd" cmpd="sng" algn="ctr">
           <a:solidFill>
             <a:schemeClr val="phClr"/>
           </a:solidFill>
           <a:prstDash val="solid"/>
         </a:ln>
-        <a:ln w="22225" cap="rnd" cmpd="sng" algn="ctr">
+        <a:ln w="19050" cap="rnd" cmpd="sng" algn="ctr">
+          <a:solidFill>
+            <a:schemeClr val="phClr"/>
+          </a:solidFill>
+          <a:prstDash val="solid"/>
+        </a:ln>
+        <a:ln w="25400" cap="rnd" cmpd="sng" algn="ctr">
           <a:solidFill>
             <a:schemeClr val="phClr"/>
           </a:solidFill>
@@ -7193,14 +8383,18 @@
         </a:effectStyle>
         <a:effectStyle>
           <a:effectLst>
-            <a:reflection blurRad="12700" stA="26000" endPos="32000" dist="12700" dir="5400000" sy="-100000" rotWithShape="0"/>
+            <a:outerShdw blurRad="38100" dist="25400" dir="5400000" rotWithShape="0">
+              <a:srgbClr val="000000">
+                <a:alpha val="35000"/>
+              </a:srgbClr>
+            </a:outerShdw>
           </a:effectLst>
         </a:effectStyle>
         <a:effectStyle>
           <a:effectLst>
-            <a:outerShdw blurRad="38100" dist="25400" dir="5400000" rotWithShape="0">
+            <a:outerShdw blurRad="50800" dist="38100" dir="5400000" rotWithShape="0">
               <a:srgbClr val="000000">
-                <a:alpha val="64000"/>
+                <a:alpha val="35000"/>
               </a:srgbClr>
             </a:outerShdw>
           </a:effectLst>
@@ -7208,12 +8402,10 @@
             <a:camera prst="orthographicFront">
               <a:rot lat="0" lon="0" rev="0"/>
             </a:camera>
-            <a:lightRig rig="threePt" dir="tl">
-              <a:rot lat="0" lon="0" rev="1200000"/>
-            </a:lightRig>
+            <a:lightRig rig="threePt" dir="tl"/>
           </a:scene3d>
-          <a:sp3d>
-            <a:bevelT w="25400" h="12700"/>
+          <a:sp3d prstMaterial="plastic">
+            <a:bevelT w="0" h="0"/>
           </a:sp3d>
         </a:effectStyle>
       </a:effectStyleLst>
@@ -7226,34 +8418,37 @@
             <a:gs pos="0">
               <a:schemeClr val="phClr">
                 <a:tint val="90000"/>
+                <a:lumMod val="104000"/>
+              </a:schemeClr>
+            </a:gs>
+            <a:gs pos="94000">
+              <a:schemeClr val="phClr">
+                <a:shade val="96000"/>
+                <a:lumMod val="82000"/>
+              </a:schemeClr>
+            </a:gs>
+          </a:gsLst>
+          <a:lin ang="5400000" scaled="0"/>
+        </a:gradFill>
+        <a:gradFill rotWithShape="1">
+          <a:gsLst>
+            <a:gs pos="0">
+              <a:schemeClr val="phClr">
+                <a:tint val="90000"/>
                 <a:lumMod val="110000"/>
               </a:schemeClr>
             </a:gs>
             <a:gs pos="100000">
               <a:schemeClr val="phClr">
-                <a:shade val="64000"/>
-                <a:lumMod val="98000"/>
+                <a:shade val="94000"/>
+                <a:lumMod val="96000"/>
               </a:schemeClr>
             </a:gs>
           </a:gsLst>
-          <a:lin ang="5400000" scaled="0"/>
+          <a:path path="circle">
+            <a:fillToRect l="50000" t="50000" r="100000" b="100000"/>
+          </a:path>
         </a:gradFill>
-        <a:blipFill rotWithShape="1">
-          <a:blip xmlns:r="http://schemas.openxmlformats.org/officeDocument/2006/relationships" r:embed="rId1">
-            <a:duotone>
-              <a:schemeClr val="phClr">
-                <a:shade val="76000"/>
-                <a:satMod val="180000"/>
-              </a:schemeClr>
-              <a:schemeClr val="phClr">
-                <a:tint val="80000"/>
-                <a:satMod val="120000"/>
-                <a:lumMod val="180000"/>
-              </a:schemeClr>
-            </a:duotone>
-          </a:blip>
-          <a:stretch/>
-        </a:blipFill>
       </a:bgFillStyleLst>
     </a:fmtScheme>
   </a:themeElements>
@@ -7261,7 +8456,7 @@
   <a:extraClrSchemeLst/>
   <a:extLst>
     <a:ext uri="{05A4C25C-085E-4340-85A3-A5531E510DB2}">
-      <thm15:themeFamily xmlns:thm15="http://schemas.microsoft.com/office/thememl/2012/main" name="Parallax" id="{3388167B-A2EB-4685-9635-1831D9AEF8C4}" vid="{EBEC8F79-A447-43FC-8E81-85E8468AF3F9}"/>
+      <thm15:themeFamily xmlns:thm15="http://schemas.microsoft.com/office/thememl/2012/main" name="Facet" id="{C0C680CD-088A-49FC-A102-D699147F32B2}" vid="{CFBC31BA-B70F-4F30-BCAA-4F3011E16C4D}"/>
     </a:ext>
   </a:extLst>
 </a:theme>
